--- a/doc/PatternsWesquad.pptx
+++ b/doc/PatternsWesquad.pptx
@@ -5,17 +5,25 @@
     <p:sldMasterId id="2147483671" r:id="rId1"/>
   </p:sldMasterIdLst>
   <p:notesMasterIdLst>
-    <p:notesMasterId r:id="rId10"/>
+    <p:notesMasterId r:id="rId18"/>
   </p:notesMasterIdLst>
   <p:sldIdLst>
     <p:sldId id="256" r:id="rId2"/>
     <p:sldId id="258" r:id="rId3"/>
-    <p:sldId id="259" r:id="rId4"/>
-    <p:sldId id="260" r:id="rId5"/>
-    <p:sldId id="261" r:id="rId6"/>
-    <p:sldId id="262" r:id="rId7"/>
-    <p:sldId id="263" r:id="rId8"/>
-    <p:sldId id="264" r:id="rId9"/>
+    <p:sldId id="269" r:id="rId4"/>
+    <p:sldId id="259" r:id="rId5"/>
+    <p:sldId id="260" r:id="rId6"/>
+    <p:sldId id="261" r:id="rId7"/>
+    <p:sldId id="262" r:id="rId8"/>
+    <p:sldId id="263" r:id="rId9"/>
+    <p:sldId id="264" r:id="rId10"/>
+    <p:sldId id="265" r:id="rId11"/>
+    <p:sldId id="266" r:id="rId12"/>
+    <p:sldId id="267" r:id="rId13"/>
+    <p:sldId id="268" r:id="rId14"/>
+    <p:sldId id="270" r:id="rId15"/>
+    <p:sldId id="271" r:id="rId16"/>
+    <p:sldId id="272" r:id="rId17"/>
   </p:sldIdLst>
   <p:sldSz cx="9144000" cy="5143500" type="screen16x9"/>
   <p:notesSz cx="6858000" cy="9144000"/>
@@ -820,6 +828,769 @@
 </p:notes>
 </file>
 
+<file path=ppt/notesSlides/notesSlide10.xml><?xml version="1.0" encoding="utf-8"?>
+<p:notes xmlns:a="http://schemas.openxmlformats.org/drawingml/2006/main" xmlns:r="http://schemas.openxmlformats.org/officeDocument/2006/relationships" xmlns:p="http://schemas.openxmlformats.org/presentationml/2006/main" showMasterSp="0" showMasterPhAnim="0">
+  <p:cSld>
+    <p:spTree>
+      <p:nvGrpSpPr>
+        <p:cNvPr id="1" name="Shape 97"/>
+        <p:cNvGrpSpPr/>
+        <p:nvPr/>
+      </p:nvGrpSpPr>
+      <p:grpSpPr>
+        <a:xfrm>
+          <a:off x="0" y="0"/>
+          <a:ext cx="0" cy="0"/>
+          <a:chOff x="0" y="0"/>
+          <a:chExt cx="0" cy="0"/>
+        </a:xfrm>
+      </p:grpSpPr>
+      <p:sp>
+        <p:nvSpPr>
+          <p:cNvPr id="98" name="Shape 98"/>
+          <p:cNvSpPr>
+            <a:spLocks noGrp="1" noRot="1" noChangeAspect="1"/>
+          </p:cNvSpPr>
+          <p:nvPr>
+            <p:ph type="sldImg" idx="2"/>
+          </p:nvPr>
+        </p:nvSpPr>
+        <p:spPr>
+          <a:xfrm>
+            <a:off x="381000" y="685800"/>
+            <a:ext cx="6096000" cy="3429000"/>
+          </a:xfrm>
+          <a:custGeom>
+            <a:avLst/>
+            <a:gdLst/>
+            <a:ahLst/>
+            <a:cxnLst/>
+            <a:rect l="0" t="0" r="0" b="0"/>
+            <a:pathLst>
+              <a:path w="120000" h="120000" extrusionOk="0">
+                <a:moveTo>
+                  <a:pt x="0" y="0"/>
+                </a:moveTo>
+                <a:lnTo>
+                  <a:pt x="120000" y="0"/>
+                </a:lnTo>
+                <a:lnTo>
+                  <a:pt x="120000" y="120000"/>
+                </a:lnTo>
+                <a:lnTo>
+                  <a:pt x="0" y="120000"/>
+                </a:lnTo>
+                <a:close/>
+              </a:path>
+            </a:pathLst>
+          </a:custGeom>
+        </p:spPr>
+      </p:sp>
+      <p:sp>
+        <p:nvSpPr>
+          <p:cNvPr id="99" name="Shape 99"/>
+          <p:cNvSpPr txBox="1">
+            <a:spLocks noGrp="1"/>
+          </p:cNvSpPr>
+          <p:nvPr>
+            <p:ph type="body" idx="1"/>
+          </p:nvPr>
+        </p:nvSpPr>
+        <p:spPr>
+          <a:xfrm>
+            <a:off x="685800" y="4343400"/>
+            <a:ext cx="5486400" cy="4114800"/>
+          </a:xfrm>
+          <a:prstGeom prst="rect">
+            <a:avLst/>
+          </a:prstGeom>
+        </p:spPr>
+        <p:txBody>
+          <a:bodyPr spcFirstLastPara="1" wrap="square" lIns="91425" tIns="91425" rIns="91425" bIns="91425" anchor="t" anchorCtr="0">
+            <a:noAutofit/>
+          </a:bodyPr>
+          <a:lstStyle/>
+          <a:p>
+            <a:pPr marL="0" lvl="0" indent="0" rtl="0">
+              <a:spcBef>
+                <a:spcPts val="0"/>
+              </a:spcBef>
+              <a:spcAft>
+                <a:spcPts val="0"/>
+              </a:spcAft>
+              <a:buNone/>
+            </a:pPr>
+            <a:endParaRPr/>
+          </a:p>
+        </p:txBody>
+      </p:sp>
+    </p:spTree>
+    <p:extLst>
+      <p:ext uri="{BB962C8B-B14F-4D97-AF65-F5344CB8AC3E}">
+        <p14:creationId xmlns:p14="http://schemas.microsoft.com/office/powerpoint/2010/main" val="1881026669"/>
+      </p:ext>
+    </p:extLst>
+  </p:cSld>
+  <p:clrMapOvr>
+    <a:masterClrMapping/>
+  </p:clrMapOvr>
+</p:notes>
+</file>
+
+<file path=ppt/notesSlides/notesSlide11.xml><?xml version="1.0" encoding="utf-8"?>
+<p:notes xmlns:a="http://schemas.openxmlformats.org/drawingml/2006/main" xmlns:r="http://schemas.openxmlformats.org/officeDocument/2006/relationships" xmlns:p="http://schemas.openxmlformats.org/presentationml/2006/main" showMasterSp="0" showMasterPhAnim="0">
+  <p:cSld>
+    <p:spTree>
+      <p:nvGrpSpPr>
+        <p:cNvPr id="1" name="Shape 97"/>
+        <p:cNvGrpSpPr/>
+        <p:nvPr/>
+      </p:nvGrpSpPr>
+      <p:grpSpPr>
+        <a:xfrm>
+          <a:off x="0" y="0"/>
+          <a:ext cx="0" cy="0"/>
+          <a:chOff x="0" y="0"/>
+          <a:chExt cx="0" cy="0"/>
+        </a:xfrm>
+      </p:grpSpPr>
+      <p:sp>
+        <p:nvSpPr>
+          <p:cNvPr id="98" name="Shape 98"/>
+          <p:cNvSpPr>
+            <a:spLocks noGrp="1" noRot="1" noChangeAspect="1"/>
+          </p:cNvSpPr>
+          <p:nvPr>
+            <p:ph type="sldImg" idx="2"/>
+          </p:nvPr>
+        </p:nvSpPr>
+        <p:spPr>
+          <a:xfrm>
+            <a:off x="381000" y="685800"/>
+            <a:ext cx="6096000" cy="3429000"/>
+          </a:xfrm>
+          <a:custGeom>
+            <a:avLst/>
+            <a:gdLst/>
+            <a:ahLst/>
+            <a:cxnLst/>
+            <a:rect l="0" t="0" r="0" b="0"/>
+            <a:pathLst>
+              <a:path w="120000" h="120000" extrusionOk="0">
+                <a:moveTo>
+                  <a:pt x="0" y="0"/>
+                </a:moveTo>
+                <a:lnTo>
+                  <a:pt x="120000" y="0"/>
+                </a:lnTo>
+                <a:lnTo>
+                  <a:pt x="120000" y="120000"/>
+                </a:lnTo>
+                <a:lnTo>
+                  <a:pt x="0" y="120000"/>
+                </a:lnTo>
+                <a:close/>
+              </a:path>
+            </a:pathLst>
+          </a:custGeom>
+        </p:spPr>
+      </p:sp>
+      <p:sp>
+        <p:nvSpPr>
+          <p:cNvPr id="99" name="Shape 99"/>
+          <p:cNvSpPr txBox="1">
+            <a:spLocks noGrp="1"/>
+          </p:cNvSpPr>
+          <p:nvPr>
+            <p:ph type="body" idx="1"/>
+          </p:nvPr>
+        </p:nvSpPr>
+        <p:spPr>
+          <a:xfrm>
+            <a:off x="685800" y="4343400"/>
+            <a:ext cx="5486400" cy="4114800"/>
+          </a:xfrm>
+          <a:prstGeom prst="rect">
+            <a:avLst/>
+          </a:prstGeom>
+        </p:spPr>
+        <p:txBody>
+          <a:bodyPr spcFirstLastPara="1" wrap="square" lIns="91425" tIns="91425" rIns="91425" bIns="91425" anchor="t" anchorCtr="0">
+            <a:noAutofit/>
+          </a:bodyPr>
+          <a:lstStyle/>
+          <a:p>
+            <a:pPr marL="0" lvl="0" indent="0" rtl="0">
+              <a:spcBef>
+                <a:spcPts val="0"/>
+              </a:spcBef>
+              <a:spcAft>
+                <a:spcPts val="0"/>
+              </a:spcAft>
+              <a:buNone/>
+            </a:pPr>
+            <a:endParaRPr/>
+          </a:p>
+        </p:txBody>
+      </p:sp>
+    </p:spTree>
+    <p:extLst>
+      <p:ext uri="{BB962C8B-B14F-4D97-AF65-F5344CB8AC3E}">
+        <p14:creationId xmlns:p14="http://schemas.microsoft.com/office/powerpoint/2010/main" val="2677600243"/>
+      </p:ext>
+    </p:extLst>
+  </p:cSld>
+  <p:clrMapOvr>
+    <a:masterClrMapping/>
+  </p:clrMapOvr>
+</p:notes>
+</file>
+
+<file path=ppt/notesSlides/notesSlide12.xml><?xml version="1.0" encoding="utf-8"?>
+<p:notes xmlns:a="http://schemas.openxmlformats.org/drawingml/2006/main" xmlns:r="http://schemas.openxmlformats.org/officeDocument/2006/relationships" xmlns:p="http://schemas.openxmlformats.org/presentationml/2006/main" showMasterSp="0" showMasterPhAnim="0">
+  <p:cSld>
+    <p:spTree>
+      <p:nvGrpSpPr>
+        <p:cNvPr id="1" name="Shape 97"/>
+        <p:cNvGrpSpPr/>
+        <p:nvPr/>
+      </p:nvGrpSpPr>
+      <p:grpSpPr>
+        <a:xfrm>
+          <a:off x="0" y="0"/>
+          <a:ext cx="0" cy="0"/>
+          <a:chOff x="0" y="0"/>
+          <a:chExt cx="0" cy="0"/>
+        </a:xfrm>
+      </p:grpSpPr>
+      <p:sp>
+        <p:nvSpPr>
+          <p:cNvPr id="98" name="Shape 98"/>
+          <p:cNvSpPr>
+            <a:spLocks noGrp="1" noRot="1" noChangeAspect="1"/>
+          </p:cNvSpPr>
+          <p:nvPr>
+            <p:ph type="sldImg" idx="2"/>
+          </p:nvPr>
+        </p:nvSpPr>
+        <p:spPr>
+          <a:xfrm>
+            <a:off x="381000" y="685800"/>
+            <a:ext cx="6096000" cy="3429000"/>
+          </a:xfrm>
+          <a:custGeom>
+            <a:avLst/>
+            <a:gdLst/>
+            <a:ahLst/>
+            <a:cxnLst/>
+            <a:rect l="0" t="0" r="0" b="0"/>
+            <a:pathLst>
+              <a:path w="120000" h="120000" extrusionOk="0">
+                <a:moveTo>
+                  <a:pt x="0" y="0"/>
+                </a:moveTo>
+                <a:lnTo>
+                  <a:pt x="120000" y="0"/>
+                </a:lnTo>
+                <a:lnTo>
+                  <a:pt x="120000" y="120000"/>
+                </a:lnTo>
+                <a:lnTo>
+                  <a:pt x="0" y="120000"/>
+                </a:lnTo>
+                <a:close/>
+              </a:path>
+            </a:pathLst>
+          </a:custGeom>
+        </p:spPr>
+      </p:sp>
+      <p:sp>
+        <p:nvSpPr>
+          <p:cNvPr id="99" name="Shape 99"/>
+          <p:cNvSpPr txBox="1">
+            <a:spLocks noGrp="1"/>
+          </p:cNvSpPr>
+          <p:nvPr>
+            <p:ph type="body" idx="1"/>
+          </p:nvPr>
+        </p:nvSpPr>
+        <p:spPr>
+          <a:xfrm>
+            <a:off x="685800" y="4343400"/>
+            <a:ext cx="5486400" cy="4114800"/>
+          </a:xfrm>
+          <a:prstGeom prst="rect">
+            <a:avLst/>
+          </a:prstGeom>
+        </p:spPr>
+        <p:txBody>
+          <a:bodyPr spcFirstLastPara="1" wrap="square" lIns="91425" tIns="91425" rIns="91425" bIns="91425" anchor="t" anchorCtr="0">
+            <a:noAutofit/>
+          </a:bodyPr>
+          <a:lstStyle/>
+          <a:p>
+            <a:pPr marL="0" lvl="0" indent="0" rtl="0">
+              <a:spcBef>
+                <a:spcPts val="0"/>
+              </a:spcBef>
+              <a:spcAft>
+                <a:spcPts val="0"/>
+              </a:spcAft>
+              <a:buNone/>
+            </a:pPr>
+            <a:endParaRPr/>
+          </a:p>
+        </p:txBody>
+      </p:sp>
+    </p:spTree>
+    <p:extLst>
+      <p:ext uri="{BB962C8B-B14F-4D97-AF65-F5344CB8AC3E}">
+        <p14:creationId xmlns:p14="http://schemas.microsoft.com/office/powerpoint/2010/main" val="1916638417"/>
+      </p:ext>
+    </p:extLst>
+  </p:cSld>
+  <p:clrMapOvr>
+    <a:masterClrMapping/>
+  </p:clrMapOvr>
+</p:notes>
+</file>
+
+<file path=ppt/notesSlides/notesSlide13.xml><?xml version="1.0" encoding="utf-8"?>
+<p:notes xmlns:a="http://schemas.openxmlformats.org/drawingml/2006/main" xmlns:r="http://schemas.openxmlformats.org/officeDocument/2006/relationships" xmlns:p="http://schemas.openxmlformats.org/presentationml/2006/main" showMasterSp="0" showMasterPhAnim="0">
+  <p:cSld>
+    <p:spTree>
+      <p:nvGrpSpPr>
+        <p:cNvPr id="1" name="Shape 97"/>
+        <p:cNvGrpSpPr/>
+        <p:nvPr/>
+      </p:nvGrpSpPr>
+      <p:grpSpPr>
+        <a:xfrm>
+          <a:off x="0" y="0"/>
+          <a:ext cx="0" cy="0"/>
+          <a:chOff x="0" y="0"/>
+          <a:chExt cx="0" cy="0"/>
+        </a:xfrm>
+      </p:grpSpPr>
+      <p:sp>
+        <p:nvSpPr>
+          <p:cNvPr id="98" name="Shape 98"/>
+          <p:cNvSpPr>
+            <a:spLocks noGrp="1" noRot="1" noChangeAspect="1"/>
+          </p:cNvSpPr>
+          <p:nvPr>
+            <p:ph type="sldImg" idx="2"/>
+          </p:nvPr>
+        </p:nvSpPr>
+        <p:spPr>
+          <a:xfrm>
+            <a:off x="381000" y="685800"/>
+            <a:ext cx="6096000" cy="3429000"/>
+          </a:xfrm>
+          <a:custGeom>
+            <a:avLst/>
+            <a:gdLst/>
+            <a:ahLst/>
+            <a:cxnLst/>
+            <a:rect l="0" t="0" r="0" b="0"/>
+            <a:pathLst>
+              <a:path w="120000" h="120000" extrusionOk="0">
+                <a:moveTo>
+                  <a:pt x="0" y="0"/>
+                </a:moveTo>
+                <a:lnTo>
+                  <a:pt x="120000" y="0"/>
+                </a:lnTo>
+                <a:lnTo>
+                  <a:pt x="120000" y="120000"/>
+                </a:lnTo>
+                <a:lnTo>
+                  <a:pt x="0" y="120000"/>
+                </a:lnTo>
+                <a:close/>
+              </a:path>
+            </a:pathLst>
+          </a:custGeom>
+        </p:spPr>
+      </p:sp>
+      <p:sp>
+        <p:nvSpPr>
+          <p:cNvPr id="99" name="Shape 99"/>
+          <p:cNvSpPr txBox="1">
+            <a:spLocks noGrp="1"/>
+          </p:cNvSpPr>
+          <p:nvPr>
+            <p:ph type="body" idx="1"/>
+          </p:nvPr>
+        </p:nvSpPr>
+        <p:spPr>
+          <a:xfrm>
+            <a:off x="685800" y="4343400"/>
+            <a:ext cx="5486400" cy="4114800"/>
+          </a:xfrm>
+          <a:prstGeom prst="rect">
+            <a:avLst/>
+          </a:prstGeom>
+        </p:spPr>
+        <p:txBody>
+          <a:bodyPr spcFirstLastPara="1" wrap="square" lIns="91425" tIns="91425" rIns="91425" bIns="91425" anchor="t" anchorCtr="0">
+            <a:noAutofit/>
+          </a:bodyPr>
+          <a:lstStyle/>
+          <a:p>
+            <a:pPr marL="0" lvl="0" indent="0" rtl="0">
+              <a:spcBef>
+                <a:spcPts val="0"/>
+              </a:spcBef>
+              <a:spcAft>
+                <a:spcPts val="0"/>
+              </a:spcAft>
+              <a:buNone/>
+            </a:pPr>
+            <a:endParaRPr/>
+          </a:p>
+        </p:txBody>
+      </p:sp>
+    </p:spTree>
+    <p:extLst>
+      <p:ext uri="{BB962C8B-B14F-4D97-AF65-F5344CB8AC3E}">
+        <p14:creationId xmlns:p14="http://schemas.microsoft.com/office/powerpoint/2010/main" val="2019194342"/>
+      </p:ext>
+    </p:extLst>
+  </p:cSld>
+  <p:clrMapOvr>
+    <a:masterClrMapping/>
+  </p:clrMapOvr>
+</p:notes>
+</file>
+
+<file path=ppt/notesSlides/notesSlide14.xml><?xml version="1.0" encoding="utf-8"?>
+<p:notes xmlns:a="http://schemas.openxmlformats.org/drawingml/2006/main" xmlns:r="http://schemas.openxmlformats.org/officeDocument/2006/relationships" xmlns:p="http://schemas.openxmlformats.org/presentationml/2006/main" showMasterSp="0" showMasterPhAnim="0">
+  <p:cSld>
+    <p:spTree>
+      <p:nvGrpSpPr>
+        <p:cNvPr id="1" name="Shape 97"/>
+        <p:cNvGrpSpPr/>
+        <p:nvPr/>
+      </p:nvGrpSpPr>
+      <p:grpSpPr>
+        <a:xfrm>
+          <a:off x="0" y="0"/>
+          <a:ext cx="0" cy="0"/>
+          <a:chOff x="0" y="0"/>
+          <a:chExt cx="0" cy="0"/>
+        </a:xfrm>
+      </p:grpSpPr>
+      <p:sp>
+        <p:nvSpPr>
+          <p:cNvPr id="98" name="Shape 98"/>
+          <p:cNvSpPr>
+            <a:spLocks noGrp="1" noRot="1" noChangeAspect="1"/>
+          </p:cNvSpPr>
+          <p:nvPr>
+            <p:ph type="sldImg" idx="2"/>
+          </p:nvPr>
+        </p:nvSpPr>
+        <p:spPr>
+          <a:xfrm>
+            <a:off x="381000" y="685800"/>
+            <a:ext cx="6096000" cy="3429000"/>
+          </a:xfrm>
+          <a:custGeom>
+            <a:avLst/>
+            <a:gdLst/>
+            <a:ahLst/>
+            <a:cxnLst/>
+            <a:rect l="0" t="0" r="0" b="0"/>
+            <a:pathLst>
+              <a:path w="120000" h="120000" extrusionOk="0">
+                <a:moveTo>
+                  <a:pt x="0" y="0"/>
+                </a:moveTo>
+                <a:lnTo>
+                  <a:pt x="120000" y="0"/>
+                </a:lnTo>
+                <a:lnTo>
+                  <a:pt x="120000" y="120000"/>
+                </a:lnTo>
+                <a:lnTo>
+                  <a:pt x="0" y="120000"/>
+                </a:lnTo>
+                <a:close/>
+              </a:path>
+            </a:pathLst>
+          </a:custGeom>
+        </p:spPr>
+      </p:sp>
+      <p:sp>
+        <p:nvSpPr>
+          <p:cNvPr id="99" name="Shape 99"/>
+          <p:cNvSpPr txBox="1">
+            <a:spLocks noGrp="1"/>
+          </p:cNvSpPr>
+          <p:nvPr>
+            <p:ph type="body" idx="1"/>
+          </p:nvPr>
+        </p:nvSpPr>
+        <p:spPr>
+          <a:xfrm>
+            <a:off x="685800" y="4343400"/>
+            <a:ext cx="5486400" cy="4114800"/>
+          </a:xfrm>
+          <a:prstGeom prst="rect">
+            <a:avLst/>
+          </a:prstGeom>
+        </p:spPr>
+        <p:txBody>
+          <a:bodyPr spcFirstLastPara="1" wrap="square" lIns="91425" tIns="91425" rIns="91425" bIns="91425" anchor="t" anchorCtr="0">
+            <a:noAutofit/>
+          </a:bodyPr>
+          <a:lstStyle/>
+          <a:p>
+            <a:pPr marL="0" lvl="0" indent="0" rtl="0">
+              <a:spcBef>
+                <a:spcPts val="0"/>
+              </a:spcBef>
+              <a:spcAft>
+                <a:spcPts val="0"/>
+              </a:spcAft>
+              <a:buNone/>
+            </a:pPr>
+            <a:endParaRPr/>
+          </a:p>
+        </p:txBody>
+      </p:sp>
+    </p:spTree>
+    <p:extLst>
+      <p:ext uri="{BB962C8B-B14F-4D97-AF65-F5344CB8AC3E}">
+        <p14:creationId xmlns:p14="http://schemas.microsoft.com/office/powerpoint/2010/main" val="2453859761"/>
+      </p:ext>
+    </p:extLst>
+  </p:cSld>
+  <p:clrMapOvr>
+    <a:masterClrMapping/>
+  </p:clrMapOvr>
+</p:notes>
+</file>
+
+<file path=ppt/notesSlides/notesSlide15.xml><?xml version="1.0" encoding="utf-8"?>
+<p:notes xmlns:a="http://schemas.openxmlformats.org/drawingml/2006/main" xmlns:r="http://schemas.openxmlformats.org/officeDocument/2006/relationships" xmlns:p="http://schemas.openxmlformats.org/presentationml/2006/main" showMasterSp="0" showMasterPhAnim="0">
+  <p:cSld>
+    <p:spTree>
+      <p:nvGrpSpPr>
+        <p:cNvPr id="1" name="Shape 97"/>
+        <p:cNvGrpSpPr/>
+        <p:nvPr/>
+      </p:nvGrpSpPr>
+      <p:grpSpPr>
+        <a:xfrm>
+          <a:off x="0" y="0"/>
+          <a:ext cx="0" cy="0"/>
+          <a:chOff x="0" y="0"/>
+          <a:chExt cx="0" cy="0"/>
+        </a:xfrm>
+      </p:grpSpPr>
+      <p:sp>
+        <p:nvSpPr>
+          <p:cNvPr id="98" name="Shape 98"/>
+          <p:cNvSpPr>
+            <a:spLocks noGrp="1" noRot="1" noChangeAspect="1"/>
+          </p:cNvSpPr>
+          <p:nvPr>
+            <p:ph type="sldImg" idx="2"/>
+          </p:nvPr>
+        </p:nvSpPr>
+        <p:spPr>
+          <a:xfrm>
+            <a:off x="381000" y="685800"/>
+            <a:ext cx="6096000" cy="3429000"/>
+          </a:xfrm>
+          <a:custGeom>
+            <a:avLst/>
+            <a:gdLst/>
+            <a:ahLst/>
+            <a:cxnLst/>
+            <a:rect l="0" t="0" r="0" b="0"/>
+            <a:pathLst>
+              <a:path w="120000" h="120000" extrusionOk="0">
+                <a:moveTo>
+                  <a:pt x="0" y="0"/>
+                </a:moveTo>
+                <a:lnTo>
+                  <a:pt x="120000" y="0"/>
+                </a:lnTo>
+                <a:lnTo>
+                  <a:pt x="120000" y="120000"/>
+                </a:lnTo>
+                <a:lnTo>
+                  <a:pt x="0" y="120000"/>
+                </a:lnTo>
+                <a:close/>
+              </a:path>
+            </a:pathLst>
+          </a:custGeom>
+        </p:spPr>
+      </p:sp>
+      <p:sp>
+        <p:nvSpPr>
+          <p:cNvPr id="99" name="Shape 99"/>
+          <p:cNvSpPr txBox="1">
+            <a:spLocks noGrp="1"/>
+          </p:cNvSpPr>
+          <p:nvPr>
+            <p:ph type="body" idx="1"/>
+          </p:nvPr>
+        </p:nvSpPr>
+        <p:spPr>
+          <a:xfrm>
+            <a:off x="685800" y="4343400"/>
+            <a:ext cx="5486400" cy="4114800"/>
+          </a:xfrm>
+          <a:prstGeom prst="rect">
+            <a:avLst/>
+          </a:prstGeom>
+        </p:spPr>
+        <p:txBody>
+          <a:bodyPr spcFirstLastPara="1" wrap="square" lIns="91425" tIns="91425" rIns="91425" bIns="91425" anchor="t" anchorCtr="0">
+            <a:noAutofit/>
+          </a:bodyPr>
+          <a:lstStyle/>
+          <a:p>
+            <a:pPr marL="0" lvl="0" indent="0" rtl="0">
+              <a:spcBef>
+                <a:spcPts val="0"/>
+              </a:spcBef>
+              <a:spcAft>
+                <a:spcPts val="0"/>
+              </a:spcAft>
+              <a:buNone/>
+            </a:pPr>
+            <a:endParaRPr/>
+          </a:p>
+        </p:txBody>
+      </p:sp>
+    </p:spTree>
+    <p:extLst>
+      <p:ext uri="{BB962C8B-B14F-4D97-AF65-F5344CB8AC3E}">
+        <p14:creationId xmlns:p14="http://schemas.microsoft.com/office/powerpoint/2010/main" val="2425594050"/>
+      </p:ext>
+    </p:extLst>
+  </p:cSld>
+  <p:clrMapOvr>
+    <a:masterClrMapping/>
+  </p:clrMapOvr>
+</p:notes>
+</file>
+
+<file path=ppt/notesSlides/notesSlide16.xml><?xml version="1.0" encoding="utf-8"?>
+<p:notes xmlns:a="http://schemas.openxmlformats.org/drawingml/2006/main" xmlns:r="http://schemas.openxmlformats.org/officeDocument/2006/relationships" xmlns:p="http://schemas.openxmlformats.org/presentationml/2006/main" showMasterSp="0" showMasterPhAnim="0">
+  <p:cSld>
+    <p:spTree>
+      <p:nvGrpSpPr>
+        <p:cNvPr id="1" name="Shape 97"/>
+        <p:cNvGrpSpPr/>
+        <p:nvPr/>
+      </p:nvGrpSpPr>
+      <p:grpSpPr>
+        <a:xfrm>
+          <a:off x="0" y="0"/>
+          <a:ext cx="0" cy="0"/>
+          <a:chOff x="0" y="0"/>
+          <a:chExt cx="0" cy="0"/>
+        </a:xfrm>
+      </p:grpSpPr>
+      <p:sp>
+        <p:nvSpPr>
+          <p:cNvPr id="98" name="Shape 98"/>
+          <p:cNvSpPr>
+            <a:spLocks noGrp="1" noRot="1" noChangeAspect="1"/>
+          </p:cNvSpPr>
+          <p:nvPr>
+            <p:ph type="sldImg" idx="2"/>
+          </p:nvPr>
+        </p:nvSpPr>
+        <p:spPr>
+          <a:xfrm>
+            <a:off x="381000" y="685800"/>
+            <a:ext cx="6096000" cy="3429000"/>
+          </a:xfrm>
+          <a:custGeom>
+            <a:avLst/>
+            <a:gdLst/>
+            <a:ahLst/>
+            <a:cxnLst/>
+            <a:rect l="0" t="0" r="0" b="0"/>
+            <a:pathLst>
+              <a:path w="120000" h="120000" extrusionOk="0">
+                <a:moveTo>
+                  <a:pt x="0" y="0"/>
+                </a:moveTo>
+                <a:lnTo>
+                  <a:pt x="120000" y="0"/>
+                </a:lnTo>
+                <a:lnTo>
+                  <a:pt x="120000" y="120000"/>
+                </a:lnTo>
+                <a:lnTo>
+                  <a:pt x="0" y="120000"/>
+                </a:lnTo>
+                <a:close/>
+              </a:path>
+            </a:pathLst>
+          </a:custGeom>
+        </p:spPr>
+      </p:sp>
+      <p:sp>
+        <p:nvSpPr>
+          <p:cNvPr id="99" name="Shape 99"/>
+          <p:cNvSpPr txBox="1">
+            <a:spLocks noGrp="1"/>
+          </p:cNvSpPr>
+          <p:nvPr>
+            <p:ph type="body" idx="1"/>
+          </p:nvPr>
+        </p:nvSpPr>
+        <p:spPr>
+          <a:xfrm>
+            <a:off x="685800" y="4343400"/>
+            <a:ext cx="5486400" cy="4114800"/>
+          </a:xfrm>
+          <a:prstGeom prst="rect">
+            <a:avLst/>
+          </a:prstGeom>
+        </p:spPr>
+        <p:txBody>
+          <a:bodyPr spcFirstLastPara="1" wrap="square" lIns="91425" tIns="91425" rIns="91425" bIns="91425" anchor="t" anchorCtr="0">
+            <a:noAutofit/>
+          </a:bodyPr>
+          <a:lstStyle/>
+          <a:p>
+            <a:pPr marL="0" lvl="0" indent="0" rtl="0">
+              <a:spcBef>
+                <a:spcPts val="0"/>
+              </a:spcBef>
+              <a:spcAft>
+                <a:spcPts val="0"/>
+              </a:spcAft>
+              <a:buNone/>
+            </a:pPr>
+            <a:endParaRPr/>
+          </a:p>
+        </p:txBody>
+      </p:sp>
+    </p:spTree>
+    <p:extLst>
+      <p:ext uri="{BB962C8B-B14F-4D97-AF65-F5344CB8AC3E}">
+        <p14:creationId xmlns:p14="http://schemas.microsoft.com/office/powerpoint/2010/main" val="3024179253"/>
+      </p:ext>
+    </p:extLst>
+  </p:cSld>
+  <p:clrMapOvr>
+    <a:masterClrMapping/>
+  </p:clrMapOvr>
+</p:notes>
+</file>
+
 <file path=ppt/notesSlides/notesSlide2.xml><?xml version="1.0" encoding="utf-8"?>
 <p:notes xmlns:a="http://schemas.openxmlformats.org/drawingml/2006/main" xmlns:r="http://schemas.openxmlformats.org/officeDocument/2006/relationships" xmlns:p="http://schemas.openxmlformats.org/presentationml/2006/main" showMasterSp="0" showMasterPhAnim="0">
   <p:cSld>
@@ -1028,7 +1799,7 @@
     </p:spTree>
     <p:extLst>
       <p:ext uri="{BB962C8B-B14F-4D97-AF65-F5344CB8AC3E}">
-        <p14:creationId xmlns:p14="http://schemas.microsoft.com/office/powerpoint/2010/main" val="3744664923"/>
+        <p14:creationId xmlns:p14="http://schemas.microsoft.com/office/powerpoint/2010/main" val="2888954557"/>
       </p:ext>
     </p:extLst>
   </p:cSld>
@@ -1137,7 +1908,7 @@
     </p:spTree>
     <p:extLst>
       <p:ext uri="{BB962C8B-B14F-4D97-AF65-F5344CB8AC3E}">
-        <p14:creationId xmlns:p14="http://schemas.microsoft.com/office/powerpoint/2010/main" val="479452559"/>
+        <p14:creationId xmlns:p14="http://schemas.microsoft.com/office/powerpoint/2010/main" val="3744664923"/>
       </p:ext>
     </p:extLst>
   </p:cSld>
@@ -1246,7 +2017,7 @@
     </p:spTree>
     <p:extLst>
       <p:ext uri="{BB962C8B-B14F-4D97-AF65-F5344CB8AC3E}">
-        <p14:creationId xmlns:p14="http://schemas.microsoft.com/office/powerpoint/2010/main" val="2091064080"/>
+        <p14:creationId xmlns:p14="http://schemas.microsoft.com/office/powerpoint/2010/main" val="479452559"/>
       </p:ext>
     </p:extLst>
   </p:cSld>
@@ -1355,7 +2126,7 @@
     </p:spTree>
     <p:extLst>
       <p:ext uri="{BB962C8B-B14F-4D97-AF65-F5344CB8AC3E}">
-        <p14:creationId xmlns:p14="http://schemas.microsoft.com/office/powerpoint/2010/main" val="2911958875"/>
+        <p14:creationId xmlns:p14="http://schemas.microsoft.com/office/powerpoint/2010/main" val="2091064080"/>
       </p:ext>
     </p:extLst>
   </p:cSld>
@@ -1464,6 +2235,115 @@
     </p:spTree>
     <p:extLst>
       <p:ext uri="{BB962C8B-B14F-4D97-AF65-F5344CB8AC3E}">
+        <p14:creationId xmlns:p14="http://schemas.microsoft.com/office/powerpoint/2010/main" val="2911958875"/>
+      </p:ext>
+    </p:extLst>
+  </p:cSld>
+  <p:clrMapOvr>
+    <a:masterClrMapping/>
+  </p:clrMapOvr>
+</p:notes>
+</file>
+
+<file path=ppt/notesSlides/notesSlide8.xml><?xml version="1.0" encoding="utf-8"?>
+<p:notes xmlns:a="http://schemas.openxmlformats.org/drawingml/2006/main" xmlns:r="http://schemas.openxmlformats.org/officeDocument/2006/relationships" xmlns:p="http://schemas.openxmlformats.org/presentationml/2006/main" showMasterSp="0" showMasterPhAnim="0">
+  <p:cSld>
+    <p:spTree>
+      <p:nvGrpSpPr>
+        <p:cNvPr id="1" name="Shape 97"/>
+        <p:cNvGrpSpPr/>
+        <p:nvPr/>
+      </p:nvGrpSpPr>
+      <p:grpSpPr>
+        <a:xfrm>
+          <a:off x="0" y="0"/>
+          <a:ext cx="0" cy="0"/>
+          <a:chOff x="0" y="0"/>
+          <a:chExt cx="0" cy="0"/>
+        </a:xfrm>
+      </p:grpSpPr>
+      <p:sp>
+        <p:nvSpPr>
+          <p:cNvPr id="98" name="Shape 98"/>
+          <p:cNvSpPr>
+            <a:spLocks noGrp="1" noRot="1" noChangeAspect="1"/>
+          </p:cNvSpPr>
+          <p:nvPr>
+            <p:ph type="sldImg" idx="2"/>
+          </p:nvPr>
+        </p:nvSpPr>
+        <p:spPr>
+          <a:xfrm>
+            <a:off x="381000" y="685800"/>
+            <a:ext cx="6096000" cy="3429000"/>
+          </a:xfrm>
+          <a:custGeom>
+            <a:avLst/>
+            <a:gdLst/>
+            <a:ahLst/>
+            <a:cxnLst/>
+            <a:rect l="0" t="0" r="0" b="0"/>
+            <a:pathLst>
+              <a:path w="120000" h="120000" extrusionOk="0">
+                <a:moveTo>
+                  <a:pt x="0" y="0"/>
+                </a:moveTo>
+                <a:lnTo>
+                  <a:pt x="120000" y="0"/>
+                </a:lnTo>
+                <a:lnTo>
+                  <a:pt x="120000" y="120000"/>
+                </a:lnTo>
+                <a:lnTo>
+                  <a:pt x="0" y="120000"/>
+                </a:lnTo>
+                <a:close/>
+              </a:path>
+            </a:pathLst>
+          </a:custGeom>
+        </p:spPr>
+      </p:sp>
+      <p:sp>
+        <p:nvSpPr>
+          <p:cNvPr id="99" name="Shape 99"/>
+          <p:cNvSpPr txBox="1">
+            <a:spLocks noGrp="1"/>
+          </p:cNvSpPr>
+          <p:nvPr>
+            <p:ph type="body" idx="1"/>
+          </p:nvPr>
+        </p:nvSpPr>
+        <p:spPr>
+          <a:xfrm>
+            <a:off x="685800" y="4343400"/>
+            <a:ext cx="5486400" cy="4114800"/>
+          </a:xfrm>
+          <a:prstGeom prst="rect">
+            <a:avLst/>
+          </a:prstGeom>
+        </p:spPr>
+        <p:txBody>
+          <a:bodyPr spcFirstLastPara="1" wrap="square" lIns="91425" tIns="91425" rIns="91425" bIns="91425" anchor="t" anchorCtr="0">
+            <a:noAutofit/>
+          </a:bodyPr>
+          <a:lstStyle/>
+          <a:p>
+            <a:pPr marL="0" lvl="0" indent="0" rtl="0">
+              <a:spcBef>
+                <a:spcPts val="0"/>
+              </a:spcBef>
+              <a:spcAft>
+                <a:spcPts val="0"/>
+              </a:spcAft>
+              <a:buNone/>
+            </a:pPr>
+            <a:endParaRPr/>
+          </a:p>
+        </p:txBody>
+      </p:sp>
+    </p:spTree>
+    <p:extLst>
+      <p:ext uri="{BB962C8B-B14F-4D97-AF65-F5344CB8AC3E}">
         <p14:creationId xmlns:p14="http://schemas.microsoft.com/office/powerpoint/2010/main" val="1814903234"/>
       </p:ext>
     </p:extLst>
@@ -1474,7 +2354,7 @@
 </p:notes>
 </file>
 
-<file path=ppt/notesSlides/notesSlide8.xml><?xml version="1.0" encoding="utf-8"?>
+<file path=ppt/notesSlides/notesSlide9.xml><?xml version="1.0" encoding="utf-8"?>
 <p:notes xmlns:a="http://schemas.openxmlformats.org/drawingml/2006/main" xmlns:r="http://schemas.openxmlformats.org/officeDocument/2006/relationships" xmlns:p="http://schemas.openxmlformats.org/presentationml/2006/main" showMasterSp="0" showMasterPhAnim="0">
   <p:cSld>
     <p:spTree>
@@ -7234,6 +8114,7355 @@
 </p:sld>
 </file>
 
+<file path=ppt/slides/slide10.xml><?xml version="1.0" encoding="utf-8"?>
+<p:sld xmlns:a="http://schemas.openxmlformats.org/drawingml/2006/main" xmlns:r="http://schemas.openxmlformats.org/officeDocument/2006/relationships" xmlns:p="http://schemas.openxmlformats.org/presentationml/2006/main">
+  <p:cSld>
+    <p:spTree>
+      <p:nvGrpSpPr>
+        <p:cNvPr id="1" name="Shape 100"/>
+        <p:cNvGrpSpPr/>
+        <p:nvPr/>
+      </p:nvGrpSpPr>
+      <p:grpSpPr>
+        <a:xfrm>
+          <a:off x="0" y="0"/>
+          <a:ext cx="0" cy="0"/>
+          <a:chOff x="0" y="0"/>
+          <a:chExt cx="0" cy="0"/>
+        </a:xfrm>
+      </p:grpSpPr>
+      <p:sp>
+        <p:nvSpPr>
+          <p:cNvPr id="101" name="Shape 101"/>
+          <p:cNvSpPr txBox="1"/>
+          <p:nvPr/>
+        </p:nvSpPr>
+        <p:spPr>
+          <a:xfrm>
+            <a:off x="361500" y="309350"/>
+            <a:ext cx="8421000" cy="855000"/>
+          </a:xfrm>
+          <a:prstGeom prst="rect">
+            <a:avLst/>
+          </a:prstGeom>
+          <a:noFill/>
+          <a:ln>
+            <a:noFill/>
+          </a:ln>
+        </p:spPr>
+        <p:txBody>
+          <a:bodyPr spcFirstLastPara="1" wrap="square" lIns="91425" tIns="91425" rIns="91425" bIns="91425" anchor="b" anchorCtr="0">
+            <a:noAutofit/>
+          </a:bodyPr>
+          <a:lstStyle/>
+          <a:p>
+            <a:pPr marL="1028700" lvl="0" indent="-1028700" algn="ctr">
+              <a:buFont typeface="+mj-lt"/>
+              <a:buAutoNum type="romanUcPeriod" startAt="2"/>
+            </a:pPr>
+            <a:r>
+              <a:rPr lang="fr-FR" sz="4800" dirty="0" smtClean="0">
+                <a:latin typeface="Helvetica Neue"/>
+              </a:rPr>
+              <a:t>Pattern </a:t>
+            </a:r>
+            <a:r>
+              <a:rPr lang="fr-FR" sz="4800" dirty="0" err="1" smtClean="0">
+                <a:latin typeface="Helvetica Neue"/>
+              </a:rPr>
+              <a:t>Visitor</a:t>
+            </a:r>
+            <a:endParaRPr sz="8000" dirty="0">
+              <a:latin typeface="Helvetica Neue"/>
+              <a:ea typeface="Helvetica Neue"/>
+              <a:cs typeface="Helvetica Neue"/>
+              <a:sym typeface="Helvetica Neue"/>
+            </a:endParaRPr>
+          </a:p>
+        </p:txBody>
+      </p:sp>
+      <p:pic>
+        <p:nvPicPr>
+          <p:cNvPr id="102" name="Shape 102"/>
+          <p:cNvPicPr preferRelativeResize="0"/>
+          <p:nvPr/>
+        </p:nvPicPr>
+        <p:blipFill>
+          <a:blip r:embed="rId3">
+            <a:alphaModFix/>
+          </a:blip>
+          <a:stretch>
+            <a:fillRect/>
+          </a:stretch>
+        </p:blipFill>
+        <p:spPr>
+          <a:xfrm>
+            <a:off x="0" y="0"/>
+            <a:ext cx="189627" cy="5143503"/>
+          </a:xfrm>
+          <a:prstGeom prst="rect">
+            <a:avLst/>
+          </a:prstGeom>
+          <a:noFill/>
+          <a:ln>
+            <a:noFill/>
+          </a:ln>
+        </p:spPr>
+      </p:pic>
+      <p:pic>
+        <p:nvPicPr>
+          <p:cNvPr id="103" name="Shape 103"/>
+          <p:cNvPicPr preferRelativeResize="0"/>
+          <p:nvPr/>
+        </p:nvPicPr>
+        <p:blipFill rotWithShape="1">
+          <a:blip r:embed="rId4">
+            <a:alphaModFix/>
+          </a:blip>
+          <a:srcRect l="17665" r="14204" b="33849"/>
+          <a:stretch/>
+        </p:blipFill>
+        <p:spPr>
+          <a:xfrm>
+            <a:off x="8201125" y="4195400"/>
+            <a:ext cx="817750" cy="794025"/>
+          </a:xfrm>
+          <a:prstGeom prst="rect">
+            <a:avLst/>
+          </a:prstGeom>
+          <a:noFill/>
+          <a:ln>
+            <a:noFill/>
+          </a:ln>
+        </p:spPr>
+      </p:pic>
+      <p:pic>
+        <p:nvPicPr>
+          <p:cNvPr id="7" name="Image 6"/>
+          <p:cNvPicPr>
+            <a:picLocks noChangeAspect="1"/>
+          </p:cNvPicPr>
+          <p:nvPr/>
+        </p:nvPicPr>
+        <p:blipFill>
+          <a:blip r:embed="rId5">
+            <a:extLst>
+              <a:ext uri="{28A0092B-C50C-407E-A947-70E740481C1C}">
+                <a14:useLocalDpi xmlns:a14="http://schemas.microsoft.com/office/drawing/2010/main" val="0"/>
+              </a:ext>
+            </a:extLst>
+          </a:blip>
+          <a:stretch>
+            <a:fillRect/>
+          </a:stretch>
+        </p:blipFill>
+        <p:spPr>
+          <a:xfrm>
+            <a:off x="2537690" y="1074883"/>
+            <a:ext cx="4068620" cy="4068620"/>
+          </a:xfrm>
+          <a:prstGeom prst="rect">
+            <a:avLst/>
+          </a:prstGeom>
+        </p:spPr>
+      </p:pic>
+    </p:spTree>
+    <p:extLst>
+      <p:ext uri="{BB962C8B-B14F-4D97-AF65-F5344CB8AC3E}">
+        <p14:creationId xmlns:p14="http://schemas.microsoft.com/office/powerpoint/2010/main" val="2051138107"/>
+      </p:ext>
+    </p:extLst>
+  </p:cSld>
+  <p:clrMapOvr>
+    <a:masterClrMapping/>
+  </p:clrMapOvr>
+  <p:timing>
+    <p:tnLst>
+      <p:par>
+        <p:cTn id="1" dur="indefinite" restart="never" nodeType="tmRoot"/>
+      </p:par>
+    </p:tnLst>
+  </p:timing>
+</p:sld>
+</file>
+
+<file path=ppt/slides/slide11.xml><?xml version="1.0" encoding="utf-8"?>
+<p:sld xmlns:a="http://schemas.openxmlformats.org/drawingml/2006/main" xmlns:r="http://schemas.openxmlformats.org/officeDocument/2006/relationships" xmlns:p="http://schemas.openxmlformats.org/presentationml/2006/main">
+  <p:cSld>
+    <p:spTree>
+      <p:nvGrpSpPr>
+        <p:cNvPr id="1" name="Shape 100"/>
+        <p:cNvGrpSpPr/>
+        <p:nvPr/>
+      </p:nvGrpSpPr>
+      <p:grpSpPr>
+        <a:xfrm>
+          <a:off x="0" y="0"/>
+          <a:ext cx="0" cy="0"/>
+          <a:chOff x="0" y="0"/>
+          <a:chExt cx="0" cy="0"/>
+        </a:xfrm>
+      </p:grpSpPr>
+      <p:sp>
+        <p:nvSpPr>
+          <p:cNvPr id="101" name="Shape 101"/>
+          <p:cNvSpPr txBox="1"/>
+          <p:nvPr/>
+        </p:nvSpPr>
+        <p:spPr>
+          <a:xfrm>
+            <a:off x="361500" y="309350"/>
+            <a:ext cx="8421000" cy="855000"/>
+          </a:xfrm>
+          <a:prstGeom prst="rect">
+            <a:avLst/>
+          </a:prstGeom>
+          <a:noFill/>
+          <a:ln>
+            <a:noFill/>
+          </a:ln>
+        </p:spPr>
+        <p:txBody>
+          <a:bodyPr spcFirstLastPara="1" wrap="square" lIns="91425" tIns="91425" rIns="91425" bIns="91425" anchor="b" anchorCtr="0">
+            <a:noAutofit/>
+          </a:bodyPr>
+          <a:lstStyle/>
+          <a:p>
+            <a:pPr lvl="0" algn="ctr"/>
+            <a:r>
+              <a:rPr lang="fr-FR" sz="4800" dirty="0" smtClean="0">
+                <a:latin typeface="Helvetica Neue"/>
+              </a:rPr>
+              <a:t>Problème</a:t>
+            </a:r>
+            <a:endParaRPr sz="8000" dirty="0">
+              <a:latin typeface="Helvetica Neue"/>
+              <a:ea typeface="Helvetica Neue"/>
+              <a:cs typeface="Helvetica Neue"/>
+              <a:sym typeface="Helvetica Neue"/>
+            </a:endParaRPr>
+          </a:p>
+        </p:txBody>
+      </p:sp>
+      <p:pic>
+        <p:nvPicPr>
+          <p:cNvPr id="102" name="Shape 102"/>
+          <p:cNvPicPr preferRelativeResize="0"/>
+          <p:nvPr/>
+        </p:nvPicPr>
+        <p:blipFill>
+          <a:blip r:embed="rId3">
+            <a:alphaModFix/>
+          </a:blip>
+          <a:stretch>
+            <a:fillRect/>
+          </a:stretch>
+        </p:blipFill>
+        <p:spPr>
+          <a:xfrm>
+            <a:off x="0" y="0"/>
+            <a:ext cx="189627" cy="5143503"/>
+          </a:xfrm>
+          <a:prstGeom prst="rect">
+            <a:avLst/>
+          </a:prstGeom>
+          <a:noFill/>
+          <a:ln>
+            <a:noFill/>
+          </a:ln>
+        </p:spPr>
+      </p:pic>
+      <p:pic>
+        <p:nvPicPr>
+          <p:cNvPr id="103" name="Shape 103"/>
+          <p:cNvPicPr preferRelativeResize="0"/>
+          <p:nvPr/>
+        </p:nvPicPr>
+        <p:blipFill rotWithShape="1">
+          <a:blip r:embed="rId4">
+            <a:alphaModFix/>
+          </a:blip>
+          <a:srcRect l="17665" r="14204" b="33849"/>
+          <a:stretch/>
+        </p:blipFill>
+        <p:spPr>
+          <a:xfrm>
+            <a:off x="8201125" y="4195400"/>
+            <a:ext cx="817750" cy="794025"/>
+          </a:xfrm>
+          <a:prstGeom prst="rect">
+            <a:avLst/>
+          </a:prstGeom>
+          <a:noFill/>
+          <a:ln>
+            <a:noFill/>
+          </a:ln>
+        </p:spPr>
+      </p:pic>
+      <p:sp>
+        <p:nvSpPr>
+          <p:cNvPr id="8" name="Rectangle 1"/>
+          <p:cNvSpPr>
+            <a:spLocks noChangeArrowheads="1"/>
+          </p:cNvSpPr>
+          <p:nvPr/>
+        </p:nvSpPr>
+        <p:spPr bwMode="auto">
+          <a:xfrm>
+            <a:off x="189627" y="1380384"/>
+            <a:ext cx="5290601" cy="3684102"/>
+          </a:xfrm>
+          <a:prstGeom prst="rect">
+            <a:avLst/>
+          </a:prstGeom>
+          <a:solidFill>
+            <a:srgbClr val="2B2B2B"/>
+          </a:solidFill>
+          <a:ln>
+            <a:noFill/>
+          </a:ln>
+          <a:effectLst/>
+          <a:extLst>
+            <a:ext uri="{91240B29-F687-4F45-9708-019B960494DF}">
+              <a14:hiddenLine xmlns:a14="http://schemas.microsoft.com/office/drawing/2010/main" w="9525">
+                <a:solidFill>
+                  <a:schemeClr val="tx1"/>
+                </a:solidFill>
+                <a:miter lim="800000"/>
+                <a:headEnd/>
+                <a:tailEnd/>
+              </a14:hiddenLine>
+            </a:ext>
+            <a:ext uri="{AF507438-7753-43E0-B8FC-AC1667EBCBE1}">
+              <a14:hiddenEffects xmlns:a14="http://schemas.microsoft.com/office/drawing/2010/main">
+                <a:effectLst>
+                  <a:outerShdw dist="35921" dir="2700000" algn="ctr" rotWithShape="0">
+                    <a:schemeClr val="bg2"/>
+                  </a:outerShdw>
+                </a:effectLst>
+              </a14:hiddenEffects>
+            </a:ext>
+          </a:extLst>
+        </p:spPr>
+        <p:txBody>
+          <a:bodyPr vert="horz" wrap="square" lIns="91440" tIns="45720" rIns="91440" bIns="45720" numCol="1" anchor="ctr" anchorCtr="0" compatLnSpc="1">
+            <a:prstTxWarp prst="textNoShape">
+              <a:avLst/>
+            </a:prstTxWarp>
+            <a:spAutoFit/>
+          </a:bodyPr>
+          <a:lstStyle/>
+          <a:p>
+            <a:pPr marL="0" marR="0" lvl="0" indent="0" algn="l" defTabSz="914400" rtl="0" eaLnBrk="0" fontAlgn="base" latinLnBrk="0" hangingPunct="0">
+              <a:lnSpc>
+                <a:spcPct val="100000"/>
+              </a:lnSpc>
+              <a:spcBef>
+                <a:spcPct val="0"/>
+              </a:spcBef>
+              <a:spcAft>
+                <a:spcPct val="0"/>
+              </a:spcAft>
+              <a:buClrTx/>
+              <a:buSzTx/>
+              <a:buFontTx/>
+              <a:buNone/>
+              <a:tabLst/>
+            </a:pPr>
+            <a:r>
+              <a:rPr kumimoji="0" lang="fr-FR" altLang="fr-FR" sz="1200" b="0" i="0" u="none" strike="noStrike" cap="none" normalizeH="0" baseline="0" dirty="0">
+                <a:ln>
+                  <a:noFill/>
+                </a:ln>
+                <a:solidFill>
+                  <a:srgbClr val="CC7832"/>
+                </a:solidFill>
+                <a:effectLst/>
+                <a:latin typeface="Courier New" panose="02070309020205020404" pitchFamily="49" charset="0"/>
+                <a:cs typeface="Courier New" panose="02070309020205020404" pitchFamily="49" charset="0"/>
+              </a:rPr>
+              <a:t>public class </a:t>
+            </a:r>
+            <a:r>
+              <a:rPr kumimoji="0" lang="fr-FR" altLang="fr-FR" sz="1200" b="0" i="0" u="none" strike="noStrike" cap="none" normalizeH="0" baseline="0" dirty="0">
+                <a:ln>
+                  <a:noFill/>
+                </a:ln>
+                <a:solidFill>
+                  <a:srgbClr val="A9B7C6"/>
+                </a:solidFill>
+                <a:effectLst/>
+                <a:latin typeface="Courier New" panose="02070309020205020404" pitchFamily="49" charset="0"/>
+                <a:cs typeface="Courier New" panose="02070309020205020404" pitchFamily="49" charset="0"/>
+              </a:rPr>
+              <a:t>Printer {</a:t>
+            </a:r>
+            <a:br>
+              <a:rPr kumimoji="0" lang="fr-FR" altLang="fr-FR" sz="1200" b="0" i="0" u="none" strike="noStrike" cap="none" normalizeH="0" baseline="0" dirty="0">
+                <a:ln>
+                  <a:noFill/>
+                </a:ln>
+                <a:solidFill>
+                  <a:srgbClr val="A9B7C6"/>
+                </a:solidFill>
+                <a:effectLst/>
+                <a:latin typeface="Courier New" panose="02070309020205020404" pitchFamily="49" charset="0"/>
+                <a:cs typeface="Courier New" panose="02070309020205020404" pitchFamily="49" charset="0"/>
+              </a:rPr>
+            </a:br>
+            <a:r>
+              <a:rPr kumimoji="0" lang="fr-FR" altLang="fr-FR" sz="1200" b="0" i="0" u="none" strike="noStrike" cap="none" normalizeH="0" baseline="0" dirty="0">
+                <a:ln>
+                  <a:noFill/>
+                </a:ln>
+                <a:solidFill>
+                  <a:srgbClr val="A9B7C6"/>
+                </a:solidFill>
+                <a:effectLst/>
+                <a:latin typeface="Courier New" panose="02070309020205020404" pitchFamily="49" charset="0"/>
+                <a:cs typeface="Courier New" panose="02070309020205020404" pitchFamily="49" charset="0"/>
+              </a:rPr>
+              <a:t>    </a:t>
+            </a:r>
+            <a:r>
+              <a:rPr kumimoji="0" lang="fr-FR" altLang="fr-FR" sz="1200" b="0" i="0" u="none" strike="noStrike" cap="none" normalizeH="0" baseline="0" dirty="0">
+                <a:ln>
+                  <a:noFill/>
+                </a:ln>
+                <a:solidFill>
+                  <a:srgbClr val="CC7832"/>
+                </a:solidFill>
+                <a:effectLst/>
+                <a:latin typeface="Courier New" panose="02070309020205020404" pitchFamily="49" charset="0"/>
+                <a:cs typeface="Courier New" panose="02070309020205020404" pitchFamily="49" charset="0"/>
+              </a:rPr>
+              <a:t>public </a:t>
+            </a:r>
+            <a:r>
+              <a:rPr kumimoji="0" lang="fr-FR" altLang="fr-FR" sz="1200" b="0" i="0" u="none" strike="noStrike" cap="none" normalizeH="0" baseline="0" dirty="0" err="1">
+                <a:ln>
+                  <a:noFill/>
+                </a:ln>
+                <a:solidFill>
+                  <a:srgbClr val="CC7832"/>
+                </a:solidFill>
+                <a:effectLst/>
+                <a:latin typeface="Courier New" panose="02070309020205020404" pitchFamily="49" charset="0"/>
+                <a:cs typeface="Courier New" panose="02070309020205020404" pitchFamily="49" charset="0"/>
+              </a:rPr>
+              <a:t>void</a:t>
+            </a:r>
+            <a:r>
+              <a:rPr kumimoji="0" lang="fr-FR" altLang="fr-FR" sz="1200" b="0" i="0" u="none" strike="noStrike" cap="none" normalizeH="0" baseline="0" dirty="0">
+                <a:ln>
+                  <a:noFill/>
+                </a:ln>
+                <a:solidFill>
+                  <a:srgbClr val="CC7832"/>
+                </a:solidFill>
+                <a:effectLst/>
+                <a:latin typeface="Courier New" panose="02070309020205020404" pitchFamily="49" charset="0"/>
+                <a:cs typeface="Courier New" panose="02070309020205020404" pitchFamily="49" charset="0"/>
+              </a:rPr>
+              <a:t> </a:t>
+            </a:r>
+            <a:r>
+              <a:rPr kumimoji="0" lang="fr-FR" altLang="fr-FR" sz="1200" b="0" i="0" u="none" strike="noStrike" cap="none" normalizeH="0" baseline="0" dirty="0" err="1">
+                <a:ln>
+                  <a:noFill/>
+                </a:ln>
+                <a:solidFill>
+                  <a:srgbClr val="FFC66D"/>
+                </a:solidFill>
+                <a:effectLst/>
+                <a:latin typeface="Courier New" panose="02070309020205020404" pitchFamily="49" charset="0"/>
+                <a:cs typeface="Courier New" panose="02070309020205020404" pitchFamily="49" charset="0"/>
+              </a:rPr>
+              <a:t>print</a:t>
+            </a:r>
+            <a:r>
+              <a:rPr kumimoji="0" lang="fr-FR" altLang="fr-FR" sz="1200" b="0" i="0" u="none" strike="noStrike" cap="none" normalizeH="0" baseline="0" dirty="0">
+                <a:ln>
+                  <a:noFill/>
+                </a:ln>
+                <a:solidFill>
+                  <a:srgbClr val="A9B7C6"/>
+                </a:solidFill>
+                <a:effectLst/>
+                <a:latin typeface="Courier New" panose="02070309020205020404" pitchFamily="49" charset="0"/>
+                <a:cs typeface="Courier New" panose="02070309020205020404" pitchFamily="49" charset="0"/>
+              </a:rPr>
+              <a:t>(File </a:t>
+            </a:r>
+            <a:r>
+              <a:rPr kumimoji="0" lang="fr-FR" altLang="fr-FR" sz="1200" b="0" i="0" u="none" strike="noStrike" cap="none" normalizeH="0" baseline="0" dirty="0" err="1">
+                <a:ln>
+                  <a:noFill/>
+                </a:ln>
+                <a:solidFill>
+                  <a:srgbClr val="A9B7C6"/>
+                </a:solidFill>
+                <a:effectLst/>
+                <a:latin typeface="Courier New" panose="02070309020205020404" pitchFamily="49" charset="0"/>
+                <a:cs typeface="Courier New" panose="02070309020205020404" pitchFamily="49" charset="0"/>
+              </a:rPr>
+              <a:t>file</a:t>
+            </a:r>
+            <a:r>
+              <a:rPr kumimoji="0" lang="fr-FR" altLang="fr-FR" sz="1200" b="0" i="0" u="none" strike="noStrike" cap="none" normalizeH="0" baseline="0" dirty="0">
+                <a:ln>
+                  <a:noFill/>
+                </a:ln>
+                <a:solidFill>
+                  <a:srgbClr val="A9B7C6"/>
+                </a:solidFill>
+                <a:effectLst/>
+                <a:latin typeface="Courier New" panose="02070309020205020404" pitchFamily="49" charset="0"/>
+                <a:cs typeface="Courier New" panose="02070309020205020404" pitchFamily="49" charset="0"/>
+              </a:rPr>
+              <a:t>) {</a:t>
+            </a:r>
+            <a:br>
+              <a:rPr kumimoji="0" lang="fr-FR" altLang="fr-FR" sz="1200" b="0" i="0" u="none" strike="noStrike" cap="none" normalizeH="0" baseline="0" dirty="0">
+                <a:ln>
+                  <a:noFill/>
+                </a:ln>
+                <a:solidFill>
+                  <a:srgbClr val="A9B7C6"/>
+                </a:solidFill>
+                <a:effectLst/>
+                <a:latin typeface="Courier New" panose="02070309020205020404" pitchFamily="49" charset="0"/>
+                <a:cs typeface="Courier New" panose="02070309020205020404" pitchFamily="49" charset="0"/>
+              </a:rPr>
+            </a:br>
+            <a:r>
+              <a:rPr kumimoji="0" lang="fr-FR" altLang="fr-FR" sz="1200" b="0" i="0" u="none" strike="noStrike" cap="none" normalizeH="0" baseline="0" dirty="0">
+                <a:ln>
+                  <a:noFill/>
+                </a:ln>
+                <a:solidFill>
+                  <a:srgbClr val="A9B7C6"/>
+                </a:solidFill>
+                <a:effectLst/>
+                <a:latin typeface="Courier New" panose="02070309020205020404" pitchFamily="49" charset="0"/>
+                <a:cs typeface="Courier New" panose="02070309020205020404" pitchFamily="49" charset="0"/>
+              </a:rPr>
+              <a:t>        </a:t>
+            </a:r>
+            <a:r>
+              <a:rPr kumimoji="0" lang="fr-FR" altLang="fr-FR" sz="1200" b="0" i="0" u="none" strike="noStrike" cap="none" normalizeH="0" baseline="0" dirty="0" err="1">
+                <a:ln>
+                  <a:noFill/>
+                </a:ln>
+                <a:solidFill>
+                  <a:srgbClr val="A9B7C6"/>
+                </a:solidFill>
+                <a:effectLst/>
+                <a:latin typeface="Courier New" panose="02070309020205020404" pitchFamily="49" charset="0"/>
+                <a:cs typeface="Courier New" panose="02070309020205020404" pitchFamily="49" charset="0"/>
+              </a:rPr>
+              <a:t>System.</a:t>
+            </a:r>
+            <a:r>
+              <a:rPr kumimoji="0" lang="fr-FR" altLang="fr-FR" sz="1200" b="0" i="1" u="none" strike="noStrike" cap="none" normalizeH="0" baseline="0" dirty="0" err="1">
+                <a:ln>
+                  <a:noFill/>
+                </a:ln>
+                <a:solidFill>
+                  <a:srgbClr val="9876AA"/>
+                </a:solidFill>
+                <a:effectLst/>
+                <a:latin typeface="Courier New" panose="02070309020205020404" pitchFamily="49" charset="0"/>
+                <a:cs typeface="Courier New" panose="02070309020205020404" pitchFamily="49" charset="0"/>
+              </a:rPr>
+              <a:t>out</a:t>
+            </a:r>
+            <a:r>
+              <a:rPr kumimoji="0" lang="fr-FR" altLang="fr-FR" sz="1200" b="0" i="0" u="none" strike="noStrike" cap="none" normalizeH="0" baseline="0" dirty="0" err="1">
+                <a:ln>
+                  <a:noFill/>
+                </a:ln>
+                <a:solidFill>
+                  <a:srgbClr val="A9B7C6"/>
+                </a:solidFill>
+                <a:effectLst/>
+                <a:latin typeface="Courier New" panose="02070309020205020404" pitchFamily="49" charset="0"/>
+                <a:cs typeface="Courier New" panose="02070309020205020404" pitchFamily="49" charset="0"/>
+              </a:rPr>
+              <a:t>.printf</a:t>
+            </a:r>
+            <a:r>
+              <a:rPr kumimoji="0" lang="fr-FR" altLang="fr-FR" sz="1200" b="0" i="0" u="none" strike="noStrike" cap="none" normalizeH="0" baseline="0" dirty="0">
+                <a:ln>
+                  <a:noFill/>
+                </a:ln>
+                <a:solidFill>
+                  <a:srgbClr val="A9B7C6"/>
+                </a:solidFill>
+                <a:effectLst/>
+                <a:latin typeface="Courier New" panose="02070309020205020404" pitchFamily="49" charset="0"/>
+                <a:cs typeface="Courier New" panose="02070309020205020404" pitchFamily="49" charset="0"/>
+              </a:rPr>
+              <a:t>(</a:t>
+            </a:r>
+            <a:r>
+              <a:rPr kumimoji="0" lang="fr-FR" altLang="fr-FR" sz="1200" b="0" i="0" u="none" strike="noStrike" cap="none" normalizeH="0" baseline="0" dirty="0">
+                <a:ln>
+                  <a:noFill/>
+                </a:ln>
+                <a:solidFill>
+                  <a:srgbClr val="6A8759"/>
+                </a:solidFill>
+                <a:effectLst/>
+                <a:latin typeface="Courier New" panose="02070309020205020404" pitchFamily="49" charset="0"/>
+                <a:cs typeface="Courier New" panose="02070309020205020404" pitchFamily="49" charset="0"/>
+              </a:rPr>
+              <a:t>"File: %S</a:t>
+            </a:r>
+            <a:r>
+              <a:rPr kumimoji="0" lang="fr-FR" altLang="fr-FR" sz="1200" b="0" i="0" u="none" strike="noStrike" cap="none" normalizeH="0" baseline="0" dirty="0">
+                <a:ln>
+                  <a:noFill/>
+                </a:ln>
+                <a:solidFill>
+                  <a:srgbClr val="CC7832"/>
+                </a:solidFill>
+                <a:effectLst/>
+                <a:latin typeface="Courier New" panose="02070309020205020404" pitchFamily="49" charset="0"/>
+                <a:cs typeface="Courier New" panose="02070309020205020404" pitchFamily="49" charset="0"/>
+              </a:rPr>
+              <a:t>\n</a:t>
+            </a:r>
+            <a:r>
+              <a:rPr kumimoji="0" lang="fr-FR" altLang="fr-FR" sz="1200" b="0" i="0" u="none" strike="noStrike" cap="none" normalizeH="0" baseline="0" dirty="0">
+                <a:ln>
+                  <a:noFill/>
+                </a:ln>
+                <a:solidFill>
+                  <a:srgbClr val="6A8759"/>
+                </a:solidFill>
+                <a:effectLst/>
+                <a:latin typeface="Courier New" panose="02070309020205020404" pitchFamily="49" charset="0"/>
+                <a:cs typeface="Courier New" panose="02070309020205020404" pitchFamily="49" charset="0"/>
+              </a:rPr>
+              <a:t>"</a:t>
+            </a:r>
+            <a:r>
+              <a:rPr kumimoji="0" lang="fr-FR" altLang="fr-FR" sz="1200" b="0" i="0" u="none" strike="noStrike" cap="none" normalizeH="0" baseline="0" dirty="0">
+                <a:ln>
+                  <a:noFill/>
+                </a:ln>
+                <a:solidFill>
+                  <a:srgbClr val="CC7832"/>
+                </a:solidFill>
+                <a:effectLst/>
+                <a:latin typeface="Courier New" panose="02070309020205020404" pitchFamily="49" charset="0"/>
+                <a:cs typeface="Courier New" panose="02070309020205020404" pitchFamily="49" charset="0"/>
+              </a:rPr>
+              <a:t>, </a:t>
+            </a:r>
+            <a:endParaRPr kumimoji="0" lang="fr-FR" altLang="fr-FR" sz="1200" b="0" i="0" u="none" strike="noStrike" cap="none" normalizeH="0" baseline="0" dirty="0" smtClean="0">
+              <a:ln>
+                <a:noFill/>
+              </a:ln>
+              <a:solidFill>
+                <a:srgbClr val="CC7832"/>
+              </a:solidFill>
+              <a:effectLst/>
+              <a:latin typeface="Courier New" panose="02070309020205020404" pitchFamily="49" charset="0"/>
+              <a:cs typeface="Courier New" panose="02070309020205020404" pitchFamily="49" charset="0"/>
+            </a:endParaRPr>
+          </a:p>
+          <a:p>
+            <a:pPr marL="0" marR="0" lvl="0" indent="0" algn="l" defTabSz="914400" rtl="0" eaLnBrk="0" fontAlgn="base" latinLnBrk="0" hangingPunct="0">
+              <a:lnSpc>
+                <a:spcPct val="100000"/>
+              </a:lnSpc>
+              <a:spcBef>
+                <a:spcPct val="0"/>
+              </a:spcBef>
+              <a:spcAft>
+                <a:spcPct val="0"/>
+              </a:spcAft>
+              <a:buClrTx/>
+              <a:buSzTx/>
+              <a:buFontTx/>
+              <a:buNone/>
+              <a:tabLst/>
+            </a:pPr>
+            <a:r>
+              <a:rPr lang="fr-FR" altLang="fr-FR" sz="1200" dirty="0">
+                <a:solidFill>
+                  <a:srgbClr val="CC7832"/>
+                </a:solidFill>
+                <a:latin typeface="Courier New" panose="02070309020205020404" pitchFamily="49" charset="0"/>
+                <a:cs typeface="Courier New" panose="02070309020205020404" pitchFamily="49" charset="0"/>
+              </a:rPr>
+              <a:t>	</a:t>
+            </a:r>
+            <a:r>
+              <a:rPr lang="fr-FR" altLang="fr-FR" sz="1200" dirty="0" smtClean="0">
+                <a:solidFill>
+                  <a:srgbClr val="CC7832"/>
+                </a:solidFill>
+                <a:latin typeface="Courier New" panose="02070309020205020404" pitchFamily="49" charset="0"/>
+                <a:cs typeface="Courier New" panose="02070309020205020404" pitchFamily="49" charset="0"/>
+              </a:rPr>
+              <a:t>	       </a:t>
+            </a:r>
+            <a:r>
+              <a:rPr kumimoji="0" lang="fr-FR" altLang="fr-FR" sz="1200" b="0" i="0" u="none" strike="noStrike" cap="none" normalizeH="0" baseline="0" dirty="0" err="1" smtClean="0">
+                <a:ln>
+                  <a:noFill/>
+                </a:ln>
+                <a:solidFill>
+                  <a:srgbClr val="A9B7C6"/>
+                </a:solidFill>
+                <a:effectLst/>
+                <a:latin typeface="Courier New" panose="02070309020205020404" pitchFamily="49" charset="0"/>
+                <a:cs typeface="Courier New" panose="02070309020205020404" pitchFamily="49" charset="0"/>
+              </a:rPr>
+              <a:t>file.getName</a:t>
+            </a:r>
+            <a:r>
+              <a:rPr kumimoji="0" lang="fr-FR" altLang="fr-FR" sz="1200" b="0" i="0" u="none" strike="noStrike" cap="none" normalizeH="0" baseline="0" dirty="0">
+                <a:ln>
+                  <a:noFill/>
+                </a:ln>
+                <a:solidFill>
+                  <a:srgbClr val="A9B7C6"/>
+                </a:solidFill>
+                <a:effectLst/>
+                <a:latin typeface="Courier New" panose="02070309020205020404" pitchFamily="49" charset="0"/>
+                <a:cs typeface="Courier New" panose="02070309020205020404" pitchFamily="49" charset="0"/>
+              </a:rPr>
+              <a:t>())</a:t>
+            </a:r>
+            <a:r>
+              <a:rPr kumimoji="0" lang="fr-FR" altLang="fr-FR" sz="1200" b="0" i="0" u="none" strike="noStrike" cap="none" normalizeH="0" baseline="0" dirty="0">
+                <a:ln>
+                  <a:noFill/>
+                </a:ln>
+                <a:solidFill>
+                  <a:srgbClr val="CC7832"/>
+                </a:solidFill>
+                <a:effectLst/>
+                <a:latin typeface="Courier New" panose="02070309020205020404" pitchFamily="49" charset="0"/>
+                <a:cs typeface="Courier New" panose="02070309020205020404" pitchFamily="49" charset="0"/>
+              </a:rPr>
+              <a:t>;</a:t>
+            </a:r>
+            <a:br>
+              <a:rPr kumimoji="0" lang="fr-FR" altLang="fr-FR" sz="1200" b="0" i="0" u="none" strike="noStrike" cap="none" normalizeH="0" baseline="0" dirty="0">
+                <a:ln>
+                  <a:noFill/>
+                </a:ln>
+                <a:solidFill>
+                  <a:srgbClr val="CC7832"/>
+                </a:solidFill>
+                <a:effectLst/>
+                <a:latin typeface="Courier New" panose="02070309020205020404" pitchFamily="49" charset="0"/>
+                <a:cs typeface="Courier New" panose="02070309020205020404" pitchFamily="49" charset="0"/>
+              </a:rPr>
+            </a:br>
+            <a:r>
+              <a:rPr kumimoji="0" lang="fr-FR" altLang="fr-FR" sz="1200" b="0" i="0" u="none" strike="noStrike" cap="none" normalizeH="0" baseline="0" dirty="0">
+                <a:ln>
+                  <a:noFill/>
+                </a:ln>
+                <a:solidFill>
+                  <a:srgbClr val="CC7832"/>
+                </a:solidFill>
+                <a:effectLst/>
+                <a:latin typeface="Courier New" panose="02070309020205020404" pitchFamily="49" charset="0"/>
+                <a:cs typeface="Courier New" panose="02070309020205020404" pitchFamily="49" charset="0"/>
+              </a:rPr>
+              <a:t>    </a:t>
+            </a:r>
+            <a:r>
+              <a:rPr kumimoji="0" lang="fr-FR" altLang="fr-FR" sz="1200" b="0" i="0" u="none" strike="noStrike" cap="none" normalizeH="0" baseline="0" dirty="0">
+                <a:ln>
+                  <a:noFill/>
+                </a:ln>
+                <a:solidFill>
+                  <a:srgbClr val="A9B7C6"/>
+                </a:solidFill>
+                <a:effectLst/>
+                <a:latin typeface="Courier New" panose="02070309020205020404" pitchFamily="49" charset="0"/>
+                <a:cs typeface="Courier New" panose="02070309020205020404" pitchFamily="49" charset="0"/>
+              </a:rPr>
+              <a:t>}</a:t>
+            </a:r>
+            <a:br>
+              <a:rPr kumimoji="0" lang="fr-FR" altLang="fr-FR" sz="1200" b="0" i="0" u="none" strike="noStrike" cap="none" normalizeH="0" baseline="0" dirty="0">
+                <a:ln>
+                  <a:noFill/>
+                </a:ln>
+                <a:solidFill>
+                  <a:srgbClr val="A9B7C6"/>
+                </a:solidFill>
+                <a:effectLst/>
+                <a:latin typeface="Courier New" panose="02070309020205020404" pitchFamily="49" charset="0"/>
+                <a:cs typeface="Courier New" panose="02070309020205020404" pitchFamily="49" charset="0"/>
+              </a:rPr>
+            </a:br>
+            <a:r>
+              <a:rPr kumimoji="0" lang="fr-FR" altLang="fr-FR" sz="1200" b="0" i="0" u="none" strike="noStrike" cap="none" normalizeH="0" baseline="0" dirty="0">
+                <a:ln>
+                  <a:noFill/>
+                </a:ln>
+                <a:solidFill>
+                  <a:srgbClr val="A9B7C6"/>
+                </a:solidFill>
+                <a:effectLst/>
+                <a:latin typeface="Courier New" panose="02070309020205020404" pitchFamily="49" charset="0"/>
+                <a:cs typeface="Courier New" panose="02070309020205020404" pitchFamily="49" charset="0"/>
+              </a:rPr>
+              <a:t/>
+            </a:r>
+            <a:br>
+              <a:rPr kumimoji="0" lang="fr-FR" altLang="fr-FR" sz="1200" b="0" i="0" u="none" strike="noStrike" cap="none" normalizeH="0" baseline="0" dirty="0">
+                <a:ln>
+                  <a:noFill/>
+                </a:ln>
+                <a:solidFill>
+                  <a:srgbClr val="A9B7C6"/>
+                </a:solidFill>
+                <a:effectLst/>
+                <a:latin typeface="Courier New" panose="02070309020205020404" pitchFamily="49" charset="0"/>
+                <a:cs typeface="Courier New" panose="02070309020205020404" pitchFamily="49" charset="0"/>
+              </a:rPr>
+            </a:br>
+            <a:r>
+              <a:rPr kumimoji="0" lang="fr-FR" altLang="fr-FR" sz="1200" b="0" i="0" u="none" strike="noStrike" cap="none" normalizeH="0" baseline="0" dirty="0">
+                <a:ln>
+                  <a:noFill/>
+                </a:ln>
+                <a:solidFill>
+                  <a:srgbClr val="A9B7C6"/>
+                </a:solidFill>
+                <a:effectLst/>
+                <a:latin typeface="Courier New" panose="02070309020205020404" pitchFamily="49" charset="0"/>
+                <a:cs typeface="Courier New" panose="02070309020205020404" pitchFamily="49" charset="0"/>
+              </a:rPr>
+              <a:t>    </a:t>
+            </a:r>
+            <a:r>
+              <a:rPr kumimoji="0" lang="fr-FR" altLang="fr-FR" sz="1200" b="0" i="0" u="none" strike="noStrike" cap="none" normalizeH="0" baseline="0" dirty="0">
+                <a:ln>
+                  <a:noFill/>
+                </a:ln>
+                <a:solidFill>
+                  <a:srgbClr val="CC7832"/>
+                </a:solidFill>
+                <a:effectLst/>
+                <a:latin typeface="Courier New" panose="02070309020205020404" pitchFamily="49" charset="0"/>
+                <a:cs typeface="Courier New" panose="02070309020205020404" pitchFamily="49" charset="0"/>
+              </a:rPr>
+              <a:t>public </a:t>
+            </a:r>
+            <a:r>
+              <a:rPr kumimoji="0" lang="fr-FR" altLang="fr-FR" sz="1200" b="0" i="0" u="none" strike="noStrike" cap="none" normalizeH="0" baseline="0" dirty="0" err="1">
+                <a:ln>
+                  <a:noFill/>
+                </a:ln>
+                <a:solidFill>
+                  <a:srgbClr val="CC7832"/>
+                </a:solidFill>
+                <a:effectLst/>
+                <a:latin typeface="Courier New" panose="02070309020205020404" pitchFamily="49" charset="0"/>
+                <a:cs typeface="Courier New" panose="02070309020205020404" pitchFamily="49" charset="0"/>
+              </a:rPr>
+              <a:t>void</a:t>
+            </a:r>
+            <a:r>
+              <a:rPr kumimoji="0" lang="fr-FR" altLang="fr-FR" sz="1200" b="0" i="0" u="none" strike="noStrike" cap="none" normalizeH="0" baseline="0" dirty="0">
+                <a:ln>
+                  <a:noFill/>
+                </a:ln>
+                <a:solidFill>
+                  <a:srgbClr val="CC7832"/>
+                </a:solidFill>
+                <a:effectLst/>
+                <a:latin typeface="Courier New" panose="02070309020205020404" pitchFamily="49" charset="0"/>
+                <a:cs typeface="Courier New" panose="02070309020205020404" pitchFamily="49" charset="0"/>
+              </a:rPr>
+              <a:t> </a:t>
+            </a:r>
+            <a:r>
+              <a:rPr kumimoji="0" lang="fr-FR" altLang="fr-FR" sz="1200" b="0" i="0" u="none" strike="noStrike" cap="none" normalizeH="0" baseline="0" dirty="0" err="1">
+                <a:ln>
+                  <a:noFill/>
+                </a:ln>
+                <a:solidFill>
+                  <a:srgbClr val="FFC66D"/>
+                </a:solidFill>
+                <a:effectLst/>
+                <a:latin typeface="Courier New" panose="02070309020205020404" pitchFamily="49" charset="0"/>
+                <a:cs typeface="Courier New" panose="02070309020205020404" pitchFamily="49" charset="0"/>
+              </a:rPr>
+              <a:t>print</a:t>
+            </a:r>
+            <a:r>
+              <a:rPr kumimoji="0" lang="fr-FR" altLang="fr-FR" sz="1200" b="0" i="0" u="none" strike="noStrike" cap="none" normalizeH="0" baseline="0" dirty="0">
+                <a:ln>
+                  <a:noFill/>
+                </a:ln>
+                <a:solidFill>
+                  <a:srgbClr val="A9B7C6"/>
+                </a:solidFill>
+                <a:effectLst/>
+                <a:latin typeface="Courier New" panose="02070309020205020404" pitchFamily="49" charset="0"/>
+                <a:cs typeface="Courier New" panose="02070309020205020404" pitchFamily="49" charset="0"/>
+              </a:rPr>
+              <a:t>(</a:t>
+            </a:r>
+            <a:r>
+              <a:rPr kumimoji="0" lang="fr-FR" altLang="fr-FR" sz="1200" b="0" i="0" u="none" strike="noStrike" cap="none" normalizeH="0" baseline="0" dirty="0" err="1">
+                <a:ln>
+                  <a:noFill/>
+                </a:ln>
+                <a:solidFill>
+                  <a:srgbClr val="A9B7C6"/>
+                </a:solidFill>
+                <a:effectLst/>
+                <a:latin typeface="Courier New" panose="02070309020205020404" pitchFamily="49" charset="0"/>
+                <a:cs typeface="Courier New" panose="02070309020205020404" pitchFamily="49" charset="0"/>
+              </a:rPr>
+              <a:t>SymLink</a:t>
+            </a:r>
+            <a:r>
+              <a:rPr kumimoji="0" lang="fr-FR" altLang="fr-FR" sz="1200" b="0" i="0" u="none" strike="noStrike" cap="none" normalizeH="0" baseline="0" dirty="0">
+                <a:ln>
+                  <a:noFill/>
+                </a:ln>
+                <a:solidFill>
+                  <a:srgbClr val="A9B7C6"/>
+                </a:solidFill>
+                <a:effectLst/>
+                <a:latin typeface="Courier New" panose="02070309020205020404" pitchFamily="49" charset="0"/>
+                <a:cs typeface="Courier New" panose="02070309020205020404" pitchFamily="49" charset="0"/>
+              </a:rPr>
+              <a:t> </a:t>
+            </a:r>
+            <a:r>
+              <a:rPr kumimoji="0" lang="fr-FR" altLang="fr-FR" sz="1200" b="0" i="0" u="none" strike="noStrike" cap="none" normalizeH="0" baseline="0" dirty="0" err="1">
+                <a:ln>
+                  <a:noFill/>
+                </a:ln>
+                <a:solidFill>
+                  <a:srgbClr val="A9B7C6"/>
+                </a:solidFill>
+                <a:effectLst/>
+                <a:latin typeface="Courier New" panose="02070309020205020404" pitchFamily="49" charset="0"/>
+                <a:cs typeface="Courier New" panose="02070309020205020404" pitchFamily="49" charset="0"/>
+              </a:rPr>
+              <a:t>symLink</a:t>
+            </a:r>
+            <a:r>
+              <a:rPr kumimoji="0" lang="fr-FR" altLang="fr-FR" sz="1200" b="0" i="0" u="none" strike="noStrike" cap="none" normalizeH="0" baseline="0" dirty="0">
+                <a:ln>
+                  <a:noFill/>
+                </a:ln>
+                <a:solidFill>
+                  <a:srgbClr val="A9B7C6"/>
+                </a:solidFill>
+                <a:effectLst/>
+                <a:latin typeface="Courier New" panose="02070309020205020404" pitchFamily="49" charset="0"/>
+                <a:cs typeface="Courier New" panose="02070309020205020404" pitchFamily="49" charset="0"/>
+              </a:rPr>
+              <a:t>) {</a:t>
+            </a:r>
+            <a:br>
+              <a:rPr kumimoji="0" lang="fr-FR" altLang="fr-FR" sz="1200" b="0" i="0" u="none" strike="noStrike" cap="none" normalizeH="0" baseline="0" dirty="0">
+                <a:ln>
+                  <a:noFill/>
+                </a:ln>
+                <a:solidFill>
+                  <a:srgbClr val="A9B7C6"/>
+                </a:solidFill>
+                <a:effectLst/>
+                <a:latin typeface="Courier New" panose="02070309020205020404" pitchFamily="49" charset="0"/>
+                <a:cs typeface="Courier New" panose="02070309020205020404" pitchFamily="49" charset="0"/>
+              </a:rPr>
+            </a:br>
+            <a:r>
+              <a:rPr kumimoji="0" lang="fr-FR" altLang="fr-FR" sz="1200" b="0" i="0" u="none" strike="noStrike" cap="none" normalizeH="0" baseline="0" dirty="0">
+                <a:ln>
+                  <a:noFill/>
+                </a:ln>
+                <a:solidFill>
+                  <a:srgbClr val="A9B7C6"/>
+                </a:solidFill>
+                <a:effectLst/>
+                <a:latin typeface="Courier New" panose="02070309020205020404" pitchFamily="49" charset="0"/>
+                <a:cs typeface="Courier New" panose="02070309020205020404" pitchFamily="49" charset="0"/>
+              </a:rPr>
+              <a:t>        </a:t>
+            </a:r>
+            <a:r>
+              <a:rPr kumimoji="0" lang="fr-FR" altLang="fr-FR" sz="1200" b="0" i="0" u="none" strike="noStrike" cap="none" normalizeH="0" baseline="0" dirty="0" err="1">
+                <a:ln>
+                  <a:noFill/>
+                </a:ln>
+                <a:solidFill>
+                  <a:srgbClr val="A9B7C6"/>
+                </a:solidFill>
+                <a:effectLst/>
+                <a:latin typeface="Courier New" panose="02070309020205020404" pitchFamily="49" charset="0"/>
+                <a:cs typeface="Courier New" panose="02070309020205020404" pitchFamily="49" charset="0"/>
+              </a:rPr>
+              <a:t>System.</a:t>
+            </a:r>
+            <a:r>
+              <a:rPr kumimoji="0" lang="fr-FR" altLang="fr-FR" sz="1200" b="0" i="1" u="none" strike="noStrike" cap="none" normalizeH="0" baseline="0" dirty="0" err="1">
+                <a:ln>
+                  <a:noFill/>
+                </a:ln>
+                <a:solidFill>
+                  <a:srgbClr val="9876AA"/>
+                </a:solidFill>
+                <a:effectLst/>
+                <a:latin typeface="Courier New" panose="02070309020205020404" pitchFamily="49" charset="0"/>
+                <a:cs typeface="Courier New" panose="02070309020205020404" pitchFamily="49" charset="0"/>
+              </a:rPr>
+              <a:t>out</a:t>
+            </a:r>
+            <a:r>
+              <a:rPr kumimoji="0" lang="fr-FR" altLang="fr-FR" sz="1200" b="0" i="0" u="none" strike="noStrike" cap="none" normalizeH="0" baseline="0" dirty="0" err="1">
+                <a:ln>
+                  <a:noFill/>
+                </a:ln>
+                <a:solidFill>
+                  <a:srgbClr val="A9B7C6"/>
+                </a:solidFill>
+                <a:effectLst/>
+                <a:latin typeface="Courier New" panose="02070309020205020404" pitchFamily="49" charset="0"/>
+                <a:cs typeface="Courier New" panose="02070309020205020404" pitchFamily="49" charset="0"/>
+              </a:rPr>
+              <a:t>.printf</a:t>
+            </a:r>
+            <a:r>
+              <a:rPr kumimoji="0" lang="fr-FR" altLang="fr-FR" sz="1200" b="0" i="0" u="none" strike="noStrike" cap="none" normalizeH="0" baseline="0" dirty="0">
+                <a:ln>
+                  <a:noFill/>
+                </a:ln>
+                <a:solidFill>
+                  <a:srgbClr val="A9B7C6"/>
+                </a:solidFill>
+                <a:effectLst/>
+                <a:latin typeface="Courier New" panose="02070309020205020404" pitchFamily="49" charset="0"/>
+                <a:cs typeface="Courier New" panose="02070309020205020404" pitchFamily="49" charset="0"/>
+              </a:rPr>
+              <a:t>(</a:t>
+            </a:r>
+            <a:r>
+              <a:rPr kumimoji="0" lang="fr-FR" altLang="fr-FR" sz="1200" b="0" i="0" u="none" strike="noStrike" cap="none" normalizeH="0" baseline="0" dirty="0">
+                <a:ln>
+                  <a:noFill/>
+                </a:ln>
+                <a:solidFill>
+                  <a:srgbClr val="6A8759"/>
+                </a:solidFill>
+                <a:effectLst/>
+                <a:latin typeface="Courier New" panose="02070309020205020404" pitchFamily="49" charset="0"/>
+                <a:cs typeface="Courier New" panose="02070309020205020404" pitchFamily="49" charset="0"/>
+              </a:rPr>
+              <a:t>"</a:t>
+            </a:r>
+            <a:r>
+              <a:rPr kumimoji="0" lang="fr-FR" altLang="fr-FR" sz="1200" b="0" i="0" u="none" strike="noStrike" cap="none" normalizeH="0" baseline="0" dirty="0" err="1">
+                <a:ln>
+                  <a:noFill/>
+                </a:ln>
+                <a:solidFill>
+                  <a:srgbClr val="6A8759"/>
+                </a:solidFill>
+                <a:effectLst/>
+                <a:latin typeface="Courier New" panose="02070309020205020404" pitchFamily="49" charset="0"/>
+                <a:cs typeface="Courier New" panose="02070309020205020404" pitchFamily="49" charset="0"/>
+              </a:rPr>
+              <a:t>SymLink</a:t>
+            </a:r>
+            <a:r>
+              <a:rPr kumimoji="0" lang="fr-FR" altLang="fr-FR" sz="1200" b="0" i="0" u="none" strike="noStrike" cap="none" normalizeH="0" baseline="0" dirty="0">
+                <a:ln>
+                  <a:noFill/>
+                </a:ln>
+                <a:solidFill>
+                  <a:srgbClr val="6A8759"/>
+                </a:solidFill>
+                <a:effectLst/>
+                <a:latin typeface="Courier New" panose="02070309020205020404" pitchFamily="49" charset="0"/>
+                <a:cs typeface="Courier New" panose="02070309020205020404" pitchFamily="49" charset="0"/>
+              </a:rPr>
+              <a:t>: %S --&gt; %s</a:t>
+            </a:r>
+            <a:r>
+              <a:rPr kumimoji="0" lang="fr-FR" altLang="fr-FR" sz="1200" b="0" i="0" u="none" strike="noStrike" cap="none" normalizeH="0" baseline="0" dirty="0">
+                <a:ln>
+                  <a:noFill/>
+                </a:ln>
+                <a:solidFill>
+                  <a:srgbClr val="CC7832"/>
+                </a:solidFill>
+                <a:effectLst/>
+                <a:latin typeface="Courier New" panose="02070309020205020404" pitchFamily="49" charset="0"/>
+                <a:cs typeface="Courier New" panose="02070309020205020404" pitchFamily="49" charset="0"/>
+              </a:rPr>
+              <a:t>\n</a:t>
+            </a:r>
+            <a:r>
+              <a:rPr kumimoji="0" lang="fr-FR" altLang="fr-FR" sz="1200" b="0" i="0" u="none" strike="noStrike" cap="none" normalizeH="0" baseline="0" dirty="0" smtClean="0">
+                <a:ln>
+                  <a:noFill/>
+                </a:ln>
+                <a:solidFill>
+                  <a:srgbClr val="6A8759"/>
+                </a:solidFill>
+                <a:effectLst/>
+                <a:latin typeface="Courier New" panose="02070309020205020404" pitchFamily="49" charset="0"/>
+                <a:cs typeface="Courier New" panose="02070309020205020404" pitchFamily="49" charset="0"/>
+              </a:rPr>
+              <a:t>"</a:t>
+            </a:r>
+            <a:r>
+              <a:rPr kumimoji="0" lang="fr-FR" altLang="fr-FR" sz="1200" b="0" i="0" u="none" strike="noStrike" cap="none" normalizeH="0" baseline="0" dirty="0" smtClean="0">
+                <a:ln>
+                  <a:noFill/>
+                </a:ln>
+                <a:solidFill>
+                  <a:srgbClr val="CC7832"/>
+                </a:solidFill>
+                <a:effectLst/>
+                <a:latin typeface="Courier New" panose="02070309020205020404" pitchFamily="49" charset="0"/>
+                <a:cs typeface="Courier New" panose="02070309020205020404" pitchFamily="49" charset="0"/>
+              </a:rPr>
+              <a:t>,</a:t>
+            </a:r>
+          </a:p>
+          <a:p>
+            <a:pPr marL="0" marR="0" lvl="0" indent="0" algn="l" defTabSz="914400" rtl="0" eaLnBrk="0" fontAlgn="base" latinLnBrk="0" hangingPunct="0">
+              <a:lnSpc>
+                <a:spcPct val="100000"/>
+              </a:lnSpc>
+              <a:spcBef>
+                <a:spcPct val="0"/>
+              </a:spcBef>
+              <a:spcAft>
+                <a:spcPct val="0"/>
+              </a:spcAft>
+              <a:buClrTx/>
+              <a:buSzTx/>
+              <a:buFontTx/>
+              <a:buNone/>
+              <a:tabLst/>
+            </a:pPr>
+            <a:r>
+              <a:rPr lang="fr-FR" altLang="fr-FR" sz="1200" dirty="0">
+                <a:solidFill>
+                  <a:srgbClr val="CC7832"/>
+                </a:solidFill>
+                <a:latin typeface="Courier New" panose="02070309020205020404" pitchFamily="49" charset="0"/>
+                <a:cs typeface="Courier New" panose="02070309020205020404" pitchFamily="49" charset="0"/>
+              </a:rPr>
+              <a:t>	</a:t>
+            </a:r>
+            <a:r>
+              <a:rPr lang="fr-FR" altLang="fr-FR" sz="1200" dirty="0" smtClean="0">
+                <a:solidFill>
+                  <a:srgbClr val="CC7832"/>
+                </a:solidFill>
+                <a:latin typeface="Courier New" panose="02070309020205020404" pitchFamily="49" charset="0"/>
+                <a:cs typeface="Courier New" panose="02070309020205020404" pitchFamily="49" charset="0"/>
+              </a:rPr>
+              <a:t>	     </a:t>
+            </a:r>
+            <a:r>
+              <a:rPr kumimoji="0" lang="fr-FR" altLang="fr-FR" sz="1200" b="0" i="0" u="none" strike="noStrike" cap="none" normalizeH="0" baseline="0" dirty="0" smtClean="0">
+                <a:ln>
+                  <a:noFill/>
+                </a:ln>
+                <a:solidFill>
+                  <a:srgbClr val="CC7832"/>
+                </a:solidFill>
+                <a:effectLst/>
+                <a:latin typeface="Courier New" panose="02070309020205020404" pitchFamily="49" charset="0"/>
+                <a:cs typeface="Courier New" panose="02070309020205020404" pitchFamily="49" charset="0"/>
+              </a:rPr>
+              <a:t> </a:t>
+            </a:r>
+            <a:r>
+              <a:rPr kumimoji="0" lang="fr-FR" altLang="fr-FR" sz="1200" b="0" i="0" u="none" strike="noStrike" cap="none" normalizeH="0" baseline="0" dirty="0" err="1">
+                <a:ln>
+                  <a:noFill/>
+                </a:ln>
+                <a:solidFill>
+                  <a:srgbClr val="A9B7C6"/>
+                </a:solidFill>
+                <a:effectLst/>
+                <a:latin typeface="Courier New" panose="02070309020205020404" pitchFamily="49" charset="0"/>
+                <a:cs typeface="Courier New" panose="02070309020205020404" pitchFamily="49" charset="0"/>
+              </a:rPr>
+              <a:t>symLink.getName</a:t>
+            </a:r>
+            <a:r>
+              <a:rPr kumimoji="0" lang="fr-FR" altLang="fr-FR" sz="1200" b="0" i="0" u="none" strike="noStrike" cap="none" normalizeH="0" baseline="0" dirty="0">
+                <a:ln>
+                  <a:noFill/>
+                </a:ln>
+                <a:solidFill>
+                  <a:srgbClr val="A9B7C6"/>
+                </a:solidFill>
+                <a:effectLst/>
+                <a:latin typeface="Courier New" panose="02070309020205020404" pitchFamily="49" charset="0"/>
+                <a:cs typeface="Courier New" panose="02070309020205020404" pitchFamily="49" charset="0"/>
+              </a:rPr>
+              <a:t>()</a:t>
+            </a:r>
+            <a:r>
+              <a:rPr kumimoji="0" lang="fr-FR" altLang="fr-FR" sz="1200" b="0" i="0" u="none" strike="noStrike" cap="none" normalizeH="0" baseline="0" dirty="0">
+                <a:ln>
+                  <a:noFill/>
+                </a:ln>
+                <a:solidFill>
+                  <a:srgbClr val="CC7832"/>
+                </a:solidFill>
+                <a:effectLst/>
+                <a:latin typeface="Courier New" panose="02070309020205020404" pitchFamily="49" charset="0"/>
+                <a:cs typeface="Courier New" panose="02070309020205020404" pitchFamily="49" charset="0"/>
+              </a:rPr>
+              <a:t>, </a:t>
+            </a:r>
+            <a:endParaRPr kumimoji="0" lang="fr-FR" altLang="fr-FR" sz="1200" b="0" i="0" u="none" strike="noStrike" cap="none" normalizeH="0" baseline="0" dirty="0" smtClean="0">
+              <a:ln>
+                <a:noFill/>
+              </a:ln>
+              <a:solidFill>
+                <a:srgbClr val="CC7832"/>
+              </a:solidFill>
+              <a:effectLst/>
+              <a:latin typeface="Courier New" panose="02070309020205020404" pitchFamily="49" charset="0"/>
+              <a:cs typeface="Courier New" panose="02070309020205020404" pitchFamily="49" charset="0"/>
+            </a:endParaRPr>
+          </a:p>
+          <a:p>
+            <a:pPr marL="0" marR="0" lvl="0" indent="0" algn="l" defTabSz="914400" rtl="0" eaLnBrk="0" fontAlgn="base" latinLnBrk="0" hangingPunct="0">
+              <a:lnSpc>
+                <a:spcPct val="100000"/>
+              </a:lnSpc>
+              <a:spcBef>
+                <a:spcPct val="0"/>
+              </a:spcBef>
+              <a:spcAft>
+                <a:spcPct val="0"/>
+              </a:spcAft>
+              <a:buClrTx/>
+              <a:buSzTx/>
+              <a:buFontTx/>
+              <a:buNone/>
+              <a:tabLst/>
+            </a:pPr>
+            <a:r>
+              <a:rPr lang="fr-FR" altLang="fr-FR" sz="1200" dirty="0">
+                <a:solidFill>
+                  <a:srgbClr val="CC7832"/>
+                </a:solidFill>
+                <a:latin typeface="Courier New" panose="02070309020205020404" pitchFamily="49" charset="0"/>
+                <a:cs typeface="Courier New" panose="02070309020205020404" pitchFamily="49" charset="0"/>
+              </a:rPr>
+              <a:t>	</a:t>
+            </a:r>
+            <a:r>
+              <a:rPr lang="fr-FR" altLang="fr-FR" sz="1200" dirty="0" smtClean="0">
+                <a:solidFill>
+                  <a:srgbClr val="CC7832"/>
+                </a:solidFill>
+                <a:latin typeface="Courier New" panose="02070309020205020404" pitchFamily="49" charset="0"/>
+                <a:cs typeface="Courier New" panose="02070309020205020404" pitchFamily="49" charset="0"/>
+              </a:rPr>
+              <a:t>	      </a:t>
+            </a:r>
+            <a:r>
+              <a:rPr kumimoji="0" lang="fr-FR" altLang="fr-FR" sz="1200" b="0" i="0" u="none" strike="noStrike" cap="none" normalizeH="0" baseline="0" dirty="0" err="1" smtClean="0">
+                <a:ln>
+                  <a:noFill/>
+                </a:ln>
+                <a:solidFill>
+                  <a:srgbClr val="A9B7C6"/>
+                </a:solidFill>
+                <a:effectLst/>
+                <a:latin typeface="Courier New" panose="02070309020205020404" pitchFamily="49" charset="0"/>
+                <a:cs typeface="Courier New" panose="02070309020205020404" pitchFamily="49" charset="0"/>
+              </a:rPr>
+              <a:t>symLink.getPath</a:t>
+            </a:r>
+            <a:r>
+              <a:rPr kumimoji="0" lang="fr-FR" altLang="fr-FR" sz="1200" b="0" i="0" u="none" strike="noStrike" cap="none" normalizeH="0" baseline="0" dirty="0">
+                <a:ln>
+                  <a:noFill/>
+                </a:ln>
+                <a:solidFill>
+                  <a:srgbClr val="A9B7C6"/>
+                </a:solidFill>
+                <a:effectLst/>
+                <a:latin typeface="Courier New" panose="02070309020205020404" pitchFamily="49" charset="0"/>
+                <a:cs typeface="Courier New" panose="02070309020205020404" pitchFamily="49" charset="0"/>
+              </a:rPr>
+              <a:t>())</a:t>
+            </a:r>
+            <a:r>
+              <a:rPr kumimoji="0" lang="fr-FR" altLang="fr-FR" sz="1200" b="0" i="0" u="none" strike="noStrike" cap="none" normalizeH="0" baseline="0" dirty="0">
+                <a:ln>
+                  <a:noFill/>
+                </a:ln>
+                <a:solidFill>
+                  <a:srgbClr val="CC7832"/>
+                </a:solidFill>
+                <a:effectLst/>
+                <a:latin typeface="Courier New" panose="02070309020205020404" pitchFamily="49" charset="0"/>
+                <a:cs typeface="Courier New" panose="02070309020205020404" pitchFamily="49" charset="0"/>
+              </a:rPr>
+              <a:t>;</a:t>
+            </a:r>
+            <a:br>
+              <a:rPr kumimoji="0" lang="fr-FR" altLang="fr-FR" sz="1200" b="0" i="0" u="none" strike="noStrike" cap="none" normalizeH="0" baseline="0" dirty="0">
+                <a:ln>
+                  <a:noFill/>
+                </a:ln>
+                <a:solidFill>
+                  <a:srgbClr val="CC7832"/>
+                </a:solidFill>
+                <a:effectLst/>
+                <a:latin typeface="Courier New" panose="02070309020205020404" pitchFamily="49" charset="0"/>
+                <a:cs typeface="Courier New" panose="02070309020205020404" pitchFamily="49" charset="0"/>
+              </a:rPr>
+            </a:br>
+            <a:r>
+              <a:rPr kumimoji="0" lang="fr-FR" altLang="fr-FR" sz="1200" b="0" i="0" u="none" strike="noStrike" cap="none" normalizeH="0" baseline="0" dirty="0">
+                <a:ln>
+                  <a:noFill/>
+                </a:ln>
+                <a:solidFill>
+                  <a:srgbClr val="CC7832"/>
+                </a:solidFill>
+                <a:effectLst/>
+                <a:latin typeface="Courier New" panose="02070309020205020404" pitchFamily="49" charset="0"/>
+                <a:cs typeface="Courier New" panose="02070309020205020404" pitchFamily="49" charset="0"/>
+              </a:rPr>
+              <a:t>    </a:t>
+            </a:r>
+            <a:r>
+              <a:rPr kumimoji="0" lang="fr-FR" altLang="fr-FR" sz="1200" b="0" i="0" u="none" strike="noStrike" cap="none" normalizeH="0" baseline="0" dirty="0">
+                <a:ln>
+                  <a:noFill/>
+                </a:ln>
+                <a:solidFill>
+                  <a:srgbClr val="A9B7C6"/>
+                </a:solidFill>
+                <a:effectLst/>
+                <a:latin typeface="Courier New" panose="02070309020205020404" pitchFamily="49" charset="0"/>
+                <a:cs typeface="Courier New" panose="02070309020205020404" pitchFamily="49" charset="0"/>
+              </a:rPr>
+              <a:t>}</a:t>
+            </a:r>
+            <a:br>
+              <a:rPr kumimoji="0" lang="fr-FR" altLang="fr-FR" sz="1200" b="0" i="0" u="none" strike="noStrike" cap="none" normalizeH="0" baseline="0" dirty="0">
+                <a:ln>
+                  <a:noFill/>
+                </a:ln>
+                <a:solidFill>
+                  <a:srgbClr val="A9B7C6"/>
+                </a:solidFill>
+                <a:effectLst/>
+                <a:latin typeface="Courier New" panose="02070309020205020404" pitchFamily="49" charset="0"/>
+                <a:cs typeface="Courier New" panose="02070309020205020404" pitchFamily="49" charset="0"/>
+              </a:rPr>
+            </a:br>
+            <a:r>
+              <a:rPr kumimoji="0" lang="fr-FR" altLang="fr-FR" sz="1200" b="0" i="0" u="none" strike="noStrike" cap="none" normalizeH="0" baseline="0" dirty="0">
+                <a:ln>
+                  <a:noFill/>
+                </a:ln>
+                <a:solidFill>
+                  <a:srgbClr val="A9B7C6"/>
+                </a:solidFill>
+                <a:effectLst/>
+                <a:latin typeface="Courier New" panose="02070309020205020404" pitchFamily="49" charset="0"/>
+                <a:cs typeface="Courier New" panose="02070309020205020404" pitchFamily="49" charset="0"/>
+              </a:rPr>
+              <a:t/>
+            </a:r>
+            <a:br>
+              <a:rPr kumimoji="0" lang="fr-FR" altLang="fr-FR" sz="1200" b="0" i="0" u="none" strike="noStrike" cap="none" normalizeH="0" baseline="0" dirty="0">
+                <a:ln>
+                  <a:noFill/>
+                </a:ln>
+                <a:solidFill>
+                  <a:srgbClr val="A9B7C6"/>
+                </a:solidFill>
+                <a:effectLst/>
+                <a:latin typeface="Courier New" panose="02070309020205020404" pitchFamily="49" charset="0"/>
+                <a:cs typeface="Courier New" panose="02070309020205020404" pitchFamily="49" charset="0"/>
+              </a:rPr>
+            </a:br>
+            <a:r>
+              <a:rPr kumimoji="0" lang="fr-FR" altLang="fr-FR" sz="1200" b="0" i="0" u="none" strike="noStrike" cap="none" normalizeH="0" baseline="0" dirty="0">
+                <a:ln>
+                  <a:noFill/>
+                </a:ln>
+                <a:solidFill>
+                  <a:srgbClr val="A9B7C6"/>
+                </a:solidFill>
+                <a:effectLst/>
+                <a:latin typeface="Courier New" panose="02070309020205020404" pitchFamily="49" charset="0"/>
+                <a:cs typeface="Courier New" panose="02070309020205020404" pitchFamily="49" charset="0"/>
+              </a:rPr>
+              <a:t>    </a:t>
+            </a:r>
+            <a:r>
+              <a:rPr kumimoji="0" lang="fr-FR" altLang="fr-FR" sz="1200" b="0" i="0" u="none" strike="noStrike" cap="none" normalizeH="0" baseline="0" dirty="0">
+                <a:ln>
+                  <a:noFill/>
+                </a:ln>
+                <a:solidFill>
+                  <a:srgbClr val="CC7832"/>
+                </a:solidFill>
+                <a:effectLst/>
+                <a:latin typeface="Courier New" panose="02070309020205020404" pitchFamily="49" charset="0"/>
+                <a:cs typeface="Courier New" panose="02070309020205020404" pitchFamily="49" charset="0"/>
+              </a:rPr>
+              <a:t>public </a:t>
+            </a:r>
+            <a:r>
+              <a:rPr kumimoji="0" lang="fr-FR" altLang="fr-FR" sz="1200" b="0" i="0" u="none" strike="noStrike" cap="none" normalizeH="0" baseline="0" dirty="0" err="1">
+                <a:ln>
+                  <a:noFill/>
+                </a:ln>
+                <a:solidFill>
+                  <a:srgbClr val="CC7832"/>
+                </a:solidFill>
+                <a:effectLst/>
+                <a:latin typeface="Courier New" panose="02070309020205020404" pitchFamily="49" charset="0"/>
+                <a:cs typeface="Courier New" panose="02070309020205020404" pitchFamily="49" charset="0"/>
+              </a:rPr>
+              <a:t>void</a:t>
+            </a:r>
+            <a:r>
+              <a:rPr kumimoji="0" lang="fr-FR" altLang="fr-FR" sz="1200" b="0" i="0" u="none" strike="noStrike" cap="none" normalizeH="0" baseline="0" dirty="0">
+                <a:ln>
+                  <a:noFill/>
+                </a:ln>
+                <a:solidFill>
+                  <a:srgbClr val="CC7832"/>
+                </a:solidFill>
+                <a:effectLst/>
+                <a:latin typeface="Courier New" panose="02070309020205020404" pitchFamily="49" charset="0"/>
+                <a:cs typeface="Courier New" panose="02070309020205020404" pitchFamily="49" charset="0"/>
+              </a:rPr>
+              <a:t> </a:t>
+            </a:r>
+            <a:r>
+              <a:rPr kumimoji="0" lang="fr-FR" altLang="fr-FR" sz="1200" b="0" i="0" u="none" strike="noStrike" cap="none" normalizeH="0" baseline="0" dirty="0" err="1">
+                <a:ln>
+                  <a:noFill/>
+                </a:ln>
+                <a:solidFill>
+                  <a:srgbClr val="FFC66D"/>
+                </a:solidFill>
+                <a:effectLst/>
+                <a:latin typeface="Courier New" panose="02070309020205020404" pitchFamily="49" charset="0"/>
+                <a:cs typeface="Courier New" panose="02070309020205020404" pitchFamily="49" charset="0"/>
+              </a:rPr>
+              <a:t>print</a:t>
+            </a:r>
+            <a:r>
+              <a:rPr kumimoji="0" lang="fr-FR" altLang="fr-FR" sz="1200" b="0" i="0" u="none" strike="noStrike" cap="none" normalizeH="0" baseline="0" dirty="0">
+                <a:ln>
+                  <a:noFill/>
+                </a:ln>
+                <a:solidFill>
+                  <a:srgbClr val="A9B7C6"/>
+                </a:solidFill>
+                <a:effectLst/>
+                <a:latin typeface="Courier New" panose="02070309020205020404" pitchFamily="49" charset="0"/>
+                <a:cs typeface="Courier New" panose="02070309020205020404" pitchFamily="49" charset="0"/>
+              </a:rPr>
+              <a:t>(</a:t>
+            </a:r>
+            <a:r>
+              <a:rPr kumimoji="0" lang="fr-FR" altLang="fr-FR" sz="1200" b="0" i="0" u="none" strike="noStrike" cap="none" normalizeH="0" baseline="0" dirty="0" err="1">
+                <a:ln>
+                  <a:noFill/>
+                </a:ln>
+                <a:solidFill>
+                  <a:srgbClr val="A9B7C6"/>
+                </a:solidFill>
+                <a:effectLst/>
+                <a:latin typeface="Courier New" panose="02070309020205020404" pitchFamily="49" charset="0"/>
+                <a:cs typeface="Courier New" panose="02070309020205020404" pitchFamily="49" charset="0"/>
+              </a:rPr>
+              <a:t>HardLink</a:t>
+            </a:r>
+            <a:r>
+              <a:rPr kumimoji="0" lang="fr-FR" altLang="fr-FR" sz="1200" b="0" i="0" u="none" strike="noStrike" cap="none" normalizeH="0" baseline="0" dirty="0">
+                <a:ln>
+                  <a:noFill/>
+                </a:ln>
+                <a:solidFill>
+                  <a:srgbClr val="A9B7C6"/>
+                </a:solidFill>
+                <a:effectLst/>
+                <a:latin typeface="Courier New" panose="02070309020205020404" pitchFamily="49" charset="0"/>
+                <a:cs typeface="Courier New" panose="02070309020205020404" pitchFamily="49" charset="0"/>
+              </a:rPr>
+              <a:t> </a:t>
+            </a:r>
+            <a:r>
+              <a:rPr kumimoji="0" lang="fr-FR" altLang="fr-FR" sz="1200" b="0" i="0" u="none" strike="noStrike" cap="none" normalizeH="0" baseline="0" dirty="0" err="1">
+                <a:ln>
+                  <a:noFill/>
+                </a:ln>
+                <a:solidFill>
+                  <a:srgbClr val="A9B7C6"/>
+                </a:solidFill>
+                <a:effectLst/>
+                <a:latin typeface="Courier New" panose="02070309020205020404" pitchFamily="49" charset="0"/>
+                <a:cs typeface="Courier New" panose="02070309020205020404" pitchFamily="49" charset="0"/>
+              </a:rPr>
+              <a:t>hardLink</a:t>
+            </a:r>
+            <a:r>
+              <a:rPr kumimoji="0" lang="fr-FR" altLang="fr-FR" sz="1200" b="0" i="0" u="none" strike="noStrike" cap="none" normalizeH="0" baseline="0" dirty="0">
+                <a:ln>
+                  <a:noFill/>
+                </a:ln>
+                <a:solidFill>
+                  <a:srgbClr val="A9B7C6"/>
+                </a:solidFill>
+                <a:effectLst/>
+                <a:latin typeface="Courier New" panose="02070309020205020404" pitchFamily="49" charset="0"/>
+                <a:cs typeface="Courier New" panose="02070309020205020404" pitchFamily="49" charset="0"/>
+              </a:rPr>
+              <a:t>) {</a:t>
+            </a:r>
+            <a:br>
+              <a:rPr kumimoji="0" lang="fr-FR" altLang="fr-FR" sz="1200" b="0" i="0" u="none" strike="noStrike" cap="none" normalizeH="0" baseline="0" dirty="0">
+                <a:ln>
+                  <a:noFill/>
+                </a:ln>
+                <a:solidFill>
+                  <a:srgbClr val="A9B7C6"/>
+                </a:solidFill>
+                <a:effectLst/>
+                <a:latin typeface="Courier New" panose="02070309020205020404" pitchFamily="49" charset="0"/>
+                <a:cs typeface="Courier New" panose="02070309020205020404" pitchFamily="49" charset="0"/>
+              </a:rPr>
+            </a:br>
+            <a:r>
+              <a:rPr kumimoji="0" lang="fr-FR" altLang="fr-FR" sz="1200" b="0" i="0" u="none" strike="noStrike" cap="none" normalizeH="0" baseline="0" dirty="0">
+                <a:ln>
+                  <a:noFill/>
+                </a:ln>
+                <a:solidFill>
+                  <a:srgbClr val="A9B7C6"/>
+                </a:solidFill>
+                <a:effectLst/>
+                <a:latin typeface="Courier New" panose="02070309020205020404" pitchFamily="49" charset="0"/>
+                <a:cs typeface="Courier New" panose="02070309020205020404" pitchFamily="49" charset="0"/>
+              </a:rPr>
+              <a:t>        </a:t>
+            </a:r>
+            <a:r>
+              <a:rPr kumimoji="0" lang="fr-FR" altLang="fr-FR" sz="1200" b="0" i="0" u="none" strike="noStrike" cap="none" normalizeH="0" baseline="0" dirty="0" err="1">
+                <a:ln>
+                  <a:noFill/>
+                </a:ln>
+                <a:solidFill>
+                  <a:srgbClr val="A9B7C6"/>
+                </a:solidFill>
+                <a:effectLst/>
+                <a:latin typeface="Courier New" panose="02070309020205020404" pitchFamily="49" charset="0"/>
+                <a:cs typeface="Courier New" panose="02070309020205020404" pitchFamily="49" charset="0"/>
+              </a:rPr>
+              <a:t>System.</a:t>
+            </a:r>
+            <a:r>
+              <a:rPr kumimoji="0" lang="fr-FR" altLang="fr-FR" sz="1200" b="0" i="1" u="none" strike="noStrike" cap="none" normalizeH="0" baseline="0" dirty="0" err="1">
+                <a:ln>
+                  <a:noFill/>
+                </a:ln>
+                <a:solidFill>
+                  <a:srgbClr val="9876AA"/>
+                </a:solidFill>
+                <a:effectLst/>
+                <a:latin typeface="Courier New" panose="02070309020205020404" pitchFamily="49" charset="0"/>
+                <a:cs typeface="Courier New" panose="02070309020205020404" pitchFamily="49" charset="0"/>
+              </a:rPr>
+              <a:t>out</a:t>
+            </a:r>
+            <a:r>
+              <a:rPr kumimoji="0" lang="fr-FR" altLang="fr-FR" sz="1200" b="0" i="0" u="none" strike="noStrike" cap="none" normalizeH="0" baseline="0" dirty="0" err="1">
+                <a:ln>
+                  <a:noFill/>
+                </a:ln>
+                <a:solidFill>
+                  <a:srgbClr val="A9B7C6"/>
+                </a:solidFill>
+                <a:effectLst/>
+                <a:latin typeface="Courier New" panose="02070309020205020404" pitchFamily="49" charset="0"/>
+                <a:cs typeface="Courier New" panose="02070309020205020404" pitchFamily="49" charset="0"/>
+              </a:rPr>
+              <a:t>.printf</a:t>
+            </a:r>
+            <a:r>
+              <a:rPr kumimoji="0" lang="fr-FR" altLang="fr-FR" sz="1200" b="0" i="0" u="none" strike="noStrike" cap="none" normalizeH="0" baseline="0" dirty="0">
+                <a:ln>
+                  <a:noFill/>
+                </a:ln>
+                <a:solidFill>
+                  <a:srgbClr val="A9B7C6"/>
+                </a:solidFill>
+                <a:effectLst/>
+                <a:latin typeface="Courier New" panose="02070309020205020404" pitchFamily="49" charset="0"/>
+                <a:cs typeface="Courier New" panose="02070309020205020404" pitchFamily="49" charset="0"/>
+              </a:rPr>
+              <a:t>(</a:t>
+            </a:r>
+            <a:r>
+              <a:rPr kumimoji="0" lang="fr-FR" altLang="fr-FR" sz="1200" b="0" i="0" u="none" strike="noStrike" cap="none" normalizeH="0" baseline="0" dirty="0">
+                <a:ln>
+                  <a:noFill/>
+                </a:ln>
+                <a:solidFill>
+                  <a:srgbClr val="6A8759"/>
+                </a:solidFill>
+                <a:effectLst/>
+                <a:latin typeface="Courier New" panose="02070309020205020404" pitchFamily="49" charset="0"/>
+                <a:cs typeface="Courier New" panose="02070309020205020404" pitchFamily="49" charset="0"/>
+              </a:rPr>
+              <a:t>"</a:t>
+            </a:r>
+            <a:r>
+              <a:rPr kumimoji="0" lang="fr-FR" altLang="fr-FR" sz="1200" b="0" i="0" u="none" strike="noStrike" cap="none" normalizeH="0" baseline="0" dirty="0" err="1">
+                <a:ln>
+                  <a:noFill/>
+                </a:ln>
+                <a:solidFill>
+                  <a:srgbClr val="6A8759"/>
+                </a:solidFill>
+                <a:effectLst/>
+                <a:latin typeface="Courier New" panose="02070309020205020404" pitchFamily="49" charset="0"/>
+                <a:cs typeface="Courier New" panose="02070309020205020404" pitchFamily="49" charset="0"/>
+              </a:rPr>
+              <a:t>HardLink</a:t>
+            </a:r>
+            <a:r>
+              <a:rPr kumimoji="0" lang="fr-FR" altLang="fr-FR" sz="1200" b="0" i="0" u="none" strike="noStrike" cap="none" normalizeH="0" baseline="0" dirty="0">
+                <a:ln>
+                  <a:noFill/>
+                </a:ln>
+                <a:solidFill>
+                  <a:srgbClr val="6A8759"/>
+                </a:solidFill>
+                <a:effectLst/>
+                <a:latin typeface="Courier New" panose="02070309020205020404" pitchFamily="49" charset="0"/>
+                <a:cs typeface="Courier New" panose="02070309020205020404" pitchFamily="49" charset="0"/>
+              </a:rPr>
+              <a:t>: %S --&gt; %s (%d)</a:t>
+            </a:r>
+            <a:r>
+              <a:rPr kumimoji="0" lang="fr-FR" altLang="fr-FR" sz="1200" b="0" i="0" u="none" strike="noStrike" cap="none" normalizeH="0" baseline="0" dirty="0">
+                <a:ln>
+                  <a:noFill/>
+                </a:ln>
+                <a:solidFill>
+                  <a:srgbClr val="CC7832"/>
+                </a:solidFill>
+                <a:effectLst/>
+                <a:latin typeface="Courier New" panose="02070309020205020404" pitchFamily="49" charset="0"/>
+                <a:cs typeface="Courier New" panose="02070309020205020404" pitchFamily="49" charset="0"/>
+              </a:rPr>
+              <a:t>\n</a:t>
+            </a:r>
+            <a:r>
+              <a:rPr kumimoji="0" lang="fr-FR" altLang="fr-FR" sz="1200" b="0" i="0" u="none" strike="noStrike" cap="none" normalizeH="0" baseline="0" dirty="0" smtClean="0">
+                <a:ln>
+                  <a:noFill/>
+                </a:ln>
+                <a:solidFill>
+                  <a:srgbClr val="6A8759"/>
+                </a:solidFill>
+                <a:effectLst/>
+                <a:latin typeface="Courier New" panose="02070309020205020404" pitchFamily="49" charset="0"/>
+                <a:cs typeface="Courier New" panose="02070309020205020404" pitchFamily="49" charset="0"/>
+              </a:rPr>
+              <a:t>"</a:t>
+            </a:r>
+            <a:r>
+              <a:rPr kumimoji="0" lang="fr-FR" altLang="fr-FR" sz="1200" b="0" i="0" u="none" strike="noStrike" cap="none" normalizeH="0" baseline="0" dirty="0" smtClean="0">
+                <a:ln>
+                  <a:noFill/>
+                </a:ln>
+                <a:solidFill>
+                  <a:srgbClr val="CC7832"/>
+                </a:solidFill>
+                <a:effectLst/>
+                <a:latin typeface="Courier New" panose="02070309020205020404" pitchFamily="49" charset="0"/>
+                <a:cs typeface="Courier New" panose="02070309020205020404" pitchFamily="49" charset="0"/>
+              </a:rPr>
+              <a:t>,</a:t>
+            </a:r>
+          </a:p>
+          <a:p>
+            <a:pPr marL="0" marR="0" lvl="0" indent="0" algn="l" defTabSz="914400" rtl="0" eaLnBrk="0" fontAlgn="base" latinLnBrk="0" hangingPunct="0">
+              <a:lnSpc>
+                <a:spcPct val="100000"/>
+              </a:lnSpc>
+              <a:spcBef>
+                <a:spcPct val="0"/>
+              </a:spcBef>
+              <a:spcAft>
+                <a:spcPct val="0"/>
+              </a:spcAft>
+              <a:buClrTx/>
+              <a:buSzTx/>
+              <a:buFontTx/>
+              <a:buNone/>
+              <a:tabLst/>
+            </a:pPr>
+            <a:r>
+              <a:rPr lang="fr-FR" altLang="fr-FR" sz="1200" dirty="0">
+                <a:solidFill>
+                  <a:srgbClr val="CC7832"/>
+                </a:solidFill>
+                <a:latin typeface="Courier New" panose="02070309020205020404" pitchFamily="49" charset="0"/>
+                <a:cs typeface="Courier New" panose="02070309020205020404" pitchFamily="49" charset="0"/>
+              </a:rPr>
+              <a:t>	</a:t>
+            </a:r>
+            <a:r>
+              <a:rPr lang="fr-FR" altLang="fr-FR" sz="1200" dirty="0" smtClean="0">
+                <a:solidFill>
+                  <a:srgbClr val="CC7832"/>
+                </a:solidFill>
+                <a:latin typeface="Courier New" panose="02070309020205020404" pitchFamily="49" charset="0"/>
+                <a:cs typeface="Courier New" panose="02070309020205020404" pitchFamily="49" charset="0"/>
+              </a:rPr>
+              <a:t>	</a:t>
+            </a:r>
+            <a:r>
+              <a:rPr lang="fr-FR" altLang="fr-FR" sz="1200" dirty="0">
+                <a:solidFill>
+                  <a:srgbClr val="CC7832"/>
+                </a:solidFill>
+                <a:latin typeface="Courier New" panose="02070309020205020404" pitchFamily="49" charset="0"/>
+                <a:cs typeface="Courier New" panose="02070309020205020404" pitchFamily="49" charset="0"/>
+              </a:rPr>
+              <a:t> </a:t>
+            </a:r>
+            <a:r>
+              <a:rPr lang="fr-FR" altLang="fr-FR" sz="1200" dirty="0" smtClean="0">
+                <a:solidFill>
+                  <a:srgbClr val="CC7832"/>
+                </a:solidFill>
+                <a:latin typeface="Courier New" panose="02070309020205020404" pitchFamily="49" charset="0"/>
+                <a:cs typeface="Courier New" panose="02070309020205020404" pitchFamily="49" charset="0"/>
+              </a:rPr>
+              <a:t>      </a:t>
+            </a:r>
+            <a:r>
+              <a:rPr kumimoji="0" lang="fr-FR" altLang="fr-FR" sz="1200" b="0" i="0" u="none" strike="noStrike" cap="none" normalizeH="0" baseline="0" dirty="0" err="1" smtClean="0">
+                <a:ln>
+                  <a:noFill/>
+                </a:ln>
+                <a:solidFill>
+                  <a:srgbClr val="A9B7C6"/>
+                </a:solidFill>
+                <a:effectLst/>
+                <a:latin typeface="Courier New" panose="02070309020205020404" pitchFamily="49" charset="0"/>
+                <a:cs typeface="Courier New" panose="02070309020205020404" pitchFamily="49" charset="0"/>
+              </a:rPr>
+              <a:t>hardLink.getName</a:t>
+            </a:r>
+            <a:r>
+              <a:rPr kumimoji="0" lang="fr-FR" altLang="fr-FR" sz="1200" b="0" i="0" u="none" strike="noStrike" cap="none" normalizeH="0" baseline="0" dirty="0">
+                <a:ln>
+                  <a:noFill/>
+                </a:ln>
+                <a:solidFill>
+                  <a:srgbClr val="A9B7C6"/>
+                </a:solidFill>
+                <a:effectLst/>
+                <a:latin typeface="Courier New" panose="02070309020205020404" pitchFamily="49" charset="0"/>
+                <a:cs typeface="Courier New" panose="02070309020205020404" pitchFamily="49" charset="0"/>
+              </a:rPr>
+              <a:t>()</a:t>
+            </a:r>
+            <a:r>
+              <a:rPr kumimoji="0" lang="fr-FR" altLang="fr-FR" sz="1200" b="0" i="0" u="none" strike="noStrike" cap="none" normalizeH="0" baseline="0" dirty="0">
+                <a:ln>
+                  <a:noFill/>
+                </a:ln>
+                <a:solidFill>
+                  <a:srgbClr val="CC7832"/>
+                </a:solidFill>
+                <a:effectLst/>
+                <a:latin typeface="Courier New" panose="02070309020205020404" pitchFamily="49" charset="0"/>
+                <a:cs typeface="Courier New" panose="02070309020205020404" pitchFamily="49" charset="0"/>
+              </a:rPr>
+              <a:t>, </a:t>
+            </a:r>
+            <a:endParaRPr kumimoji="0" lang="fr-FR" altLang="fr-FR" sz="1200" b="0" i="0" u="none" strike="noStrike" cap="none" normalizeH="0" baseline="0" dirty="0" smtClean="0">
+              <a:ln>
+                <a:noFill/>
+              </a:ln>
+              <a:solidFill>
+                <a:srgbClr val="CC7832"/>
+              </a:solidFill>
+              <a:effectLst/>
+              <a:latin typeface="Courier New" panose="02070309020205020404" pitchFamily="49" charset="0"/>
+              <a:cs typeface="Courier New" panose="02070309020205020404" pitchFamily="49" charset="0"/>
+            </a:endParaRPr>
+          </a:p>
+          <a:p>
+            <a:pPr marL="0" marR="0" lvl="0" indent="0" algn="l" defTabSz="914400" rtl="0" eaLnBrk="0" fontAlgn="base" latinLnBrk="0" hangingPunct="0">
+              <a:lnSpc>
+                <a:spcPct val="100000"/>
+              </a:lnSpc>
+              <a:spcBef>
+                <a:spcPct val="0"/>
+              </a:spcBef>
+              <a:spcAft>
+                <a:spcPct val="0"/>
+              </a:spcAft>
+              <a:buClrTx/>
+              <a:buSzTx/>
+              <a:buFontTx/>
+              <a:buNone/>
+              <a:tabLst/>
+            </a:pPr>
+            <a:r>
+              <a:rPr lang="fr-FR" altLang="fr-FR" sz="1200" dirty="0">
+                <a:solidFill>
+                  <a:srgbClr val="CC7832"/>
+                </a:solidFill>
+                <a:latin typeface="Courier New" panose="02070309020205020404" pitchFamily="49" charset="0"/>
+                <a:cs typeface="Courier New" panose="02070309020205020404" pitchFamily="49" charset="0"/>
+              </a:rPr>
+              <a:t>	</a:t>
+            </a:r>
+            <a:r>
+              <a:rPr lang="fr-FR" altLang="fr-FR" sz="1200" dirty="0" smtClean="0">
+                <a:solidFill>
+                  <a:srgbClr val="CC7832"/>
+                </a:solidFill>
+                <a:latin typeface="Courier New" panose="02070309020205020404" pitchFamily="49" charset="0"/>
+                <a:cs typeface="Courier New" panose="02070309020205020404" pitchFamily="49" charset="0"/>
+              </a:rPr>
+              <a:t>	       </a:t>
+            </a:r>
+            <a:r>
+              <a:rPr kumimoji="0" lang="fr-FR" altLang="fr-FR" sz="1200" b="0" i="0" u="none" strike="noStrike" cap="none" normalizeH="0" baseline="0" dirty="0" err="1" smtClean="0">
+                <a:ln>
+                  <a:noFill/>
+                </a:ln>
+                <a:solidFill>
+                  <a:srgbClr val="A9B7C6"/>
+                </a:solidFill>
+                <a:effectLst/>
+                <a:latin typeface="Courier New" panose="02070309020205020404" pitchFamily="49" charset="0"/>
+                <a:cs typeface="Courier New" panose="02070309020205020404" pitchFamily="49" charset="0"/>
+              </a:rPr>
+              <a:t>hardLink.getPath</a:t>
+            </a:r>
+            <a:r>
+              <a:rPr kumimoji="0" lang="fr-FR" altLang="fr-FR" sz="1200" b="0" i="0" u="none" strike="noStrike" cap="none" normalizeH="0" baseline="0" dirty="0" smtClean="0">
+                <a:ln>
+                  <a:noFill/>
+                </a:ln>
+                <a:solidFill>
+                  <a:srgbClr val="A9B7C6"/>
+                </a:solidFill>
+                <a:effectLst/>
+                <a:latin typeface="Courier New" panose="02070309020205020404" pitchFamily="49" charset="0"/>
+                <a:cs typeface="Courier New" panose="02070309020205020404" pitchFamily="49" charset="0"/>
+              </a:rPr>
+              <a:t>()</a:t>
+            </a:r>
+            <a:r>
+              <a:rPr kumimoji="0" lang="fr-FR" altLang="fr-FR" sz="1200" b="0" i="0" u="none" strike="noStrike" cap="none" normalizeH="0" baseline="0" dirty="0" smtClean="0">
+                <a:ln>
+                  <a:noFill/>
+                </a:ln>
+                <a:solidFill>
+                  <a:srgbClr val="CC7832"/>
+                </a:solidFill>
+                <a:effectLst/>
+                <a:latin typeface="Courier New" panose="02070309020205020404" pitchFamily="49" charset="0"/>
+                <a:cs typeface="Courier New" panose="02070309020205020404" pitchFamily="49" charset="0"/>
+              </a:rPr>
+              <a:t>,</a:t>
+            </a:r>
+          </a:p>
+          <a:p>
+            <a:pPr marL="0" marR="0" lvl="0" indent="0" algn="l" defTabSz="914400" rtl="0" eaLnBrk="0" fontAlgn="base" latinLnBrk="0" hangingPunct="0">
+              <a:lnSpc>
+                <a:spcPct val="100000"/>
+              </a:lnSpc>
+              <a:spcBef>
+                <a:spcPct val="0"/>
+              </a:spcBef>
+              <a:spcAft>
+                <a:spcPct val="0"/>
+              </a:spcAft>
+              <a:buClrTx/>
+              <a:buSzTx/>
+              <a:buFontTx/>
+              <a:buNone/>
+              <a:tabLst/>
+            </a:pPr>
+            <a:r>
+              <a:rPr lang="fr-FR" altLang="fr-FR" sz="1200" dirty="0">
+                <a:solidFill>
+                  <a:srgbClr val="CC7832"/>
+                </a:solidFill>
+                <a:latin typeface="Courier New" panose="02070309020205020404" pitchFamily="49" charset="0"/>
+                <a:cs typeface="Courier New" panose="02070309020205020404" pitchFamily="49" charset="0"/>
+              </a:rPr>
+              <a:t>	</a:t>
+            </a:r>
+            <a:r>
+              <a:rPr lang="fr-FR" altLang="fr-FR" sz="1200" dirty="0" smtClean="0">
+                <a:solidFill>
+                  <a:srgbClr val="CC7832"/>
+                </a:solidFill>
+                <a:latin typeface="Courier New" panose="02070309020205020404" pitchFamily="49" charset="0"/>
+                <a:cs typeface="Courier New" panose="02070309020205020404" pitchFamily="49" charset="0"/>
+              </a:rPr>
+              <a:t>	      </a:t>
+            </a:r>
+            <a:r>
+              <a:rPr kumimoji="0" lang="fr-FR" altLang="fr-FR" sz="1200" b="0" i="0" u="none" strike="noStrike" cap="none" normalizeH="0" baseline="0" dirty="0" smtClean="0">
+                <a:ln>
+                  <a:noFill/>
+                </a:ln>
+                <a:solidFill>
+                  <a:srgbClr val="CC7832"/>
+                </a:solidFill>
+                <a:effectLst/>
+                <a:latin typeface="Courier New" panose="02070309020205020404" pitchFamily="49" charset="0"/>
+                <a:cs typeface="Courier New" panose="02070309020205020404" pitchFamily="49" charset="0"/>
+              </a:rPr>
+              <a:t> </a:t>
+            </a:r>
+            <a:r>
+              <a:rPr kumimoji="0" lang="fr-FR" altLang="fr-FR" sz="1200" b="0" i="0" u="none" strike="noStrike" cap="none" normalizeH="0" baseline="0" dirty="0" err="1">
+                <a:ln>
+                  <a:noFill/>
+                </a:ln>
+                <a:solidFill>
+                  <a:srgbClr val="A9B7C6"/>
+                </a:solidFill>
+                <a:effectLst/>
+                <a:latin typeface="Courier New" panose="02070309020205020404" pitchFamily="49" charset="0"/>
+                <a:cs typeface="Courier New" panose="02070309020205020404" pitchFamily="49" charset="0"/>
+              </a:rPr>
+              <a:t>hardLink.getRefCounter</a:t>
+            </a:r>
+            <a:r>
+              <a:rPr kumimoji="0" lang="fr-FR" altLang="fr-FR" sz="1200" b="0" i="0" u="none" strike="noStrike" cap="none" normalizeH="0" baseline="0" dirty="0">
+                <a:ln>
+                  <a:noFill/>
+                </a:ln>
+                <a:solidFill>
+                  <a:srgbClr val="A9B7C6"/>
+                </a:solidFill>
+                <a:effectLst/>
+                <a:latin typeface="Courier New" panose="02070309020205020404" pitchFamily="49" charset="0"/>
+                <a:cs typeface="Courier New" panose="02070309020205020404" pitchFamily="49" charset="0"/>
+              </a:rPr>
+              <a:t>())</a:t>
+            </a:r>
+            <a:r>
+              <a:rPr kumimoji="0" lang="fr-FR" altLang="fr-FR" sz="1200" b="0" i="0" u="none" strike="noStrike" cap="none" normalizeH="0" baseline="0" dirty="0">
+                <a:ln>
+                  <a:noFill/>
+                </a:ln>
+                <a:solidFill>
+                  <a:srgbClr val="CC7832"/>
+                </a:solidFill>
+                <a:effectLst/>
+                <a:latin typeface="Courier New" panose="02070309020205020404" pitchFamily="49" charset="0"/>
+                <a:cs typeface="Courier New" panose="02070309020205020404" pitchFamily="49" charset="0"/>
+              </a:rPr>
+              <a:t>;</a:t>
+            </a:r>
+            <a:br>
+              <a:rPr kumimoji="0" lang="fr-FR" altLang="fr-FR" sz="1200" b="0" i="0" u="none" strike="noStrike" cap="none" normalizeH="0" baseline="0" dirty="0">
+                <a:ln>
+                  <a:noFill/>
+                </a:ln>
+                <a:solidFill>
+                  <a:srgbClr val="CC7832"/>
+                </a:solidFill>
+                <a:effectLst/>
+                <a:latin typeface="Courier New" panose="02070309020205020404" pitchFamily="49" charset="0"/>
+                <a:cs typeface="Courier New" panose="02070309020205020404" pitchFamily="49" charset="0"/>
+              </a:rPr>
+            </a:br>
+            <a:r>
+              <a:rPr kumimoji="0" lang="fr-FR" altLang="fr-FR" sz="1200" b="0" i="0" u="none" strike="noStrike" cap="none" normalizeH="0" baseline="0" dirty="0">
+                <a:ln>
+                  <a:noFill/>
+                </a:ln>
+                <a:solidFill>
+                  <a:srgbClr val="CC7832"/>
+                </a:solidFill>
+                <a:effectLst/>
+                <a:latin typeface="Courier New" panose="02070309020205020404" pitchFamily="49" charset="0"/>
+                <a:cs typeface="Courier New" panose="02070309020205020404" pitchFamily="49" charset="0"/>
+              </a:rPr>
+              <a:t>    </a:t>
+            </a:r>
+            <a:r>
+              <a:rPr kumimoji="0" lang="fr-FR" altLang="fr-FR" sz="1200" b="0" i="0" u="none" strike="noStrike" cap="none" normalizeH="0" baseline="0" dirty="0">
+                <a:ln>
+                  <a:noFill/>
+                </a:ln>
+                <a:solidFill>
+                  <a:srgbClr val="A9B7C6"/>
+                </a:solidFill>
+                <a:effectLst/>
+                <a:latin typeface="Courier New" panose="02070309020205020404" pitchFamily="49" charset="0"/>
+                <a:cs typeface="Courier New" panose="02070309020205020404" pitchFamily="49" charset="0"/>
+              </a:rPr>
+              <a:t>}</a:t>
+            </a:r>
+            <a:br>
+              <a:rPr kumimoji="0" lang="fr-FR" altLang="fr-FR" sz="1200" b="0" i="0" u="none" strike="noStrike" cap="none" normalizeH="0" baseline="0" dirty="0">
+                <a:ln>
+                  <a:noFill/>
+                </a:ln>
+                <a:solidFill>
+                  <a:srgbClr val="A9B7C6"/>
+                </a:solidFill>
+                <a:effectLst/>
+                <a:latin typeface="Courier New" panose="02070309020205020404" pitchFamily="49" charset="0"/>
+                <a:cs typeface="Courier New" panose="02070309020205020404" pitchFamily="49" charset="0"/>
+              </a:rPr>
+            </a:br>
+            <a:r>
+              <a:rPr kumimoji="0" lang="fr-FR" altLang="fr-FR" sz="1200" b="0" i="0" u="none" strike="noStrike" cap="none" normalizeH="0" baseline="0" dirty="0">
+                <a:ln>
+                  <a:noFill/>
+                </a:ln>
+                <a:solidFill>
+                  <a:srgbClr val="A9B7C6"/>
+                </a:solidFill>
+                <a:effectLst/>
+                <a:latin typeface="Courier New" panose="02070309020205020404" pitchFamily="49" charset="0"/>
+                <a:cs typeface="Courier New" panose="02070309020205020404" pitchFamily="49" charset="0"/>
+              </a:rPr>
+              <a:t>}</a:t>
+            </a:r>
+            <a:endParaRPr kumimoji="0" lang="fr-FR" altLang="fr-FR" sz="1200" b="0" i="0" u="none" strike="noStrike" cap="none" normalizeH="0" baseline="0" dirty="0">
+              <a:ln>
+                <a:noFill/>
+              </a:ln>
+              <a:solidFill>
+                <a:schemeClr val="tx1"/>
+              </a:solidFill>
+              <a:effectLst/>
+              <a:latin typeface="Arial" panose="020B0604020202020204" pitchFamily="34" charset="0"/>
+            </a:endParaRPr>
+          </a:p>
+        </p:txBody>
+      </p:sp>
+      <p:pic>
+        <p:nvPicPr>
+          <p:cNvPr id="7" name="Picture 2" descr="PlantUML Diagram">
+            <a:extLst>
+              <a:ext uri="{FF2B5EF4-FFF2-40B4-BE49-F238E27FC236}">
+                <a16:creationId xmlns:a16="http://schemas.microsoft.com/office/drawing/2014/main" xmlns="" id="{B6AA6EBE-11BE-493A-ADEF-74D5D5AAB76D}"/>
+              </a:ext>
+            </a:extLst>
+          </p:cNvPr>
+          <p:cNvPicPr>
+            <a:picLocks noChangeAspect="1" noChangeArrowheads="1"/>
+          </p:cNvPicPr>
+          <p:nvPr/>
+        </p:nvPicPr>
+        <p:blipFill>
+          <a:blip r:embed="rId5">
+            <a:extLst>
+              <a:ext uri="{28A0092B-C50C-407E-A947-70E740481C1C}">
+                <a14:useLocalDpi xmlns:a14="http://schemas.microsoft.com/office/drawing/2010/main" val="0"/>
+              </a:ext>
+            </a:extLst>
+          </a:blip>
+          <a:srcRect/>
+          <a:stretch>
+            <a:fillRect/>
+          </a:stretch>
+        </p:blipFill>
+        <p:spPr bwMode="auto">
+          <a:xfrm>
+            <a:off x="5120942" y="1109187"/>
+            <a:ext cx="4023058" cy="2753129"/>
+          </a:xfrm>
+          <a:prstGeom prst="rect">
+            <a:avLst/>
+          </a:prstGeom>
+          <a:noFill/>
+          <a:extLst>
+            <a:ext uri="{909E8E84-426E-40DD-AFC4-6F175D3DCCD1}">
+              <a14:hiddenFill xmlns:a14="http://schemas.microsoft.com/office/drawing/2010/main">
+                <a:solidFill>
+                  <a:srgbClr val="FFFFFF"/>
+                </a:solidFill>
+              </a14:hiddenFill>
+            </a:ext>
+          </a:extLst>
+        </p:spPr>
+      </p:pic>
+    </p:spTree>
+    <p:extLst>
+      <p:ext uri="{BB962C8B-B14F-4D97-AF65-F5344CB8AC3E}">
+        <p14:creationId xmlns:p14="http://schemas.microsoft.com/office/powerpoint/2010/main" val="2069928107"/>
+      </p:ext>
+    </p:extLst>
+  </p:cSld>
+  <p:clrMapOvr>
+    <a:masterClrMapping/>
+  </p:clrMapOvr>
+  <p:timing>
+    <p:tnLst>
+      <p:par>
+        <p:cTn id="1" dur="indefinite" restart="never" nodeType="tmRoot"/>
+      </p:par>
+    </p:tnLst>
+  </p:timing>
+</p:sld>
+</file>
+
+<file path=ppt/slides/slide12.xml><?xml version="1.0" encoding="utf-8"?>
+<p:sld xmlns:a="http://schemas.openxmlformats.org/drawingml/2006/main" xmlns:r="http://schemas.openxmlformats.org/officeDocument/2006/relationships" xmlns:p="http://schemas.openxmlformats.org/presentationml/2006/main">
+  <p:cSld>
+    <p:spTree>
+      <p:nvGrpSpPr>
+        <p:cNvPr id="1" name="Shape 100"/>
+        <p:cNvGrpSpPr/>
+        <p:nvPr/>
+      </p:nvGrpSpPr>
+      <p:grpSpPr>
+        <a:xfrm>
+          <a:off x="0" y="0"/>
+          <a:ext cx="0" cy="0"/>
+          <a:chOff x="0" y="0"/>
+          <a:chExt cx="0" cy="0"/>
+        </a:xfrm>
+      </p:grpSpPr>
+      <p:sp>
+        <p:nvSpPr>
+          <p:cNvPr id="101" name="Shape 101"/>
+          <p:cNvSpPr txBox="1"/>
+          <p:nvPr/>
+        </p:nvSpPr>
+        <p:spPr>
+          <a:xfrm>
+            <a:off x="361500" y="309350"/>
+            <a:ext cx="8421000" cy="855000"/>
+          </a:xfrm>
+          <a:prstGeom prst="rect">
+            <a:avLst/>
+          </a:prstGeom>
+          <a:noFill/>
+          <a:ln>
+            <a:noFill/>
+          </a:ln>
+        </p:spPr>
+        <p:txBody>
+          <a:bodyPr spcFirstLastPara="1" wrap="square" lIns="91425" tIns="91425" rIns="91425" bIns="91425" anchor="b" anchorCtr="0">
+            <a:noAutofit/>
+          </a:bodyPr>
+          <a:lstStyle/>
+          <a:p>
+            <a:pPr lvl="0" algn="ctr"/>
+            <a:r>
+              <a:rPr lang="fr-FR" sz="4800" dirty="0">
+                <a:latin typeface="Helvetica Neue"/>
+              </a:rPr>
+              <a:t>Qu’affiche-t-il ?</a:t>
+            </a:r>
+            <a:endParaRPr sz="8000" dirty="0">
+              <a:latin typeface="Helvetica Neue"/>
+              <a:ea typeface="Helvetica Neue"/>
+              <a:cs typeface="Helvetica Neue"/>
+              <a:sym typeface="Helvetica Neue"/>
+            </a:endParaRPr>
+          </a:p>
+        </p:txBody>
+      </p:sp>
+      <p:pic>
+        <p:nvPicPr>
+          <p:cNvPr id="102" name="Shape 102"/>
+          <p:cNvPicPr preferRelativeResize="0"/>
+          <p:nvPr/>
+        </p:nvPicPr>
+        <p:blipFill>
+          <a:blip r:embed="rId3">
+            <a:alphaModFix/>
+          </a:blip>
+          <a:stretch>
+            <a:fillRect/>
+          </a:stretch>
+        </p:blipFill>
+        <p:spPr>
+          <a:xfrm>
+            <a:off x="0" y="0"/>
+            <a:ext cx="189627" cy="5143503"/>
+          </a:xfrm>
+          <a:prstGeom prst="rect">
+            <a:avLst/>
+          </a:prstGeom>
+          <a:noFill/>
+          <a:ln>
+            <a:noFill/>
+          </a:ln>
+        </p:spPr>
+      </p:pic>
+      <p:pic>
+        <p:nvPicPr>
+          <p:cNvPr id="103" name="Shape 103"/>
+          <p:cNvPicPr preferRelativeResize="0"/>
+          <p:nvPr/>
+        </p:nvPicPr>
+        <p:blipFill rotWithShape="1">
+          <a:blip r:embed="rId4">
+            <a:alphaModFix/>
+          </a:blip>
+          <a:srcRect l="17665" r="14204" b="33849"/>
+          <a:stretch/>
+        </p:blipFill>
+        <p:spPr>
+          <a:xfrm>
+            <a:off x="8201125" y="4195400"/>
+            <a:ext cx="817750" cy="794025"/>
+          </a:xfrm>
+          <a:prstGeom prst="rect">
+            <a:avLst/>
+          </a:prstGeom>
+          <a:noFill/>
+          <a:ln>
+            <a:noFill/>
+          </a:ln>
+        </p:spPr>
+      </p:pic>
+      <p:sp>
+        <p:nvSpPr>
+          <p:cNvPr id="9" name="Rectangle 8"/>
+          <p:cNvSpPr>
+            <a:spLocks noChangeArrowheads="1"/>
+          </p:cNvSpPr>
+          <p:nvPr/>
+        </p:nvSpPr>
+        <p:spPr bwMode="auto">
+          <a:xfrm>
+            <a:off x="230571" y="1200810"/>
+            <a:ext cx="5531016" cy="3231654"/>
+          </a:xfrm>
+          <a:prstGeom prst="rect">
+            <a:avLst/>
+          </a:prstGeom>
+          <a:solidFill>
+            <a:srgbClr val="2B2B2B"/>
+          </a:solidFill>
+          <a:ln>
+            <a:noFill/>
+          </a:ln>
+          <a:effectLst/>
+          <a:extLst>
+            <a:ext uri="{91240B29-F687-4F45-9708-019B960494DF}">
+              <a14:hiddenLine xmlns:a14="http://schemas.microsoft.com/office/drawing/2010/main" w="9525">
+                <a:solidFill>
+                  <a:schemeClr val="tx1"/>
+                </a:solidFill>
+                <a:miter lim="800000"/>
+                <a:headEnd/>
+                <a:tailEnd/>
+              </a14:hiddenLine>
+            </a:ext>
+            <a:ext uri="{AF507438-7753-43E0-B8FC-AC1667EBCBE1}">
+              <a14:hiddenEffects xmlns:a14="http://schemas.microsoft.com/office/drawing/2010/main">
+                <a:effectLst>
+                  <a:outerShdw dist="35921" dir="2700000" algn="ctr" rotWithShape="0">
+                    <a:schemeClr val="bg2"/>
+                  </a:outerShdw>
+                </a:effectLst>
+              </a14:hiddenEffects>
+            </a:ext>
+          </a:extLst>
+        </p:spPr>
+        <p:txBody>
+          <a:bodyPr vert="horz" wrap="square" lIns="91440" tIns="45720" rIns="91440" bIns="45720" numCol="1" anchor="ctr" anchorCtr="0" compatLnSpc="1">
+            <a:prstTxWarp prst="textNoShape">
+              <a:avLst/>
+            </a:prstTxWarp>
+            <a:spAutoFit/>
+          </a:bodyPr>
+          <a:lstStyle/>
+          <a:p>
+            <a:pPr marL="0" marR="0" lvl="0" indent="0" algn="l" defTabSz="914400" rtl="0" eaLnBrk="0" fontAlgn="base" latinLnBrk="0" hangingPunct="0">
+              <a:lnSpc>
+                <a:spcPct val="100000"/>
+              </a:lnSpc>
+              <a:spcBef>
+                <a:spcPct val="0"/>
+              </a:spcBef>
+              <a:spcAft>
+                <a:spcPct val="0"/>
+              </a:spcAft>
+              <a:buClrTx/>
+              <a:buSzTx/>
+              <a:buFontTx/>
+              <a:buNone/>
+              <a:tabLst/>
+            </a:pPr>
+            <a:r>
+              <a:rPr kumimoji="0" lang="fr-FR" altLang="fr-FR" sz="1200" b="0" i="0" u="none" strike="noStrike" cap="none" normalizeH="0" baseline="0" dirty="0">
+                <a:ln>
+                  <a:noFill/>
+                </a:ln>
+                <a:solidFill>
+                  <a:srgbClr val="CC7832"/>
+                </a:solidFill>
+                <a:effectLst/>
+                <a:latin typeface="Courier New" panose="02070309020205020404" pitchFamily="49" charset="0"/>
+                <a:cs typeface="Courier New" panose="02070309020205020404" pitchFamily="49" charset="0"/>
+              </a:rPr>
+              <a:t>public class </a:t>
+            </a:r>
+            <a:r>
+              <a:rPr kumimoji="0" lang="fr-FR" altLang="fr-FR" sz="1200" b="0" i="0" u="none" strike="noStrike" cap="none" normalizeH="0" baseline="0" dirty="0" err="1">
+                <a:ln>
+                  <a:noFill/>
+                </a:ln>
+                <a:solidFill>
+                  <a:srgbClr val="A9B7C6"/>
+                </a:solidFill>
+                <a:effectLst/>
+                <a:latin typeface="Courier New" panose="02070309020205020404" pitchFamily="49" charset="0"/>
+                <a:cs typeface="Courier New" panose="02070309020205020404" pitchFamily="49" charset="0"/>
+              </a:rPr>
+              <a:t>MainPrinter</a:t>
+            </a:r>
+            <a:r>
+              <a:rPr kumimoji="0" lang="fr-FR" altLang="fr-FR" sz="1200" b="0" i="0" u="none" strike="noStrike" cap="none" normalizeH="0" baseline="0" dirty="0">
+                <a:ln>
+                  <a:noFill/>
+                </a:ln>
+                <a:solidFill>
+                  <a:srgbClr val="A9B7C6"/>
+                </a:solidFill>
+                <a:effectLst/>
+                <a:latin typeface="Courier New" panose="02070309020205020404" pitchFamily="49" charset="0"/>
+                <a:cs typeface="Courier New" panose="02070309020205020404" pitchFamily="49" charset="0"/>
+              </a:rPr>
+              <a:t> {</a:t>
+            </a:r>
+            <a:br>
+              <a:rPr kumimoji="0" lang="fr-FR" altLang="fr-FR" sz="1200" b="0" i="0" u="none" strike="noStrike" cap="none" normalizeH="0" baseline="0" dirty="0">
+                <a:ln>
+                  <a:noFill/>
+                </a:ln>
+                <a:solidFill>
+                  <a:srgbClr val="A9B7C6"/>
+                </a:solidFill>
+                <a:effectLst/>
+                <a:latin typeface="Courier New" panose="02070309020205020404" pitchFamily="49" charset="0"/>
+                <a:cs typeface="Courier New" panose="02070309020205020404" pitchFamily="49" charset="0"/>
+              </a:rPr>
+            </a:br>
+            <a:r>
+              <a:rPr kumimoji="0" lang="fr-FR" altLang="fr-FR" sz="1200" b="0" i="0" u="none" strike="noStrike" cap="none" normalizeH="0" baseline="0" dirty="0">
+                <a:ln>
+                  <a:noFill/>
+                </a:ln>
+                <a:solidFill>
+                  <a:srgbClr val="A9B7C6"/>
+                </a:solidFill>
+                <a:effectLst/>
+                <a:latin typeface="Courier New" panose="02070309020205020404" pitchFamily="49" charset="0"/>
+                <a:cs typeface="Courier New" panose="02070309020205020404" pitchFamily="49" charset="0"/>
+              </a:rPr>
+              <a:t>    </a:t>
+            </a:r>
+            <a:r>
+              <a:rPr kumimoji="0" lang="fr-FR" altLang="fr-FR" sz="1200" b="0" i="0" u="none" strike="noStrike" cap="none" normalizeH="0" baseline="0" dirty="0">
+                <a:ln>
+                  <a:noFill/>
+                </a:ln>
+                <a:solidFill>
+                  <a:srgbClr val="CC7832"/>
+                </a:solidFill>
+                <a:effectLst/>
+                <a:latin typeface="Courier New" panose="02070309020205020404" pitchFamily="49" charset="0"/>
+                <a:cs typeface="Courier New" panose="02070309020205020404" pitchFamily="49" charset="0"/>
+              </a:rPr>
+              <a:t>public </a:t>
+            </a:r>
+            <a:r>
+              <a:rPr kumimoji="0" lang="fr-FR" altLang="fr-FR" sz="1200" b="0" i="0" u="none" strike="noStrike" cap="none" normalizeH="0" baseline="0" dirty="0" err="1">
+                <a:ln>
+                  <a:noFill/>
+                </a:ln>
+                <a:solidFill>
+                  <a:srgbClr val="CC7832"/>
+                </a:solidFill>
+                <a:effectLst/>
+                <a:latin typeface="Courier New" panose="02070309020205020404" pitchFamily="49" charset="0"/>
+                <a:cs typeface="Courier New" panose="02070309020205020404" pitchFamily="49" charset="0"/>
+              </a:rPr>
+              <a:t>static</a:t>
+            </a:r>
+            <a:r>
+              <a:rPr kumimoji="0" lang="fr-FR" altLang="fr-FR" sz="1200" b="0" i="0" u="none" strike="noStrike" cap="none" normalizeH="0" baseline="0" dirty="0">
+                <a:ln>
+                  <a:noFill/>
+                </a:ln>
+                <a:solidFill>
+                  <a:srgbClr val="CC7832"/>
+                </a:solidFill>
+                <a:effectLst/>
+                <a:latin typeface="Courier New" panose="02070309020205020404" pitchFamily="49" charset="0"/>
+                <a:cs typeface="Courier New" panose="02070309020205020404" pitchFamily="49" charset="0"/>
+              </a:rPr>
+              <a:t> </a:t>
+            </a:r>
+            <a:r>
+              <a:rPr kumimoji="0" lang="fr-FR" altLang="fr-FR" sz="1200" b="0" i="0" u="none" strike="noStrike" cap="none" normalizeH="0" baseline="0" dirty="0" err="1">
+                <a:ln>
+                  <a:noFill/>
+                </a:ln>
+                <a:solidFill>
+                  <a:srgbClr val="CC7832"/>
+                </a:solidFill>
+                <a:effectLst/>
+                <a:latin typeface="Courier New" panose="02070309020205020404" pitchFamily="49" charset="0"/>
+                <a:cs typeface="Courier New" panose="02070309020205020404" pitchFamily="49" charset="0"/>
+              </a:rPr>
+              <a:t>void</a:t>
+            </a:r>
+            <a:r>
+              <a:rPr kumimoji="0" lang="fr-FR" altLang="fr-FR" sz="1200" b="0" i="0" u="none" strike="noStrike" cap="none" normalizeH="0" baseline="0" dirty="0">
+                <a:ln>
+                  <a:noFill/>
+                </a:ln>
+                <a:solidFill>
+                  <a:srgbClr val="CC7832"/>
+                </a:solidFill>
+                <a:effectLst/>
+                <a:latin typeface="Courier New" panose="02070309020205020404" pitchFamily="49" charset="0"/>
+                <a:cs typeface="Courier New" panose="02070309020205020404" pitchFamily="49" charset="0"/>
+              </a:rPr>
+              <a:t> </a:t>
+            </a:r>
+            <a:r>
+              <a:rPr kumimoji="0" lang="fr-FR" altLang="fr-FR" sz="1200" b="0" i="0" u="none" strike="noStrike" cap="none" normalizeH="0" baseline="0" dirty="0">
+                <a:ln>
+                  <a:noFill/>
+                </a:ln>
+                <a:solidFill>
+                  <a:srgbClr val="FFC66D"/>
+                </a:solidFill>
+                <a:effectLst/>
+                <a:latin typeface="Courier New" panose="02070309020205020404" pitchFamily="49" charset="0"/>
+                <a:cs typeface="Courier New" panose="02070309020205020404" pitchFamily="49" charset="0"/>
+              </a:rPr>
+              <a:t>main</a:t>
+            </a:r>
+            <a:r>
+              <a:rPr kumimoji="0" lang="fr-FR" altLang="fr-FR" sz="1200" b="0" i="0" u="none" strike="noStrike" cap="none" normalizeH="0" baseline="0" dirty="0">
+                <a:ln>
+                  <a:noFill/>
+                </a:ln>
+                <a:solidFill>
+                  <a:srgbClr val="A9B7C6"/>
+                </a:solidFill>
+                <a:effectLst/>
+                <a:latin typeface="Courier New" panose="02070309020205020404" pitchFamily="49" charset="0"/>
+                <a:cs typeface="Courier New" panose="02070309020205020404" pitchFamily="49" charset="0"/>
+              </a:rPr>
+              <a:t>(String[] </a:t>
+            </a:r>
+            <a:r>
+              <a:rPr kumimoji="0" lang="fr-FR" altLang="fr-FR" sz="1200" b="0" i="0" u="none" strike="noStrike" cap="none" normalizeH="0" baseline="0" dirty="0" err="1">
+                <a:ln>
+                  <a:noFill/>
+                </a:ln>
+                <a:solidFill>
+                  <a:srgbClr val="A9B7C6"/>
+                </a:solidFill>
+                <a:effectLst/>
+                <a:latin typeface="Courier New" panose="02070309020205020404" pitchFamily="49" charset="0"/>
+                <a:cs typeface="Courier New" panose="02070309020205020404" pitchFamily="49" charset="0"/>
+              </a:rPr>
+              <a:t>args</a:t>
+            </a:r>
+            <a:r>
+              <a:rPr kumimoji="0" lang="fr-FR" altLang="fr-FR" sz="1200" b="0" i="0" u="none" strike="noStrike" cap="none" normalizeH="0" baseline="0" dirty="0">
+                <a:ln>
+                  <a:noFill/>
+                </a:ln>
+                <a:solidFill>
+                  <a:srgbClr val="A9B7C6"/>
+                </a:solidFill>
+                <a:effectLst/>
+                <a:latin typeface="Courier New" panose="02070309020205020404" pitchFamily="49" charset="0"/>
+                <a:cs typeface="Courier New" panose="02070309020205020404" pitchFamily="49" charset="0"/>
+              </a:rPr>
+              <a:t>) {</a:t>
+            </a:r>
+          </a:p>
+          <a:p>
+            <a:pPr marL="0" marR="0" lvl="0" indent="0" algn="l" defTabSz="914400" rtl="0" eaLnBrk="0" fontAlgn="base" latinLnBrk="0" hangingPunct="0">
+              <a:lnSpc>
+                <a:spcPct val="100000"/>
+              </a:lnSpc>
+              <a:spcBef>
+                <a:spcPct val="0"/>
+              </a:spcBef>
+              <a:spcAft>
+                <a:spcPct val="0"/>
+              </a:spcAft>
+              <a:buClrTx/>
+              <a:buSzTx/>
+              <a:buFontTx/>
+              <a:buNone/>
+              <a:tabLst/>
+            </a:pPr>
+            <a:r>
+              <a:rPr kumimoji="0" lang="fr-FR" altLang="fr-FR" sz="1200" b="0" i="0" u="none" strike="noStrike" cap="none" normalizeH="0" baseline="0" dirty="0">
+                <a:ln>
+                  <a:noFill/>
+                </a:ln>
+                <a:solidFill>
+                  <a:srgbClr val="A9B7C6"/>
+                </a:solidFill>
+                <a:effectLst/>
+                <a:latin typeface="Courier New" panose="02070309020205020404" pitchFamily="49" charset="0"/>
+                <a:cs typeface="Courier New" panose="02070309020205020404" pitchFamily="49" charset="0"/>
+              </a:rPr>
+              <a:t/>
+            </a:r>
+            <a:br>
+              <a:rPr kumimoji="0" lang="fr-FR" altLang="fr-FR" sz="1200" b="0" i="0" u="none" strike="noStrike" cap="none" normalizeH="0" baseline="0" dirty="0">
+                <a:ln>
+                  <a:noFill/>
+                </a:ln>
+                <a:solidFill>
+                  <a:srgbClr val="A9B7C6"/>
+                </a:solidFill>
+                <a:effectLst/>
+                <a:latin typeface="Courier New" panose="02070309020205020404" pitchFamily="49" charset="0"/>
+                <a:cs typeface="Courier New" panose="02070309020205020404" pitchFamily="49" charset="0"/>
+              </a:rPr>
+            </a:br>
+            <a:r>
+              <a:rPr kumimoji="0" lang="fr-FR" altLang="fr-FR" sz="1200" b="0" i="0" u="none" strike="noStrike" cap="none" normalizeH="0" baseline="0" dirty="0">
+                <a:ln>
+                  <a:noFill/>
+                </a:ln>
+                <a:solidFill>
+                  <a:srgbClr val="A9B7C6"/>
+                </a:solidFill>
+                <a:effectLst/>
+                <a:latin typeface="Courier New" panose="02070309020205020404" pitchFamily="49" charset="0"/>
+                <a:cs typeface="Courier New" panose="02070309020205020404" pitchFamily="49" charset="0"/>
+              </a:rPr>
+              <a:t>        File </a:t>
+            </a:r>
+            <a:r>
+              <a:rPr kumimoji="0" lang="fr-FR" altLang="fr-FR" sz="1200" b="0" i="0" u="none" strike="noStrike" cap="none" normalizeH="0" baseline="0" dirty="0" err="1">
+                <a:ln>
+                  <a:noFill/>
+                </a:ln>
+                <a:solidFill>
+                  <a:srgbClr val="A9B7C6"/>
+                </a:solidFill>
+                <a:effectLst/>
+                <a:latin typeface="Courier New" panose="02070309020205020404" pitchFamily="49" charset="0"/>
+                <a:cs typeface="Courier New" panose="02070309020205020404" pitchFamily="49" charset="0"/>
+              </a:rPr>
+              <a:t>file</a:t>
+            </a:r>
+            <a:r>
+              <a:rPr kumimoji="0" lang="fr-FR" altLang="fr-FR" sz="1200" b="0" i="0" u="none" strike="noStrike" cap="none" normalizeH="0" baseline="0" dirty="0">
+                <a:ln>
+                  <a:noFill/>
+                </a:ln>
+                <a:solidFill>
+                  <a:srgbClr val="A9B7C6"/>
+                </a:solidFill>
+                <a:effectLst/>
+                <a:latin typeface="Courier New" panose="02070309020205020404" pitchFamily="49" charset="0"/>
+                <a:cs typeface="Courier New" panose="02070309020205020404" pitchFamily="49" charset="0"/>
+              </a:rPr>
+              <a:t> = </a:t>
+            </a:r>
+            <a:r>
+              <a:rPr kumimoji="0" lang="fr-FR" altLang="fr-FR" sz="1200" b="0" i="0" u="none" strike="noStrike" cap="none" normalizeH="0" baseline="0" dirty="0">
+                <a:ln>
+                  <a:noFill/>
+                </a:ln>
+                <a:solidFill>
+                  <a:srgbClr val="CC7832"/>
+                </a:solidFill>
+                <a:effectLst/>
+                <a:latin typeface="Courier New" panose="02070309020205020404" pitchFamily="49" charset="0"/>
+                <a:cs typeface="Courier New" panose="02070309020205020404" pitchFamily="49" charset="0"/>
+              </a:rPr>
+              <a:t>new </a:t>
+            </a:r>
+            <a:r>
+              <a:rPr kumimoji="0" lang="fr-FR" altLang="fr-FR" sz="1200" b="0" i="0" u="none" strike="noStrike" cap="none" normalizeH="0" baseline="0" dirty="0">
+                <a:ln>
+                  <a:noFill/>
+                </a:ln>
+                <a:solidFill>
+                  <a:srgbClr val="A9B7C6"/>
+                </a:solidFill>
+                <a:effectLst/>
+                <a:latin typeface="Courier New" panose="02070309020205020404" pitchFamily="49" charset="0"/>
+                <a:cs typeface="Courier New" panose="02070309020205020404" pitchFamily="49" charset="0"/>
+              </a:rPr>
+              <a:t>File(</a:t>
+            </a:r>
+            <a:r>
+              <a:rPr kumimoji="0" lang="fr-FR" altLang="fr-FR" sz="1200" b="0" i="0" u="none" strike="noStrike" cap="none" normalizeH="0" baseline="0" dirty="0">
+                <a:ln>
+                  <a:noFill/>
+                </a:ln>
+                <a:solidFill>
+                  <a:srgbClr val="6A8759"/>
+                </a:solidFill>
+                <a:effectLst/>
+                <a:latin typeface="Courier New" panose="02070309020205020404" pitchFamily="49" charset="0"/>
+                <a:cs typeface="Courier New" panose="02070309020205020404" pitchFamily="49" charset="0"/>
+              </a:rPr>
+              <a:t>"F1"</a:t>
+            </a:r>
+            <a:r>
+              <a:rPr kumimoji="0" lang="fr-FR" altLang="fr-FR" sz="1200" b="0" i="0" u="none" strike="noStrike" cap="none" normalizeH="0" baseline="0" dirty="0">
+                <a:ln>
+                  <a:noFill/>
+                </a:ln>
+                <a:solidFill>
+                  <a:srgbClr val="A9B7C6"/>
+                </a:solidFill>
+                <a:effectLst/>
+                <a:latin typeface="Courier New" panose="02070309020205020404" pitchFamily="49" charset="0"/>
+                <a:cs typeface="Courier New" panose="02070309020205020404" pitchFamily="49" charset="0"/>
+              </a:rPr>
+              <a:t>)</a:t>
+            </a:r>
+            <a:r>
+              <a:rPr kumimoji="0" lang="fr-FR" altLang="fr-FR" sz="1200" b="0" i="0" u="none" strike="noStrike" cap="none" normalizeH="0" baseline="0" dirty="0">
+                <a:ln>
+                  <a:noFill/>
+                </a:ln>
+                <a:solidFill>
+                  <a:srgbClr val="CC7832"/>
+                </a:solidFill>
+                <a:effectLst/>
+                <a:latin typeface="Courier New" panose="02070309020205020404" pitchFamily="49" charset="0"/>
+                <a:cs typeface="Courier New" panose="02070309020205020404" pitchFamily="49" charset="0"/>
+              </a:rPr>
+              <a:t>;</a:t>
+            </a:r>
+            <a:br>
+              <a:rPr kumimoji="0" lang="fr-FR" altLang="fr-FR" sz="1200" b="0" i="0" u="none" strike="noStrike" cap="none" normalizeH="0" baseline="0" dirty="0">
+                <a:ln>
+                  <a:noFill/>
+                </a:ln>
+                <a:solidFill>
+                  <a:srgbClr val="CC7832"/>
+                </a:solidFill>
+                <a:effectLst/>
+                <a:latin typeface="Courier New" panose="02070309020205020404" pitchFamily="49" charset="0"/>
+                <a:cs typeface="Courier New" panose="02070309020205020404" pitchFamily="49" charset="0"/>
+              </a:rPr>
+            </a:br>
+            <a:r>
+              <a:rPr kumimoji="0" lang="fr-FR" altLang="fr-FR" sz="1200" b="0" i="0" u="none" strike="noStrike" cap="none" normalizeH="0" baseline="0" dirty="0">
+                <a:ln>
+                  <a:noFill/>
+                </a:ln>
+                <a:solidFill>
+                  <a:srgbClr val="CC7832"/>
+                </a:solidFill>
+                <a:effectLst/>
+                <a:latin typeface="Courier New" panose="02070309020205020404" pitchFamily="49" charset="0"/>
+                <a:cs typeface="Courier New" panose="02070309020205020404" pitchFamily="49" charset="0"/>
+              </a:rPr>
+              <a:t>        </a:t>
+            </a:r>
+            <a:r>
+              <a:rPr kumimoji="0" lang="fr-FR" altLang="fr-FR" sz="1200" b="0" i="0" u="none" strike="noStrike" cap="none" normalizeH="0" baseline="0" dirty="0">
+                <a:ln>
+                  <a:noFill/>
+                </a:ln>
+                <a:solidFill>
+                  <a:srgbClr val="A9B7C6"/>
+                </a:solidFill>
+                <a:effectLst/>
+                <a:latin typeface="Courier New" panose="02070309020205020404" pitchFamily="49" charset="0"/>
+                <a:cs typeface="Courier New" panose="02070309020205020404" pitchFamily="49" charset="0"/>
+              </a:rPr>
+              <a:t>File </a:t>
+            </a:r>
+            <a:r>
+              <a:rPr kumimoji="0" lang="fr-FR" altLang="fr-FR" sz="1200" b="0" i="0" u="none" strike="noStrike" cap="none" normalizeH="0" baseline="0" dirty="0" err="1">
+                <a:ln>
+                  <a:noFill/>
+                </a:ln>
+                <a:solidFill>
+                  <a:srgbClr val="A9B7C6"/>
+                </a:solidFill>
+                <a:effectLst/>
+                <a:latin typeface="Courier New" panose="02070309020205020404" pitchFamily="49" charset="0"/>
+                <a:cs typeface="Courier New" panose="02070309020205020404" pitchFamily="49" charset="0"/>
+              </a:rPr>
+              <a:t>symLink</a:t>
+            </a:r>
+            <a:r>
+              <a:rPr kumimoji="0" lang="fr-FR" altLang="fr-FR" sz="1200" b="0" i="0" u="none" strike="noStrike" cap="none" normalizeH="0" baseline="0" dirty="0">
+                <a:ln>
+                  <a:noFill/>
+                </a:ln>
+                <a:solidFill>
+                  <a:srgbClr val="A9B7C6"/>
+                </a:solidFill>
+                <a:effectLst/>
+                <a:latin typeface="Courier New" panose="02070309020205020404" pitchFamily="49" charset="0"/>
+                <a:cs typeface="Courier New" panose="02070309020205020404" pitchFamily="49" charset="0"/>
+              </a:rPr>
+              <a:t> = </a:t>
+            </a:r>
+            <a:r>
+              <a:rPr kumimoji="0" lang="fr-FR" altLang="fr-FR" sz="1200" b="0" i="0" u="none" strike="noStrike" cap="none" normalizeH="0" baseline="0" dirty="0">
+                <a:ln>
+                  <a:noFill/>
+                </a:ln>
+                <a:solidFill>
+                  <a:srgbClr val="CC7832"/>
+                </a:solidFill>
+                <a:effectLst/>
+                <a:latin typeface="Courier New" panose="02070309020205020404" pitchFamily="49" charset="0"/>
+                <a:cs typeface="Courier New" panose="02070309020205020404" pitchFamily="49" charset="0"/>
+              </a:rPr>
+              <a:t>new </a:t>
+            </a:r>
+            <a:r>
+              <a:rPr kumimoji="0" lang="fr-FR" altLang="fr-FR" sz="1200" b="0" i="0" u="none" strike="noStrike" cap="none" normalizeH="0" baseline="0" dirty="0" err="1">
+                <a:ln>
+                  <a:noFill/>
+                </a:ln>
+                <a:solidFill>
+                  <a:srgbClr val="A9B7C6"/>
+                </a:solidFill>
+                <a:effectLst/>
+                <a:latin typeface="Courier New" panose="02070309020205020404" pitchFamily="49" charset="0"/>
+                <a:cs typeface="Courier New" panose="02070309020205020404" pitchFamily="49" charset="0"/>
+              </a:rPr>
+              <a:t>SymLink</a:t>
+            </a:r>
+            <a:r>
+              <a:rPr kumimoji="0" lang="fr-FR" altLang="fr-FR" sz="1200" b="0" i="0" u="none" strike="noStrike" cap="none" normalizeH="0" baseline="0" dirty="0">
+                <a:ln>
+                  <a:noFill/>
+                </a:ln>
+                <a:solidFill>
+                  <a:srgbClr val="A9B7C6"/>
+                </a:solidFill>
+                <a:effectLst/>
+                <a:latin typeface="Courier New" panose="02070309020205020404" pitchFamily="49" charset="0"/>
+                <a:cs typeface="Courier New" panose="02070309020205020404" pitchFamily="49" charset="0"/>
+              </a:rPr>
+              <a:t>(</a:t>
+            </a:r>
+            <a:r>
+              <a:rPr kumimoji="0" lang="fr-FR" altLang="fr-FR" sz="1200" b="0" i="0" u="none" strike="noStrike" cap="none" normalizeH="0" baseline="0" dirty="0">
+                <a:ln>
+                  <a:noFill/>
+                </a:ln>
+                <a:solidFill>
+                  <a:srgbClr val="6A8759"/>
+                </a:solidFill>
+                <a:effectLst/>
+                <a:latin typeface="Courier New" panose="02070309020205020404" pitchFamily="49" charset="0"/>
+                <a:cs typeface="Courier New" panose="02070309020205020404" pitchFamily="49" charset="0"/>
+              </a:rPr>
+              <a:t>"S1"</a:t>
+            </a:r>
+            <a:r>
+              <a:rPr kumimoji="0" lang="fr-FR" altLang="fr-FR" sz="1200" b="0" i="0" u="none" strike="noStrike" cap="none" normalizeH="0" baseline="0" dirty="0">
+                <a:ln>
+                  <a:noFill/>
+                </a:ln>
+                <a:solidFill>
+                  <a:srgbClr val="CC7832"/>
+                </a:solidFill>
+                <a:effectLst/>
+                <a:latin typeface="Courier New" panose="02070309020205020404" pitchFamily="49" charset="0"/>
+                <a:cs typeface="Courier New" panose="02070309020205020404" pitchFamily="49" charset="0"/>
+              </a:rPr>
+              <a:t>, </a:t>
+            </a:r>
+            <a:endParaRPr kumimoji="0" lang="fr-FR" altLang="fr-FR" sz="1200" b="0" i="0" u="none" strike="noStrike" cap="none" normalizeH="0" baseline="0" dirty="0" smtClean="0">
+              <a:ln>
+                <a:noFill/>
+              </a:ln>
+              <a:solidFill>
+                <a:srgbClr val="CC7832"/>
+              </a:solidFill>
+              <a:effectLst/>
+              <a:latin typeface="Courier New" panose="02070309020205020404" pitchFamily="49" charset="0"/>
+              <a:cs typeface="Courier New" panose="02070309020205020404" pitchFamily="49" charset="0"/>
+            </a:endParaRPr>
+          </a:p>
+          <a:p>
+            <a:pPr marL="0" marR="0" lvl="0" indent="0" algn="l" defTabSz="914400" rtl="0" eaLnBrk="0" fontAlgn="base" latinLnBrk="0" hangingPunct="0">
+              <a:lnSpc>
+                <a:spcPct val="100000"/>
+              </a:lnSpc>
+              <a:spcBef>
+                <a:spcPct val="0"/>
+              </a:spcBef>
+              <a:spcAft>
+                <a:spcPct val="0"/>
+              </a:spcAft>
+              <a:buClrTx/>
+              <a:buSzTx/>
+              <a:buFontTx/>
+              <a:buNone/>
+              <a:tabLst/>
+            </a:pPr>
+            <a:r>
+              <a:rPr lang="fr-FR" altLang="fr-FR" sz="1200" dirty="0">
+                <a:solidFill>
+                  <a:srgbClr val="CC7832"/>
+                </a:solidFill>
+                <a:latin typeface="Courier New" panose="02070309020205020404" pitchFamily="49" charset="0"/>
+                <a:cs typeface="Courier New" panose="02070309020205020404" pitchFamily="49" charset="0"/>
+              </a:rPr>
+              <a:t> </a:t>
+            </a:r>
+            <a:r>
+              <a:rPr lang="fr-FR" altLang="fr-FR" sz="1200" dirty="0" smtClean="0">
+                <a:solidFill>
+                  <a:srgbClr val="CC7832"/>
+                </a:solidFill>
+                <a:latin typeface="Courier New" panose="02070309020205020404" pitchFamily="49" charset="0"/>
+                <a:cs typeface="Courier New" panose="02070309020205020404" pitchFamily="49" charset="0"/>
+              </a:rPr>
+              <a:t>                                  </a:t>
+            </a:r>
+            <a:r>
+              <a:rPr kumimoji="0" lang="fr-FR" altLang="fr-FR" sz="1200" b="0" i="0" u="none" strike="noStrike" cap="none" normalizeH="0" baseline="0" dirty="0" smtClean="0">
+                <a:ln>
+                  <a:noFill/>
+                </a:ln>
+                <a:solidFill>
+                  <a:srgbClr val="6A8759"/>
+                </a:solidFill>
+                <a:effectLst/>
+                <a:latin typeface="Courier New" panose="02070309020205020404" pitchFamily="49" charset="0"/>
+                <a:cs typeface="Courier New" panose="02070309020205020404" pitchFamily="49" charset="0"/>
+              </a:rPr>
+              <a:t>"/</a:t>
+            </a:r>
+            <a:r>
+              <a:rPr kumimoji="0" lang="fr-FR" altLang="fr-FR" sz="1200" b="0" i="0" u="none" strike="noStrike" cap="none" normalizeH="0" baseline="0" dirty="0">
+                <a:ln>
+                  <a:noFill/>
+                </a:ln>
+                <a:solidFill>
+                  <a:srgbClr val="6A8759"/>
+                </a:solidFill>
+                <a:effectLst/>
+                <a:latin typeface="Courier New" panose="02070309020205020404" pitchFamily="49" charset="0"/>
+                <a:cs typeface="Courier New" panose="02070309020205020404" pitchFamily="49" charset="0"/>
+              </a:rPr>
+              <a:t>home/F1"</a:t>
+            </a:r>
+            <a:r>
+              <a:rPr kumimoji="0" lang="fr-FR" altLang="fr-FR" sz="1200" b="0" i="0" u="none" strike="noStrike" cap="none" normalizeH="0" baseline="0" dirty="0">
+                <a:ln>
+                  <a:noFill/>
+                </a:ln>
+                <a:solidFill>
+                  <a:srgbClr val="A9B7C6"/>
+                </a:solidFill>
+                <a:effectLst/>
+                <a:latin typeface="Courier New" panose="02070309020205020404" pitchFamily="49" charset="0"/>
+                <a:cs typeface="Courier New" panose="02070309020205020404" pitchFamily="49" charset="0"/>
+              </a:rPr>
+              <a:t>)</a:t>
+            </a:r>
+            <a:r>
+              <a:rPr kumimoji="0" lang="fr-FR" altLang="fr-FR" sz="1200" b="0" i="0" u="none" strike="noStrike" cap="none" normalizeH="0" baseline="0" dirty="0">
+                <a:ln>
+                  <a:noFill/>
+                </a:ln>
+                <a:solidFill>
+                  <a:srgbClr val="CC7832"/>
+                </a:solidFill>
+                <a:effectLst/>
+                <a:latin typeface="Courier New" panose="02070309020205020404" pitchFamily="49" charset="0"/>
+                <a:cs typeface="Courier New" panose="02070309020205020404" pitchFamily="49" charset="0"/>
+              </a:rPr>
+              <a:t>;</a:t>
+            </a:r>
+            <a:br>
+              <a:rPr kumimoji="0" lang="fr-FR" altLang="fr-FR" sz="1200" b="0" i="0" u="none" strike="noStrike" cap="none" normalizeH="0" baseline="0" dirty="0">
+                <a:ln>
+                  <a:noFill/>
+                </a:ln>
+                <a:solidFill>
+                  <a:srgbClr val="CC7832"/>
+                </a:solidFill>
+                <a:effectLst/>
+                <a:latin typeface="Courier New" panose="02070309020205020404" pitchFamily="49" charset="0"/>
+                <a:cs typeface="Courier New" panose="02070309020205020404" pitchFamily="49" charset="0"/>
+              </a:rPr>
+            </a:br>
+            <a:r>
+              <a:rPr kumimoji="0" lang="fr-FR" altLang="fr-FR" sz="1200" b="0" i="0" u="none" strike="noStrike" cap="none" normalizeH="0" baseline="0" dirty="0">
+                <a:ln>
+                  <a:noFill/>
+                </a:ln>
+                <a:solidFill>
+                  <a:srgbClr val="CC7832"/>
+                </a:solidFill>
+                <a:effectLst/>
+                <a:latin typeface="Courier New" panose="02070309020205020404" pitchFamily="49" charset="0"/>
+                <a:cs typeface="Courier New" panose="02070309020205020404" pitchFamily="49" charset="0"/>
+              </a:rPr>
+              <a:t>        </a:t>
+            </a:r>
+            <a:r>
+              <a:rPr kumimoji="0" lang="fr-FR" altLang="fr-FR" sz="1200" b="0" i="0" u="none" strike="noStrike" cap="none" normalizeH="0" baseline="0" dirty="0">
+                <a:ln>
+                  <a:noFill/>
+                </a:ln>
+                <a:solidFill>
+                  <a:srgbClr val="A9B7C6"/>
+                </a:solidFill>
+                <a:effectLst/>
+                <a:latin typeface="Courier New" panose="02070309020205020404" pitchFamily="49" charset="0"/>
+                <a:cs typeface="Courier New" panose="02070309020205020404" pitchFamily="49" charset="0"/>
+              </a:rPr>
+              <a:t>File </a:t>
+            </a:r>
+            <a:r>
+              <a:rPr kumimoji="0" lang="fr-FR" altLang="fr-FR" sz="1200" b="0" i="0" u="none" strike="noStrike" cap="none" normalizeH="0" baseline="0" dirty="0" err="1">
+                <a:ln>
+                  <a:noFill/>
+                </a:ln>
+                <a:solidFill>
+                  <a:srgbClr val="A9B7C6"/>
+                </a:solidFill>
+                <a:effectLst/>
+                <a:latin typeface="Courier New" panose="02070309020205020404" pitchFamily="49" charset="0"/>
+                <a:cs typeface="Courier New" panose="02070309020205020404" pitchFamily="49" charset="0"/>
+              </a:rPr>
+              <a:t>hardLink</a:t>
+            </a:r>
+            <a:r>
+              <a:rPr kumimoji="0" lang="fr-FR" altLang="fr-FR" sz="1200" b="0" i="0" u="none" strike="noStrike" cap="none" normalizeH="0" baseline="0" dirty="0">
+                <a:ln>
+                  <a:noFill/>
+                </a:ln>
+                <a:solidFill>
+                  <a:srgbClr val="A9B7C6"/>
+                </a:solidFill>
+                <a:effectLst/>
+                <a:latin typeface="Courier New" panose="02070309020205020404" pitchFamily="49" charset="0"/>
+                <a:cs typeface="Courier New" panose="02070309020205020404" pitchFamily="49" charset="0"/>
+              </a:rPr>
+              <a:t> = </a:t>
+            </a:r>
+            <a:r>
+              <a:rPr kumimoji="0" lang="fr-FR" altLang="fr-FR" sz="1200" b="0" i="0" u="none" strike="noStrike" cap="none" normalizeH="0" baseline="0" dirty="0">
+                <a:ln>
+                  <a:noFill/>
+                </a:ln>
+                <a:solidFill>
+                  <a:srgbClr val="CC7832"/>
+                </a:solidFill>
+                <a:effectLst/>
+                <a:latin typeface="Courier New" panose="02070309020205020404" pitchFamily="49" charset="0"/>
+                <a:cs typeface="Courier New" panose="02070309020205020404" pitchFamily="49" charset="0"/>
+              </a:rPr>
+              <a:t>new </a:t>
+            </a:r>
+            <a:r>
+              <a:rPr kumimoji="0" lang="fr-FR" altLang="fr-FR" sz="1200" b="0" i="0" u="none" strike="noStrike" cap="none" normalizeH="0" baseline="0" dirty="0" err="1">
+                <a:ln>
+                  <a:noFill/>
+                </a:ln>
+                <a:solidFill>
+                  <a:srgbClr val="A9B7C6"/>
+                </a:solidFill>
+                <a:effectLst/>
+                <a:latin typeface="Courier New" panose="02070309020205020404" pitchFamily="49" charset="0"/>
+                <a:cs typeface="Courier New" panose="02070309020205020404" pitchFamily="49" charset="0"/>
+              </a:rPr>
+              <a:t>HardLink</a:t>
+            </a:r>
+            <a:r>
+              <a:rPr kumimoji="0" lang="fr-FR" altLang="fr-FR" sz="1200" b="0" i="0" u="none" strike="noStrike" cap="none" normalizeH="0" baseline="0" dirty="0">
+                <a:ln>
+                  <a:noFill/>
+                </a:ln>
+                <a:solidFill>
+                  <a:srgbClr val="A9B7C6"/>
+                </a:solidFill>
+                <a:effectLst/>
+                <a:latin typeface="Courier New" panose="02070309020205020404" pitchFamily="49" charset="0"/>
+                <a:cs typeface="Courier New" panose="02070309020205020404" pitchFamily="49" charset="0"/>
+              </a:rPr>
+              <a:t>(</a:t>
+            </a:r>
+            <a:r>
+              <a:rPr kumimoji="0" lang="fr-FR" altLang="fr-FR" sz="1200" b="0" i="0" u="none" strike="noStrike" cap="none" normalizeH="0" baseline="0" dirty="0">
+                <a:ln>
+                  <a:noFill/>
+                </a:ln>
+                <a:solidFill>
+                  <a:srgbClr val="6A8759"/>
+                </a:solidFill>
+                <a:effectLst/>
+                <a:latin typeface="Courier New" panose="02070309020205020404" pitchFamily="49" charset="0"/>
+                <a:cs typeface="Courier New" panose="02070309020205020404" pitchFamily="49" charset="0"/>
+              </a:rPr>
+              <a:t>"H1"</a:t>
+            </a:r>
+            <a:r>
+              <a:rPr kumimoji="0" lang="fr-FR" altLang="fr-FR" sz="1200" b="0" i="0" u="none" strike="noStrike" cap="none" normalizeH="0" baseline="0" dirty="0">
+                <a:ln>
+                  <a:noFill/>
+                </a:ln>
+                <a:solidFill>
+                  <a:srgbClr val="CC7832"/>
+                </a:solidFill>
+                <a:effectLst/>
+                <a:latin typeface="Courier New" panose="02070309020205020404" pitchFamily="49" charset="0"/>
+                <a:cs typeface="Courier New" panose="02070309020205020404" pitchFamily="49" charset="0"/>
+              </a:rPr>
+              <a:t>, </a:t>
+            </a:r>
+            <a:endParaRPr kumimoji="0" lang="fr-FR" altLang="fr-FR" sz="1200" b="0" i="0" u="none" strike="noStrike" cap="none" normalizeH="0" baseline="0" dirty="0" smtClean="0">
+              <a:ln>
+                <a:noFill/>
+              </a:ln>
+              <a:solidFill>
+                <a:srgbClr val="CC7832"/>
+              </a:solidFill>
+              <a:effectLst/>
+              <a:latin typeface="Courier New" panose="02070309020205020404" pitchFamily="49" charset="0"/>
+              <a:cs typeface="Courier New" panose="02070309020205020404" pitchFamily="49" charset="0"/>
+            </a:endParaRPr>
+          </a:p>
+          <a:p>
+            <a:pPr marL="0" marR="0" lvl="0" indent="0" algn="l" defTabSz="914400" rtl="0" eaLnBrk="0" fontAlgn="base" latinLnBrk="0" hangingPunct="0">
+              <a:lnSpc>
+                <a:spcPct val="100000"/>
+              </a:lnSpc>
+              <a:spcBef>
+                <a:spcPct val="0"/>
+              </a:spcBef>
+              <a:spcAft>
+                <a:spcPct val="0"/>
+              </a:spcAft>
+              <a:buClrTx/>
+              <a:buSzTx/>
+              <a:buFontTx/>
+              <a:buNone/>
+              <a:tabLst/>
+            </a:pPr>
+            <a:r>
+              <a:rPr lang="fr-FR" altLang="fr-FR" sz="1200" dirty="0">
+                <a:solidFill>
+                  <a:srgbClr val="CC7832"/>
+                </a:solidFill>
+                <a:latin typeface="Courier New" panose="02070309020205020404" pitchFamily="49" charset="0"/>
+                <a:cs typeface="Courier New" panose="02070309020205020404" pitchFamily="49" charset="0"/>
+              </a:rPr>
+              <a:t> </a:t>
+            </a:r>
+            <a:r>
+              <a:rPr lang="fr-FR" altLang="fr-FR" sz="1200" dirty="0" smtClean="0">
+                <a:solidFill>
+                  <a:srgbClr val="CC7832"/>
+                </a:solidFill>
+                <a:latin typeface="Courier New" panose="02070309020205020404" pitchFamily="49" charset="0"/>
+                <a:cs typeface="Courier New" panose="02070309020205020404" pitchFamily="49" charset="0"/>
+              </a:rPr>
+              <a:t>                                    </a:t>
+            </a:r>
+            <a:r>
+              <a:rPr kumimoji="0" lang="fr-FR" altLang="fr-FR" sz="1200" b="0" i="0" u="none" strike="noStrike" cap="none" normalizeH="0" baseline="0" dirty="0" smtClean="0">
+                <a:ln>
+                  <a:noFill/>
+                </a:ln>
+                <a:solidFill>
+                  <a:srgbClr val="6A8759"/>
+                </a:solidFill>
+                <a:effectLst/>
+                <a:latin typeface="Courier New" panose="02070309020205020404" pitchFamily="49" charset="0"/>
+                <a:cs typeface="Courier New" panose="02070309020205020404" pitchFamily="49" charset="0"/>
+              </a:rPr>
+              <a:t>"/</a:t>
+            </a:r>
+            <a:r>
+              <a:rPr kumimoji="0" lang="fr-FR" altLang="fr-FR" sz="1200" b="0" i="0" u="none" strike="noStrike" cap="none" normalizeH="0" baseline="0" dirty="0">
+                <a:ln>
+                  <a:noFill/>
+                </a:ln>
+                <a:solidFill>
+                  <a:srgbClr val="6A8759"/>
+                </a:solidFill>
+                <a:effectLst/>
+                <a:latin typeface="Courier New" panose="02070309020205020404" pitchFamily="49" charset="0"/>
+                <a:cs typeface="Courier New" panose="02070309020205020404" pitchFamily="49" charset="0"/>
+              </a:rPr>
+              <a:t>home/S1</a:t>
+            </a:r>
+            <a:r>
+              <a:rPr kumimoji="0" lang="fr-FR" altLang="fr-FR" sz="1200" b="0" i="0" u="none" strike="noStrike" cap="none" normalizeH="0" baseline="0" dirty="0" smtClean="0">
+                <a:ln>
+                  <a:noFill/>
+                </a:ln>
+                <a:solidFill>
+                  <a:srgbClr val="6A8759"/>
+                </a:solidFill>
+                <a:effectLst/>
+                <a:latin typeface="Courier New" panose="02070309020205020404" pitchFamily="49" charset="0"/>
+                <a:cs typeface="Courier New" panose="02070309020205020404" pitchFamily="49" charset="0"/>
+              </a:rPr>
+              <a:t>"</a:t>
+            </a:r>
+            <a:r>
+              <a:rPr kumimoji="0" lang="fr-FR" altLang="fr-FR" sz="1200" b="0" i="0" u="none" strike="noStrike" cap="none" normalizeH="0" baseline="0" dirty="0" smtClean="0">
+                <a:ln>
+                  <a:noFill/>
+                </a:ln>
+                <a:solidFill>
+                  <a:srgbClr val="CC7832"/>
+                </a:solidFill>
+                <a:effectLst/>
+                <a:latin typeface="Courier New" panose="02070309020205020404" pitchFamily="49" charset="0"/>
+                <a:cs typeface="Courier New" panose="02070309020205020404" pitchFamily="49" charset="0"/>
+              </a:rPr>
+              <a:t>,</a:t>
+            </a:r>
+          </a:p>
+          <a:p>
+            <a:pPr marL="0" marR="0" lvl="0" indent="0" algn="l" defTabSz="914400" rtl="0" eaLnBrk="0" fontAlgn="base" latinLnBrk="0" hangingPunct="0">
+              <a:lnSpc>
+                <a:spcPct val="100000"/>
+              </a:lnSpc>
+              <a:spcBef>
+                <a:spcPct val="0"/>
+              </a:spcBef>
+              <a:spcAft>
+                <a:spcPct val="0"/>
+              </a:spcAft>
+              <a:buClrTx/>
+              <a:buSzTx/>
+              <a:buFontTx/>
+              <a:buNone/>
+              <a:tabLst/>
+            </a:pPr>
+            <a:r>
+              <a:rPr lang="fr-FR" altLang="fr-FR" sz="1200" dirty="0">
+                <a:solidFill>
+                  <a:srgbClr val="CC7832"/>
+                </a:solidFill>
+                <a:latin typeface="Courier New" panose="02070309020205020404" pitchFamily="49" charset="0"/>
+                <a:cs typeface="Courier New" panose="02070309020205020404" pitchFamily="49" charset="0"/>
+              </a:rPr>
+              <a:t>	</a:t>
+            </a:r>
+            <a:r>
+              <a:rPr lang="fr-FR" altLang="fr-FR" sz="1200" dirty="0" smtClean="0">
+                <a:solidFill>
+                  <a:srgbClr val="CC7832"/>
+                </a:solidFill>
+                <a:latin typeface="Courier New" panose="02070309020205020404" pitchFamily="49" charset="0"/>
+                <a:cs typeface="Courier New" panose="02070309020205020404" pitchFamily="49" charset="0"/>
+              </a:rPr>
+              <a:t>		      </a:t>
+            </a:r>
+            <a:r>
+              <a:rPr kumimoji="0" lang="fr-FR" altLang="fr-FR" sz="1200" b="0" i="0" u="none" strike="noStrike" cap="none" normalizeH="0" baseline="0" dirty="0" smtClean="0">
+                <a:ln>
+                  <a:noFill/>
+                </a:ln>
+                <a:solidFill>
+                  <a:srgbClr val="CC7832"/>
+                </a:solidFill>
+                <a:effectLst/>
+                <a:latin typeface="Courier New" panose="02070309020205020404" pitchFamily="49" charset="0"/>
+                <a:cs typeface="Courier New" panose="02070309020205020404" pitchFamily="49" charset="0"/>
+              </a:rPr>
+              <a:t> </a:t>
+            </a:r>
+            <a:r>
+              <a:rPr kumimoji="0" lang="fr-FR" altLang="fr-FR" sz="1200" b="0" i="0" u="none" strike="noStrike" cap="none" normalizeH="0" baseline="0" dirty="0">
+                <a:ln>
+                  <a:noFill/>
+                </a:ln>
+                <a:solidFill>
+                  <a:srgbClr val="6897BB"/>
+                </a:solidFill>
+                <a:effectLst/>
+                <a:latin typeface="Courier New" panose="02070309020205020404" pitchFamily="49" charset="0"/>
+                <a:cs typeface="Courier New" panose="02070309020205020404" pitchFamily="49" charset="0"/>
+              </a:rPr>
+              <a:t>1</a:t>
+            </a:r>
+            <a:r>
+              <a:rPr kumimoji="0" lang="fr-FR" altLang="fr-FR" sz="1200" b="0" i="0" u="none" strike="noStrike" cap="none" normalizeH="0" baseline="0" dirty="0">
+                <a:ln>
+                  <a:noFill/>
+                </a:ln>
+                <a:solidFill>
+                  <a:srgbClr val="A9B7C6"/>
+                </a:solidFill>
+                <a:effectLst/>
+                <a:latin typeface="Courier New" panose="02070309020205020404" pitchFamily="49" charset="0"/>
+                <a:cs typeface="Courier New" panose="02070309020205020404" pitchFamily="49" charset="0"/>
+              </a:rPr>
+              <a:t>)</a:t>
+            </a:r>
+            <a:r>
+              <a:rPr kumimoji="0" lang="fr-FR" altLang="fr-FR" sz="1200" b="0" i="0" u="none" strike="noStrike" cap="none" normalizeH="0" baseline="0" dirty="0">
+                <a:ln>
+                  <a:noFill/>
+                </a:ln>
+                <a:solidFill>
+                  <a:srgbClr val="CC7832"/>
+                </a:solidFill>
+                <a:effectLst/>
+                <a:latin typeface="Courier New" panose="02070309020205020404" pitchFamily="49" charset="0"/>
+                <a:cs typeface="Courier New" panose="02070309020205020404" pitchFamily="49" charset="0"/>
+              </a:rPr>
+              <a:t>;</a:t>
+            </a:r>
+            <a:br>
+              <a:rPr kumimoji="0" lang="fr-FR" altLang="fr-FR" sz="1200" b="0" i="0" u="none" strike="noStrike" cap="none" normalizeH="0" baseline="0" dirty="0">
+                <a:ln>
+                  <a:noFill/>
+                </a:ln>
+                <a:solidFill>
+                  <a:srgbClr val="CC7832"/>
+                </a:solidFill>
+                <a:effectLst/>
+                <a:latin typeface="Courier New" panose="02070309020205020404" pitchFamily="49" charset="0"/>
+                <a:cs typeface="Courier New" panose="02070309020205020404" pitchFamily="49" charset="0"/>
+              </a:rPr>
+            </a:br>
+            <a:endParaRPr kumimoji="0" lang="fr-FR" altLang="fr-FR" sz="1200" b="0" i="0" u="none" strike="noStrike" cap="none" normalizeH="0" baseline="0" dirty="0">
+              <a:ln>
+                <a:noFill/>
+              </a:ln>
+              <a:solidFill>
+                <a:srgbClr val="CC7832"/>
+              </a:solidFill>
+              <a:effectLst/>
+              <a:latin typeface="Courier New" panose="02070309020205020404" pitchFamily="49" charset="0"/>
+              <a:cs typeface="Courier New" panose="02070309020205020404" pitchFamily="49" charset="0"/>
+            </a:endParaRPr>
+          </a:p>
+          <a:p>
+            <a:pPr marL="0" marR="0" lvl="0" indent="0" algn="l" defTabSz="914400" rtl="0" eaLnBrk="0" fontAlgn="base" latinLnBrk="0" hangingPunct="0">
+              <a:lnSpc>
+                <a:spcPct val="100000"/>
+              </a:lnSpc>
+              <a:spcBef>
+                <a:spcPct val="0"/>
+              </a:spcBef>
+              <a:spcAft>
+                <a:spcPct val="0"/>
+              </a:spcAft>
+              <a:buClrTx/>
+              <a:buSzTx/>
+              <a:buFontTx/>
+              <a:buNone/>
+              <a:tabLst/>
+            </a:pPr>
+            <a:r>
+              <a:rPr kumimoji="0" lang="fr-FR" altLang="fr-FR" sz="1200" b="0" i="0" u="none" strike="noStrike" cap="none" normalizeH="0" baseline="0" dirty="0">
+                <a:ln>
+                  <a:noFill/>
+                </a:ln>
+                <a:solidFill>
+                  <a:srgbClr val="CC7832"/>
+                </a:solidFill>
+                <a:effectLst/>
+                <a:latin typeface="Courier New" panose="02070309020205020404" pitchFamily="49" charset="0"/>
+                <a:cs typeface="Courier New" panose="02070309020205020404" pitchFamily="49" charset="0"/>
+              </a:rPr>
+              <a:t/>
+            </a:r>
+            <a:br>
+              <a:rPr kumimoji="0" lang="fr-FR" altLang="fr-FR" sz="1200" b="0" i="0" u="none" strike="noStrike" cap="none" normalizeH="0" baseline="0" dirty="0">
+                <a:ln>
+                  <a:noFill/>
+                </a:ln>
+                <a:solidFill>
+                  <a:srgbClr val="CC7832"/>
+                </a:solidFill>
+                <a:effectLst/>
+                <a:latin typeface="Courier New" panose="02070309020205020404" pitchFamily="49" charset="0"/>
+                <a:cs typeface="Courier New" panose="02070309020205020404" pitchFamily="49" charset="0"/>
+              </a:rPr>
+            </a:br>
+            <a:r>
+              <a:rPr kumimoji="0" lang="fr-FR" altLang="fr-FR" sz="1200" b="0" i="0" u="none" strike="noStrike" cap="none" normalizeH="0" baseline="0" dirty="0">
+                <a:ln>
+                  <a:noFill/>
+                </a:ln>
+                <a:solidFill>
+                  <a:srgbClr val="CC7832"/>
+                </a:solidFill>
+                <a:effectLst/>
+                <a:latin typeface="Courier New" panose="02070309020205020404" pitchFamily="49" charset="0"/>
+                <a:cs typeface="Courier New" panose="02070309020205020404" pitchFamily="49" charset="0"/>
+              </a:rPr>
+              <a:t>        </a:t>
+            </a:r>
+            <a:r>
+              <a:rPr kumimoji="0" lang="fr-FR" altLang="fr-FR" sz="1200" b="0" i="0" u="none" strike="noStrike" cap="none" normalizeH="0" baseline="0" dirty="0">
+                <a:ln>
+                  <a:noFill/>
+                </a:ln>
+                <a:solidFill>
+                  <a:srgbClr val="A9B7C6"/>
+                </a:solidFill>
+                <a:effectLst/>
+                <a:latin typeface="Courier New" panose="02070309020205020404" pitchFamily="49" charset="0"/>
+                <a:cs typeface="Courier New" panose="02070309020205020404" pitchFamily="49" charset="0"/>
+              </a:rPr>
+              <a:t>Printer </a:t>
+            </a:r>
+            <a:r>
+              <a:rPr kumimoji="0" lang="fr-FR" altLang="fr-FR" sz="1200" b="0" i="0" u="none" strike="noStrike" cap="none" normalizeH="0" baseline="0" dirty="0" err="1">
+                <a:ln>
+                  <a:noFill/>
+                </a:ln>
+                <a:solidFill>
+                  <a:srgbClr val="A9B7C6"/>
+                </a:solidFill>
+                <a:effectLst/>
+                <a:latin typeface="Courier New" panose="02070309020205020404" pitchFamily="49" charset="0"/>
+                <a:cs typeface="Courier New" panose="02070309020205020404" pitchFamily="49" charset="0"/>
+              </a:rPr>
+              <a:t>printer</a:t>
+            </a:r>
+            <a:r>
+              <a:rPr kumimoji="0" lang="fr-FR" altLang="fr-FR" sz="1200" b="0" i="0" u="none" strike="noStrike" cap="none" normalizeH="0" baseline="0" dirty="0">
+                <a:ln>
+                  <a:noFill/>
+                </a:ln>
+                <a:solidFill>
+                  <a:srgbClr val="A9B7C6"/>
+                </a:solidFill>
+                <a:effectLst/>
+                <a:latin typeface="Courier New" panose="02070309020205020404" pitchFamily="49" charset="0"/>
+                <a:cs typeface="Courier New" panose="02070309020205020404" pitchFamily="49" charset="0"/>
+              </a:rPr>
+              <a:t> = </a:t>
+            </a:r>
+            <a:r>
+              <a:rPr kumimoji="0" lang="fr-FR" altLang="fr-FR" sz="1200" b="0" i="0" u="none" strike="noStrike" cap="none" normalizeH="0" baseline="0" dirty="0">
+                <a:ln>
+                  <a:noFill/>
+                </a:ln>
+                <a:solidFill>
+                  <a:srgbClr val="CC7832"/>
+                </a:solidFill>
+                <a:effectLst/>
+                <a:latin typeface="Courier New" panose="02070309020205020404" pitchFamily="49" charset="0"/>
+                <a:cs typeface="Courier New" panose="02070309020205020404" pitchFamily="49" charset="0"/>
+              </a:rPr>
+              <a:t>new </a:t>
+            </a:r>
+            <a:r>
+              <a:rPr kumimoji="0" lang="fr-FR" altLang="fr-FR" sz="1200" b="0" i="0" u="none" strike="noStrike" cap="none" normalizeH="0" baseline="0" dirty="0">
+                <a:ln>
+                  <a:noFill/>
+                </a:ln>
+                <a:solidFill>
+                  <a:srgbClr val="A9B7C6"/>
+                </a:solidFill>
+                <a:effectLst/>
+                <a:latin typeface="Courier New" panose="02070309020205020404" pitchFamily="49" charset="0"/>
+                <a:cs typeface="Courier New" panose="02070309020205020404" pitchFamily="49" charset="0"/>
+              </a:rPr>
+              <a:t>Printer()</a:t>
+            </a:r>
+            <a:r>
+              <a:rPr kumimoji="0" lang="fr-FR" altLang="fr-FR" sz="1200" b="0" i="0" u="none" strike="noStrike" cap="none" normalizeH="0" baseline="0" dirty="0">
+                <a:ln>
+                  <a:noFill/>
+                </a:ln>
+                <a:solidFill>
+                  <a:srgbClr val="CC7832"/>
+                </a:solidFill>
+                <a:effectLst/>
+                <a:latin typeface="Courier New" panose="02070309020205020404" pitchFamily="49" charset="0"/>
+                <a:cs typeface="Courier New" panose="02070309020205020404" pitchFamily="49" charset="0"/>
+              </a:rPr>
+              <a:t>;</a:t>
+            </a:r>
+            <a:br>
+              <a:rPr kumimoji="0" lang="fr-FR" altLang="fr-FR" sz="1200" b="0" i="0" u="none" strike="noStrike" cap="none" normalizeH="0" baseline="0" dirty="0">
+                <a:ln>
+                  <a:noFill/>
+                </a:ln>
+                <a:solidFill>
+                  <a:srgbClr val="CC7832"/>
+                </a:solidFill>
+                <a:effectLst/>
+                <a:latin typeface="Courier New" panose="02070309020205020404" pitchFamily="49" charset="0"/>
+                <a:cs typeface="Courier New" panose="02070309020205020404" pitchFamily="49" charset="0"/>
+              </a:rPr>
+            </a:br>
+            <a:r>
+              <a:rPr kumimoji="0" lang="fr-FR" altLang="fr-FR" sz="1200" b="0" i="0" u="none" strike="noStrike" cap="none" normalizeH="0" baseline="0" dirty="0">
+                <a:ln>
+                  <a:noFill/>
+                </a:ln>
+                <a:solidFill>
+                  <a:srgbClr val="CC7832"/>
+                </a:solidFill>
+                <a:effectLst/>
+                <a:latin typeface="Courier New" panose="02070309020205020404" pitchFamily="49" charset="0"/>
+                <a:cs typeface="Courier New" panose="02070309020205020404" pitchFamily="49" charset="0"/>
+              </a:rPr>
+              <a:t>        </a:t>
+            </a:r>
+            <a:r>
+              <a:rPr kumimoji="0" lang="fr-FR" altLang="fr-FR" sz="1200" b="0" i="0" u="none" strike="noStrike" cap="none" normalizeH="0" baseline="0" dirty="0" err="1">
+                <a:ln>
+                  <a:noFill/>
+                </a:ln>
+                <a:solidFill>
+                  <a:srgbClr val="A9B7C6"/>
+                </a:solidFill>
+                <a:effectLst/>
+                <a:latin typeface="Courier New" panose="02070309020205020404" pitchFamily="49" charset="0"/>
+                <a:cs typeface="Courier New" panose="02070309020205020404" pitchFamily="49" charset="0"/>
+              </a:rPr>
+              <a:t>printer.print</a:t>
+            </a:r>
+            <a:r>
+              <a:rPr kumimoji="0" lang="fr-FR" altLang="fr-FR" sz="1200" b="0" i="0" u="none" strike="noStrike" cap="none" normalizeH="0" baseline="0" dirty="0">
+                <a:ln>
+                  <a:noFill/>
+                </a:ln>
+                <a:solidFill>
+                  <a:srgbClr val="A9B7C6"/>
+                </a:solidFill>
+                <a:effectLst/>
+                <a:latin typeface="Courier New" panose="02070309020205020404" pitchFamily="49" charset="0"/>
+                <a:cs typeface="Courier New" panose="02070309020205020404" pitchFamily="49" charset="0"/>
+              </a:rPr>
+              <a:t>(file)</a:t>
+            </a:r>
+            <a:r>
+              <a:rPr kumimoji="0" lang="fr-FR" altLang="fr-FR" sz="1200" b="0" i="0" u="none" strike="noStrike" cap="none" normalizeH="0" baseline="0" dirty="0">
+                <a:ln>
+                  <a:noFill/>
+                </a:ln>
+                <a:solidFill>
+                  <a:srgbClr val="CC7832"/>
+                </a:solidFill>
+                <a:effectLst/>
+                <a:latin typeface="Courier New" panose="02070309020205020404" pitchFamily="49" charset="0"/>
+                <a:cs typeface="Courier New" panose="02070309020205020404" pitchFamily="49" charset="0"/>
+              </a:rPr>
+              <a:t>;</a:t>
+            </a:r>
+            <a:br>
+              <a:rPr kumimoji="0" lang="fr-FR" altLang="fr-FR" sz="1200" b="0" i="0" u="none" strike="noStrike" cap="none" normalizeH="0" baseline="0" dirty="0">
+                <a:ln>
+                  <a:noFill/>
+                </a:ln>
+                <a:solidFill>
+                  <a:srgbClr val="CC7832"/>
+                </a:solidFill>
+                <a:effectLst/>
+                <a:latin typeface="Courier New" panose="02070309020205020404" pitchFamily="49" charset="0"/>
+                <a:cs typeface="Courier New" panose="02070309020205020404" pitchFamily="49" charset="0"/>
+              </a:rPr>
+            </a:br>
+            <a:r>
+              <a:rPr kumimoji="0" lang="fr-FR" altLang="fr-FR" sz="1200" b="0" i="0" u="none" strike="noStrike" cap="none" normalizeH="0" baseline="0" dirty="0">
+                <a:ln>
+                  <a:noFill/>
+                </a:ln>
+                <a:solidFill>
+                  <a:srgbClr val="CC7832"/>
+                </a:solidFill>
+                <a:effectLst/>
+                <a:latin typeface="Courier New" panose="02070309020205020404" pitchFamily="49" charset="0"/>
+                <a:cs typeface="Courier New" panose="02070309020205020404" pitchFamily="49" charset="0"/>
+              </a:rPr>
+              <a:t>        </a:t>
+            </a:r>
+            <a:r>
+              <a:rPr kumimoji="0" lang="fr-FR" altLang="fr-FR" sz="1200" b="0" i="0" u="none" strike="noStrike" cap="none" normalizeH="0" baseline="0" dirty="0" err="1">
+                <a:ln>
+                  <a:noFill/>
+                </a:ln>
+                <a:solidFill>
+                  <a:srgbClr val="A9B7C6"/>
+                </a:solidFill>
+                <a:effectLst/>
+                <a:latin typeface="Courier New" panose="02070309020205020404" pitchFamily="49" charset="0"/>
+                <a:cs typeface="Courier New" panose="02070309020205020404" pitchFamily="49" charset="0"/>
+              </a:rPr>
+              <a:t>printer.print</a:t>
+            </a:r>
+            <a:r>
+              <a:rPr kumimoji="0" lang="fr-FR" altLang="fr-FR" sz="1200" b="0" i="0" u="none" strike="noStrike" cap="none" normalizeH="0" baseline="0" dirty="0">
+                <a:ln>
+                  <a:noFill/>
+                </a:ln>
+                <a:solidFill>
+                  <a:srgbClr val="A9B7C6"/>
+                </a:solidFill>
+                <a:effectLst/>
+                <a:latin typeface="Courier New" panose="02070309020205020404" pitchFamily="49" charset="0"/>
+                <a:cs typeface="Courier New" panose="02070309020205020404" pitchFamily="49" charset="0"/>
+              </a:rPr>
+              <a:t>(</a:t>
+            </a:r>
+            <a:r>
+              <a:rPr kumimoji="0" lang="fr-FR" altLang="fr-FR" sz="1200" b="0" i="0" u="none" strike="noStrike" cap="none" normalizeH="0" baseline="0" dirty="0" err="1">
+                <a:ln>
+                  <a:noFill/>
+                </a:ln>
+                <a:solidFill>
+                  <a:srgbClr val="A9B7C6"/>
+                </a:solidFill>
+                <a:effectLst/>
+                <a:latin typeface="Courier New" panose="02070309020205020404" pitchFamily="49" charset="0"/>
+                <a:cs typeface="Courier New" panose="02070309020205020404" pitchFamily="49" charset="0"/>
+              </a:rPr>
+              <a:t>symLink</a:t>
+            </a:r>
+            <a:r>
+              <a:rPr kumimoji="0" lang="fr-FR" altLang="fr-FR" sz="1200" b="0" i="0" u="none" strike="noStrike" cap="none" normalizeH="0" baseline="0" dirty="0">
+                <a:ln>
+                  <a:noFill/>
+                </a:ln>
+                <a:solidFill>
+                  <a:srgbClr val="A9B7C6"/>
+                </a:solidFill>
+                <a:effectLst/>
+                <a:latin typeface="Courier New" panose="02070309020205020404" pitchFamily="49" charset="0"/>
+                <a:cs typeface="Courier New" panose="02070309020205020404" pitchFamily="49" charset="0"/>
+              </a:rPr>
+              <a:t>)</a:t>
+            </a:r>
+            <a:r>
+              <a:rPr kumimoji="0" lang="fr-FR" altLang="fr-FR" sz="1200" b="0" i="0" u="none" strike="noStrike" cap="none" normalizeH="0" baseline="0" dirty="0">
+                <a:ln>
+                  <a:noFill/>
+                </a:ln>
+                <a:solidFill>
+                  <a:srgbClr val="CC7832"/>
+                </a:solidFill>
+                <a:effectLst/>
+                <a:latin typeface="Courier New" panose="02070309020205020404" pitchFamily="49" charset="0"/>
+                <a:cs typeface="Courier New" panose="02070309020205020404" pitchFamily="49" charset="0"/>
+              </a:rPr>
+              <a:t>;</a:t>
+            </a:r>
+            <a:br>
+              <a:rPr kumimoji="0" lang="fr-FR" altLang="fr-FR" sz="1200" b="0" i="0" u="none" strike="noStrike" cap="none" normalizeH="0" baseline="0" dirty="0">
+                <a:ln>
+                  <a:noFill/>
+                </a:ln>
+                <a:solidFill>
+                  <a:srgbClr val="CC7832"/>
+                </a:solidFill>
+                <a:effectLst/>
+                <a:latin typeface="Courier New" panose="02070309020205020404" pitchFamily="49" charset="0"/>
+                <a:cs typeface="Courier New" panose="02070309020205020404" pitchFamily="49" charset="0"/>
+              </a:rPr>
+            </a:br>
+            <a:r>
+              <a:rPr kumimoji="0" lang="fr-FR" altLang="fr-FR" sz="1200" b="0" i="0" u="none" strike="noStrike" cap="none" normalizeH="0" baseline="0" dirty="0">
+                <a:ln>
+                  <a:noFill/>
+                </a:ln>
+                <a:solidFill>
+                  <a:srgbClr val="CC7832"/>
+                </a:solidFill>
+                <a:effectLst/>
+                <a:latin typeface="Courier New" panose="02070309020205020404" pitchFamily="49" charset="0"/>
+                <a:cs typeface="Courier New" panose="02070309020205020404" pitchFamily="49" charset="0"/>
+              </a:rPr>
+              <a:t>        </a:t>
+            </a:r>
+            <a:r>
+              <a:rPr kumimoji="0" lang="fr-FR" altLang="fr-FR" sz="1200" b="0" i="0" u="none" strike="noStrike" cap="none" normalizeH="0" baseline="0" dirty="0" err="1">
+                <a:ln>
+                  <a:noFill/>
+                </a:ln>
+                <a:solidFill>
+                  <a:srgbClr val="A9B7C6"/>
+                </a:solidFill>
+                <a:effectLst/>
+                <a:latin typeface="Courier New" panose="02070309020205020404" pitchFamily="49" charset="0"/>
+                <a:cs typeface="Courier New" panose="02070309020205020404" pitchFamily="49" charset="0"/>
+              </a:rPr>
+              <a:t>printer.print</a:t>
+            </a:r>
+            <a:r>
+              <a:rPr kumimoji="0" lang="fr-FR" altLang="fr-FR" sz="1200" b="0" i="0" u="none" strike="noStrike" cap="none" normalizeH="0" baseline="0" dirty="0">
+                <a:ln>
+                  <a:noFill/>
+                </a:ln>
+                <a:solidFill>
+                  <a:srgbClr val="A9B7C6"/>
+                </a:solidFill>
+                <a:effectLst/>
+                <a:latin typeface="Courier New" panose="02070309020205020404" pitchFamily="49" charset="0"/>
+                <a:cs typeface="Courier New" panose="02070309020205020404" pitchFamily="49" charset="0"/>
+              </a:rPr>
+              <a:t>(</a:t>
+            </a:r>
+            <a:r>
+              <a:rPr kumimoji="0" lang="fr-FR" altLang="fr-FR" sz="1200" b="0" i="0" u="none" strike="noStrike" cap="none" normalizeH="0" baseline="0" dirty="0" err="1">
+                <a:ln>
+                  <a:noFill/>
+                </a:ln>
+                <a:solidFill>
+                  <a:srgbClr val="A9B7C6"/>
+                </a:solidFill>
+                <a:effectLst/>
+                <a:latin typeface="Courier New" panose="02070309020205020404" pitchFamily="49" charset="0"/>
+                <a:cs typeface="Courier New" panose="02070309020205020404" pitchFamily="49" charset="0"/>
+              </a:rPr>
+              <a:t>hardLink</a:t>
+            </a:r>
+            <a:r>
+              <a:rPr kumimoji="0" lang="fr-FR" altLang="fr-FR" sz="1200" b="0" i="0" u="none" strike="noStrike" cap="none" normalizeH="0" baseline="0" dirty="0">
+                <a:ln>
+                  <a:noFill/>
+                </a:ln>
+                <a:solidFill>
+                  <a:srgbClr val="A9B7C6"/>
+                </a:solidFill>
+                <a:effectLst/>
+                <a:latin typeface="Courier New" panose="02070309020205020404" pitchFamily="49" charset="0"/>
+                <a:cs typeface="Courier New" panose="02070309020205020404" pitchFamily="49" charset="0"/>
+              </a:rPr>
+              <a:t>)</a:t>
+            </a:r>
+            <a:r>
+              <a:rPr kumimoji="0" lang="fr-FR" altLang="fr-FR" sz="1200" b="0" i="0" u="none" strike="noStrike" cap="none" normalizeH="0" baseline="0" dirty="0">
+                <a:ln>
+                  <a:noFill/>
+                </a:ln>
+                <a:solidFill>
+                  <a:srgbClr val="CC7832"/>
+                </a:solidFill>
+                <a:effectLst/>
+                <a:latin typeface="Courier New" panose="02070309020205020404" pitchFamily="49" charset="0"/>
+                <a:cs typeface="Courier New" panose="02070309020205020404" pitchFamily="49" charset="0"/>
+              </a:rPr>
+              <a:t>;</a:t>
+            </a:r>
+            <a:br>
+              <a:rPr kumimoji="0" lang="fr-FR" altLang="fr-FR" sz="1200" b="0" i="0" u="none" strike="noStrike" cap="none" normalizeH="0" baseline="0" dirty="0">
+                <a:ln>
+                  <a:noFill/>
+                </a:ln>
+                <a:solidFill>
+                  <a:srgbClr val="CC7832"/>
+                </a:solidFill>
+                <a:effectLst/>
+                <a:latin typeface="Courier New" panose="02070309020205020404" pitchFamily="49" charset="0"/>
+                <a:cs typeface="Courier New" panose="02070309020205020404" pitchFamily="49" charset="0"/>
+              </a:rPr>
+            </a:br>
+            <a:r>
+              <a:rPr kumimoji="0" lang="fr-FR" altLang="fr-FR" sz="1200" b="0" i="0" u="none" strike="noStrike" cap="none" normalizeH="0" baseline="0" dirty="0">
+                <a:ln>
+                  <a:noFill/>
+                </a:ln>
+                <a:solidFill>
+                  <a:srgbClr val="CC7832"/>
+                </a:solidFill>
+                <a:effectLst/>
+                <a:latin typeface="Courier New" panose="02070309020205020404" pitchFamily="49" charset="0"/>
+                <a:cs typeface="Courier New" panose="02070309020205020404" pitchFamily="49" charset="0"/>
+              </a:rPr>
+              <a:t>    </a:t>
+            </a:r>
+            <a:r>
+              <a:rPr kumimoji="0" lang="fr-FR" altLang="fr-FR" sz="1200" b="0" i="0" u="none" strike="noStrike" cap="none" normalizeH="0" baseline="0" dirty="0">
+                <a:ln>
+                  <a:noFill/>
+                </a:ln>
+                <a:solidFill>
+                  <a:srgbClr val="A9B7C6"/>
+                </a:solidFill>
+                <a:effectLst/>
+                <a:latin typeface="Courier New" panose="02070309020205020404" pitchFamily="49" charset="0"/>
+                <a:cs typeface="Courier New" panose="02070309020205020404" pitchFamily="49" charset="0"/>
+              </a:rPr>
+              <a:t>}</a:t>
+            </a:r>
+            <a:br>
+              <a:rPr kumimoji="0" lang="fr-FR" altLang="fr-FR" sz="1200" b="0" i="0" u="none" strike="noStrike" cap="none" normalizeH="0" baseline="0" dirty="0">
+                <a:ln>
+                  <a:noFill/>
+                </a:ln>
+                <a:solidFill>
+                  <a:srgbClr val="A9B7C6"/>
+                </a:solidFill>
+                <a:effectLst/>
+                <a:latin typeface="Courier New" panose="02070309020205020404" pitchFamily="49" charset="0"/>
+                <a:cs typeface="Courier New" panose="02070309020205020404" pitchFamily="49" charset="0"/>
+              </a:rPr>
+            </a:br>
+            <a:r>
+              <a:rPr kumimoji="0" lang="fr-FR" altLang="fr-FR" sz="1200" b="0" i="0" u="none" strike="noStrike" cap="none" normalizeH="0" baseline="0" dirty="0">
+                <a:ln>
+                  <a:noFill/>
+                </a:ln>
+                <a:solidFill>
+                  <a:srgbClr val="A9B7C6"/>
+                </a:solidFill>
+                <a:effectLst/>
+                <a:latin typeface="Courier New" panose="02070309020205020404" pitchFamily="49" charset="0"/>
+                <a:cs typeface="Courier New" panose="02070309020205020404" pitchFamily="49" charset="0"/>
+              </a:rPr>
+              <a:t>}</a:t>
+            </a:r>
+            <a:endParaRPr kumimoji="0" lang="fr-FR" altLang="fr-FR" sz="1200" b="0" i="0" u="none" strike="noStrike" cap="none" normalizeH="0" baseline="0" dirty="0">
+              <a:ln>
+                <a:noFill/>
+              </a:ln>
+              <a:solidFill>
+                <a:schemeClr val="tx1"/>
+              </a:solidFill>
+              <a:effectLst/>
+              <a:latin typeface="Arial" panose="020B0604020202020204" pitchFamily="34" charset="0"/>
+            </a:endParaRPr>
+          </a:p>
+        </p:txBody>
+      </p:sp>
+      <p:pic>
+        <p:nvPicPr>
+          <p:cNvPr id="7" name="Picture 2" descr="PlantUML Diagram">
+            <a:extLst>
+              <a:ext uri="{FF2B5EF4-FFF2-40B4-BE49-F238E27FC236}">
+                <a16:creationId xmlns:a16="http://schemas.microsoft.com/office/drawing/2014/main" xmlns="" id="{B6AA6EBE-11BE-493A-ADEF-74D5D5AAB76D}"/>
+              </a:ext>
+            </a:extLst>
+          </p:cNvPr>
+          <p:cNvPicPr>
+            <a:picLocks noChangeAspect="1" noChangeArrowheads="1"/>
+          </p:cNvPicPr>
+          <p:nvPr/>
+        </p:nvPicPr>
+        <p:blipFill>
+          <a:blip r:embed="rId5">
+            <a:extLst>
+              <a:ext uri="{28A0092B-C50C-407E-A947-70E740481C1C}">
+                <a14:useLocalDpi xmlns:a14="http://schemas.microsoft.com/office/drawing/2010/main" val="0"/>
+              </a:ext>
+            </a:extLst>
+          </a:blip>
+          <a:srcRect/>
+          <a:stretch>
+            <a:fillRect/>
+          </a:stretch>
+        </p:blipFill>
+        <p:spPr bwMode="auto">
+          <a:xfrm>
+            <a:off x="4728949" y="1194482"/>
+            <a:ext cx="4351443" cy="2977855"/>
+          </a:xfrm>
+          <a:prstGeom prst="rect">
+            <a:avLst/>
+          </a:prstGeom>
+          <a:noFill/>
+          <a:extLst>
+            <a:ext uri="{909E8E84-426E-40DD-AFC4-6F175D3DCCD1}">
+              <a14:hiddenFill xmlns:a14="http://schemas.microsoft.com/office/drawing/2010/main">
+                <a:solidFill>
+                  <a:srgbClr val="FFFFFF"/>
+                </a:solidFill>
+              </a14:hiddenFill>
+            </a:ext>
+          </a:extLst>
+        </p:spPr>
+      </p:pic>
+    </p:spTree>
+    <p:extLst>
+      <p:ext uri="{BB962C8B-B14F-4D97-AF65-F5344CB8AC3E}">
+        <p14:creationId xmlns:p14="http://schemas.microsoft.com/office/powerpoint/2010/main" val="2958875283"/>
+      </p:ext>
+    </p:extLst>
+  </p:cSld>
+  <p:clrMapOvr>
+    <a:masterClrMapping/>
+  </p:clrMapOvr>
+  <p:timing>
+    <p:tnLst>
+      <p:par>
+        <p:cTn id="1" dur="indefinite" restart="never" nodeType="tmRoot"/>
+      </p:par>
+    </p:tnLst>
+  </p:timing>
+</p:sld>
+</file>
+
+<file path=ppt/slides/slide13.xml><?xml version="1.0" encoding="utf-8"?>
+<p:sld xmlns:a="http://schemas.openxmlformats.org/drawingml/2006/main" xmlns:r="http://schemas.openxmlformats.org/officeDocument/2006/relationships" xmlns:p="http://schemas.openxmlformats.org/presentationml/2006/main">
+  <p:cSld>
+    <p:spTree>
+      <p:nvGrpSpPr>
+        <p:cNvPr id="1" name="Shape 100"/>
+        <p:cNvGrpSpPr/>
+        <p:nvPr/>
+      </p:nvGrpSpPr>
+      <p:grpSpPr>
+        <a:xfrm>
+          <a:off x="0" y="0"/>
+          <a:ext cx="0" cy="0"/>
+          <a:chOff x="0" y="0"/>
+          <a:chExt cx="0" cy="0"/>
+        </a:xfrm>
+      </p:grpSpPr>
+      <p:sp>
+        <p:nvSpPr>
+          <p:cNvPr id="101" name="Shape 101"/>
+          <p:cNvSpPr txBox="1"/>
+          <p:nvPr/>
+        </p:nvSpPr>
+        <p:spPr>
+          <a:xfrm>
+            <a:off x="361500" y="309350"/>
+            <a:ext cx="8421000" cy="855000"/>
+          </a:xfrm>
+          <a:prstGeom prst="rect">
+            <a:avLst/>
+          </a:prstGeom>
+          <a:noFill/>
+          <a:ln>
+            <a:noFill/>
+          </a:ln>
+        </p:spPr>
+        <p:txBody>
+          <a:bodyPr spcFirstLastPara="1" wrap="square" lIns="91425" tIns="91425" rIns="91425" bIns="91425" anchor="b" anchorCtr="0">
+            <a:noAutofit/>
+          </a:bodyPr>
+          <a:lstStyle/>
+          <a:p>
+            <a:pPr lvl="0" algn="ctr"/>
+            <a:r>
+              <a:rPr lang="en-GB" sz="4800" b="1" dirty="0" err="1" smtClean="0">
+                <a:latin typeface="Helvetica Neue"/>
+                <a:ea typeface="Helvetica Neue"/>
+                <a:cs typeface="Helvetica Neue"/>
+                <a:sym typeface="Helvetica Neue"/>
+              </a:rPr>
+              <a:t>Résulat</a:t>
+            </a:r>
+            <a:r>
+              <a:rPr lang="en-GB" sz="4800" b="1" dirty="0" smtClean="0">
+                <a:latin typeface="Helvetica Neue"/>
+                <a:ea typeface="Helvetica Neue"/>
+                <a:cs typeface="Helvetica Neue"/>
+                <a:sym typeface="Helvetica Neue"/>
+              </a:rPr>
+              <a:t>!</a:t>
+            </a:r>
+            <a:endParaRPr sz="8000" dirty="0">
+              <a:latin typeface="Helvetica Neue"/>
+              <a:ea typeface="Helvetica Neue"/>
+              <a:cs typeface="Helvetica Neue"/>
+              <a:sym typeface="Helvetica Neue"/>
+            </a:endParaRPr>
+          </a:p>
+        </p:txBody>
+      </p:sp>
+      <p:pic>
+        <p:nvPicPr>
+          <p:cNvPr id="102" name="Shape 102"/>
+          <p:cNvPicPr preferRelativeResize="0"/>
+          <p:nvPr/>
+        </p:nvPicPr>
+        <p:blipFill>
+          <a:blip r:embed="rId3">
+            <a:alphaModFix/>
+          </a:blip>
+          <a:stretch>
+            <a:fillRect/>
+          </a:stretch>
+        </p:blipFill>
+        <p:spPr>
+          <a:xfrm>
+            <a:off x="0" y="0"/>
+            <a:ext cx="189627" cy="5143503"/>
+          </a:xfrm>
+          <a:prstGeom prst="rect">
+            <a:avLst/>
+          </a:prstGeom>
+          <a:noFill/>
+          <a:ln>
+            <a:noFill/>
+          </a:ln>
+        </p:spPr>
+      </p:pic>
+      <p:pic>
+        <p:nvPicPr>
+          <p:cNvPr id="103" name="Shape 103"/>
+          <p:cNvPicPr preferRelativeResize="0"/>
+          <p:nvPr/>
+        </p:nvPicPr>
+        <p:blipFill rotWithShape="1">
+          <a:blip r:embed="rId4">
+            <a:alphaModFix/>
+          </a:blip>
+          <a:srcRect l="17665" r="14204" b="33849"/>
+          <a:stretch/>
+        </p:blipFill>
+        <p:spPr>
+          <a:xfrm>
+            <a:off x="8201125" y="4195400"/>
+            <a:ext cx="817750" cy="794025"/>
+          </a:xfrm>
+          <a:prstGeom prst="rect">
+            <a:avLst/>
+          </a:prstGeom>
+          <a:noFill/>
+          <a:ln>
+            <a:noFill/>
+          </a:ln>
+        </p:spPr>
+      </p:pic>
+      <p:sp>
+        <p:nvSpPr>
+          <p:cNvPr id="2" name="ZoneTexte 1"/>
+          <p:cNvSpPr txBox="1"/>
+          <p:nvPr/>
+        </p:nvSpPr>
+        <p:spPr>
+          <a:xfrm>
+            <a:off x="1057702" y="3241293"/>
+            <a:ext cx="5520519" cy="646331"/>
+          </a:xfrm>
+          <a:prstGeom prst="rect">
+            <a:avLst/>
+          </a:prstGeom>
+          <a:noFill/>
+        </p:spPr>
+        <p:txBody>
+          <a:bodyPr wrap="square" rtlCol="0">
+            <a:spAutoFit/>
+          </a:bodyPr>
+          <a:lstStyle/>
+          <a:p>
+            <a:r>
+              <a:rPr lang="fr-FR" sz="1800" dirty="0"/>
+              <a:t>Les </a:t>
+            </a:r>
+            <a:r>
+              <a:rPr lang="fr-FR" sz="1800" b="1" dirty="0">
+                <a:solidFill>
+                  <a:schemeClr val="accent5">
+                    <a:lumMod val="75000"/>
+                  </a:schemeClr>
+                </a:solidFill>
+              </a:rPr>
+              <a:t>paramètres</a:t>
+            </a:r>
+            <a:r>
+              <a:rPr lang="fr-FR" sz="1800" dirty="0">
+                <a:solidFill>
+                  <a:schemeClr val="accent5">
+                    <a:lumMod val="75000"/>
+                  </a:schemeClr>
+                </a:solidFill>
+              </a:rPr>
+              <a:t> </a:t>
+            </a:r>
+            <a:r>
+              <a:rPr lang="fr-FR" sz="1800" dirty="0"/>
+              <a:t>sont résolus à la </a:t>
+            </a:r>
+            <a:r>
+              <a:rPr lang="fr-FR" sz="1800" b="1" dirty="0">
+                <a:solidFill>
+                  <a:schemeClr val="accent4">
+                    <a:lumMod val="50000"/>
+                  </a:schemeClr>
+                </a:solidFill>
+              </a:rPr>
+              <a:t>compilation</a:t>
+            </a:r>
+          </a:p>
+          <a:p>
+            <a:endParaRPr lang="fr-FR" sz="1800" dirty="0"/>
+          </a:p>
+        </p:txBody>
+      </p:sp>
+      <p:sp>
+        <p:nvSpPr>
+          <p:cNvPr id="3" name="ZoneTexte 2"/>
+          <p:cNvSpPr txBox="1"/>
+          <p:nvPr/>
+        </p:nvSpPr>
+        <p:spPr>
+          <a:xfrm>
+            <a:off x="3603009" y="1562669"/>
+            <a:ext cx="2088107" cy="1200329"/>
+          </a:xfrm>
+          <a:prstGeom prst="rect">
+            <a:avLst/>
+          </a:prstGeom>
+          <a:noFill/>
+        </p:spPr>
+        <p:txBody>
+          <a:bodyPr wrap="square" rtlCol="0">
+            <a:spAutoFit/>
+          </a:bodyPr>
+          <a:lstStyle/>
+          <a:p>
+            <a:pPr algn="ctr"/>
+            <a:r>
+              <a:rPr lang="pt-BR" sz="1800" dirty="0">
+                <a:solidFill>
+                  <a:schemeClr val="accent4">
+                    <a:lumMod val="50000"/>
+                  </a:schemeClr>
+                </a:solidFill>
+              </a:rPr>
+              <a:t>File: F1</a:t>
+            </a:r>
+          </a:p>
+          <a:p>
+            <a:pPr algn="ctr"/>
+            <a:r>
+              <a:rPr lang="pt-BR" sz="1800" dirty="0">
+                <a:solidFill>
+                  <a:schemeClr val="accent4">
+                    <a:lumMod val="50000"/>
+                  </a:schemeClr>
+                </a:solidFill>
+              </a:rPr>
+              <a:t>File: S1</a:t>
+            </a:r>
+          </a:p>
+          <a:p>
+            <a:pPr algn="ctr"/>
+            <a:r>
+              <a:rPr lang="pt-BR" sz="1800" dirty="0">
+                <a:solidFill>
+                  <a:schemeClr val="accent4">
+                    <a:lumMod val="50000"/>
+                  </a:schemeClr>
+                </a:solidFill>
+              </a:rPr>
+              <a:t>File: H1</a:t>
+            </a:r>
+          </a:p>
+          <a:p>
+            <a:pPr algn="ctr"/>
+            <a:endParaRPr lang="fr-FR" sz="1800" dirty="0">
+              <a:solidFill>
+                <a:schemeClr val="accent4">
+                  <a:lumMod val="50000"/>
+                </a:schemeClr>
+              </a:solidFill>
+            </a:endParaRPr>
+          </a:p>
+        </p:txBody>
+      </p:sp>
+    </p:spTree>
+    <p:extLst>
+      <p:ext uri="{BB962C8B-B14F-4D97-AF65-F5344CB8AC3E}">
+        <p14:creationId xmlns:p14="http://schemas.microsoft.com/office/powerpoint/2010/main" val="1575301803"/>
+      </p:ext>
+    </p:extLst>
+  </p:cSld>
+  <p:clrMapOvr>
+    <a:masterClrMapping/>
+  </p:clrMapOvr>
+  <p:timing>
+    <p:tnLst>
+      <p:par>
+        <p:cTn id="1" dur="indefinite" restart="never" nodeType="tmRoot"/>
+      </p:par>
+    </p:tnLst>
+  </p:timing>
+</p:sld>
+</file>
+
+<file path=ppt/slides/slide14.xml><?xml version="1.0" encoding="utf-8"?>
+<p:sld xmlns:a="http://schemas.openxmlformats.org/drawingml/2006/main" xmlns:r="http://schemas.openxmlformats.org/officeDocument/2006/relationships" xmlns:p="http://schemas.openxmlformats.org/presentationml/2006/main">
+  <p:cSld>
+    <p:spTree>
+      <p:nvGrpSpPr>
+        <p:cNvPr id="1" name="Shape 100"/>
+        <p:cNvGrpSpPr/>
+        <p:nvPr/>
+      </p:nvGrpSpPr>
+      <p:grpSpPr>
+        <a:xfrm>
+          <a:off x="0" y="0"/>
+          <a:ext cx="0" cy="0"/>
+          <a:chOff x="0" y="0"/>
+          <a:chExt cx="0" cy="0"/>
+        </a:xfrm>
+      </p:grpSpPr>
+      <p:sp>
+        <p:nvSpPr>
+          <p:cNvPr id="101" name="Shape 101"/>
+          <p:cNvSpPr txBox="1"/>
+          <p:nvPr/>
+        </p:nvSpPr>
+        <p:spPr>
+          <a:xfrm>
+            <a:off x="361500" y="193344"/>
+            <a:ext cx="8421000" cy="855000"/>
+          </a:xfrm>
+          <a:prstGeom prst="rect">
+            <a:avLst/>
+          </a:prstGeom>
+          <a:noFill/>
+          <a:ln>
+            <a:noFill/>
+          </a:ln>
+        </p:spPr>
+        <p:txBody>
+          <a:bodyPr spcFirstLastPara="1" wrap="square" lIns="91425" tIns="91425" rIns="91425" bIns="91425" anchor="b" anchorCtr="0">
+            <a:noAutofit/>
+          </a:bodyPr>
+          <a:lstStyle/>
+          <a:p>
+            <a:pPr marL="914400" lvl="0" indent="-914400" algn="ctr">
+              <a:buFont typeface="+mj-lt"/>
+              <a:buAutoNum type="arabicPeriod"/>
+            </a:pPr>
+            <a:r>
+              <a:rPr lang="fr-FR" sz="4800" dirty="0">
+                <a:latin typeface="Helvetica Neue"/>
+              </a:rPr>
+              <a:t>Première </a:t>
+            </a:r>
+            <a:r>
+              <a:rPr lang="fr-FR" sz="4800" dirty="0" smtClean="0">
+                <a:latin typeface="Helvetica Neue"/>
+              </a:rPr>
+              <a:t>Solution</a:t>
+            </a:r>
+            <a:endParaRPr sz="8000" dirty="0">
+              <a:latin typeface="Helvetica Neue"/>
+              <a:ea typeface="Helvetica Neue"/>
+              <a:cs typeface="Helvetica Neue"/>
+              <a:sym typeface="Helvetica Neue"/>
+            </a:endParaRPr>
+          </a:p>
+        </p:txBody>
+      </p:sp>
+      <p:pic>
+        <p:nvPicPr>
+          <p:cNvPr id="102" name="Shape 102"/>
+          <p:cNvPicPr preferRelativeResize="0"/>
+          <p:nvPr/>
+        </p:nvPicPr>
+        <p:blipFill>
+          <a:blip r:embed="rId3">
+            <a:alphaModFix/>
+          </a:blip>
+          <a:stretch>
+            <a:fillRect/>
+          </a:stretch>
+        </p:blipFill>
+        <p:spPr>
+          <a:xfrm>
+            <a:off x="0" y="0"/>
+            <a:ext cx="189627" cy="5143503"/>
+          </a:xfrm>
+          <a:prstGeom prst="rect">
+            <a:avLst/>
+          </a:prstGeom>
+          <a:noFill/>
+          <a:ln>
+            <a:noFill/>
+          </a:ln>
+        </p:spPr>
+      </p:pic>
+      <p:pic>
+        <p:nvPicPr>
+          <p:cNvPr id="103" name="Shape 103"/>
+          <p:cNvPicPr preferRelativeResize="0"/>
+          <p:nvPr/>
+        </p:nvPicPr>
+        <p:blipFill rotWithShape="1">
+          <a:blip r:embed="rId4">
+            <a:alphaModFix/>
+          </a:blip>
+          <a:srcRect l="17665" r="14204" b="33849"/>
+          <a:stretch/>
+        </p:blipFill>
+        <p:spPr>
+          <a:xfrm>
+            <a:off x="8201125" y="4195400"/>
+            <a:ext cx="817750" cy="794025"/>
+          </a:xfrm>
+          <a:prstGeom prst="rect">
+            <a:avLst/>
+          </a:prstGeom>
+          <a:noFill/>
+          <a:ln>
+            <a:noFill/>
+          </a:ln>
+        </p:spPr>
+      </p:pic>
+      <p:sp>
+        <p:nvSpPr>
+          <p:cNvPr id="7" name="Rectangle 1"/>
+          <p:cNvSpPr txBox="1">
+            <a:spLocks noChangeArrowheads="1"/>
+          </p:cNvSpPr>
+          <p:nvPr/>
+        </p:nvSpPr>
+        <p:spPr bwMode="auto">
+          <a:xfrm>
+            <a:off x="361500" y="952184"/>
+            <a:ext cx="3975081" cy="2308324"/>
+          </a:xfrm>
+          <a:prstGeom prst="rect">
+            <a:avLst/>
+          </a:prstGeom>
+          <a:solidFill>
+            <a:srgbClr val="2B2B2B"/>
+          </a:solidFill>
+          <a:ln>
+            <a:noFill/>
+          </a:ln>
+          <a:effectLst/>
+          <a:extLst>
+            <a:ext uri="{91240B29-F687-4F45-9708-019B960494DF}">
+              <a14:hiddenLine xmlns:a14="http://schemas.microsoft.com/office/drawing/2010/main" w="9525">
+                <a:solidFill>
+                  <a:schemeClr val="tx1"/>
+                </a:solidFill>
+                <a:miter lim="800000"/>
+                <a:headEnd/>
+                <a:tailEnd/>
+              </a14:hiddenLine>
+            </a:ext>
+            <a:ext uri="{AF507438-7753-43E0-B8FC-AC1667EBCBE1}">
+              <a14:hiddenEffects xmlns:a14="http://schemas.microsoft.com/office/drawing/2010/main">
+                <a:effectLst>
+                  <a:outerShdw dist="35921" dir="2700000" algn="ctr" rotWithShape="0">
+                    <a:schemeClr val="bg2"/>
+                  </a:outerShdw>
+                </a:effectLst>
+              </a14:hiddenEffects>
+            </a:ext>
+          </a:extLst>
+        </p:spPr>
+        <p:txBody>
+          <a:bodyPr vert="horz" wrap="square" lIns="91440" tIns="45720" rIns="91440" bIns="45720" numCol="1" anchor="ctr" anchorCtr="0" compatLnSpc="1">
+            <a:prstTxWarp prst="textNoShape">
+              <a:avLst/>
+            </a:prstTxWarp>
+            <a:spAutoFit/>
+          </a:bodyPr>
+          <a:lstStyle>
+            <a:defPPr marR="0" lvl="0" algn="l" rtl="0">
+              <a:lnSpc>
+                <a:spcPct val="100000"/>
+              </a:lnSpc>
+              <a:spcBef>
+                <a:spcPts val="0"/>
+              </a:spcBef>
+              <a:spcAft>
+                <a:spcPts val="0"/>
+              </a:spcAft>
+            </a:defPPr>
+            <a:lvl1pPr marR="0" lvl="0" algn="l" rtl="0">
+              <a:lnSpc>
+                <a:spcPct val="100000"/>
+              </a:lnSpc>
+              <a:spcBef>
+                <a:spcPts val="0"/>
+              </a:spcBef>
+              <a:spcAft>
+                <a:spcPts val="0"/>
+              </a:spcAft>
+              <a:buClr>
+                <a:srgbClr val="000000"/>
+              </a:buClr>
+              <a:buFont typeface="Arial"/>
+              <a:defRPr sz="1400" b="0" i="0" u="none" strike="noStrike" cap="none">
+                <a:solidFill>
+                  <a:srgbClr val="000000"/>
+                </a:solidFill>
+                <a:latin typeface="Arial"/>
+                <a:ea typeface="Arial"/>
+                <a:cs typeface="Arial"/>
+                <a:sym typeface="Arial"/>
+              </a:defRPr>
+            </a:lvl1pPr>
+            <a:lvl2pPr marR="0" lvl="1" algn="l" rtl="0">
+              <a:lnSpc>
+                <a:spcPct val="100000"/>
+              </a:lnSpc>
+              <a:spcBef>
+                <a:spcPts val="0"/>
+              </a:spcBef>
+              <a:spcAft>
+                <a:spcPts val="0"/>
+              </a:spcAft>
+              <a:buClr>
+                <a:srgbClr val="000000"/>
+              </a:buClr>
+              <a:buFont typeface="Arial"/>
+              <a:defRPr sz="1400" b="0" i="0" u="none" strike="noStrike" cap="none">
+                <a:solidFill>
+                  <a:srgbClr val="000000"/>
+                </a:solidFill>
+                <a:latin typeface="Arial"/>
+                <a:ea typeface="Arial"/>
+                <a:cs typeface="Arial"/>
+                <a:sym typeface="Arial"/>
+              </a:defRPr>
+            </a:lvl2pPr>
+            <a:lvl3pPr marR="0" lvl="2" algn="l" rtl="0">
+              <a:lnSpc>
+                <a:spcPct val="100000"/>
+              </a:lnSpc>
+              <a:spcBef>
+                <a:spcPts val="0"/>
+              </a:spcBef>
+              <a:spcAft>
+                <a:spcPts val="0"/>
+              </a:spcAft>
+              <a:buClr>
+                <a:srgbClr val="000000"/>
+              </a:buClr>
+              <a:buFont typeface="Arial"/>
+              <a:defRPr sz="1400" b="0" i="0" u="none" strike="noStrike" cap="none">
+                <a:solidFill>
+                  <a:srgbClr val="000000"/>
+                </a:solidFill>
+                <a:latin typeface="Arial"/>
+                <a:ea typeface="Arial"/>
+                <a:cs typeface="Arial"/>
+                <a:sym typeface="Arial"/>
+              </a:defRPr>
+            </a:lvl3pPr>
+            <a:lvl4pPr marR="0" lvl="3" algn="l" rtl="0">
+              <a:lnSpc>
+                <a:spcPct val="100000"/>
+              </a:lnSpc>
+              <a:spcBef>
+                <a:spcPts val="0"/>
+              </a:spcBef>
+              <a:spcAft>
+                <a:spcPts val="0"/>
+              </a:spcAft>
+              <a:buClr>
+                <a:srgbClr val="000000"/>
+              </a:buClr>
+              <a:buFont typeface="Arial"/>
+              <a:defRPr sz="1400" b="0" i="0" u="none" strike="noStrike" cap="none">
+                <a:solidFill>
+                  <a:srgbClr val="000000"/>
+                </a:solidFill>
+                <a:latin typeface="Arial"/>
+                <a:ea typeface="Arial"/>
+                <a:cs typeface="Arial"/>
+                <a:sym typeface="Arial"/>
+              </a:defRPr>
+            </a:lvl4pPr>
+            <a:lvl5pPr marR="0" lvl="4" algn="l" rtl="0">
+              <a:lnSpc>
+                <a:spcPct val="100000"/>
+              </a:lnSpc>
+              <a:spcBef>
+                <a:spcPts val="0"/>
+              </a:spcBef>
+              <a:spcAft>
+                <a:spcPts val="0"/>
+              </a:spcAft>
+              <a:buClr>
+                <a:srgbClr val="000000"/>
+              </a:buClr>
+              <a:buFont typeface="Arial"/>
+              <a:defRPr sz="1400" b="0" i="0" u="none" strike="noStrike" cap="none">
+                <a:solidFill>
+                  <a:srgbClr val="000000"/>
+                </a:solidFill>
+                <a:latin typeface="Arial"/>
+                <a:ea typeface="Arial"/>
+                <a:cs typeface="Arial"/>
+                <a:sym typeface="Arial"/>
+              </a:defRPr>
+            </a:lvl5pPr>
+            <a:lvl6pPr marR="0" lvl="5" algn="l" rtl="0">
+              <a:lnSpc>
+                <a:spcPct val="100000"/>
+              </a:lnSpc>
+              <a:spcBef>
+                <a:spcPts val="0"/>
+              </a:spcBef>
+              <a:spcAft>
+                <a:spcPts val="0"/>
+              </a:spcAft>
+              <a:buClr>
+                <a:srgbClr val="000000"/>
+              </a:buClr>
+              <a:buFont typeface="Arial"/>
+              <a:defRPr sz="1400" b="0" i="0" u="none" strike="noStrike" cap="none">
+                <a:solidFill>
+                  <a:srgbClr val="000000"/>
+                </a:solidFill>
+                <a:latin typeface="Arial"/>
+                <a:ea typeface="Arial"/>
+                <a:cs typeface="Arial"/>
+                <a:sym typeface="Arial"/>
+              </a:defRPr>
+            </a:lvl6pPr>
+            <a:lvl7pPr marR="0" lvl="6" algn="l" rtl="0">
+              <a:lnSpc>
+                <a:spcPct val="100000"/>
+              </a:lnSpc>
+              <a:spcBef>
+                <a:spcPts val="0"/>
+              </a:spcBef>
+              <a:spcAft>
+                <a:spcPts val="0"/>
+              </a:spcAft>
+              <a:buClr>
+                <a:srgbClr val="000000"/>
+              </a:buClr>
+              <a:buFont typeface="Arial"/>
+              <a:defRPr sz="1400" b="0" i="0" u="none" strike="noStrike" cap="none">
+                <a:solidFill>
+                  <a:srgbClr val="000000"/>
+                </a:solidFill>
+                <a:latin typeface="Arial"/>
+                <a:ea typeface="Arial"/>
+                <a:cs typeface="Arial"/>
+                <a:sym typeface="Arial"/>
+              </a:defRPr>
+            </a:lvl7pPr>
+            <a:lvl8pPr marR="0" lvl="7" algn="l" rtl="0">
+              <a:lnSpc>
+                <a:spcPct val="100000"/>
+              </a:lnSpc>
+              <a:spcBef>
+                <a:spcPts val="0"/>
+              </a:spcBef>
+              <a:spcAft>
+                <a:spcPts val="0"/>
+              </a:spcAft>
+              <a:buClr>
+                <a:srgbClr val="000000"/>
+              </a:buClr>
+              <a:buFont typeface="Arial"/>
+              <a:defRPr sz="1400" b="0" i="0" u="none" strike="noStrike" cap="none">
+                <a:solidFill>
+                  <a:srgbClr val="000000"/>
+                </a:solidFill>
+                <a:latin typeface="Arial"/>
+                <a:ea typeface="Arial"/>
+                <a:cs typeface="Arial"/>
+                <a:sym typeface="Arial"/>
+              </a:defRPr>
+            </a:lvl8pPr>
+            <a:lvl9pPr marR="0" lvl="8" algn="l" rtl="0">
+              <a:lnSpc>
+                <a:spcPct val="100000"/>
+              </a:lnSpc>
+              <a:spcBef>
+                <a:spcPts val="0"/>
+              </a:spcBef>
+              <a:spcAft>
+                <a:spcPts val="0"/>
+              </a:spcAft>
+              <a:buClr>
+                <a:srgbClr val="000000"/>
+              </a:buClr>
+              <a:buFont typeface="Arial"/>
+              <a:defRPr sz="1400" b="0" i="0" u="none" strike="noStrike" cap="none">
+                <a:solidFill>
+                  <a:srgbClr val="000000"/>
+                </a:solidFill>
+                <a:latin typeface="Arial"/>
+                <a:ea typeface="Arial"/>
+                <a:cs typeface="Arial"/>
+                <a:sym typeface="Arial"/>
+              </a:defRPr>
+            </a:lvl9pPr>
+          </a:lstStyle>
+          <a:p>
+            <a:pPr eaLnBrk="0" fontAlgn="base" hangingPunct="0">
+              <a:spcBef>
+                <a:spcPct val="0"/>
+              </a:spcBef>
+              <a:spcAft>
+                <a:spcPct val="0"/>
+              </a:spcAft>
+              <a:buClrTx/>
+              <a:buFontTx/>
+              <a:buNone/>
+            </a:pPr>
+            <a:r>
+              <a:rPr lang="fr-FR" altLang="fr-FR" sz="800" dirty="0" smtClean="0">
+                <a:solidFill>
+                  <a:srgbClr val="CC7832"/>
+                </a:solidFill>
+                <a:latin typeface="Courier New" panose="02070309020205020404" pitchFamily="49" charset="0"/>
+                <a:cs typeface="Courier New" panose="02070309020205020404" pitchFamily="49" charset="0"/>
+              </a:rPr>
+              <a:t>public class </a:t>
+            </a:r>
+            <a:r>
+              <a:rPr lang="fr-FR" altLang="fr-FR" sz="800" dirty="0" err="1" smtClean="0">
+                <a:solidFill>
+                  <a:srgbClr val="A9B7C6"/>
+                </a:solidFill>
+                <a:latin typeface="Courier New" panose="02070309020205020404" pitchFamily="49" charset="0"/>
+                <a:cs typeface="Courier New" panose="02070309020205020404" pitchFamily="49" charset="0"/>
+              </a:rPr>
+              <a:t>SymLink</a:t>
+            </a:r>
+            <a:r>
+              <a:rPr lang="fr-FR" altLang="fr-FR" sz="800" dirty="0" smtClean="0">
+                <a:solidFill>
+                  <a:srgbClr val="A9B7C6"/>
+                </a:solidFill>
+                <a:latin typeface="Courier New" panose="02070309020205020404" pitchFamily="49" charset="0"/>
+                <a:cs typeface="Courier New" panose="02070309020205020404" pitchFamily="49" charset="0"/>
+              </a:rPr>
+              <a:t> </a:t>
+            </a:r>
+            <a:r>
+              <a:rPr lang="fr-FR" altLang="fr-FR" sz="800" dirty="0" err="1" smtClean="0">
+                <a:solidFill>
+                  <a:srgbClr val="CC7832"/>
+                </a:solidFill>
+                <a:latin typeface="Courier New" panose="02070309020205020404" pitchFamily="49" charset="0"/>
+                <a:cs typeface="Courier New" panose="02070309020205020404" pitchFamily="49" charset="0"/>
+              </a:rPr>
+              <a:t>extends</a:t>
+            </a:r>
+            <a:r>
+              <a:rPr lang="fr-FR" altLang="fr-FR" sz="800" dirty="0" smtClean="0">
+                <a:solidFill>
+                  <a:srgbClr val="CC7832"/>
+                </a:solidFill>
+                <a:latin typeface="Courier New" panose="02070309020205020404" pitchFamily="49" charset="0"/>
+                <a:cs typeface="Courier New" panose="02070309020205020404" pitchFamily="49" charset="0"/>
+              </a:rPr>
+              <a:t> </a:t>
+            </a:r>
+            <a:r>
+              <a:rPr lang="fr-FR" altLang="fr-FR" sz="800" dirty="0" smtClean="0">
+                <a:solidFill>
+                  <a:srgbClr val="A9B7C6"/>
+                </a:solidFill>
+                <a:latin typeface="Courier New" panose="02070309020205020404" pitchFamily="49" charset="0"/>
+                <a:cs typeface="Courier New" panose="02070309020205020404" pitchFamily="49" charset="0"/>
+              </a:rPr>
+              <a:t>File {</a:t>
+            </a:r>
+            <a:br>
+              <a:rPr lang="fr-FR" altLang="fr-FR" sz="800" dirty="0" smtClean="0">
+                <a:solidFill>
+                  <a:srgbClr val="A9B7C6"/>
+                </a:solidFill>
+                <a:latin typeface="Courier New" panose="02070309020205020404" pitchFamily="49" charset="0"/>
+                <a:cs typeface="Courier New" panose="02070309020205020404" pitchFamily="49" charset="0"/>
+              </a:rPr>
+            </a:br>
+            <a:r>
+              <a:rPr lang="fr-FR" altLang="fr-FR" sz="800" dirty="0" smtClean="0">
+                <a:solidFill>
+                  <a:srgbClr val="A9B7C6"/>
+                </a:solidFill>
+                <a:latin typeface="Courier New" panose="02070309020205020404" pitchFamily="49" charset="0"/>
+                <a:cs typeface="Courier New" panose="02070309020205020404" pitchFamily="49" charset="0"/>
+              </a:rPr>
+              <a:t>    </a:t>
+            </a:r>
+            <a:r>
+              <a:rPr lang="fr-FR" altLang="fr-FR" sz="800" dirty="0" err="1" smtClean="0">
+                <a:solidFill>
+                  <a:srgbClr val="CC7832"/>
+                </a:solidFill>
+                <a:latin typeface="Courier New" panose="02070309020205020404" pitchFamily="49" charset="0"/>
+                <a:cs typeface="Courier New" panose="02070309020205020404" pitchFamily="49" charset="0"/>
+              </a:rPr>
+              <a:t>private</a:t>
+            </a:r>
+            <a:r>
+              <a:rPr lang="fr-FR" altLang="fr-FR" sz="800" dirty="0" smtClean="0">
+                <a:solidFill>
+                  <a:srgbClr val="CC7832"/>
+                </a:solidFill>
+                <a:latin typeface="Courier New" panose="02070309020205020404" pitchFamily="49" charset="0"/>
+                <a:cs typeface="Courier New" panose="02070309020205020404" pitchFamily="49" charset="0"/>
+              </a:rPr>
+              <a:t> </a:t>
+            </a:r>
+            <a:r>
+              <a:rPr lang="fr-FR" altLang="fr-FR" sz="800" dirty="0" smtClean="0">
+                <a:solidFill>
+                  <a:srgbClr val="A9B7C6"/>
+                </a:solidFill>
+                <a:latin typeface="Courier New" panose="02070309020205020404" pitchFamily="49" charset="0"/>
+                <a:cs typeface="Courier New" panose="02070309020205020404" pitchFamily="49" charset="0"/>
+              </a:rPr>
+              <a:t>String </a:t>
+            </a:r>
+            <a:r>
+              <a:rPr lang="fr-FR" altLang="fr-FR" sz="800" dirty="0" err="1" smtClean="0">
+                <a:solidFill>
+                  <a:srgbClr val="9876AA"/>
+                </a:solidFill>
+                <a:latin typeface="Courier New" panose="02070309020205020404" pitchFamily="49" charset="0"/>
+                <a:cs typeface="Courier New" panose="02070309020205020404" pitchFamily="49" charset="0"/>
+              </a:rPr>
+              <a:t>path</a:t>
+            </a:r>
+            <a:r>
+              <a:rPr lang="fr-FR" altLang="fr-FR" sz="800" dirty="0" smtClean="0">
+                <a:solidFill>
+                  <a:srgbClr val="CC7832"/>
+                </a:solidFill>
+                <a:latin typeface="Courier New" panose="02070309020205020404" pitchFamily="49" charset="0"/>
+                <a:cs typeface="Courier New" panose="02070309020205020404" pitchFamily="49" charset="0"/>
+              </a:rPr>
+              <a:t>;</a:t>
+            </a:r>
+            <a:br>
+              <a:rPr lang="fr-FR" altLang="fr-FR" sz="800" dirty="0" smtClean="0">
+                <a:solidFill>
+                  <a:srgbClr val="CC7832"/>
+                </a:solidFill>
+                <a:latin typeface="Courier New" panose="02070309020205020404" pitchFamily="49" charset="0"/>
+                <a:cs typeface="Courier New" panose="02070309020205020404" pitchFamily="49" charset="0"/>
+              </a:rPr>
+            </a:br>
+            <a:r>
+              <a:rPr lang="fr-FR" altLang="fr-FR" sz="800" dirty="0" smtClean="0">
+                <a:solidFill>
+                  <a:srgbClr val="CC7832"/>
+                </a:solidFill>
+                <a:latin typeface="Courier New" panose="02070309020205020404" pitchFamily="49" charset="0"/>
+                <a:cs typeface="Courier New" panose="02070309020205020404" pitchFamily="49" charset="0"/>
+              </a:rPr>
+              <a:t/>
+            </a:r>
+            <a:br>
+              <a:rPr lang="fr-FR" altLang="fr-FR" sz="800" dirty="0" smtClean="0">
+                <a:solidFill>
+                  <a:srgbClr val="CC7832"/>
+                </a:solidFill>
+                <a:latin typeface="Courier New" panose="02070309020205020404" pitchFamily="49" charset="0"/>
+                <a:cs typeface="Courier New" panose="02070309020205020404" pitchFamily="49" charset="0"/>
+              </a:rPr>
+            </a:br>
+            <a:r>
+              <a:rPr lang="fr-FR" altLang="fr-FR" sz="800" dirty="0" smtClean="0">
+                <a:solidFill>
+                  <a:srgbClr val="CC7832"/>
+                </a:solidFill>
+                <a:latin typeface="Courier New" panose="02070309020205020404" pitchFamily="49" charset="0"/>
+                <a:cs typeface="Courier New" panose="02070309020205020404" pitchFamily="49" charset="0"/>
+              </a:rPr>
+              <a:t>    public </a:t>
+            </a:r>
+            <a:r>
+              <a:rPr lang="fr-FR" altLang="fr-FR" sz="800" dirty="0" err="1" smtClean="0">
+                <a:solidFill>
+                  <a:srgbClr val="FFC66D"/>
+                </a:solidFill>
+                <a:latin typeface="Courier New" panose="02070309020205020404" pitchFamily="49" charset="0"/>
+                <a:cs typeface="Courier New" panose="02070309020205020404" pitchFamily="49" charset="0"/>
+              </a:rPr>
+              <a:t>SymLink</a:t>
+            </a:r>
+            <a:r>
+              <a:rPr lang="fr-FR" altLang="fr-FR" sz="800" dirty="0" smtClean="0">
+                <a:solidFill>
+                  <a:srgbClr val="A9B7C6"/>
+                </a:solidFill>
+                <a:latin typeface="Courier New" panose="02070309020205020404" pitchFamily="49" charset="0"/>
+                <a:cs typeface="Courier New" panose="02070309020205020404" pitchFamily="49" charset="0"/>
+              </a:rPr>
+              <a:t>(String </a:t>
+            </a:r>
+            <a:r>
+              <a:rPr lang="fr-FR" altLang="fr-FR" sz="800" dirty="0" err="1" smtClean="0">
+                <a:solidFill>
+                  <a:srgbClr val="A9B7C6"/>
+                </a:solidFill>
+                <a:latin typeface="Courier New" panose="02070309020205020404" pitchFamily="49" charset="0"/>
+                <a:cs typeface="Courier New" panose="02070309020205020404" pitchFamily="49" charset="0"/>
+              </a:rPr>
+              <a:t>name</a:t>
+            </a:r>
+            <a:r>
+              <a:rPr lang="fr-FR" altLang="fr-FR" sz="800" dirty="0" smtClean="0">
+                <a:solidFill>
+                  <a:srgbClr val="CC7832"/>
+                </a:solidFill>
+                <a:latin typeface="Courier New" panose="02070309020205020404" pitchFamily="49" charset="0"/>
+                <a:cs typeface="Courier New" panose="02070309020205020404" pitchFamily="49" charset="0"/>
+              </a:rPr>
+              <a:t>, </a:t>
+            </a:r>
+            <a:r>
+              <a:rPr lang="fr-FR" altLang="fr-FR" sz="800" dirty="0" smtClean="0">
+                <a:solidFill>
+                  <a:srgbClr val="A9B7C6"/>
+                </a:solidFill>
+                <a:latin typeface="Courier New" panose="02070309020205020404" pitchFamily="49" charset="0"/>
+                <a:cs typeface="Courier New" panose="02070309020205020404" pitchFamily="49" charset="0"/>
+              </a:rPr>
+              <a:t>String </a:t>
+            </a:r>
+            <a:r>
+              <a:rPr lang="fr-FR" altLang="fr-FR" sz="800" dirty="0" err="1" smtClean="0">
+                <a:solidFill>
+                  <a:srgbClr val="A9B7C6"/>
+                </a:solidFill>
+                <a:latin typeface="Courier New" panose="02070309020205020404" pitchFamily="49" charset="0"/>
+                <a:cs typeface="Courier New" panose="02070309020205020404" pitchFamily="49" charset="0"/>
+              </a:rPr>
+              <a:t>path</a:t>
+            </a:r>
+            <a:r>
+              <a:rPr lang="fr-FR" altLang="fr-FR" sz="800" dirty="0" smtClean="0">
+                <a:solidFill>
+                  <a:srgbClr val="CC7832"/>
+                </a:solidFill>
+                <a:latin typeface="Courier New" panose="02070309020205020404" pitchFamily="49" charset="0"/>
+                <a:cs typeface="Courier New" panose="02070309020205020404" pitchFamily="49" charset="0"/>
+              </a:rPr>
+              <a:t>, </a:t>
+            </a:r>
+            <a:r>
+              <a:rPr lang="fr-FR" altLang="fr-FR" sz="800" dirty="0" smtClean="0">
+                <a:solidFill>
+                  <a:srgbClr val="A9B7C6"/>
+                </a:solidFill>
+                <a:latin typeface="Courier New" panose="02070309020205020404" pitchFamily="49" charset="0"/>
+                <a:cs typeface="Courier New" panose="02070309020205020404" pitchFamily="49" charset="0"/>
+              </a:rPr>
+              <a:t>Printer </a:t>
+            </a:r>
+            <a:r>
+              <a:rPr lang="fr-FR" altLang="fr-FR" sz="800" dirty="0" err="1" smtClean="0">
+                <a:solidFill>
+                  <a:srgbClr val="A9B7C6"/>
+                </a:solidFill>
+                <a:latin typeface="Courier New" panose="02070309020205020404" pitchFamily="49" charset="0"/>
+                <a:cs typeface="Courier New" panose="02070309020205020404" pitchFamily="49" charset="0"/>
+              </a:rPr>
+              <a:t>printer</a:t>
+            </a:r>
+            <a:r>
+              <a:rPr lang="fr-FR" altLang="fr-FR" sz="800" dirty="0" smtClean="0">
+                <a:solidFill>
+                  <a:srgbClr val="A9B7C6"/>
+                </a:solidFill>
+                <a:latin typeface="Courier New" panose="02070309020205020404" pitchFamily="49" charset="0"/>
+                <a:cs typeface="Courier New" panose="02070309020205020404" pitchFamily="49" charset="0"/>
+              </a:rPr>
+              <a:t>) {</a:t>
+            </a:r>
+            <a:br>
+              <a:rPr lang="fr-FR" altLang="fr-FR" sz="800" dirty="0" smtClean="0">
+                <a:solidFill>
+                  <a:srgbClr val="A9B7C6"/>
+                </a:solidFill>
+                <a:latin typeface="Courier New" panose="02070309020205020404" pitchFamily="49" charset="0"/>
+                <a:cs typeface="Courier New" panose="02070309020205020404" pitchFamily="49" charset="0"/>
+              </a:rPr>
+            </a:br>
+            <a:r>
+              <a:rPr lang="fr-FR" altLang="fr-FR" sz="800" dirty="0" smtClean="0">
+                <a:solidFill>
+                  <a:srgbClr val="A9B7C6"/>
+                </a:solidFill>
+                <a:latin typeface="Courier New" panose="02070309020205020404" pitchFamily="49" charset="0"/>
+                <a:cs typeface="Courier New" panose="02070309020205020404" pitchFamily="49" charset="0"/>
+              </a:rPr>
+              <a:t>        </a:t>
+            </a:r>
+            <a:r>
+              <a:rPr lang="fr-FR" altLang="fr-FR" sz="800" dirty="0" smtClean="0">
+                <a:solidFill>
+                  <a:srgbClr val="CC7832"/>
+                </a:solidFill>
+                <a:latin typeface="Courier New" panose="02070309020205020404" pitchFamily="49" charset="0"/>
+                <a:cs typeface="Courier New" panose="02070309020205020404" pitchFamily="49" charset="0"/>
+              </a:rPr>
+              <a:t>super</a:t>
+            </a:r>
+            <a:r>
+              <a:rPr lang="fr-FR" altLang="fr-FR" sz="800" dirty="0" smtClean="0">
+                <a:solidFill>
+                  <a:srgbClr val="A9B7C6"/>
+                </a:solidFill>
+                <a:latin typeface="Courier New" panose="02070309020205020404" pitchFamily="49" charset="0"/>
+                <a:cs typeface="Courier New" panose="02070309020205020404" pitchFamily="49" charset="0"/>
+              </a:rPr>
+              <a:t>(</a:t>
+            </a:r>
+            <a:r>
+              <a:rPr lang="fr-FR" altLang="fr-FR" sz="800" dirty="0" err="1" smtClean="0">
+                <a:solidFill>
+                  <a:srgbClr val="A9B7C6"/>
+                </a:solidFill>
+                <a:latin typeface="Courier New" panose="02070309020205020404" pitchFamily="49" charset="0"/>
+                <a:cs typeface="Courier New" panose="02070309020205020404" pitchFamily="49" charset="0"/>
+              </a:rPr>
+              <a:t>name</a:t>
+            </a:r>
+            <a:r>
+              <a:rPr lang="fr-FR" altLang="fr-FR" sz="800" dirty="0" smtClean="0">
+                <a:solidFill>
+                  <a:srgbClr val="CC7832"/>
+                </a:solidFill>
+                <a:latin typeface="Courier New" panose="02070309020205020404" pitchFamily="49" charset="0"/>
+                <a:cs typeface="Courier New" panose="02070309020205020404" pitchFamily="49" charset="0"/>
+              </a:rPr>
+              <a:t>, </a:t>
+            </a:r>
+            <a:r>
+              <a:rPr lang="fr-FR" altLang="fr-FR" sz="800" dirty="0" smtClean="0">
+                <a:solidFill>
+                  <a:srgbClr val="A9B7C6"/>
+                </a:solidFill>
+                <a:latin typeface="Courier New" panose="02070309020205020404" pitchFamily="49" charset="0"/>
+                <a:cs typeface="Courier New" panose="02070309020205020404" pitchFamily="49" charset="0"/>
+              </a:rPr>
+              <a:t>printer)</a:t>
+            </a:r>
+            <a:r>
+              <a:rPr lang="fr-FR" altLang="fr-FR" sz="800" dirty="0" smtClean="0">
+                <a:solidFill>
+                  <a:srgbClr val="CC7832"/>
+                </a:solidFill>
+                <a:latin typeface="Courier New" panose="02070309020205020404" pitchFamily="49" charset="0"/>
+                <a:cs typeface="Courier New" panose="02070309020205020404" pitchFamily="49" charset="0"/>
+              </a:rPr>
+              <a:t>;</a:t>
+            </a:r>
+            <a:br>
+              <a:rPr lang="fr-FR" altLang="fr-FR" sz="800" dirty="0" smtClean="0">
+                <a:solidFill>
+                  <a:srgbClr val="CC7832"/>
+                </a:solidFill>
+                <a:latin typeface="Courier New" panose="02070309020205020404" pitchFamily="49" charset="0"/>
+                <a:cs typeface="Courier New" panose="02070309020205020404" pitchFamily="49" charset="0"/>
+              </a:rPr>
+            </a:br>
+            <a:r>
+              <a:rPr lang="fr-FR" altLang="fr-FR" sz="800" dirty="0" smtClean="0">
+                <a:solidFill>
+                  <a:srgbClr val="CC7832"/>
+                </a:solidFill>
+                <a:latin typeface="Courier New" panose="02070309020205020404" pitchFamily="49" charset="0"/>
+                <a:cs typeface="Courier New" panose="02070309020205020404" pitchFamily="49" charset="0"/>
+              </a:rPr>
+              <a:t>        </a:t>
+            </a:r>
+            <a:r>
+              <a:rPr lang="fr-FR" altLang="fr-FR" sz="800" dirty="0" err="1" smtClean="0">
+                <a:solidFill>
+                  <a:srgbClr val="CC7832"/>
+                </a:solidFill>
+                <a:latin typeface="Courier New" panose="02070309020205020404" pitchFamily="49" charset="0"/>
+                <a:cs typeface="Courier New" panose="02070309020205020404" pitchFamily="49" charset="0"/>
+              </a:rPr>
+              <a:t>this</a:t>
+            </a:r>
+            <a:r>
+              <a:rPr lang="fr-FR" altLang="fr-FR" sz="800" dirty="0" err="1" smtClean="0">
+                <a:solidFill>
+                  <a:srgbClr val="A9B7C6"/>
+                </a:solidFill>
+                <a:latin typeface="Courier New" panose="02070309020205020404" pitchFamily="49" charset="0"/>
+                <a:cs typeface="Courier New" panose="02070309020205020404" pitchFamily="49" charset="0"/>
+              </a:rPr>
+              <a:t>.</a:t>
+            </a:r>
+            <a:r>
+              <a:rPr lang="fr-FR" altLang="fr-FR" sz="800" dirty="0" err="1" smtClean="0">
+                <a:solidFill>
+                  <a:srgbClr val="9876AA"/>
+                </a:solidFill>
+                <a:latin typeface="Courier New" panose="02070309020205020404" pitchFamily="49" charset="0"/>
+                <a:cs typeface="Courier New" panose="02070309020205020404" pitchFamily="49" charset="0"/>
+              </a:rPr>
+              <a:t>path</a:t>
+            </a:r>
+            <a:r>
+              <a:rPr lang="fr-FR" altLang="fr-FR" sz="800" dirty="0" smtClean="0">
+                <a:solidFill>
+                  <a:srgbClr val="9876AA"/>
+                </a:solidFill>
+                <a:latin typeface="Courier New" panose="02070309020205020404" pitchFamily="49" charset="0"/>
+                <a:cs typeface="Courier New" panose="02070309020205020404" pitchFamily="49" charset="0"/>
+              </a:rPr>
+              <a:t> </a:t>
+            </a:r>
+            <a:r>
+              <a:rPr lang="fr-FR" altLang="fr-FR" sz="800" dirty="0" smtClean="0">
+                <a:solidFill>
+                  <a:srgbClr val="A9B7C6"/>
+                </a:solidFill>
+                <a:latin typeface="Courier New" panose="02070309020205020404" pitchFamily="49" charset="0"/>
+                <a:cs typeface="Courier New" panose="02070309020205020404" pitchFamily="49" charset="0"/>
+              </a:rPr>
+              <a:t>= </a:t>
+            </a:r>
+            <a:r>
+              <a:rPr lang="fr-FR" altLang="fr-FR" sz="800" dirty="0" err="1" smtClean="0">
+                <a:solidFill>
+                  <a:srgbClr val="A9B7C6"/>
+                </a:solidFill>
+                <a:latin typeface="Courier New" panose="02070309020205020404" pitchFamily="49" charset="0"/>
+                <a:cs typeface="Courier New" panose="02070309020205020404" pitchFamily="49" charset="0"/>
+              </a:rPr>
+              <a:t>path</a:t>
+            </a:r>
+            <a:r>
+              <a:rPr lang="fr-FR" altLang="fr-FR" sz="800" dirty="0" smtClean="0">
+                <a:solidFill>
+                  <a:srgbClr val="CC7832"/>
+                </a:solidFill>
+                <a:latin typeface="Courier New" panose="02070309020205020404" pitchFamily="49" charset="0"/>
+                <a:cs typeface="Courier New" panose="02070309020205020404" pitchFamily="49" charset="0"/>
+              </a:rPr>
+              <a:t>;</a:t>
+            </a:r>
+            <a:br>
+              <a:rPr lang="fr-FR" altLang="fr-FR" sz="800" dirty="0" smtClean="0">
+                <a:solidFill>
+                  <a:srgbClr val="CC7832"/>
+                </a:solidFill>
+                <a:latin typeface="Courier New" panose="02070309020205020404" pitchFamily="49" charset="0"/>
+                <a:cs typeface="Courier New" panose="02070309020205020404" pitchFamily="49" charset="0"/>
+              </a:rPr>
+            </a:br>
+            <a:r>
+              <a:rPr lang="fr-FR" altLang="fr-FR" sz="800" dirty="0" smtClean="0">
+                <a:solidFill>
+                  <a:srgbClr val="CC7832"/>
+                </a:solidFill>
+                <a:latin typeface="Courier New" panose="02070309020205020404" pitchFamily="49" charset="0"/>
+                <a:cs typeface="Courier New" panose="02070309020205020404" pitchFamily="49" charset="0"/>
+              </a:rPr>
+              <a:t>    </a:t>
+            </a:r>
+            <a:r>
+              <a:rPr lang="fr-FR" altLang="fr-FR" sz="800" dirty="0" smtClean="0">
+                <a:solidFill>
+                  <a:srgbClr val="A9B7C6"/>
+                </a:solidFill>
+                <a:latin typeface="Courier New" panose="02070309020205020404" pitchFamily="49" charset="0"/>
+                <a:cs typeface="Courier New" panose="02070309020205020404" pitchFamily="49" charset="0"/>
+              </a:rPr>
+              <a:t>}</a:t>
+            </a:r>
+            <a:br>
+              <a:rPr lang="fr-FR" altLang="fr-FR" sz="800" dirty="0" smtClean="0">
+                <a:solidFill>
+                  <a:srgbClr val="A9B7C6"/>
+                </a:solidFill>
+                <a:latin typeface="Courier New" panose="02070309020205020404" pitchFamily="49" charset="0"/>
+                <a:cs typeface="Courier New" panose="02070309020205020404" pitchFamily="49" charset="0"/>
+              </a:rPr>
+            </a:br>
+            <a:r>
+              <a:rPr lang="fr-FR" altLang="fr-FR" sz="800" dirty="0" smtClean="0">
+                <a:solidFill>
+                  <a:srgbClr val="A9B7C6"/>
+                </a:solidFill>
+                <a:latin typeface="Courier New" panose="02070309020205020404" pitchFamily="49" charset="0"/>
+                <a:cs typeface="Courier New" panose="02070309020205020404" pitchFamily="49" charset="0"/>
+              </a:rPr>
+              <a:t/>
+            </a:r>
+            <a:br>
+              <a:rPr lang="fr-FR" altLang="fr-FR" sz="800" dirty="0" smtClean="0">
+                <a:solidFill>
+                  <a:srgbClr val="A9B7C6"/>
+                </a:solidFill>
+                <a:latin typeface="Courier New" panose="02070309020205020404" pitchFamily="49" charset="0"/>
+                <a:cs typeface="Courier New" panose="02070309020205020404" pitchFamily="49" charset="0"/>
+              </a:rPr>
+            </a:br>
+            <a:r>
+              <a:rPr lang="fr-FR" altLang="fr-FR" sz="800" dirty="0" smtClean="0">
+                <a:solidFill>
+                  <a:srgbClr val="A9B7C6"/>
+                </a:solidFill>
+                <a:latin typeface="Courier New" panose="02070309020205020404" pitchFamily="49" charset="0"/>
+                <a:cs typeface="Courier New" panose="02070309020205020404" pitchFamily="49" charset="0"/>
+              </a:rPr>
+              <a:t>    </a:t>
+            </a:r>
+            <a:r>
+              <a:rPr lang="fr-FR" altLang="fr-FR" sz="800" dirty="0" smtClean="0">
+                <a:solidFill>
+                  <a:srgbClr val="CC7832"/>
+                </a:solidFill>
+                <a:latin typeface="Courier New" panose="02070309020205020404" pitchFamily="49" charset="0"/>
+                <a:cs typeface="Courier New" panose="02070309020205020404" pitchFamily="49" charset="0"/>
+              </a:rPr>
+              <a:t>public </a:t>
+            </a:r>
+            <a:r>
+              <a:rPr lang="fr-FR" altLang="fr-FR" sz="800" dirty="0" smtClean="0">
+                <a:solidFill>
+                  <a:srgbClr val="A9B7C6"/>
+                </a:solidFill>
+                <a:latin typeface="Courier New" panose="02070309020205020404" pitchFamily="49" charset="0"/>
+                <a:cs typeface="Courier New" panose="02070309020205020404" pitchFamily="49" charset="0"/>
+              </a:rPr>
+              <a:t>String </a:t>
+            </a:r>
+            <a:r>
+              <a:rPr lang="fr-FR" altLang="fr-FR" sz="800" dirty="0" err="1" smtClean="0">
+                <a:solidFill>
+                  <a:srgbClr val="FFC66D"/>
+                </a:solidFill>
+                <a:latin typeface="Courier New" panose="02070309020205020404" pitchFamily="49" charset="0"/>
+                <a:cs typeface="Courier New" panose="02070309020205020404" pitchFamily="49" charset="0"/>
+              </a:rPr>
+              <a:t>getPath</a:t>
+            </a:r>
+            <a:r>
+              <a:rPr lang="fr-FR" altLang="fr-FR" sz="800" dirty="0" smtClean="0">
+                <a:solidFill>
+                  <a:srgbClr val="A9B7C6"/>
+                </a:solidFill>
+                <a:latin typeface="Courier New" panose="02070309020205020404" pitchFamily="49" charset="0"/>
+                <a:cs typeface="Courier New" panose="02070309020205020404" pitchFamily="49" charset="0"/>
+              </a:rPr>
+              <a:t>() {</a:t>
+            </a:r>
+            <a:br>
+              <a:rPr lang="fr-FR" altLang="fr-FR" sz="800" dirty="0" smtClean="0">
+                <a:solidFill>
+                  <a:srgbClr val="A9B7C6"/>
+                </a:solidFill>
+                <a:latin typeface="Courier New" panose="02070309020205020404" pitchFamily="49" charset="0"/>
+                <a:cs typeface="Courier New" panose="02070309020205020404" pitchFamily="49" charset="0"/>
+              </a:rPr>
+            </a:br>
+            <a:r>
+              <a:rPr lang="fr-FR" altLang="fr-FR" sz="800" dirty="0" smtClean="0">
+                <a:solidFill>
+                  <a:srgbClr val="A9B7C6"/>
+                </a:solidFill>
+                <a:latin typeface="Courier New" panose="02070309020205020404" pitchFamily="49" charset="0"/>
+                <a:cs typeface="Courier New" panose="02070309020205020404" pitchFamily="49" charset="0"/>
+              </a:rPr>
+              <a:t>        </a:t>
+            </a:r>
+            <a:r>
+              <a:rPr lang="fr-FR" altLang="fr-FR" sz="800" dirty="0" smtClean="0">
+                <a:solidFill>
+                  <a:srgbClr val="CC7832"/>
+                </a:solidFill>
+                <a:latin typeface="Courier New" panose="02070309020205020404" pitchFamily="49" charset="0"/>
+                <a:cs typeface="Courier New" panose="02070309020205020404" pitchFamily="49" charset="0"/>
+              </a:rPr>
+              <a:t>return </a:t>
+            </a:r>
+            <a:r>
+              <a:rPr lang="fr-FR" altLang="fr-FR" sz="800" dirty="0" err="1" smtClean="0">
+                <a:solidFill>
+                  <a:srgbClr val="9876AA"/>
+                </a:solidFill>
+                <a:latin typeface="Courier New" panose="02070309020205020404" pitchFamily="49" charset="0"/>
+                <a:cs typeface="Courier New" panose="02070309020205020404" pitchFamily="49" charset="0"/>
+              </a:rPr>
+              <a:t>path</a:t>
+            </a:r>
+            <a:r>
+              <a:rPr lang="fr-FR" altLang="fr-FR" sz="800" dirty="0" smtClean="0">
+                <a:solidFill>
+                  <a:srgbClr val="CC7832"/>
+                </a:solidFill>
+                <a:latin typeface="Courier New" panose="02070309020205020404" pitchFamily="49" charset="0"/>
+                <a:cs typeface="Courier New" panose="02070309020205020404" pitchFamily="49" charset="0"/>
+              </a:rPr>
+              <a:t>;</a:t>
+            </a:r>
+            <a:br>
+              <a:rPr lang="fr-FR" altLang="fr-FR" sz="800" dirty="0" smtClean="0">
+                <a:solidFill>
+                  <a:srgbClr val="CC7832"/>
+                </a:solidFill>
+                <a:latin typeface="Courier New" panose="02070309020205020404" pitchFamily="49" charset="0"/>
+                <a:cs typeface="Courier New" panose="02070309020205020404" pitchFamily="49" charset="0"/>
+              </a:rPr>
+            </a:br>
+            <a:r>
+              <a:rPr lang="fr-FR" altLang="fr-FR" sz="800" dirty="0" smtClean="0">
+                <a:solidFill>
+                  <a:srgbClr val="CC7832"/>
+                </a:solidFill>
+                <a:latin typeface="Courier New" panose="02070309020205020404" pitchFamily="49" charset="0"/>
+                <a:cs typeface="Courier New" panose="02070309020205020404" pitchFamily="49" charset="0"/>
+              </a:rPr>
+              <a:t>    </a:t>
+            </a:r>
+            <a:r>
+              <a:rPr lang="fr-FR" altLang="fr-FR" sz="800" dirty="0" smtClean="0">
+                <a:solidFill>
+                  <a:srgbClr val="A9B7C6"/>
+                </a:solidFill>
+                <a:latin typeface="Courier New" panose="02070309020205020404" pitchFamily="49" charset="0"/>
+                <a:cs typeface="Courier New" panose="02070309020205020404" pitchFamily="49" charset="0"/>
+              </a:rPr>
+              <a:t>}</a:t>
+            </a:r>
+            <a:br>
+              <a:rPr lang="fr-FR" altLang="fr-FR" sz="800" dirty="0" smtClean="0">
+                <a:solidFill>
+                  <a:srgbClr val="A9B7C6"/>
+                </a:solidFill>
+                <a:latin typeface="Courier New" panose="02070309020205020404" pitchFamily="49" charset="0"/>
+                <a:cs typeface="Courier New" panose="02070309020205020404" pitchFamily="49" charset="0"/>
+              </a:rPr>
+            </a:br>
+            <a:r>
+              <a:rPr lang="fr-FR" altLang="fr-FR" sz="800" dirty="0" smtClean="0">
+                <a:solidFill>
+                  <a:srgbClr val="A9B7C6"/>
+                </a:solidFill>
+                <a:latin typeface="Courier New" panose="02070309020205020404" pitchFamily="49" charset="0"/>
+                <a:cs typeface="Courier New" panose="02070309020205020404" pitchFamily="49" charset="0"/>
+              </a:rPr>
+              <a:t/>
+            </a:r>
+            <a:br>
+              <a:rPr lang="fr-FR" altLang="fr-FR" sz="800" dirty="0" smtClean="0">
+                <a:solidFill>
+                  <a:srgbClr val="A9B7C6"/>
+                </a:solidFill>
+                <a:latin typeface="Courier New" panose="02070309020205020404" pitchFamily="49" charset="0"/>
+                <a:cs typeface="Courier New" panose="02070309020205020404" pitchFamily="49" charset="0"/>
+              </a:rPr>
+            </a:br>
+            <a:r>
+              <a:rPr lang="fr-FR" altLang="fr-FR" sz="800" dirty="0" smtClean="0">
+                <a:solidFill>
+                  <a:srgbClr val="A9B7C6"/>
+                </a:solidFill>
+                <a:latin typeface="Courier New" panose="02070309020205020404" pitchFamily="49" charset="0"/>
+                <a:cs typeface="Courier New" panose="02070309020205020404" pitchFamily="49" charset="0"/>
+              </a:rPr>
+              <a:t>    </a:t>
+            </a:r>
+            <a:r>
+              <a:rPr lang="fr-FR" altLang="fr-FR" sz="800" dirty="0" smtClean="0">
+                <a:solidFill>
+                  <a:srgbClr val="BBB529"/>
+                </a:solidFill>
+                <a:latin typeface="Courier New" panose="02070309020205020404" pitchFamily="49" charset="0"/>
+                <a:cs typeface="Courier New" panose="02070309020205020404" pitchFamily="49" charset="0"/>
+              </a:rPr>
+              <a:t>@</a:t>
+            </a:r>
+            <a:r>
+              <a:rPr lang="fr-FR" altLang="fr-FR" sz="800" dirty="0" err="1" smtClean="0">
+                <a:solidFill>
+                  <a:srgbClr val="BBB529"/>
+                </a:solidFill>
+                <a:latin typeface="Courier New" panose="02070309020205020404" pitchFamily="49" charset="0"/>
+                <a:cs typeface="Courier New" panose="02070309020205020404" pitchFamily="49" charset="0"/>
+              </a:rPr>
+              <a:t>Override</a:t>
+            </a:r>
+            <a:r>
+              <a:rPr lang="fr-FR" altLang="fr-FR" sz="800" dirty="0" smtClean="0">
+                <a:solidFill>
+                  <a:srgbClr val="BBB529"/>
+                </a:solidFill>
+                <a:latin typeface="Courier New" panose="02070309020205020404" pitchFamily="49" charset="0"/>
+                <a:cs typeface="Courier New" panose="02070309020205020404" pitchFamily="49" charset="0"/>
+              </a:rPr>
+              <a:t/>
+            </a:r>
+            <a:br>
+              <a:rPr lang="fr-FR" altLang="fr-FR" sz="800" dirty="0" smtClean="0">
+                <a:solidFill>
+                  <a:srgbClr val="BBB529"/>
+                </a:solidFill>
+                <a:latin typeface="Courier New" panose="02070309020205020404" pitchFamily="49" charset="0"/>
+                <a:cs typeface="Courier New" panose="02070309020205020404" pitchFamily="49" charset="0"/>
+              </a:rPr>
+            </a:br>
+            <a:r>
+              <a:rPr lang="fr-FR" altLang="fr-FR" sz="800" dirty="0" smtClean="0">
+                <a:solidFill>
+                  <a:srgbClr val="BBB529"/>
+                </a:solidFill>
+                <a:latin typeface="Courier New" panose="02070309020205020404" pitchFamily="49" charset="0"/>
+                <a:cs typeface="Courier New" panose="02070309020205020404" pitchFamily="49" charset="0"/>
+              </a:rPr>
+              <a:t>    </a:t>
+            </a:r>
+            <a:r>
+              <a:rPr lang="fr-FR" altLang="fr-FR" sz="800" dirty="0" smtClean="0">
+                <a:solidFill>
+                  <a:srgbClr val="CC7832"/>
+                </a:solidFill>
+                <a:latin typeface="Courier New" panose="02070309020205020404" pitchFamily="49" charset="0"/>
+                <a:cs typeface="Courier New" panose="02070309020205020404" pitchFamily="49" charset="0"/>
+              </a:rPr>
+              <a:t>public </a:t>
+            </a:r>
+            <a:r>
+              <a:rPr lang="fr-FR" altLang="fr-FR" sz="800" dirty="0" err="1" smtClean="0">
+                <a:solidFill>
+                  <a:srgbClr val="CC7832"/>
+                </a:solidFill>
+                <a:latin typeface="Courier New" panose="02070309020205020404" pitchFamily="49" charset="0"/>
+                <a:cs typeface="Courier New" panose="02070309020205020404" pitchFamily="49" charset="0"/>
+              </a:rPr>
+              <a:t>void</a:t>
+            </a:r>
+            <a:r>
+              <a:rPr lang="fr-FR" altLang="fr-FR" sz="800" dirty="0" smtClean="0">
+                <a:solidFill>
+                  <a:srgbClr val="CC7832"/>
+                </a:solidFill>
+                <a:latin typeface="Courier New" panose="02070309020205020404" pitchFamily="49" charset="0"/>
+                <a:cs typeface="Courier New" panose="02070309020205020404" pitchFamily="49" charset="0"/>
+              </a:rPr>
+              <a:t> </a:t>
+            </a:r>
+            <a:r>
+              <a:rPr lang="fr-FR" altLang="fr-FR" sz="800" dirty="0" err="1" smtClean="0">
+                <a:solidFill>
+                  <a:srgbClr val="FFC66D"/>
+                </a:solidFill>
+                <a:latin typeface="Courier New" panose="02070309020205020404" pitchFamily="49" charset="0"/>
+                <a:cs typeface="Courier New" panose="02070309020205020404" pitchFamily="49" charset="0"/>
+              </a:rPr>
+              <a:t>print</a:t>
+            </a:r>
+            <a:r>
+              <a:rPr lang="fr-FR" altLang="fr-FR" sz="800" dirty="0" smtClean="0">
+                <a:solidFill>
+                  <a:srgbClr val="A9B7C6"/>
+                </a:solidFill>
+                <a:latin typeface="Courier New" panose="02070309020205020404" pitchFamily="49" charset="0"/>
+                <a:cs typeface="Courier New" panose="02070309020205020404" pitchFamily="49" charset="0"/>
+              </a:rPr>
+              <a:t>() {</a:t>
+            </a:r>
+            <a:br>
+              <a:rPr lang="fr-FR" altLang="fr-FR" sz="800" dirty="0" smtClean="0">
+                <a:solidFill>
+                  <a:srgbClr val="A9B7C6"/>
+                </a:solidFill>
+                <a:latin typeface="Courier New" panose="02070309020205020404" pitchFamily="49" charset="0"/>
+                <a:cs typeface="Courier New" panose="02070309020205020404" pitchFamily="49" charset="0"/>
+              </a:rPr>
+            </a:br>
+            <a:r>
+              <a:rPr lang="fr-FR" altLang="fr-FR" sz="800" dirty="0" smtClean="0">
+                <a:solidFill>
+                  <a:srgbClr val="A9B7C6"/>
+                </a:solidFill>
+                <a:latin typeface="Courier New" panose="02070309020205020404" pitchFamily="49" charset="0"/>
+                <a:cs typeface="Courier New" panose="02070309020205020404" pitchFamily="49" charset="0"/>
+              </a:rPr>
+              <a:t>        </a:t>
+            </a:r>
+            <a:r>
+              <a:rPr lang="fr-FR" altLang="fr-FR" sz="800" dirty="0" err="1" smtClean="0">
+                <a:solidFill>
+                  <a:srgbClr val="9876AA"/>
+                </a:solidFill>
+                <a:latin typeface="Courier New" panose="02070309020205020404" pitchFamily="49" charset="0"/>
+                <a:cs typeface="Courier New" panose="02070309020205020404" pitchFamily="49" charset="0"/>
+              </a:rPr>
+              <a:t>printer</a:t>
+            </a:r>
+            <a:r>
+              <a:rPr lang="fr-FR" altLang="fr-FR" sz="800" dirty="0" err="1" smtClean="0">
+                <a:solidFill>
+                  <a:srgbClr val="A9B7C6"/>
+                </a:solidFill>
+                <a:latin typeface="Courier New" panose="02070309020205020404" pitchFamily="49" charset="0"/>
+                <a:cs typeface="Courier New" panose="02070309020205020404" pitchFamily="49" charset="0"/>
+              </a:rPr>
+              <a:t>.print</a:t>
+            </a:r>
+            <a:r>
+              <a:rPr lang="fr-FR" altLang="fr-FR" sz="800" dirty="0" smtClean="0">
+                <a:solidFill>
+                  <a:srgbClr val="A9B7C6"/>
+                </a:solidFill>
+                <a:latin typeface="Courier New" panose="02070309020205020404" pitchFamily="49" charset="0"/>
+                <a:cs typeface="Courier New" panose="02070309020205020404" pitchFamily="49" charset="0"/>
+              </a:rPr>
+              <a:t>(</a:t>
+            </a:r>
+            <a:r>
+              <a:rPr lang="fr-FR" altLang="fr-FR" sz="800" dirty="0" err="1" smtClean="0">
+                <a:solidFill>
+                  <a:srgbClr val="CC7832"/>
+                </a:solidFill>
+                <a:latin typeface="Courier New" panose="02070309020205020404" pitchFamily="49" charset="0"/>
+                <a:cs typeface="Courier New" panose="02070309020205020404" pitchFamily="49" charset="0"/>
+              </a:rPr>
+              <a:t>this</a:t>
+            </a:r>
+            <a:r>
+              <a:rPr lang="fr-FR" altLang="fr-FR" sz="800" dirty="0" smtClean="0">
+                <a:solidFill>
+                  <a:srgbClr val="A9B7C6"/>
+                </a:solidFill>
+                <a:latin typeface="Courier New" panose="02070309020205020404" pitchFamily="49" charset="0"/>
+                <a:cs typeface="Courier New" panose="02070309020205020404" pitchFamily="49" charset="0"/>
+              </a:rPr>
+              <a:t>)</a:t>
+            </a:r>
+            <a:r>
+              <a:rPr lang="fr-FR" altLang="fr-FR" sz="800" dirty="0" smtClean="0">
+                <a:solidFill>
+                  <a:srgbClr val="CC7832"/>
+                </a:solidFill>
+                <a:latin typeface="Courier New" panose="02070309020205020404" pitchFamily="49" charset="0"/>
+                <a:cs typeface="Courier New" panose="02070309020205020404" pitchFamily="49" charset="0"/>
+              </a:rPr>
+              <a:t>;</a:t>
+            </a:r>
+            <a:br>
+              <a:rPr lang="fr-FR" altLang="fr-FR" sz="800" dirty="0" smtClean="0">
+                <a:solidFill>
+                  <a:srgbClr val="CC7832"/>
+                </a:solidFill>
+                <a:latin typeface="Courier New" panose="02070309020205020404" pitchFamily="49" charset="0"/>
+                <a:cs typeface="Courier New" panose="02070309020205020404" pitchFamily="49" charset="0"/>
+              </a:rPr>
+            </a:br>
+            <a:r>
+              <a:rPr lang="fr-FR" altLang="fr-FR" sz="800" dirty="0" smtClean="0">
+                <a:solidFill>
+                  <a:srgbClr val="CC7832"/>
+                </a:solidFill>
+                <a:latin typeface="Courier New" panose="02070309020205020404" pitchFamily="49" charset="0"/>
+                <a:cs typeface="Courier New" panose="02070309020205020404" pitchFamily="49" charset="0"/>
+              </a:rPr>
+              <a:t>    </a:t>
+            </a:r>
+            <a:r>
+              <a:rPr lang="fr-FR" altLang="fr-FR" sz="800" dirty="0" smtClean="0">
+                <a:solidFill>
+                  <a:srgbClr val="A9B7C6"/>
+                </a:solidFill>
+                <a:latin typeface="Courier New" panose="02070309020205020404" pitchFamily="49" charset="0"/>
+                <a:cs typeface="Courier New" panose="02070309020205020404" pitchFamily="49" charset="0"/>
+              </a:rPr>
+              <a:t>}</a:t>
+            </a:r>
+            <a:br>
+              <a:rPr lang="fr-FR" altLang="fr-FR" sz="800" dirty="0" smtClean="0">
+                <a:solidFill>
+                  <a:srgbClr val="A9B7C6"/>
+                </a:solidFill>
+                <a:latin typeface="Courier New" panose="02070309020205020404" pitchFamily="49" charset="0"/>
+                <a:cs typeface="Courier New" panose="02070309020205020404" pitchFamily="49" charset="0"/>
+              </a:rPr>
+            </a:br>
+            <a:r>
+              <a:rPr lang="fr-FR" altLang="fr-FR" sz="800" dirty="0" smtClean="0">
+                <a:solidFill>
+                  <a:srgbClr val="A9B7C6"/>
+                </a:solidFill>
+                <a:latin typeface="Courier New" panose="02070309020205020404" pitchFamily="49" charset="0"/>
+                <a:cs typeface="Courier New" panose="02070309020205020404" pitchFamily="49" charset="0"/>
+              </a:rPr>
+              <a:t>}</a:t>
+            </a:r>
+            <a:endParaRPr lang="fr-FR" altLang="fr-FR" sz="800" dirty="0">
+              <a:solidFill>
+                <a:schemeClr val="tx1"/>
+              </a:solidFill>
+              <a:latin typeface="Arial" panose="020B0604020202020204" pitchFamily="34" charset="0"/>
+            </a:endParaRPr>
+          </a:p>
+        </p:txBody>
+      </p:sp>
+      <p:sp>
+        <p:nvSpPr>
+          <p:cNvPr id="8" name="Rectangle 2"/>
+          <p:cNvSpPr>
+            <a:spLocks noChangeArrowheads="1"/>
+          </p:cNvSpPr>
+          <p:nvPr/>
+        </p:nvSpPr>
+        <p:spPr bwMode="auto">
+          <a:xfrm>
+            <a:off x="1348127" y="3081397"/>
+            <a:ext cx="3601736" cy="2062103"/>
+          </a:xfrm>
+          <a:prstGeom prst="rect">
+            <a:avLst/>
+          </a:prstGeom>
+          <a:solidFill>
+            <a:srgbClr val="2B2B2B"/>
+          </a:solidFill>
+          <a:ln>
+            <a:noFill/>
+          </a:ln>
+          <a:effectLst/>
+          <a:extLst>
+            <a:ext uri="{91240B29-F687-4F45-9708-019B960494DF}">
+              <a14:hiddenLine xmlns:a14="http://schemas.microsoft.com/office/drawing/2010/main" w="9525">
+                <a:solidFill>
+                  <a:schemeClr val="tx1"/>
+                </a:solidFill>
+                <a:miter lim="800000"/>
+                <a:headEnd/>
+                <a:tailEnd/>
+              </a14:hiddenLine>
+            </a:ext>
+            <a:ext uri="{AF507438-7753-43E0-B8FC-AC1667EBCBE1}">
+              <a14:hiddenEffects xmlns:a14="http://schemas.microsoft.com/office/drawing/2010/main">
+                <a:effectLst>
+                  <a:outerShdw dist="35921" dir="2700000" algn="ctr" rotWithShape="0">
+                    <a:schemeClr val="bg2"/>
+                  </a:outerShdw>
+                </a:effectLst>
+              </a14:hiddenEffects>
+            </a:ext>
+          </a:extLst>
+        </p:spPr>
+        <p:txBody>
+          <a:bodyPr vert="horz" wrap="square" lIns="91440" tIns="45720" rIns="91440" bIns="45720" numCol="1" anchor="ctr" anchorCtr="0" compatLnSpc="1">
+            <a:prstTxWarp prst="textNoShape">
+              <a:avLst/>
+            </a:prstTxWarp>
+            <a:spAutoFit/>
+          </a:bodyPr>
+          <a:lstStyle/>
+          <a:p>
+            <a:pPr marL="0" marR="0" lvl="0" indent="0" algn="l" defTabSz="914400" rtl="0" eaLnBrk="0" fontAlgn="base" latinLnBrk="0" hangingPunct="0">
+              <a:lnSpc>
+                <a:spcPct val="100000"/>
+              </a:lnSpc>
+              <a:spcBef>
+                <a:spcPct val="0"/>
+              </a:spcBef>
+              <a:spcAft>
+                <a:spcPct val="0"/>
+              </a:spcAft>
+              <a:buClrTx/>
+              <a:buSzTx/>
+              <a:buFontTx/>
+              <a:buNone/>
+              <a:tabLst/>
+            </a:pPr>
+            <a:r>
+              <a:rPr kumimoji="0" lang="fr-FR" altLang="fr-FR" sz="800" b="0" i="0" u="none" strike="noStrike" cap="none" normalizeH="0" baseline="0">
+                <a:ln>
+                  <a:noFill/>
+                </a:ln>
+                <a:solidFill>
+                  <a:srgbClr val="CC7832"/>
+                </a:solidFill>
+                <a:effectLst/>
+                <a:latin typeface="Courier New" panose="02070309020205020404" pitchFamily="49" charset="0"/>
+                <a:cs typeface="Courier New" panose="02070309020205020404" pitchFamily="49" charset="0"/>
+              </a:rPr>
+              <a:t>public class </a:t>
+            </a:r>
+            <a:r>
+              <a:rPr kumimoji="0" lang="fr-FR" altLang="fr-FR" sz="800" b="0" i="0" u="none" strike="noStrike" cap="none" normalizeH="0" baseline="0">
+                <a:ln>
+                  <a:noFill/>
+                </a:ln>
+                <a:solidFill>
+                  <a:srgbClr val="A9B7C6"/>
+                </a:solidFill>
+                <a:effectLst/>
+                <a:latin typeface="Courier New" panose="02070309020205020404" pitchFamily="49" charset="0"/>
+                <a:cs typeface="Courier New" panose="02070309020205020404" pitchFamily="49" charset="0"/>
+              </a:rPr>
+              <a:t>MainPrinter2 {</a:t>
+            </a:r>
+            <a:br>
+              <a:rPr kumimoji="0" lang="fr-FR" altLang="fr-FR" sz="800" b="0" i="0" u="none" strike="noStrike" cap="none" normalizeH="0" baseline="0">
+                <a:ln>
+                  <a:noFill/>
+                </a:ln>
+                <a:solidFill>
+                  <a:srgbClr val="A9B7C6"/>
+                </a:solidFill>
+                <a:effectLst/>
+                <a:latin typeface="Courier New" panose="02070309020205020404" pitchFamily="49" charset="0"/>
+                <a:cs typeface="Courier New" panose="02070309020205020404" pitchFamily="49" charset="0"/>
+              </a:rPr>
+            </a:br>
+            <a:r>
+              <a:rPr kumimoji="0" lang="fr-FR" altLang="fr-FR" sz="800" b="0" i="0" u="none" strike="noStrike" cap="none" normalizeH="0" baseline="0">
+                <a:ln>
+                  <a:noFill/>
+                </a:ln>
+                <a:solidFill>
+                  <a:srgbClr val="A9B7C6"/>
+                </a:solidFill>
+                <a:effectLst/>
+                <a:latin typeface="Courier New" panose="02070309020205020404" pitchFamily="49" charset="0"/>
+                <a:cs typeface="Courier New" panose="02070309020205020404" pitchFamily="49" charset="0"/>
+              </a:rPr>
+              <a:t>    </a:t>
+            </a:r>
+            <a:r>
+              <a:rPr kumimoji="0" lang="fr-FR" altLang="fr-FR" sz="800" b="0" i="0" u="none" strike="noStrike" cap="none" normalizeH="0" baseline="0">
+                <a:ln>
+                  <a:noFill/>
+                </a:ln>
+                <a:solidFill>
+                  <a:srgbClr val="CC7832"/>
+                </a:solidFill>
+                <a:effectLst/>
+                <a:latin typeface="Courier New" panose="02070309020205020404" pitchFamily="49" charset="0"/>
+                <a:cs typeface="Courier New" panose="02070309020205020404" pitchFamily="49" charset="0"/>
+              </a:rPr>
+              <a:t>public static void </a:t>
+            </a:r>
+            <a:r>
+              <a:rPr kumimoji="0" lang="fr-FR" altLang="fr-FR" sz="800" b="0" i="0" u="none" strike="noStrike" cap="none" normalizeH="0" baseline="0">
+                <a:ln>
+                  <a:noFill/>
+                </a:ln>
+                <a:solidFill>
+                  <a:srgbClr val="FFC66D"/>
+                </a:solidFill>
+                <a:effectLst/>
+                <a:latin typeface="Courier New" panose="02070309020205020404" pitchFamily="49" charset="0"/>
+                <a:cs typeface="Courier New" panose="02070309020205020404" pitchFamily="49" charset="0"/>
+              </a:rPr>
+              <a:t>main</a:t>
+            </a:r>
+            <a:r>
+              <a:rPr kumimoji="0" lang="fr-FR" altLang="fr-FR" sz="800" b="0" i="0" u="none" strike="noStrike" cap="none" normalizeH="0" baseline="0">
+                <a:ln>
+                  <a:noFill/>
+                </a:ln>
+                <a:solidFill>
+                  <a:srgbClr val="A9B7C6"/>
+                </a:solidFill>
+                <a:effectLst/>
+                <a:latin typeface="Courier New" panose="02070309020205020404" pitchFamily="49" charset="0"/>
+                <a:cs typeface="Courier New" panose="02070309020205020404" pitchFamily="49" charset="0"/>
+              </a:rPr>
+              <a:t>(String[] args) {</a:t>
+            </a:r>
+            <a:br>
+              <a:rPr kumimoji="0" lang="fr-FR" altLang="fr-FR" sz="800" b="0" i="0" u="none" strike="noStrike" cap="none" normalizeH="0" baseline="0">
+                <a:ln>
+                  <a:noFill/>
+                </a:ln>
+                <a:solidFill>
+                  <a:srgbClr val="A9B7C6"/>
+                </a:solidFill>
+                <a:effectLst/>
+                <a:latin typeface="Courier New" panose="02070309020205020404" pitchFamily="49" charset="0"/>
+                <a:cs typeface="Courier New" panose="02070309020205020404" pitchFamily="49" charset="0"/>
+              </a:rPr>
+            </a:br>
+            <a:r>
+              <a:rPr kumimoji="0" lang="fr-FR" altLang="fr-FR" sz="800" b="0" i="0" u="none" strike="noStrike" cap="none" normalizeH="0" baseline="0">
+                <a:ln>
+                  <a:noFill/>
+                </a:ln>
+                <a:solidFill>
+                  <a:srgbClr val="A9B7C6"/>
+                </a:solidFill>
+                <a:effectLst/>
+                <a:latin typeface="Courier New" panose="02070309020205020404" pitchFamily="49" charset="0"/>
+                <a:cs typeface="Courier New" panose="02070309020205020404" pitchFamily="49" charset="0"/>
+              </a:rPr>
+              <a:t>        Printer printer = </a:t>
+            </a:r>
+            <a:r>
+              <a:rPr kumimoji="0" lang="fr-FR" altLang="fr-FR" sz="800" b="0" i="0" u="none" strike="noStrike" cap="none" normalizeH="0" baseline="0">
+                <a:ln>
+                  <a:noFill/>
+                </a:ln>
+                <a:solidFill>
+                  <a:srgbClr val="CC7832"/>
+                </a:solidFill>
+                <a:effectLst/>
+                <a:latin typeface="Courier New" panose="02070309020205020404" pitchFamily="49" charset="0"/>
+                <a:cs typeface="Courier New" panose="02070309020205020404" pitchFamily="49" charset="0"/>
+              </a:rPr>
+              <a:t>new </a:t>
+            </a:r>
+            <a:r>
+              <a:rPr kumimoji="0" lang="fr-FR" altLang="fr-FR" sz="800" b="0" i="0" u="none" strike="noStrike" cap="none" normalizeH="0" baseline="0">
+                <a:ln>
+                  <a:noFill/>
+                </a:ln>
+                <a:solidFill>
+                  <a:srgbClr val="A9B7C6"/>
+                </a:solidFill>
+                <a:effectLst/>
+                <a:latin typeface="Courier New" panose="02070309020205020404" pitchFamily="49" charset="0"/>
+                <a:cs typeface="Courier New" panose="02070309020205020404" pitchFamily="49" charset="0"/>
+              </a:rPr>
+              <a:t>Printer()</a:t>
+            </a:r>
+            <a:r>
+              <a:rPr kumimoji="0" lang="fr-FR" altLang="fr-FR" sz="800" b="0" i="0" u="none" strike="noStrike" cap="none" normalizeH="0" baseline="0">
+                <a:ln>
+                  <a:noFill/>
+                </a:ln>
+                <a:solidFill>
+                  <a:srgbClr val="CC7832"/>
+                </a:solidFill>
+                <a:effectLst/>
+                <a:latin typeface="Courier New" panose="02070309020205020404" pitchFamily="49" charset="0"/>
+                <a:cs typeface="Courier New" panose="02070309020205020404" pitchFamily="49" charset="0"/>
+              </a:rPr>
+              <a:t>;</a:t>
+            </a:r>
+            <a:br>
+              <a:rPr kumimoji="0" lang="fr-FR" altLang="fr-FR" sz="800" b="0" i="0" u="none" strike="noStrike" cap="none" normalizeH="0" baseline="0">
+                <a:ln>
+                  <a:noFill/>
+                </a:ln>
+                <a:solidFill>
+                  <a:srgbClr val="CC7832"/>
+                </a:solidFill>
+                <a:effectLst/>
+                <a:latin typeface="Courier New" panose="02070309020205020404" pitchFamily="49" charset="0"/>
+                <a:cs typeface="Courier New" panose="02070309020205020404" pitchFamily="49" charset="0"/>
+              </a:rPr>
+            </a:br>
+            <a:r>
+              <a:rPr kumimoji="0" lang="fr-FR" altLang="fr-FR" sz="800" b="0" i="0" u="none" strike="noStrike" cap="none" normalizeH="0" baseline="0">
+                <a:ln>
+                  <a:noFill/>
+                </a:ln>
+                <a:solidFill>
+                  <a:srgbClr val="CC7832"/>
+                </a:solidFill>
+                <a:effectLst/>
+                <a:latin typeface="Courier New" panose="02070309020205020404" pitchFamily="49" charset="0"/>
+                <a:cs typeface="Courier New" panose="02070309020205020404" pitchFamily="49" charset="0"/>
+              </a:rPr>
+              <a:t/>
+            </a:r>
+            <a:br>
+              <a:rPr kumimoji="0" lang="fr-FR" altLang="fr-FR" sz="800" b="0" i="0" u="none" strike="noStrike" cap="none" normalizeH="0" baseline="0">
+                <a:ln>
+                  <a:noFill/>
+                </a:ln>
+                <a:solidFill>
+                  <a:srgbClr val="CC7832"/>
+                </a:solidFill>
+                <a:effectLst/>
+                <a:latin typeface="Courier New" panose="02070309020205020404" pitchFamily="49" charset="0"/>
+                <a:cs typeface="Courier New" panose="02070309020205020404" pitchFamily="49" charset="0"/>
+              </a:rPr>
+            </a:br>
+            <a:r>
+              <a:rPr kumimoji="0" lang="fr-FR" altLang="fr-FR" sz="800" b="0" i="0" u="none" strike="noStrike" cap="none" normalizeH="0" baseline="0">
+                <a:ln>
+                  <a:noFill/>
+                </a:ln>
+                <a:solidFill>
+                  <a:srgbClr val="CC7832"/>
+                </a:solidFill>
+                <a:effectLst/>
+                <a:latin typeface="Courier New" panose="02070309020205020404" pitchFamily="49" charset="0"/>
+                <a:cs typeface="Courier New" panose="02070309020205020404" pitchFamily="49" charset="0"/>
+              </a:rPr>
+              <a:t>        </a:t>
+            </a:r>
+            <a:r>
+              <a:rPr kumimoji="0" lang="fr-FR" altLang="fr-FR" sz="800" b="0" i="0" u="none" strike="noStrike" cap="none" normalizeH="0" baseline="0">
+                <a:ln>
+                  <a:noFill/>
+                </a:ln>
+                <a:solidFill>
+                  <a:srgbClr val="A9B7C6"/>
+                </a:solidFill>
+                <a:effectLst/>
+                <a:latin typeface="Courier New" panose="02070309020205020404" pitchFamily="49" charset="0"/>
+                <a:cs typeface="Courier New" panose="02070309020205020404" pitchFamily="49" charset="0"/>
+              </a:rPr>
+              <a:t>File file = </a:t>
+            </a:r>
+            <a:r>
+              <a:rPr kumimoji="0" lang="fr-FR" altLang="fr-FR" sz="800" b="0" i="0" u="none" strike="noStrike" cap="none" normalizeH="0" baseline="0">
+                <a:ln>
+                  <a:noFill/>
+                </a:ln>
+                <a:solidFill>
+                  <a:srgbClr val="CC7832"/>
+                </a:solidFill>
+                <a:effectLst/>
+                <a:latin typeface="Courier New" panose="02070309020205020404" pitchFamily="49" charset="0"/>
+                <a:cs typeface="Courier New" panose="02070309020205020404" pitchFamily="49" charset="0"/>
+              </a:rPr>
+              <a:t>new </a:t>
+            </a:r>
+            <a:r>
+              <a:rPr kumimoji="0" lang="fr-FR" altLang="fr-FR" sz="800" b="0" i="0" u="none" strike="noStrike" cap="none" normalizeH="0" baseline="0">
+                <a:ln>
+                  <a:noFill/>
+                </a:ln>
+                <a:solidFill>
+                  <a:srgbClr val="A9B7C6"/>
+                </a:solidFill>
+                <a:effectLst/>
+                <a:latin typeface="Courier New" panose="02070309020205020404" pitchFamily="49" charset="0"/>
+                <a:cs typeface="Courier New" panose="02070309020205020404" pitchFamily="49" charset="0"/>
+              </a:rPr>
+              <a:t>File(</a:t>
+            </a:r>
+            <a:r>
+              <a:rPr kumimoji="0" lang="fr-FR" altLang="fr-FR" sz="800" b="0" i="0" u="none" strike="noStrike" cap="none" normalizeH="0" baseline="0">
+                <a:ln>
+                  <a:noFill/>
+                </a:ln>
+                <a:solidFill>
+                  <a:srgbClr val="6A8759"/>
+                </a:solidFill>
+                <a:effectLst/>
+                <a:latin typeface="Courier New" panose="02070309020205020404" pitchFamily="49" charset="0"/>
+                <a:cs typeface="Courier New" panose="02070309020205020404" pitchFamily="49" charset="0"/>
+              </a:rPr>
+              <a:t>"F1"</a:t>
+            </a:r>
+            <a:r>
+              <a:rPr kumimoji="0" lang="fr-FR" altLang="fr-FR" sz="800" b="0" i="0" u="none" strike="noStrike" cap="none" normalizeH="0" baseline="0">
+                <a:ln>
+                  <a:noFill/>
+                </a:ln>
+                <a:solidFill>
+                  <a:srgbClr val="CC7832"/>
+                </a:solidFill>
+                <a:effectLst/>
+                <a:latin typeface="Courier New" panose="02070309020205020404" pitchFamily="49" charset="0"/>
+                <a:cs typeface="Courier New" panose="02070309020205020404" pitchFamily="49" charset="0"/>
+              </a:rPr>
+              <a:t>, </a:t>
+            </a:r>
+            <a:r>
+              <a:rPr kumimoji="0" lang="fr-FR" altLang="fr-FR" sz="800" b="0" i="0" u="none" strike="noStrike" cap="none" normalizeH="0" baseline="0">
+                <a:ln>
+                  <a:noFill/>
+                </a:ln>
+                <a:solidFill>
+                  <a:srgbClr val="A9B7C6"/>
+                </a:solidFill>
+                <a:effectLst/>
+                <a:latin typeface="Courier New" panose="02070309020205020404" pitchFamily="49" charset="0"/>
+                <a:cs typeface="Courier New" panose="02070309020205020404" pitchFamily="49" charset="0"/>
+              </a:rPr>
+              <a:t>printer)</a:t>
+            </a:r>
+            <a:r>
+              <a:rPr kumimoji="0" lang="fr-FR" altLang="fr-FR" sz="800" b="0" i="0" u="none" strike="noStrike" cap="none" normalizeH="0" baseline="0">
+                <a:ln>
+                  <a:noFill/>
+                </a:ln>
+                <a:solidFill>
+                  <a:srgbClr val="CC7832"/>
+                </a:solidFill>
+                <a:effectLst/>
+                <a:latin typeface="Courier New" panose="02070309020205020404" pitchFamily="49" charset="0"/>
+                <a:cs typeface="Courier New" panose="02070309020205020404" pitchFamily="49" charset="0"/>
+              </a:rPr>
+              <a:t>;</a:t>
+            </a:r>
+            <a:br>
+              <a:rPr kumimoji="0" lang="fr-FR" altLang="fr-FR" sz="800" b="0" i="0" u="none" strike="noStrike" cap="none" normalizeH="0" baseline="0">
+                <a:ln>
+                  <a:noFill/>
+                </a:ln>
+                <a:solidFill>
+                  <a:srgbClr val="CC7832"/>
+                </a:solidFill>
+                <a:effectLst/>
+                <a:latin typeface="Courier New" panose="02070309020205020404" pitchFamily="49" charset="0"/>
+                <a:cs typeface="Courier New" panose="02070309020205020404" pitchFamily="49" charset="0"/>
+              </a:rPr>
+            </a:br>
+            <a:r>
+              <a:rPr kumimoji="0" lang="fr-FR" altLang="fr-FR" sz="800" b="0" i="0" u="none" strike="noStrike" cap="none" normalizeH="0" baseline="0">
+                <a:ln>
+                  <a:noFill/>
+                </a:ln>
+                <a:solidFill>
+                  <a:srgbClr val="CC7832"/>
+                </a:solidFill>
+                <a:effectLst/>
+                <a:latin typeface="Courier New" panose="02070309020205020404" pitchFamily="49" charset="0"/>
+                <a:cs typeface="Courier New" panose="02070309020205020404" pitchFamily="49" charset="0"/>
+              </a:rPr>
+              <a:t>        </a:t>
+            </a:r>
+            <a:r>
+              <a:rPr kumimoji="0" lang="fr-FR" altLang="fr-FR" sz="800" b="0" i="0" u="none" strike="noStrike" cap="none" normalizeH="0" baseline="0">
+                <a:ln>
+                  <a:noFill/>
+                </a:ln>
+                <a:solidFill>
+                  <a:srgbClr val="A9B7C6"/>
+                </a:solidFill>
+                <a:effectLst/>
+                <a:latin typeface="Courier New" panose="02070309020205020404" pitchFamily="49" charset="0"/>
+                <a:cs typeface="Courier New" panose="02070309020205020404" pitchFamily="49" charset="0"/>
+              </a:rPr>
+              <a:t>File symLink = </a:t>
+            </a:r>
+            <a:r>
+              <a:rPr kumimoji="0" lang="fr-FR" altLang="fr-FR" sz="800" b="0" i="0" u="none" strike="noStrike" cap="none" normalizeH="0" baseline="0">
+                <a:ln>
+                  <a:noFill/>
+                </a:ln>
+                <a:solidFill>
+                  <a:srgbClr val="CC7832"/>
+                </a:solidFill>
+                <a:effectLst/>
+                <a:latin typeface="Courier New" panose="02070309020205020404" pitchFamily="49" charset="0"/>
+                <a:cs typeface="Courier New" panose="02070309020205020404" pitchFamily="49" charset="0"/>
+              </a:rPr>
+              <a:t>new </a:t>
+            </a:r>
+            <a:r>
+              <a:rPr kumimoji="0" lang="fr-FR" altLang="fr-FR" sz="800" b="0" i="0" u="none" strike="noStrike" cap="none" normalizeH="0" baseline="0">
+                <a:ln>
+                  <a:noFill/>
+                </a:ln>
+                <a:solidFill>
+                  <a:srgbClr val="A9B7C6"/>
+                </a:solidFill>
+                <a:effectLst/>
+                <a:latin typeface="Courier New" panose="02070309020205020404" pitchFamily="49" charset="0"/>
+                <a:cs typeface="Courier New" panose="02070309020205020404" pitchFamily="49" charset="0"/>
+              </a:rPr>
+              <a:t>SymLink(</a:t>
+            </a:r>
+            <a:r>
+              <a:rPr kumimoji="0" lang="fr-FR" altLang="fr-FR" sz="800" b="0" i="0" u="none" strike="noStrike" cap="none" normalizeH="0" baseline="0">
+                <a:ln>
+                  <a:noFill/>
+                </a:ln>
+                <a:solidFill>
+                  <a:srgbClr val="6A8759"/>
+                </a:solidFill>
+                <a:effectLst/>
+                <a:latin typeface="Courier New" panose="02070309020205020404" pitchFamily="49" charset="0"/>
+                <a:cs typeface="Courier New" panose="02070309020205020404" pitchFamily="49" charset="0"/>
+              </a:rPr>
+              <a:t>"S1"</a:t>
+            </a:r>
+            <a:r>
+              <a:rPr kumimoji="0" lang="fr-FR" altLang="fr-FR" sz="800" b="0" i="0" u="none" strike="noStrike" cap="none" normalizeH="0" baseline="0">
+                <a:ln>
+                  <a:noFill/>
+                </a:ln>
+                <a:solidFill>
+                  <a:srgbClr val="CC7832"/>
+                </a:solidFill>
+                <a:effectLst/>
+                <a:latin typeface="Courier New" panose="02070309020205020404" pitchFamily="49" charset="0"/>
+                <a:cs typeface="Courier New" panose="02070309020205020404" pitchFamily="49" charset="0"/>
+              </a:rPr>
+              <a:t>, </a:t>
+            </a:r>
+            <a:r>
+              <a:rPr kumimoji="0" lang="fr-FR" altLang="fr-FR" sz="800" b="0" i="0" u="none" strike="noStrike" cap="none" normalizeH="0" baseline="0">
+                <a:ln>
+                  <a:noFill/>
+                </a:ln>
+                <a:solidFill>
+                  <a:srgbClr val="6A8759"/>
+                </a:solidFill>
+                <a:effectLst/>
+                <a:latin typeface="Courier New" panose="02070309020205020404" pitchFamily="49" charset="0"/>
+                <a:cs typeface="Courier New" panose="02070309020205020404" pitchFamily="49" charset="0"/>
+              </a:rPr>
+              <a:t>"/home/F1"</a:t>
+            </a:r>
+            <a:r>
+              <a:rPr kumimoji="0" lang="fr-FR" altLang="fr-FR" sz="800" b="0" i="0" u="none" strike="noStrike" cap="none" normalizeH="0" baseline="0">
+                <a:ln>
+                  <a:noFill/>
+                </a:ln>
+                <a:solidFill>
+                  <a:srgbClr val="CC7832"/>
+                </a:solidFill>
+                <a:effectLst/>
+                <a:latin typeface="Courier New" panose="02070309020205020404" pitchFamily="49" charset="0"/>
+                <a:cs typeface="Courier New" panose="02070309020205020404" pitchFamily="49" charset="0"/>
+              </a:rPr>
+              <a:t>, </a:t>
+            </a:r>
+            <a:r>
+              <a:rPr kumimoji="0" lang="fr-FR" altLang="fr-FR" sz="800" b="0" i="0" u="none" strike="noStrike" cap="none" normalizeH="0" baseline="0">
+                <a:ln>
+                  <a:noFill/>
+                </a:ln>
+                <a:solidFill>
+                  <a:srgbClr val="A9B7C6"/>
+                </a:solidFill>
+                <a:effectLst/>
+                <a:latin typeface="Courier New" panose="02070309020205020404" pitchFamily="49" charset="0"/>
+                <a:cs typeface="Courier New" panose="02070309020205020404" pitchFamily="49" charset="0"/>
+              </a:rPr>
+              <a:t>printer)</a:t>
+            </a:r>
+            <a:r>
+              <a:rPr kumimoji="0" lang="fr-FR" altLang="fr-FR" sz="800" b="0" i="0" u="none" strike="noStrike" cap="none" normalizeH="0" baseline="0">
+                <a:ln>
+                  <a:noFill/>
+                </a:ln>
+                <a:solidFill>
+                  <a:srgbClr val="CC7832"/>
+                </a:solidFill>
+                <a:effectLst/>
+                <a:latin typeface="Courier New" panose="02070309020205020404" pitchFamily="49" charset="0"/>
+                <a:cs typeface="Courier New" panose="02070309020205020404" pitchFamily="49" charset="0"/>
+              </a:rPr>
+              <a:t>;</a:t>
+            </a:r>
+            <a:br>
+              <a:rPr kumimoji="0" lang="fr-FR" altLang="fr-FR" sz="800" b="0" i="0" u="none" strike="noStrike" cap="none" normalizeH="0" baseline="0">
+                <a:ln>
+                  <a:noFill/>
+                </a:ln>
+                <a:solidFill>
+                  <a:srgbClr val="CC7832"/>
+                </a:solidFill>
+                <a:effectLst/>
+                <a:latin typeface="Courier New" panose="02070309020205020404" pitchFamily="49" charset="0"/>
+                <a:cs typeface="Courier New" panose="02070309020205020404" pitchFamily="49" charset="0"/>
+              </a:rPr>
+            </a:br>
+            <a:r>
+              <a:rPr kumimoji="0" lang="fr-FR" altLang="fr-FR" sz="800" b="0" i="0" u="none" strike="noStrike" cap="none" normalizeH="0" baseline="0">
+                <a:ln>
+                  <a:noFill/>
+                </a:ln>
+                <a:solidFill>
+                  <a:srgbClr val="CC7832"/>
+                </a:solidFill>
+                <a:effectLst/>
+                <a:latin typeface="Courier New" panose="02070309020205020404" pitchFamily="49" charset="0"/>
+                <a:cs typeface="Courier New" panose="02070309020205020404" pitchFamily="49" charset="0"/>
+              </a:rPr>
+              <a:t>        </a:t>
+            </a:r>
+            <a:r>
+              <a:rPr kumimoji="0" lang="fr-FR" altLang="fr-FR" sz="800" b="0" i="0" u="none" strike="noStrike" cap="none" normalizeH="0" baseline="0">
+                <a:ln>
+                  <a:noFill/>
+                </a:ln>
+                <a:solidFill>
+                  <a:srgbClr val="A9B7C6"/>
+                </a:solidFill>
+                <a:effectLst/>
+                <a:latin typeface="Courier New" panose="02070309020205020404" pitchFamily="49" charset="0"/>
+                <a:cs typeface="Courier New" panose="02070309020205020404" pitchFamily="49" charset="0"/>
+              </a:rPr>
+              <a:t>File hardLink = </a:t>
+            </a:r>
+            <a:r>
+              <a:rPr kumimoji="0" lang="fr-FR" altLang="fr-FR" sz="800" b="0" i="0" u="none" strike="noStrike" cap="none" normalizeH="0" baseline="0">
+                <a:ln>
+                  <a:noFill/>
+                </a:ln>
+                <a:solidFill>
+                  <a:srgbClr val="CC7832"/>
+                </a:solidFill>
+                <a:effectLst/>
+                <a:latin typeface="Courier New" panose="02070309020205020404" pitchFamily="49" charset="0"/>
+                <a:cs typeface="Courier New" panose="02070309020205020404" pitchFamily="49" charset="0"/>
+              </a:rPr>
+              <a:t>new </a:t>
+            </a:r>
+            <a:r>
+              <a:rPr kumimoji="0" lang="fr-FR" altLang="fr-FR" sz="800" b="0" i="0" u="none" strike="noStrike" cap="none" normalizeH="0" baseline="0">
+                <a:ln>
+                  <a:noFill/>
+                </a:ln>
+                <a:solidFill>
+                  <a:srgbClr val="A9B7C6"/>
+                </a:solidFill>
+                <a:effectLst/>
+                <a:latin typeface="Courier New" panose="02070309020205020404" pitchFamily="49" charset="0"/>
+                <a:cs typeface="Courier New" panose="02070309020205020404" pitchFamily="49" charset="0"/>
+              </a:rPr>
+              <a:t>HardLink(</a:t>
+            </a:r>
+            <a:r>
+              <a:rPr kumimoji="0" lang="fr-FR" altLang="fr-FR" sz="800" b="0" i="0" u="none" strike="noStrike" cap="none" normalizeH="0" baseline="0">
+                <a:ln>
+                  <a:noFill/>
+                </a:ln>
+                <a:solidFill>
+                  <a:srgbClr val="6A8759"/>
+                </a:solidFill>
+                <a:effectLst/>
+                <a:latin typeface="Courier New" panose="02070309020205020404" pitchFamily="49" charset="0"/>
+                <a:cs typeface="Courier New" panose="02070309020205020404" pitchFamily="49" charset="0"/>
+              </a:rPr>
+              <a:t>"H1"</a:t>
+            </a:r>
+            <a:r>
+              <a:rPr kumimoji="0" lang="fr-FR" altLang="fr-FR" sz="800" b="0" i="0" u="none" strike="noStrike" cap="none" normalizeH="0" baseline="0">
+                <a:ln>
+                  <a:noFill/>
+                </a:ln>
+                <a:solidFill>
+                  <a:srgbClr val="CC7832"/>
+                </a:solidFill>
+                <a:effectLst/>
+                <a:latin typeface="Courier New" panose="02070309020205020404" pitchFamily="49" charset="0"/>
+                <a:cs typeface="Courier New" panose="02070309020205020404" pitchFamily="49" charset="0"/>
+              </a:rPr>
+              <a:t>, </a:t>
+            </a:r>
+            <a:r>
+              <a:rPr kumimoji="0" lang="fr-FR" altLang="fr-FR" sz="800" b="0" i="0" u="none" strike="noStrike" cap="none" normalizeH="0" baseline="0">
+                <a:ln>
+                  <a:noFill/>
+                </a:ln>
+                <a:solidFill>
+                  <a:srgbClr val="6A8759"/>
+                </a:solidFill>
+                <a:effectLst/>
+                <a:latin typeface="Courier New" panose="02070309020205020404" pitchFamily="49" charset="0"/>
+                <a:cs typeface="Courier New" panose="02070309020205020404" pitchFamily="49" charset="0"/>
+              </a:rPr>
+              <a:t>"/home/S1"</a:t>
+            </a:r>
+            <a:r>
+              <a:rPr kumimoji="0" lang="fr-FR" altLang="fr-FR" sz="800" b="0" i="0" u="none" strike="noStrike" cap="none" normalizeH="0" baseline="0">
+                <a:ln>
+                  <a:noFill/>
+                </a:ln>
+                <a:solidFill>
+                  <a:srgbClr val="CC7832"/>
+                </a:solidFill>
+                <a:effectLst/>
+                <a:latin typeface="Courier New" panose="02070309020205020404" pitchFamily="49" charset="0"/>
+                <a:cs typeface="Courier New" panose="02070309020205020404" pitchFamily="49" charset="0"/>
+              </a:rPr>
+              <a:t>, </a:t>
+            </a:r>
+            <a:r>
+              <a:rPr kumimoji="0" lang="fr-FR" altLang="fr-FR" sz="800" b="0" i="0" u="none" strike="noStrike" cap="none" normalizeH="0" baseline="0">
+                <a:ln>
+                  <a:noFill/>
+                </a:ln>
+                <a:solidFill>
+                  <a:srgbClr val="6897BB"/>
+                </a:solidFill>
+                <a:effectLst/>
+                <a:latin typeface="Courier New" panose="02070309020205020404" pitchFamily="49" charset="0"/>
+                <a:cs typeface="Courier New" panose="02070309020205020404" pitchFamily="49" charset="0"/>
+              </a:rPr>
+              <a:t>1</a:t>
+            </a:r>
+            <a:r>
+              <a:rPr kumimoji="0" lang="fr-FR" altLang="fr-FR" sz="800" b="0" i="0" u="none" strike="noStrike" cap="none" normalizeH="0" baseline="0">
+                <a:ln>
+                  <a:noFill/>
+                </a:ln>
+                <a:solidFill>
+                  <a:srgbClr val="CC7832"/>
+                </a:solidFill>
+                <a:effectLst/>
+                <a:latin typeface="Courier New" panose="02070309020205020404" pitchFamily="49" charset="0"/>
+                <a:cs typeface="Courier New" panose="02070309020205020404" pitchFamily="49" charset="0"/>
+              </a:rPr>
+              <a:t>, </a:t>
+            </a:r>
+            <a:r>
+              <a:rPr kumimoji="0" lang="fr-FR" altLang="fr-FR" sz="800" b="0" i="0" u="none" strike="noStrike" cap="none" normalizeH="0" baseline="0">
+                <a:ln>
+                  <a:noFill/>
+                </a:ln>
+                <a:solidFill>
+                  <a:srgbClr val="A9B7C6"/>
+                </a:solidFill>
+                <a:effectLst/>
+                <a:latin typeface="Courier New" panose="02070309020205020404" pitchFamily="49" charset="0"/>
+                <a:cs typeface="Courier New" panose="02070309020205020404" pitchFamily="49" charset="0"/>
+              </a:rPr>
+              <a:t>printer)</a:t>
+            </a:r>
+            <a:r>
+              <a:rPr kumimoji="0" lang="fr-FR" altLang="fr-FR" sz="800" b="0" i="0" u="none" strike="noStrike" cap="none" normalizeH="0" baseline="0">
+                <a:ln>
+                  <a:noFill/>
+                </a:ln>
+                <a:solidFill>
+                  <a:srgbClr val="CC7832"/>
+                </a:solidFill>
+                <a:effectLst/>
+                <a:latin typeface="Courier New" panose="02070309020205020404" pitchFamily="49" charset="0"/>
+                <a:cs typeface="Courier New" panose="02070309020205020404" pitchFamily="49" charset="0"/>
+              </a:rPr>
+              <a:t>;</a:t>
+            </a:r>
+            <a:br>
+              <a:rPr kumimoji="0" lang="fr-FR" altLang="fr-FR" sz="800" b="0" i="0" u="none" strike="noStrike" cap="none" normalizeH="0" baseline="0">
+                <a:ln>
+                  <a:noFill/>
+                </a:ln>
+                <a:solidFill>
+                  <a:srgbClr val="CC7832"/>
+                </a:solidFill>
+                <a:effectLst/>
+                <a:latin typeface="Courier New" panose="02070309020205020404" pitchFamily="49" charset="0"/>
+                <a:cs typeface="Courier New" panose="02070309020205020404" pitchFamily="49" charset="0"/>
+              </a:rPr>
+            </a:br>
+            <a:r>
+              <a:rPr kumimoji="0" lang="fr-FR" altLang="fr-FR" sz="800" b="0" i="0" u="none" strike="noStrike" cap="none" normalizeH="0" baseline="0">
+                <a:ln>
+                  <a:noFill/>
+                </a:ln>
+                <a:solidFill>
+                  <a:srgbClr val="CC7832"/>
+                </a:solidFill>
+                <a:effectLst/>
+                <a:latin typeface="Courier New" panose="02070309020205020404" pitchFamily="49" charset="0"/>
+                <a:cs typeface="Courier New" panose="02070309020205020404" pitchFamily="49" charset="0"/>
+              </a:rPr>
+              <a:t/>
+            </a:r>
+            <a:br>
+              <a:rPr kumimoji="0" lang="fr-FR" altLang="fr-FR" sz="800" b="0" i="0" u="none" strike="noStrike" cap="none" normalizeH="0" baseline="0">
+                <a:ln>
+                  <a:noFill/>
+                </a:ln>
+                <a:solidFill>
+                  <a:srgbClr val="CC7832"/>
+                </a:solidFill>
+                <a:effectLst/>
+                <a:latin typeface="Courier New" panose="02070309020205020404" pitchFamily="49" charset="0"/>
+                <a:cs typeface="Courier New" panose="02070309020205020404" pitchFamily="49" charset="0"/>
+              </a:rPr>
+            </a:br>
+            <a:r>
+              <a:rPr kumimoji="0" lang="fr-FR" altLang="fr-FR" sz="800" b="0" i="0" u="none" strike="noStrike" cap="none" normalizeH="0" baseline="0">
+                <a:ln>
+                  <a:noFill/>
+                </a:ln>
+                <a:solidFill>
+                  <a:srgbClr val="CC7832"/>
+                </a:solidFill>
+                <a:effectLst/>
+                <a:latin typeface="Courier New" panose="02070309020205020404" pitchFamily="49" charset="0"/>
+                <a:cs typeface="Courier New" panose="02070309020205020404" pitchFamily="49" charset="0"/>
+              </a:rPr>
+              <a:t/>
+            </a:r>
+            <a:br>
+              <a:rPr kumimoji="0" lang="fr-FR" altLang="fr-FR" sz="800" b="0" i="0" u="none" strike="noStrike" cap="none" normalizeH="0" baseline="0">
+                <a:ln>
+                  <a:noFill/>
+                </a:ln>
+                <a:solidFill>
+                  <a:srgbClr val="CC7832"/>
+                </a:solidFill>
+                <a:effectLst/>
+                <a:latin typeface="Courier New" panose="02070309020205020404" pitchFamily="49" charset="0"/>
+                <a:cs typeface="Courier New" panose="02070309020205020404" pitchFamily="49" charset="0"/>
+              </a:rPr>
+            </a:br>
+            <a:r>
+              <a:rPr kumimoji="0" lang="fr-FR" altLang="fr-FR" sz="800" b="0" i="0" u="none" strike="noStrike" cap="none" normalizeH="0" baseline="0">
+                <a:ln>
+                  <a:noFill/>
+                </a:ln>
+                <a:solidFill>
+                  <a:srgbClr val="CC7832"/>
+                </a:solidFill>
+                <a:effectLst/>
+                <a:latin typeface="Courier New" panose="02070309020205020404" pitchFamily="49" charset="0"/>
+                <a:cs typeface="Courier New" panose="02070309020205020404" pitchFamily="49" charset="0"/>
+              </a:rPr>
+              <a:t>       </a:t>
+            </a:r>
+            <a:r>
+              <a:rPr kumimoji="0" lang="fr-FR" altLang="fr-FR" sz="800" b="0" i="0" u="none" strike="noStrike" cap="none" normalizeH="0" baseline="0">
+                <a:ln>
+                  <a:noFill/>
+                </a:ln>
+                <a:solidFill>
+                  <a:srgbClr val="A9B7C6"/>
+                </a:solidFill>
+                <a:effectLst/>
+                <a:latin typeface="Courier New" panose="02070309020205020404" pitchFamily="49" charset="0"/>
+                <a:cs typeface="Courier New" panose="02070309020205020404" pitchFamily="49" charset="0"/>
+              </a:rPr>
+              <a:t>file.print()</a:t>
+            </a:r>
+            <a:r>
+              <a:rPr kumimoji="0" lang="fr-FR" altLang="fr-FR" sz="800" b="0" i="0" u="none" strike="noStrike" cap="none" normalizeH="0" baseline="0">
+                <a:ln>
+                  <a:noFill/>
+                </a:ln>
+                <a:solidFill>
+                  <a:srgbClr val="CC7832"/>
+                </a:solidFill>
+                <a:effectLst/>
+                <a:latin typeface="Courier New" panose="02070309020205020404" pitchFamily="49" charset="0"/>
+                <a:cs typeface="Courier New" panose="02070309020205020404" pitchFamily="49" charset="0"/>
+              </a:rPr>
+              <a:t>;</a:t>
+            </a:r>
+            <a:br>
+              <a:rPr kumimoji="0" lang="fr-FR" altLang="fr-FR" sz="800" b="0" i="0" u="none" strike="noStrike" cap="none" normalizeH="0" baseline="0">
+                <a:ln>
+                  <a:noFill/>
+                </a:ln>
+                <a:solidFill>
+                  <a:srgbClr val="CC7832"/>
+                </a:solidFill>
+                <a:effectLst/>
+                <a:latin typeface="Courier New" panose="02070309020205020404" pitchFamily="49" charset="0"/>
+                <a:cs typeface="Courier New" panose="02070309020205020404" pitchFamily="49" charset="0"/>
+              </a:rPr>
+            </a:br>
+            <a:r>
+              <a:rPr kumimoji="0" lang="fr-FR" altLang="fr-FR" sz="800" b="0" i="0" u="none" strike="noStrike" cap="none" normalizeH="0" baseline="0">
+                <a:ln>
+                  <a:noFill/>
+                </a:ln>
+                <a:solidFill>
+                  <a:srgbClr val="CC7832"/>
+                </a:solidFill>
+                <a:effectLst/>
+                <a:latin typeface="Courier New" panose="02070309020205020404" pitchFamily="49" charset="0"/>
+                <a:cs typeface="Courier New" panose="02070309020205020404" pitchFamily="49" charset="0"/>
+              </a:rPr>
+              <a:t>       </a:t>
+            </a:r>
+            <a:r>
+              <a:rPr kumimoji="0" lang="fr-FR" altLang="fr-FR" sz="800" b="0" i="0" u="none" strike="noStrike" cap="none" normalizeH="0" baseline="0">
+                <a:ln>
+                  <a:noFill/>
+                </a:ln>
+                <a:solidFill>
+                  <a:srgbClr val="A9B7C6"/>
+                </a:solidFill>
+                <a:effectLst/>
+                <a:latin typeface="Courier New" panose="02070309020205020404" pitchFamily="49" charset="0"/>
+                <a:cs typeface="Courier New" panose="02070309020205020404" pitchFamily="49" charset="0"/>
+              </a:rPr>
+              <a:t>symLink.print()</a:t>
+            </a:r>
+            <a:r>
+              <a:rPr kumimoji="0" lang="fr-FR" altLang="fr-FR" sz="800" b="0" i="0" u="none" strike="noStrike" cap="none" normalizeH="0" baseline="0">
+                <a:ln>
+                  <a:noFill/>
+                </a:ln>
+                <a:solidFill>
+                  <a:srgbClr val="CC7832"/>
+                </a:solidFill>
+                <a:effectLst/>
+                <a:latin typeface="Courier New" panose="02070309020205020404" pitchFamily="49" charset="0"/>
+                <a:cs typeface="Courier New" panose="02070309020205020404" pitchFamily="49" charset="0"/>
+              </a:rPr>
+              <a:t>;</a:t>
+            </a:r>
+            <a:br>
+              <a:rPr kumimoji="0" lang="fr-FR" altLang="fr-FR" sz="800" b="0" i="0" u="none" strike="noStrike" cap="none" normalizeH="0" baseline="0">
+                <a:ln>
+                  <a:noFill/>
+                </a:ln>
+                <a:solidFill>
+                  <a:srgbClr val="CC7832"/>
+                </a:solidFill>
+                <a:effectLst/>
+                <a:latin typeface="Courier New" panose="02070309020205020404" pitchFamily="49" charset="0"/>
+                <a:cs typeface="Courier New" panose="02070309020205020404" pitchFamily="49" charset="0"/>
+              </a:rPr>
+            </a:br>
+            <a:r>
+              <a:rPr kumimoji="0" lang="fr-FR" altLang="fr-FR" sz="800" b="0" i="0" u="none" strike="noStrike" cap="none" normalizeH="0" baseline="0">
+                <a:ln>
+                  <a:noFill/>
+                </a:ln>
+                <a:solidFill>
+                  <a:srgbClr val="CC7832"/>
+                </a:solidFill>
+                <a:effectLst/>
+                <a:latin typeface="Courier New" panose="02070309020205020404" pitchFamily="49" charset="0"/>
+                <a:cs typeface="Courier New" panose="02070309020205020404" pitchFamily="49" charset="0"/>
+              </a:rPr>
+              <a:t>       </a:t>
+            </a:r>
+            <a:r>
+              <a:rPr kumimoji="0" lang="fr-FR" altLang="fr-FR" sz="800" b="0" i="0" u="none" strike="noStrike" cap="none" normalizeH="0" baseline="0">
+                <a:ln>
+                  <a:noFill/>
+                </a:ln>
+                <a:solidFill>
+                  <a:srgbClr val="A9B7C6"/>
+                </a:solidFill>
+                <a:effectLst/>
+                <a:latin typeface="Courier New" panose="02070309020205020404" pitchFamily="49" charset="0"/>
+                <a:cs typeface="Courier New" panose="02070309020205020404" pitchFamily="49" charset="0"/>
+              </a:rPr>
+              <a:t>hardLink.print()</a:t>
+            </a:r>
+            <a:r>
+              <a:rPr kumimoji="0" lang="fr-FR" altLang="fr-FR" sz="800" b="0" i="0" u="none" strike="noStrike" cap="none" normalizeH="0" baseline="0">
+                <a:ln>
+                  <a:noFill/>
+                </a:ln>
+                <a:solidFill>
+                  <a:srgbClr val="CC7832"/>
+                </a:solidFill>
+                <a:effectLst/>
+                <a:latin typeface="Courier New" panose="02070309020205020404" pitchFamily="49" charset="0"/>
+                <a:cs typeface="Courier New" panose="02070309020205020404" pitchFamily="49" charset="0"/>
+              </a:rPr>
+              <a:t>;</a:t>
+            </a:r>
+            <a:br>
+              <a:rPr kumimoji="0" lang="fr-FR" altLang="fr-FR" sz="800" b="0" i="0" u="none" strike="noStrike" cap="none" normalizeH="0" baseline="0">
+                <a:ln>
+                  <a:noFill/>
+                </a:ln>
+                <a:solidFill>
+                  <a:srgbClr val="CC7832"/>
+                </a:solidFill>
+                <a:effectLst/>
+                <a:latin typeface="Courier New" panose="02070309020205020404" pitchFamily="49" charset="0"/>
+                <a:cs typeface="Courier New" panose="02070309020205020404" pitchFamily="49" charset="0"/>
+              </a:rPr>
+            </a:br>
+            <a:r>
+              <a:rPr kumimoji="0" lang="fr-FR" altLang="fr-FR" sz="800" b="0" i="0" u="none" strike="noStrike" cap="none" normalizeH="0" baseline="0">
+                <a:ln>
+                  <a:noFill/>
+                </a:ln>
+                <a:solidFill>
+                  <a:srgbClr val="CC7832"/>
+                </a:solidFill>
+                <a:effectLst/>
+                <a:latin typeface="Courier New" panose="02070309020205020404" pitchFamily="49" charset="0"/>
+                <a:cs typeface="Courier New" panose="02070309020205020404" pitchFamily="49" charset="0"/>
+              </a:rPr>
+              <a:t>    </a:t>
+            </a:r>
+            <a:r>
+              <a:rPr kumimoji="0" lang="fr-FR" altLang="fr-FR" sz="800" b="0" i="0" u="none" strike="noStrike" cap="none" normalizeH="0" baseline="0">
+                <a:ln>
+                  <a:noFill/>
+                </a:ln>
+                <a:solidFill>
+                  <a:srgbClr val="A9B7C6"/>
+                </a:solidFill>
+                <a:effectLst/>
+                <a:latin typeface="Courier New" panose="02070309020205020404" pitchFamily="49" charset="0"/>
+                <a:cs typeface="Courier New" panose="02070309020205020404" pitchFamily="49" charset="0"/>
+              </a:rPr>
+              <a:t>}</a:t>
+            </a:r>
+            <a:br>
+              <a:rPr kumimoji="0" lang="fr-FR" altLang="fr-FR" sz="800" b="0" i="0" u="none" strike="noStrike" cap="none" normalizeH="0" baseline="0">
+                <a:ln>
+                  <a:noFill/>
+                </a:ln>
+                <a:solidFill>
+                  <a:srgbClr val="A9B7C6"/>
+                </a:solidFill>
+                <a:effectLst/>
+                <a:latin typeface="Courier New" panose="02070309020205020404" pitchFamily="49" charset="0"/>
+                <a:cs typeface="Courier New" panose="02070309020205020404" pitchFamily="49" charset="0"/>
+              </a:rPr>
+            </a:br>
+            <a:r>
+              <a:rPr kumimoji="0" lang="fr-FR" altLang="fr-FR" sz="800" b="0" i="0" u="none" strike="noStrike" cap="none" normalizeH="0" baseline="0">
+                <a:ln>
+                  <a:noFill/>
+                </a:ln>
+                <a:solidFill>
+                  <a:srgbClr val="A9B7C6"/>
+                </a:solidFill>
+                <a:effectLst/>
+                <a:latin typeface="Courier New" panose="02070309020205020404" pitchFamily="49" charset="0"/>
+                <a:cs typeface="Courier New" panose="02070309020205020404" pitchFamily="49" charset="0"/>
+              </a:rPr>
+              <a:t>}</a:t>
+            </a:r>
+            <a:endParaRPr kumimoji="0" lang="fr-FR" altLang="fr-FR" sz="800" b="0" i="0" u="none" strike="noStrike" cap="none" normalizeH="0" baseline="0">
+              <a:ln>
+                <a:noFill/>
+              </a:ln>
+              <a:solidFill>
+                <a:schemeClr val="tx1"/>
+              </a:solidFill>
+              <a:effectLst/>
+              <a:latin typeface="Arial" panose="020B0604020202020204" pitchFamily="34" charset="0"/>
+            </a:endParaRPr>
+          </a:p>
+        </p:txBody>
+      </p:sp>
+      <p:pic>
+        <p:nvPicPr>
+          <p:cNvPr id="9" name="Picture 2" descr="PlantUML Diagram">
+            <a:extLst>
+              <a:ext uri="{FF2B5EF4-FFF2-40B4-BE49-F238E27FC236}">
+                <a16:creationId xmlns:a16="http://schemas.microsoft.com/office/drawing/2014/main" xmlns="" id="{33990775-F671-43F0-8E32-9318C806DC2D}"/>
+              </a:ext>
+            </a:extLst>
+          </p:cNvPr>
+          <p:cNvPicPr>
+            <a:picLocks noChangeAspect="1" noChangeArrowheads="1"/>
+          </p:cNvPicPr>
+          <p:nvPr/>
+        </p:nvPicPr>
+        <p:blipFill>
+          <a:blip r:embed="rId5">
+            <a:extLst>
+              <a:ext uri="{28A0092B-C50C-407E-A947-70E740481C1C}">
+                <a14:useLocalDpi xmlns:a14="http://schemas.microsoft.com/office/drawing/2010/main" val="0"/>
+              </a:ext>
+            </a:extLst>
+          </a:blip>
+          <a:srcRect/>
+          <a:stretch>
+            <a:fillRect/>
+          </a:stretch>
+        </p:blipFill>
+        <p:spPr bwMode="auto">
+          <a:xfrm>
+            <a:off x="4961370" y="1220156"/>
+            <a:ext cx="4171372" cy="2975244"/>
+          </a:xfrm>
+          <a:prstGeom prst="rect">
+            <a:avLst/>
+          </a:prstGeom>
+          <a:noFill/>
+          <a:extLst>
+            <a:ext uri="{909E8E84-426E-40DD-AFC4-6F175D3DCCD1}">
+              <a14:hiddenFill xmlns:a14="http://schemas.microsoft.com/office/drawing/2010/main">
+                <a:solidFill>
+                  <a:srgbClr val="FFFFFF"/>
+                </a:solidFill>
+              </a14:hiddenFill>
+            </a:ext>
+          </a:extLst>
+        </p:spPr>
+      </p:pic>
+    </p:spTree>
+    <p:extLst>
+      <p:ext uri="{BB962C8B-B14F-4D97-AF65-F5344CB8AC3E}">
+        <p14:creationId xmlns:p14="http://schemas.microsoft.com/office/powerpoint/2010/main" val="1138919006"/>
+      </p:ext>
+    </p:extLst>
+  </p:cSld>
+  <p:clrMapOvr>
+    <a:masterClrMapping/>
+  </p:clrMapOvr>
+  <p:timing>
+    <p:tnLst>
+      <p:par>
+        <p:cTn id="1" dur="indefinite" restart="never" nodeType="tmRoot"/>
+      </p:par>
+    </p:tnLst>
+  </p:timing>
+</p:sld>
+</file>
+
+<file path=ppt/slides/slide15.xml><?xml version="1.0" encoding="utf-8"?>
+<p:sld xmlns:a="http://schemas.openxmlformats.org/drawingml/2006/main" xmlns:r="http://schemas.openxmlformats.org/officeDocument/2006/relationships" xmlns:p="http://schemas.openxmlformats.org/presentationml/2006/main">
+  <p:cSld>
+    <p:spTree>
+      <p:nvGrpSpPr>
+        <p:cNvPr id="1" name="Shape 100"/>
+        <p:cNvGrpSpPr/>
+        <p:nvPr/>
+      </p:nvGrpSpPr>
+      <p:grpSpPr>
+        <a:xfrm>
+          <a:off x="0" y="0"/>
+          <a:ext cx="0" cy="0"/>
+          <a:chOff x="0" y="0"/>
+          <a:chExt cx="0" cy="0"/>
+        </a:xfrm>
+      </p:grpSpPr>
+      <p:sp>
+        <p:nvSpPr>
+          <p:cNvPr id="101" name="Shape 101"/>
+          <p:cNvSpPr txBox="1"/>
+          <p:nvPr/>
+        </p:nvSpPr>
+        <p:spPr>
+          <a:xfrm>
+            <a:off x="361500" y="193344"/>
+            <a:ext cx="8421000" cy="855000"/>
+          </a:xfrm>
+          <a:prstGeom prst="rect">
+            <a:avLst/>
+          </a:prstGeom>
+          <a:noFill/>
+          <a:ln>
+            <a:noFill/>
+          </a:ln>
+        </p:spPr>
+        <p:txBody>
+          <a:bodyPr spcFirstLastPara="1" wrap="square" lIns="91425" tIns="91425" rIns="91425" bIns="91425" anchor="b" anchorCtr="0">
+            <a:noAutofit/>
+          </a:bodyPr>
+          <a:lstStyle/>
+          <a:p>
+            <a:pPr marL="914400" lvl="0" indent="-914400" algn="ctr">
+              <a:buFont typeface="+mj-lt"/>
+              <a:buAutoNum type="arabicPeriod"/>
+            </a:pPr>
+            <a:r>
+              <a:rPr lang="fr-FR" sz="4800" dirty="0">
+                <a:latin typeface="Helvetica Neue"/>
+              </a:rPr>
+              <a:t>Première </a:t>
+            </a:r>
+            <a:r>
+              <a:rPr lang="fr-FR" sz="4800" dirty="0" smtClean="0">
+                <a:latin typeface="Helvetica Neue"/>
+              </a:rPr>
+              <a:t>Solution</a:t>
+            </a:r>
+            <a:endParaRPr sz="8000" dirty="0">
+              <a:latin typeface="Helvetica Neue"/>
+              <a:ea typeface="Helvetica Neue"/>
+              <a:cs typeface="Helvetica Neue"/>
+              <a:sym typeface="Helvetica Neue"/>
+            </a:endParaRPr>
+          </a:p>
+        </p:txBody>
+      </p:sp>
+      <p:pic>
+        <p:nvPicPr>
+          <p:cNvPr id="102" name="Shape 102"/>
+          <p:cNvPicPr preferRelativeResize="0"/>
+          <p:nvPr/>
+        </p:nvPicPr>
+        <p:blipFill>
+          <a:blip r:embed="rId3">
+            <a:alphaModFix/>
+          </a:blip>
+          <a:stretch>
+            <a:fillRect/>
+          </a:stretch>
+        </p:blipFill>
+        <p:spPr>
+          <a:xfrm>
+            <a:off x="0" y="0"/>
+            <a:ext cx="189627" cy="5143503"/>
+          </a:xfrm>
+          <a:prstGeom prst="rect">
+            <a:avLst/>
+          </a:prstGeom>
+          <a:noFill/>
+          <a:ln>
+            <a:noFill/>
+          </a:ln>
+        </p:spPr>
+      </p:pic>
+      <p:pic>
+        <p:nvPicPr>
+          <p:cNvPr id="103" name="Shape 103"/>
+          <p:cNvPicPr preferRelativeResize="0"/>
+          <p:nvPr/>
+        </p:nvPicPr>
+        <p:blipFill rotWithShape="1">
+          <a:blip r:embed="rId4">
+            <a:alphaModFix/>
+          </a:blip>
+          <a:srcRect l="17665" r="14204" b="33849"/>
+          <a:stretch/>
+        </p:blipFill>
+        <p:spPr>
+          <a:xfrm>
+            <a:off x="8201125" y="4195400"/>
+            <a:ext cx="817750" cy="794025"/>
+          </a:xfrm>
+          <a:prstGeom prst="rect">
+            <a:avLst/>
+          </a:prstGeom>
+          <a:noFill/>
+          <a:ln>
+            <a:noFill/>
+          </a:ln>
+        </p:spPr>
+      </p:pic>
+      <p:pic>
+        <p:nvPicPr>
+          <p:cNvPr id="9" name="Picture 2" descr="PlantUML Diagram">
+            <a:extLst>
+              <a:ext uri="{FF2B5EF4-FFF2-40B4-BE49-F238E27FC236}">
+                <a16:creationId xmlns:a16="http://schemas.microsoft.com/office/drawing/2014/main" xmlns="" id="{33990775-F671-43F0-8E32-9318C806DC2D}"/>
+              </a:ext>
+            </a:extLst>
+          </p:cNvPr>
+          <p:cNvPicPr>
+            <a:picLocks noChangeAspect="1" noChangeArrowheads="1"/>
+          </p:cNvPicPr>
+          <p:nvPr/>
+        </p:nvPicPr>
+        <p:blipFill>
+          <a:blip r:embed="rId5">
+            <a:extLst>
+              <a:ext uri="{28A0092B-C50C-407E-A947-70E740481C1C}">
+                <a14:useLocalDpi xmlns:a14="http://schemas.microsoft.com/office/drawing/2010/main" val="0"/>
+              </a:ext>
+            </a:extLst>
+          </a:blip>
+          <a:srcRect/>
+          <a:stretch>
+            <a:fillRect/>
+          </a:stretch>
+        </p:blipFill>
+        <p:spPr bwMode="auto">
+          <a:xfrm>
+            <a:off x="4961370" y="1220156"/>
+            <a:ext cx="4171372" cy="2975244"/>
+          </a:xfrm>
+          <a:prstGeom prst="rect">
+            <a:avLst/>
+          </a:prstGeom>
+          <a:noFill/>
+          <a:extLst>
+            <a:ext uri="{909E8E84-426E-40DD-AFC4-6F175D3DCCD1}">
+              <a14:hiddenFill xmlns:a14="http://schemas.microsoft.com/office/drawing/2010/main">
+                <a:solidFill>
+                  <a:srgbClr val="FFFFFF"/>
+                </a:solidFill>
+              </a14:hiddenFill>
+            </a:ext>
+          </a:extLst>
+        </p:spPr>
+      </p:pic>
+      <p:sp>
+        <p:nvSpPr>
+          <p:cNvPr id="10" name="Espace réservé du contenu 5"/>
+          <p:cNvSpPr txBox="1">
+            <a:spLocks/>
+          </p:cNvSpPr>
+          <p:nvPr/>
+        </p:nvSpPr>
+        <p:spPr>
+          <a:xfrm>
+            <a:off x="749566" y="2801144"/>
+            <a:ext cx="4518469" cy="1791268"/>
+          </a:xfrm>
+          <a:prstGeom prst="rect">
+            <a:avLst/>
+          </a:prstGeom>
+        </p:spPr>
+        <p:txBody>
+          <a:bodyPr/>
+          <a:lstStyle>
+            <a:defPPr marR="0" lvl="0" algn="l" rtl="0">
+              <a:lnSpc>
+                <a:spcPct val="100000"/>
+              </a:lnSpc>
+              <a:spcBef>
+                <a:spcPts val="0"/>
+              </a:spcBef>
+              <a:spcAft>
+                <a:spcPts val="0"/>
+              </a:spcAft>
+            </a:defPPr>
+            <a:lvl1pPr marR="0" lvl="0" algn="l" rtl="0">
+              <a:lnSpc>
+                <a:spcPct val="100000"/>
+              </a:lnSpc>
+              <a:spcBef>
+                <a:spcPts val="0"/>
+              </a:spcBef>
+              <a:spcAft>
+                <a:spcPts val="0"/>
+              </a:spcAft>
+              <a:buClr>
+                <a:srgbClr val="000000"/>
+              </a:buClr>
+              <a:buFont typeface="Arial"/>
+              <a:defRPr sz="1400" b="0" i="0" u="none" strike="noStrike" cap="none">
+                <a:solidFill>
+                  <a:srgbClr val="000000"/>
+                </a:solidFill>
+                <a:latin typeface="Arial"/>
+                <a:ea typeface="Arial"/>
+                <a:cs typeface="Arial"/>
+                <a:sym typeface="Arial"/>
+              </a:defRPr>
+            </a:lvl1pPr>
+            <a:lvl2pPr marR="0" lvl="1" algn="l" rtl="0">
+              <a:lnSpc>
+                <a:spcPct val="100000"/>
+              </a:lnSpc>
+              <a:spcBef>
+                <a:spcPts val="0"/>
+              </a:spcBef>
+              <a:spcAft>
+                <a:spcPts val="0"/>
+              </a:spcAft>
+              <a:buClr>
+                <a:srgbClr val="000000"/>
+              </a:buClr>
+              <a:buFont typeface="Arial"/>
+              <a:defRPr sz="1400" b="0" i="0" u="none" strike="noStrike" cap="none">
+                <a:solidFill>
+                  <a:srgbClr val="000000"/>
+                </a:solidFill>
+                <a:latin typeface="Arial"/>
+                <a:ea typeface="Arial"/>
+                <a:cs typeface="Arial"/>
+                <a:sym typeface="Arial"/>
+              </a:defRPr>
+            </a:lvl2pPr>
+            <a:lvl3pPr marR="0" lvl="2" algn="l" rtl="0">
+              <a:lnSpc>
+                <a:spcPct val="100000"/>
+              </a:lnSpc>
+              <a:spcBef>
+                <a:spcPts val="0"/>
+              </a:spcBef>
+              <a:spcAft>
+                <a:spcPts val="0"/>
+              </a:spcAft>
+              <a:buClr>
+                <a:srgbClr val="000000"/>
+              </a:buClr>
+              <a:buFont typeface="Arial"/>
+              <a:defRPr sz="1400" b="0" i="0" u="none" strike="noStrike" cap="none">
+                <a:solidFill>
+                  <a:srgbClr val="000000"/>
+                </a:solidFill>
+                <a:latin typeface="Arial"/>
+                <a:ea typeface="Arial"/>
+                <a:cs typeface="Arial"/>
+                <a:sym typeface="Arial"/>
+              </a:defRPr>
+            </a:lvl3pPr>
+            <a:lvl4pPr marR="0" lvl="3" algn="l" rtl="0">
+              <a:lnSpc>
+                <a:spcPct val="100000"/>
+              </a:lnSpc>
+              <a:spcBef>
+                <a:spcPts val="0"/>
+              </a:spcBef>
+              <a:spcAft>
+                <a:spcPts val="0"/>
+              </a:spcAft>
+              <a:buClr>
+                <a:srgbClr val="000000"/>
+              </a:buClr>
+              <a:buFont typeface="Arial"/>
+              <a:defRPr sz="1400" b="0" i="0" u="none" strike="noStrike" cap="none">
+                <a:solidFill>
+                  <a:srgbClr val="000000"/>
+                </a:solidFill>
+                <a:latin typeface="Arial"/>
+                <a:ea typeface="Arial"/>
+                <a:cs typeface="Arial"/>
+                <a:sym typeface="Arial"/>
+              </a:defRPr>
+            </a:lvl4pPr>
+            <a:lvl5pPr marR="0" lvl="4" algn="l" rtl="0">
+              <a:lnSpc>
+                <a:spcPct val="100000"/>
+              </a:lnSpc>
+              <a:spcBef>
+                <a:spcPts val="0"/>
+              </a:spcBef>
+              <a:spcAft>
+                <a:spcPts val="0"/>
+              </a:spcAft>
+              <a:buClr>
+                <a:srgbClr val="000000"/>
+              </a:buClr>
+              <a:buFont typeface="Arial"/>
+              <a:defRPr sz="1400" b="0" i="0" u="none" strike="noStrike" cap="none">
+                <a:solidFill>
+                  <a:srgbClr val="000000"/>
+                </a:solidFill>
+                <a:latin typeface="Arial"/>
+                <a:ea typeface="Arial"/>
+                <a:cs typeface="Arial"/>
+                <a:sym typeface="Arial"/>
+              </a:defRPr>
+            </a:lvl5pPr>
+            <a:lvl6pPr marR="0" lvl="5" algn="l" rtl="0">
+              <a:lnSpc>
+                <a:spcPct val="100000"/>
+              </a:lnSpc>
+              <a:spcBef>
+                <a:spcPts val="0"/>
+              </a:spcBef>
+              <a:spcAft>
+                <a:spcPts val="0"/>
+              </a:spcAft>
+              <a:buClr>
+                <a:srgbClr val="000000"/>
+              </a:buClr>
+              <a:buFont typeface="Arial"/>
+              <a:defRPr sz="1400" b="0" i="0" u="none" strike="noStrike" cap="none">
+                <a:solidFill>
+                  <a:srgbClr val="000000"/>
+                </a:solidFill>
+                <a:latin typeface="Arial"/>
+                <a:ea typeface="Arial"/>
+                <a:cs typeface="Arial"/>
+                <a:sym typeface="Arial"/>
+              </a:defRPr>
+            </a:lvl6pPr>
+            <a:lvl7pPr marR="0" lvl="6" algn="l" rtl="0">
+              <a:lnSpc>
+                <a:spcPct val="100000"/>
+              </a:lnSpc>
+              <a:spcBef>
+                <a:spcPts val="0"/>
+              </a:spcBef>
+              <a:spcAft>
+                <a:spcPts val="0"/>
+              </a:spcAft>
+              <a:buClr>
+                <a:srgbClr val="000000"/>
+              </a:buClr>
+              <a:buFont typeface="Arial"/>
+              <a:defRPr sz="1400" b="0" i="0" u="none" strike="noStrike" cap="none">
+                <a:solidFill>
+                  <a:srgbClr val="000000"/>
+                </a:solidFill>
+                <a:latin typeface="Arial"/>
+                <a:ea typeface="Arial"/>
+                <a:cs typeface="Arial"/>
+                <a:sym typeface="Arial"/>
+              </a:defRPr>
+            </a:lvl7pPr>
+            <a:lvl8pPr marR="0" lvl="7" algn="l" rtl="0">
+              <a:lnSpc>
+                <a:spcPct val="100000"/>
+              </a:lnSpc>
+              <a:spcBef>
+                <a:spcPts val="0"/>
+              </a:spcBef>
+              <a:spcAft>
+                <a:spcPts val="0"/>
+              </a:spcAft>
+              <a:buClr>
+                <a:srgbClr val="000000"/>
+              </a:buClr>
+              <a:buFont typeface="Arial"/>
+              <a:defRPr sz="1400" b="0" i="0" u="none" strike="noStrike" cap="none">
+                <a:solidFill>
+                  <a:srgbClr val="000000"/>
+                </a:solidFill>
+                <a:latin typeface="Arial"/>
+                <a:ea typeface="Arial"/>
+                <a:cs typeface="Arial"/>
+                <a:sym typeface="Arial"/>
+              </a:defRPr>
+            </a:lvl8pPr>
+            <a:lvl9pPr marR="0" lvl="8" algn="l" rtl="0">
+              <a:lnSpc>
+                <a:spcPct val="100000"/>
+              </a:lnSpc>
+              <a:spcBef>
+                <a:spcPts val="0"/>
+              </a:spcBef>
+              <a:spcAft>
+                <a:spcPts val="0"/>
+              </a:spcAft>
+              <a:buClr>
+                <a:srgbClr val="000000"/>
+              </a:buClr>
+              <a:buFont typeface="Arial"/>
+              <a:defRPr sz="1400" b="0" i="0" u="none" strike="noStrike" cap="none">
+                <a:solidFill>
+                  <a:srgbClr val="000000"/>
+                </a:solidFill>
+                <a:latin typeface="Arial"/>
+                <a:ea typeface="Arial"/>
+                <a:cs typeface="Arial"/>
+                <a:sym typeface="Arial"/>
+              </a:defRPr>
+            </a:lvl9pPr>
+          </a:lstStyle>
+          <a:p>
+            <a:endParaRPr lang="fr-FR" sz="1800" dirty="0" smtClean="0"/>
+          </a:p>
+          <a:p>
+            <a:endParaRPr lang="fr-FR" sz="1800" dirty="0" smtClean="0"/>
+          </a:p>
+          <a:p>
+            <a:endParaRPr lang="fr-FR" sz="1800" dirty="0" smtClean="0"/>
+          </a:p>
+          <a:p>
+            <a:endParaRPr lang="fr-FR" sz="1800" dirty="0" smtClean="0"/>
+          </a:p>
+          <a:p>
+            <a:endParaRPr lang="fr-FR" sz="1800" dirty="0" smtClean="0"/>
+          </a:p>
+          <a:p>
+            <a:r>
+              <a:rPr lang="fr-FR" sz="1800" dirty="0" smtClean="0"/>
+              <a:t>Cette technique est le </a:t>
+            </a:r>
+            <a:r>
+              <a:rPr lang="fr-FR" sz="1800" dirty="0" smtClean="0">
+                <a:solidFill>
+                  <a:srgbClr val="92D050"/>
+                </a:solidFill>
+              </a:rPr>
+              <a:t>double </a:t>
+            </a:r>
+            <a:r>
+              <a:rPr lang="fr-FR" sz="1800" dirty="0" err="1" smtClean="0">
+                <a:solidFill>
+                  <a:srgbClr val="92D050"/>
+                </a:solidFill>
+              </a:rPr>
+              <a:t>dispatch</a:t>
+            </a:r>
+            <a:endParaRPr lang="fr-FR" sz="1800" dirty="0">
+              <a:solidFill>
+                <a:srgbClr val="92D050"/>
+              </a:solidFill>
+            </a:endParaRPr>
+          </a:p>
+        </p:txBody>
+      </p:sp>
+      <p:pic>
+        <p:nvPicPr>
+          <p:cNvPr id="11" name="Image 10"/>
+          <p:cNvPicPr>
+            <a:picLocks noChangeAspect="1"/>
+          </p:cNvPicPr>
+          <p:nvPr/>
+        </p:nvPicPr>
+        <p:blipFill>
+          <a:blip r:embed="rId6">
+            <a:extLst>
+              <a:ext uri="{28A0092B-C50C-407E-A947-70E740481C1C}">
+                <a14:useLocalDpi xmlns:a14="http://schemas.microsoft.com/office/drawing/2010/main" val="0"/>
+              </a:ext>
+            </a:extLst>
+          </a:blip>
+          <a:stretch>
+            <a:fillRect/>
+          </a:stretch>
+        </p:blipFill>
+        <p:spPr>
+          <a:xfrm>
+            <a:off x="749566" y="1302081"/>
+            <a:ext cx="3795129" cy="2085975"/>
+          </a:xfrm>
+          <a:prstGeom prst="rect">
+            <a:avLst/>
+          </a:prstGeom>
+        </p:spPr>
+      </p:pic>
+    </p:spTree>
+    <p:extLst>
+      <p:ext uri="{BB962C8B-B14F-4D97-AF65-F5344CB8AC3E}">
+        <p14:creationId xmlns:p14="http://schemas.microsoft.com/office/powerpoint/2010/main" val="900995534"/>
+      </p:ext>
+    </p:extLst>
+  </p:cSld>
+  <p:clrMapOvr>
+    <a:masterClrMapping/>
+  </p:clrMapOvr>
+  <p:timing>
+    <p:tnLst>
+      <p:par>
+        <p:cTn id="1" dur="indefinite" restart="never" nodeType="tmRoot"/>
+      </p:par>
+    </p:tnLst>
+  </p:timing>
+</p:sld>
+</file>
+
+<file path=ppt/slides/slide16.xml><?xml version="1.0" encoding="utf-8"?>
+<p:sld xmlns:a="http://schemas.openxmlformats.org/drawingml/2006/main" xmlns:r="http://schemas.openxmlformats.org/officeDocument/2006/relationships" xmlns:p="http://schemas.openxmlformats.org/presentationml/2006/main">
+  <p:cSld>
+    <p:spTree>
+      <p:nvGrpSpPr>
+        <p:cNvPr id="1" name="Shape 100"/>
+        <p:cNvGrpSpPr/>
+        <p:nvPr/>
+      </p:nvGrpSpPr>
+      <p:grpSpPr>
+        <a:xfrm>
+          <a:off x="0" y="0"/>
+          <a:ext cx="0" cy="0"/>
+          <a:chOff x="0" y="0"/>
+          <a:chExt cx="0" cy="0"/>
+        </a:xfrm>
+      </p:grpSpPr>
+      <p:sp>
+        <p:nvSpPr>
+          <p:cNvPr id="101" name="Shape 101"/>
+          <p:cNvSpPr txBox="1"/>
+          <p:nvPr/>
+        </p:nvSpPr>
+        <p:spPr>
+          <a:xfrm>
+            <a:off x="189627" y="193344"/>
+            <a:ext cx="8829248" cy="855000"/>
+          </a:xfrm>
+          <a:prstGeom prst="rect">
+            <a:avLst/>
+          </a:prstGeom>
+          <a:noFill/>
+          <a:ln>
+            <a:noFill/>
+          </a:ln>
+        </p:spPr>
+        <p:txBody>
+          <a:bodyPr spcFirstLastPara="1" wrap="square" lIns="91425" tIns="91425" rIns="91425" bIns="91425" anchor="b" anchorCtr="0">
+            <a:noAutofit/>
+          </a:bodyPr>
+          <a:lstStyle/>
+          <a:p>
+            <a:pPr marL="914400" lvl="0" indent="-914400" algn="ctr">
+              <a:buFont typeface="+mj-lt"/>
+              <a:buAutoNum type="arabicPeriod" startAt="2"/>
+            </a:pPr>
+            <a:r>
+              <a:rPr lang="fr-FR" sz="4800" dirty="0">
+                <a:latin typeface="Helvetica Neue"/>
+              </a:rPr>
+              <a:t>Généralisation de la solution</a:t>
+            </a:r>
+            <a:endParaRPr sz="8000" dirty="0">
+              <a:latin typeface="Helvetica Neue"/>
+              <a:ea typeface="Helvetica Neue"/>
+              <a:cs typeface="Helvetica Neue"/>
+              <a:sym typeface="Helvetica Neue"/>
+            </a:endParaRPr>
+          </a:p>
+        </p:txBody>
+      </p:sp>
+      <p:pic>
+        <p:nvPicPr>
+          <p:cNvPr id="102" name="Shape 102"/>
+          <p:cNvPicPr preferRelativeResize="0"/>
+          <p:nvPr/>
+        </p:nvPicPr>
+        <p:blipFill>
+          <a:blip r:embed="rId3">
+            <a:alphaModFix/>
+          </a:blip>
+          <a:stretch>
+            <a:fillRect/>
+          </a:stretch>
+        </p:blipFill>
+        <p:spPr>
+          <a:xfrm>
+            <a:off x="0" y="0"/>
+            <a:ext cx="189627" cy="5143503"/>
+          </a:xfrm>
+          <a:prstGeom prst="rect">
+            <a:avLst/>
+          </a:prstGeom>
+          <a:noFill/>
+          <a:ln>
+            <a:noFill/>
+          </a:ln>
+        </p:spPr>
+      </p:pic>
+      <p:pic>
+        <p:nvPicPr>
+          <p:cNvPr id="103" name="Shape 103"/>
+          <p:cNvPicPr preferRelativeResize="0"/>
+          <p:nvPr/>
+        </p:nvPicPr>
+        <p:blipFill rotWithShape="1">
+          <a:blip r:embed="rId4">
+            <a:alphaModFix/>
+          </a:blip>
+          <a:srcRect l="17665" r="14204" b="33849"/>
+          <a:stretch/>
+        </p:blipFill>
+        <p:spPr>
+          <a:xfrm>
+            <a:off x="8201125" y="4195400"/>
+            <a:ext cx="817750" cy="794025"/>
+          </a:xfrm>
+          <a:prstGeom prst="rect">
+            <a:avLst/>
+          </a:prstGeom>
+          <a:noFill/>
+          <a:ln>
+            <a:noFill/>
+          </a:ln>
+        </p:spPr>
+      </p:pic>
+      <p:pic>
+        <p:nvPicPr>
+          <p:cNvPr id="17" name="Picture 2" descr="PlantUML Diagram">
+            <a:extLst>
+              <a:ext uri="{FF2B5EF4-FFF2-40B4-BE49-F238E27FC236}">
+                <a16:creationId xmlns:a16="http://schemas.microsoft.com/office/drawing/2014/main" xmlns="" id="{6091BF8A-DB6C-41EB-A023-F079D46A0221}"/>
+              </a:ext>
+            </a:extLst>
+          </p:cNvPr>
+          <p:cNvPicPr>
+            <a:picLocks noChangeAspect="1" noChangeArrowheads="1"/>
+          </p:cNvPicPr>
+          <p:nvPr/>
+        </p:nvPicPr>
+        <p:blipFill>
+          <a:blip r:embed="rId5">
+            <a:extLst>
+              <a:ext uri="{28A0092B-C50C-407E-A947-70E740481C1C}">
+                <a14:useLocalDpi xmlns:a14="http://schemas.microsoft.com/office/drawing/2010/main" val="0"/>
+              </a:ext>
+            </a:extLst>
+          </a:blip>
+          <a:srcRect/>
+          <a:stretch>
+            <a:fillRect/>
+          </a:stretch>
+        </p:blipFill>
+        <p:spPr bwMode="auto">
+          <a:xfrm>
+            <a:off x="3824060" y="1048344"/>
+            <a:ext cx="5319940" cy="2559213"/>
+          </a:xfrm>
+          <a:prstGeom prst="rect">
+            <a:avLst/>
+          </a:prstGeom>
+          <a:noFill/>
+          <a:extLst>
+            <a:ext uri="{909E8E84-426E-40DD-AFC4-6F175D3DCCD1}">
+              <a14:hiddenFill xmlns:a14="http://schemas.microsoft.com/office/drawing/2010/main">
+                <a:solidFill>
+                  <a:srgbClr val="FFFFFF"/>
+                </a:solidFill>
+              </a14:hiddenFill>
+            </a:ext>
+          </a:extLst>
+        </p:spPr>
+      </p:pic>
+      <p:pic>
+        <p:nvPicPr>
+          <p:cNvPr id="18" name="Picture 2" descr="PlantUML Diagram">
+            <a:extLst>
+              <a:ext uri="{FF2B5EF4-FFF2-40B4-BE49-F238E27FC236}">
+                <a16:creationId xmlns:a16="http://schemas.microsoft.com/office/drawing/2014/main" xmlns="" id="{8BB2D1BB-5A30-4AD9-B0C2-C2AED90890FF}"/>
+              </a:ext>
+            </a:extLst>
+          </p:cNvPr>
+          <p:cNvPicPr>
+            <a:picLocks noChangeAspect="1" noChangeArrowheads="1"/>
+          </p:cNvPicPr>
+          <p:nvPr/>
+        </p:nvPicPr>
+        <p:blipFill>
+          <a:blip r:embed="rId6">
+            <a:extLst>
+              <a:ext uri="{28A0092B-C50C-407E-A947-70E740481C1C}">
+                <a14:useLocalDpi xmlns:a14="http://schemas.microsoft.com/office/drawing/2010/main" val="0"/>
+              </a:ext>
+            </a:extLst>
+          </a:blip>
+          <a:srcRect/>
+          <a:stretch>
+            <a:fillRect/>
+          </a:stretch>
+        </p:blipFill>
+        <p:spPr bwMode="auto">
+          <a:xfrm>
+            <a:off x="189627" y="1542197"/>
+            <a:ext cx="3253214" cy="2488955"/>
+          </a:xfrm>
+          <a:prstGeom prst="rect">
+            <a:avLst/>
+          </a:prstGeom>
+          <a:noFill/>
+          <a:extLst>
+            <a:ext uri="{909E8E84-426E-40DD-AFC4-6F175D3DCCD1}">
+              <a14:hiddenFill xmlns:a14="http://schemas.microsoft.com/office/drawing/2010/main">
+                <a:solidFill>
+                  <a:srgbClr val="FFFFFF"/>
+                </a:solidFill>
+              </a14:hiddenFill>
+            </a:ext>
+          </a:extLst>
+        </p:spPr>
+      </p:pic>
+      <p:sp>
+        <p:nvSpPr>
+          <p:cNvPr id="19" name="Right Arrow 8"/>
+          <p:cNvSpPr/>
+          <p:nvPr/>
+        </p:nvSpPr>
+        <p:spPr>
+          <a:xfrm>
+            <a:off x="3210259" y="2571750"/>
+            <a:ext cx="747591" cy="399466"/>
+          </a:xfrm>
+          <a:prstGeom prst="rightArrow">
+            <a:avLst/>
+          </a:prstGeom>
+          <a:solidFill>
+            <a:srgbClr val="92D050"/>
+          </a:solidFill>
+          <a:ln>
+            <a:solidFill>
+              <a:schemeClr val="bg1"/>
+            </a:solidFill>
+          </a:ln>
+        </p:spPr>
+        <p:style>
+          <a:lnRef idx="2">
+            <a:schemeClr val="accent1">
+              <a:shade val="50000"/>
+            </a:schemeClr>
+          </a:lnRef>
+          <a:fillRef idx="1">
+            <a:schemeClr val="accent1"/>
+          </a:fillRef>
+          <a:effectRef idx="0">
+            <a:schemeClr val="accent1"/>
+          </a:effectRef>
+          <a:fontRef idx="minor">
+            <a:schemeClr val="lt1"/>
+          </a:fontRef>
+        </p:style>
+        <p:txBody>
+          <a:bodyPr rtlCol="0" anchor="ctr"/>
+          <a:lstStyle/>
+          <a:p>
+            <a:pPr algn="ctr"/>
+            <a:endParaRPr lang="en-US"/>
+          </a:p>
+        </p:txBody>
+      </p:sp>
+      <p:sp>
+        <p:nvSpPr>
+          <p:cNvPr id="20" name="TextBox 9"/>
+          <p:cNvSpPr txBox="1"/>
+          <p:nvPr/>
+        </p:nvSpPr>
+        <p:spPr>
+          <a:xfrm>
+            <a:off x="3341299" y="4330287"/>
+            <a:ext cx="2569934" cy="369332"/>
+          </a:xfrm>
+          <a:prstGeom prst="rect">
+            <a:avLst/>
+          </a:prstGeom>
+          <a:noFill/>
+        </p:spPr>
+        <p:txBody>
+          <a:bodyPr wrap="none" rtlCol="0">
+            <a:spAutoFit/>
+          </a:bodyPr>
+          <a:lstStyle/>
+          <a:p>
+            <a:r>
+              <a:rPr lang="en-US" sz="1800" dirty="0" err="1"/>
+              <a:t>C’est</a:t>
+            </a:r>
+            <a:r>
+              <a:rPr lang="en-US" sz="1800" dirty="0"/>
+              <a:t> le pattern </a:t>
+            </a:r>
+            <a:r>
+              <a:rPr lang="en-US" sz="1800" dirty="0">
+                <a:solidFill>
+                  <a:srgbClr val="92D050"/>
+                </a:solidFill>
+              </a:rPr>
+              <a:t>Visitor</a:t>
+            </a:r>
+            <a:r>
+              <a:rPr lang="en-US" sz="1800" dirty="0">
+                <a:solidFill>
+                  <a:schemeClr val="accent6"/>
+                </a:solidFill>
+              </a:rPr>
+              <a:t> </a:t>
+            </a:r>
+            <a:r>
+              <a:rPr lang="en-US" sz="1800" dirty="0"/>
+              <a:t>!</a:t>
+            </a:r>
+          </a:p>
+        </p:txBody>
+      </p:sp>
+    </p:spTree>
+    <p:extLst>
+      <p:ext uri="{BB962C8B-B14F-4D97-AF65-F5344CB8AC3E}">
+        <p14:creationId xmlns:p14="http://schemas.microsoft.com/office/powerpoint/2010/main" val="1980559075"/>
+      </p:ext>
+    </p:extLst>
+  </p:cSld>
+  <p:clrMapOvr>
+    <a:masterClrMapping/>
+  </p:clrMapOvr>
+  <p:timing>
+    <p:tnLst>
+      <p:par>
+        <p:cTn id="1" dur="indefinite" restart="never" nodeType="tmRoot"/>
+      </p:par>
+    </p:tnLst>
+  </p:timing>
+</p:sld>
+</file>
+
 <file path=ppt/slides/slide2.xml><?xml version="1.0" encoding="utf-8"?>
 <p:sld xmlns:a="http://schemas.openxmlformats.org/drawingml/2006/main" xmlns:r="http://schemas.openxmlformats.org/officeDocument/2006/relationships" xmlns:p="http://schemas.openxmlformats.org/presentationml/2006/main">
   <p:cSld>
@@ -7433,11 +15662,6 @@
               </a:rPr>
               <a:t>omebarki@wemanity.com</a:t>
             </a:r>
-            <a:endParaRPr lang="fr-FR" sz="1800" dirty="0">
-              <a:solidFill>
-                <a:srgbClr val="0C0C0C"/>
-              </a:solidFill>
-            </a:endParaRPr>
           </a:p>
         </p:txBody>
       </p:sp>
@@ -7462,6 +15686,214 @@
 </file>
 
 <file path=ppt/slides/slide3.xml><?xml version="1.0" encoding="utf-8"?>
+<p:sld xmlns:a="http://schemas.openxmlformats.org/drawingml/2006/main" xmlns:r="http://schemas.openxmlformats.org/officeDocument/2006/relationships" xmlns:p="http://schemas.openxmlformats.org/presentationml/2006/main">
+  <p:cSld>
+    <p:spTree>
+      <p:nvGrpSpPr>
+        <p:cNvPr id="1" name="Shape 100"/>
+        <p:cNvGrpSpPr/>
+        <p:nvPr/>
+      </p:nvGrpSpPr>
+      <p:grpSpPr>
+        <a:xfrm>
+          <a:off x="0" y="0"/>
+          <a:ext cx="0" cy="0"/>
+          <a:chOff x="0" y="0"/>
+          <a:chExt cx="0" cy="0"/>
+        </a:xfrm>
+      </p:grpSpPr>
+      <p:sp>
+        <p:nvSpPr>
+          <p:cNvPr id="101" name="Shape 101"/>
+          <p:cNvSpPr txBox="1"/>
+          <p:nvPr/>
+        </p:nvSpPr>
+        <p:spPr>
+          <a:xfrm>
+            <a:off x="361500" y="309350"/>
+            <a:ext cx="8421000" cy="855000"/>
+          </a:xfrm>
+          <a:prstGeom prst="rect">
+            <a:avLst/>
+          </a:prstGeom>
+          <a:noFill/>
+          <a:ln>
+            <a:noFill/>
+          </a:ln>
+        </p:spPr>
+        <p:txBody>
+          <a:bodyPr spcFirstLastPara="1" wrap="square" lIns="91425" tIns="91425" rIns="91425" bIns="91425" anchor="b" anchorCtr="0">
+            <a:noAutofit/>
+          </a:bodyPr>
+          <a:lstStyle/>
+          <a:p>
+            <a:pPr lvl="0" algn="ctr"/>
+            <a:r>
+              <a:rPr lang="en-GB" sz="4800" b="1" dirty="0" err="1" smtClean="0">
+                <a:latin typeface="Helvetica Neue"/>
+                <a:ea typeface="Helvetica Neue"/>
+                <a:cs typeface="Helvetica Neue"/>
+                <a:sym typeface="Helvetica Neue"/>
+              </a:rPr>
+              <a:t>Sommaire</a:t>
+            </a:r>
+            <a:endParaRPr sz="8000" dirty="0">
+              <a:latin typeface="Helvetica Neue"/>
+              <a:ea typeface="Helvetica Neue"/>
+              <a:cs typeface="Helvetica Neue"/>
+              <a:sym typeface="Helvetica Neue"/>
+            </a:endParaRPr>
+          </a:p>
+        </p:txBody>
+      </p:sp>
+      <p:pic>
+        <p:nvPicPr>
+          <p:cNvPr id="102" name="Shape 102"/>
+          <p:cNvPicPr preferRelativeResize="0"/>
+          <p:nvPr/>
+        </p:nvPicPr>
+        <p:blipFill>
+          <a:blip r:embed="rId3">
+            <a:alphaModFix/>
+          </a:blip>
+          <a:stretch>
+            <a:fillRect/>
+          </a:stretch>
+        </p:blipFill>
+        <p:spPr>
+          <a:xfrm>
+            <a:off x="0" y="0"/>
+            <a:ext cx="189627" cy="5143503"/>
+          </a:xfrm>
+          <a:prstGeom prst="rect">
+            <a:avLst/>
+          </a:prstGeom>
+          <a:noFill/>
+          <a:ln>
+            <a:noFill/>
+          </a:ln>
+        </p:spPr>
+      </p:pic>
+      <p:pic>
+        <p:nvPicPr>
+          <p:cNvPr id="103" name="Shape 103"/>
+          <p:cNvPicPr preferRelativeResize="0"/>
+          <p:nvPr/>
+        </p:nvPicPr>
+        <p:blipFill rotWithShape="1">
+          <a:blip r:embed="rId4">
+            <a:alphaModFix/>
+          </a:blip>
+          <a:srcRect l="17665" r="14204" b="33849"/>
+          <a:stretch/>
+        </p:blipFill>
+        <p:spPr>
+          <a:xfrm>
+            <a:off x="8201125" y="4195400"/>
+            <a:ext cx="817750" cy="794025"/>
+          </a:xfrm>
+          <a:prstGeom prst="rect">
+            <a:avLst/>
+          </a:prstGeom>
+          <a:noFill/>
+          <a:ln>
+            <a:noFill/>
+          </a:ln>
+        </p:spPr>
+      </p:pic>
+      <p:sp>
+        <p:nvSpPr>
+          <p:cNvPr id="104" name="Shape 104"/>
+          <p:cNvSpPr txBox="1"/>
+          <p:nvPr/>
+        </p:nvSpPr>
+        <p:spPr>
+          <a:xfrm>
+            <a:off x="572100" y="1469600"/>
+            <a:ext cx="7999800" cy="2844300"/>
+          </a:xfrm>
+          <a:prstGeom prst="rect">
+            <a:avLst/>
+          </a:prstGeom>
+          <a:noFill/>
+          <a:ln>
+            <a:noFill/>
+          </a:ln>
+        </p:spPr>
+        <p:txBody>
+          <a:bodyPr spcFirstLastPara="1" wrap="square" lIns="91425" tIns="91425" rIns="91425" bIns="91425" anchor="t" anchorCtr="0">
+            <a:noAutofit/>
+          </a:bodyPr>
+          <a:lstStyle/>
+          <a:p>
+            <a:pPr marL="285750" lvl="0" indent="-285750">
+              <a:buFont typeface="Arial" panose="020B0604020202020204" pitchFamily="34" charset="0"/>
+              <a:buChar char="•"/>
+            </a:pPr>
+            <a:r>
+              <a:rPr lang="fr-FR" sz="1800" dirty="0" smtClean="0">
+                <a:solidFill>
+                  <a:srgbClr val="0C0C0C"/>
+                </a:solidFill>
+              </a:rPr>
+              <a:t>Pattern Bridge</a:t>
+            </a:r>
+            <a:endParaRPr lang="fr-FR" sz="1800" dirty="0">
+              <a:solidFill>
+                <a:srgbClr val="0C0C0C"/>
+              </a:solidFill>
+            </a:endParaRPr>
+          </a:p>
+          <a:p>
+            <a:pPr marL="285750" lvl="0" indent="-285750">
+              <a:buFont typeface="Arial" panose="020B0604020202020204" pitchFamily="34" charset="0"/>
+              <a:buChar char="•"/>
+            </a:pPr>
+            <a:r>
+              <a:rPr lang="fr-FR" sz="1800" dirty="0" smtClean="0">
+                <a:solidFill>
+                  <a:srgbClr val="0C0C0C"/>
+                </a:solidFill>
+              </a:rPr>
+              <a:t>Pattern </a:t>
+            </a:r>
+            <a:r>
+              <a:rPr lang="fr-FR" sz="1800" dirty="0" err="1" smtClean="0">
+                <a:solidFill>
+                  <a:srgbClr val="0C0C0C"/>
+                </a:solidFill>
+              </a:rPr>
+              <a:t>Visitor</a:t>
+            </a:r>
+            <a:endParaRPr lang="fr-FR" sz="1800" dirty="0">
+              <a:solidFill>
+                <a:srgbClr val="0C0C0C"/>
+              </a:solidFill>
+            </a:endParaRPr>
+          </a:p>
+        </p:txBody>
+      </p:sp>
+    </p:spTree>
+    <p:extLst>
+      <p:ext uri="{BB962C8B-B14F-4D97-AF65-F5344CB8AC3E}">
+        <p14:creationId xmlns:p14="http://schemas.microsoft.com/office/powerpoint/2010/main" val="619997623"/>
+      </p:ext>
+    </p:extLst>
+  </p:cSld>
+  <p:clrMapOvr>
+    <a:masterClrMapping/>
+  </p:clrMapOvr>
+  <p:timing>
+    <p:tnLst>
+      <p:par>
+        <p:cTn id="1" dur="indefinite" restart="never" nodeType="tmRoot"/>
+      </p:par>
+    </p:tnLst>
+  </p:timing>
+</p:sld>
+</file>
+
+<file path=ppt/slides/slide4.xml><?xml version="1.0" encoding="utf-8"?>
 <p:sld xmlns:a="http://schemas.openxmlformats.org/drawingml/2006/main" xmlns:r="http://schemas.openxmlformats.org/officeDocument/2006/relationships" xmlns:p="http://schemas.openxmlformats.org/presentationml/2006/main">
   <p:cSld>
     <p:spTree>
@@ -7664,7 +16096,7 @@
 </p:sld>
 </file>
 
-<file path=ppt/slides/slide4.xml><?xml version="1.0" encoding="utf-8"?>
+<file path=ppt/slides/slide5.xml><?xml version="1.0" encoding="utf-8"?>
 <p:sld xmlns:a="http://schemas.openxmlformats.org/drawingml/2006/main" xmlns:r="http://schemas.openxmlformats.org/officeDocument/2006/relationships" xmlns:p="http://schemas.openxmlformats.org/presentationml/2006/main">
   <p:cSld>
     <p:spTree>
@@ -7809,7 +16241,6 @@
               <a:rPr lang="fr-FR" sz="1800" dirty="0"/>
               <a:t>Faire un cache de données provenant de plusieurs référentiels</a:t>
             </a:r>
-            <a:endParaRPr lang="fr-FR" sz="1800" dirty="0"/>
           </a:p>
         </p:txBody>
       </p:sp>
@@ -8066,7 +16497,7 @@
 </p:sld>
 </file>
 
-<file path=ppt/slides/slide5.xml><?xml version="1.0" encoding="utf-8"?>
+<file path=ppt/slides/slide6.xml><?xml version="1.0" encoding="utf-8"?>
 <p:sld xmlns:a="http://schemas.openxmlformats.org/drawingml/2006/main" xmlns:r="http://schemas.openxmlformats.org/officeDocument/2006/relationships" xmlns:p="http://schemas.openxmlformats.org/presentationml/2006/main">
   <p:cSld>
     <p:spTree>
@@ -8303,7 +16734,6 @@
               <a:rPr lang="fr-FR" sz="1800" dirty="0"/>
               <a:t>Et si l’on factorisait un peu tout ça?</a:t>
             </a:r>
-            <a:endParaRPr lang="fr-FR" sz="1800" dirty="0"/>
           </a:p>
         </p:txBody>
       </p:sp>
@@ -8312,7 +16742,7 @@
           <p:cNvPr id="6" name="Picture 4" descr="PlantUML Diagram">
             <a:extLst>
               <a:ext uri="{FF2B5EF4-FFF2-40B4-BE49-F238E27FC236}">
-                <a16:creationId xmlns:a16="http://schemas.microsoft.com/office/drawing/2014/main" xmlns="" id="{40B58331-CE09-4A3D-83B4-567D1A06E2B2}"/>
+                <a16:creationId xmlns="" xmlns:a16="http://schemas.microsoft.com/office/drawing/2014/main" id="{40B58331-CE09-4A3D-83B4-567D1A06E2B2}"/>
               </a:ext>
             </a:extLst>
           </p:cNvPr>
@@ -8374,7 +16804,7 @@
 </p:sld>
 </file>
 
-<file path=ppt/slides/slide6.xml><?xml version="1.0" encoding="utf-8"?>
+<file path=ppt/slides/slide7.xml><?xml version="1.0" encoding="utf-8"?>
 <p:sld xmlns:a="http://schemas.openxmlformats.org/drawingml/2006/main" xmlns:r="http://schemas.openxmlformats.org/officeDocument/2006/relationships" xmlns:p="http://schemas.openxmlformats.org/presentationml/2006/main">
   <p:cSld>
     <p:spTree>
@@ -8396,7 +16826,7 @@
           <p:cNvPr id="7" name="Picture 2" descr="PlantUML Diagram">
             <a:extLst>
               <a:ext uri="{FF2B5EF4-FFF2-40B4-BE49-F238E27FC236}">
-                <a16:creationId xmlns:a16="http://schemas.microsoft.com/office/drawing/2014/main" xmlns="" id="{BB6A48FC-5EBB-40E4-965F-72498E12EF49}"/>
+                <a16:creationId xmlns="" xmlns:a16="http://schemas.microsoft.com/office/drawing/2014/main" id="{BB6A48FC-5EBB-40E4-965F-72498E12EF49}"/>
               </a:ext>
             </a:extLst>
           </p:cNvPr>
@@ -8700,7 +17130,7 @@
 </p:sld>
 </file>
 
-<file path=ppt/slides/slide7.xml><?xml version="1.0" encoding="utf-8"?>
+<file path=ppt/slides/slide8.xml><?xml version="1.0" encoding="utf-8"?>
 <p:sld xmlns:a="http://schemas.openxmlformats.org/drawingml/2006/main" xmlns:r="http://schemas.openxmlformats.org/officeDocument/2006/relationships" xmlns:p="http://schemas.openxmlformats.org/presentationml/2006/main">
   <p:cSld>
     <p:spTree>
@@ -10150,7 +18580,7 @@
           <p:cNvPr id="9" name="Picture 2" descr="PlantUML Diagram">
             <a:extLst>
               <a:ext uri="{FF2B5EF4-FFF2-40B4-BE49-F238E27FC236}">
-                <a16:creationId xmlns:a16="http://schemas.microsoft.com/office/drawing/2014/main" xmlns="" id="{B2CC0E40-22EE-4B73-963D-76771D32546F}"/>
+                <a16:creationId xmlns="" xmlns:a16="http://schemas.microsoft.com/office/drawing/2014/main" id="{B2CC0E40-22EE-4B73-963D-76771D32546F}"/>
               </a:ext>
             </a:extLst>
           </p:cNvPr>
@@ -10212,7 +18642,7 @@
 </p:sld>
 </file>
 
-<file path=ppt/slides/slide8.xml><?xml version="1.0" encoding="utf-8"?>
+<file path=ppt/slides/slide9.xml><?xml version="1.0" encoding="utf-8"?>
 <p:sld xmlns:a="http://schemas.openxmlformats.org/drawingml/2006/main" xmlns:r="http://schemas.openxmlformats.org/officeDocument/2006/relationships" xmlns:p="http://schemas.openxmlformats.org/presentationml/2006/main">
   <p:cSld>
     <p:spTree>
@@ -10339,7 +18769,7 @@
           <p:cNvPr id="9" name="Picture 2" descr="PlantUML Diagram">
             <a:extLst>
               <a:ext uri="{FF2B5EF4-FFF2-40B4-BE49-F238E27FC236}">
-                <a16:creationId xmlns:a16="http://schemas.microsoft.com/office/drawing/2014/main" xmlns="" id="{B2CC0E40-22EE-4B73-963D-76771D32546F}"/>
+                <a16:creationId xmlns="" xmlns:a16="http://schemas.microsoft.com/office/drawing/2014/main" id="{B2CC0E40-22EE-4B73-963D-76771D32546F}"/>
               </a:ext>
             </a:extLst>
           </p:cNvPr>

--- a/doc/PatternsWesquad.pptx
+++ b/doc/PatternsWesquad.pptx
@@ -8107,9 +8107,159 @@
   <p:timing>
     <p:tnLst>
       <p:par>
-        <p:cTn id="1" dur="indefinite" restart="never" nodeType="tmRoot"/>
+        <p:cTn id="1" dur="indefinite" restart="never" nodeType="tmRoot">
+          <p:childTnLst>
+            <p:seq concurrent="1" nextAc="seek">
+              <p:cTn id="2" dur="indefinite" nodeType="mainSeq">
+                <p:childTnLst>
+                  <p:par>
+                    <p:cTn id="3" fill="hold">
+                      <p:stCondLst>
+                        <p:cond delay="indefinite"/>
+                      </p:stCondLst>
+                      <p:childTnLst>
+                        <p:par>
+                          <p:cTn id="4" fill="hold">
+                            <p:stCondLst>
+                              <p:cond delay="0"/>
+                            </p:stCondLst>
+                            <p:childTnLst>
+                              <p:par>
+                                <p:cTn id="5" presetID="10" presetClass="entr" presetSubtype="0" fill="hold" grpId="0" nodeType="clickEffect">
+                                  <p:stCondLst>
+                                    <p:cond delay="0"/>
+                                  </p:stCondLst>
+                                  <p:childTnLst>
+                                    <p:set>
+                                      <p:cBhvr>
+                                        <p:cTn id="6" dur="1" fill="hold">
+                                          <p:stCondLst>
+                                            <p:cond delay="0"/>
+                                          </p:stCondLst>
+                                        </p:cTn>
+                                        <p:tgtEl>
+                                          <p:spTgt spid="104"/>
+                                        </p:tgtEl>
+                                        <p:attrNameLst>
+                                          <p:attrName>style.visibility</p:attrName>
+                                        </p:attrNameLst>
+                                      </p:cBhvr>
+                                      <p:to>
+                                        <p:strVal val="visible"/>
+                                      </p:to>
+                                    </p:set>
+                                    <p:animEffect transition="in" filter="fade">
+                                      <p:cBhvr>
+                                        <p:cTn id="7" dur="500"/>
+                                        <p:tgtEl>
+                                          <p:spTgt spid="104"/>
+                                        </p:tgtEl>
+                                      </p:cBhvr>
+                                    </p:animEffect>
+                                  </p:childTnLst>
+                                </p:cTn>
+                              </p:par>
+                              <p:par>
+                                <p:cTn id="8" presetID="10" presetClass="entr" presetSubtype="0" fill="hold" nodeType="withEffect">
+                                  <p:stCondLst>
+                                    <p:cond delay="0"/>
+                                  </p:stCondLst>
+                                  <p:childTnLst>
+                                    <p:set>
+                                      <p:cBhvr>
+                                        <p:cTn id="9" dur="1" fill="hold">
+                                          <p:stCondLst>
+                                            <p:cond delay="0"/>
+                                          </p:stCondLst>
+                                        </p:cTn>
+                                        <p:tgtEl>
+                                          <p:spTgt spid="2"/>
+                                        </p:tgtEl>
+                                        <p:attrNameLst>
+                                          <p:attrName>style.visibility</p:attrName>
+                                        </p:attrNameLst>
+                                      </p:cBhvr>
+                                      <p:to>
+                                        <p:strVal val="visible"/>
+                                      </p:to>
+                                    </p:set>
+                                    <p:animEffect transition="in" filter="fade">
+                                      <p:cBhvr>
+                                        <p:cTn id="10" dur="500"/>
+                                        <p:tgtEl>
+                                          <p:spTgt spid="2"/>
+                                        </p:tgtEl>
+                                      </p:cBhvr>
+                                    </p:animEffect>
+                                  </p:childTnLst>
+                                </p:cTn>
+                              </p:par>
+                              <p:par>
+                                <p:cTn id="11" presetID="10" presetClass="entr" presetSubtype="0" fill="hold" grpId="0" nodeType="withEffect">
+                                  <p:stCondLst>
+                                    <p:cond delay="0"/>
+                                  </p:stCondLst>
+                                  <p:childTnLst>
+                                    <p:set>
+                                      <p:cBhvr>
+                                        <p:cTn id="12" dur="1" fill="hold">
+                                          <p:stCondLst>
+                                            <p:cond delay="0"/>
+                                          </p:stCondLst>
+                                        </p:cTn>
+                                        <p:tgtEl>
+                                          <p:spTgt spid="101"/>
+                                        </p:tgtEl>
+                                        <p:attrNameLst>
+                                          <p:attrName>style.visibility</p:attrName>
+                                        </p:attrNameLst>
+                                      </p:cBhvr>
+                                      <p:to>
+                                        <p:strVal val="visible"/>
+                                      </p:to>
+                                    </p:set>
+                                    <p:animEffect transition="in" filter="fade">
+                                      <p:cBhvr>
+                                        <p:cTn id="13" dur="500"/>
+                                        <p:tgtEl>
+                                          <p:spTgt spid="101"/>
+                                        </p:tgtEl>
+                                      </p:cBhvr>
+                                    </p:animEffect>
+                                  </p:childTnLst>
+                                </p:cTn>
+                              </p:par>
+                            </p:childTnLst>
+                          </p:cTn>
+                        </p:par>
+                      </p:childTnLst>
+                    </p:cTn>
+                  </p:par>
+                </p:childTnLst>
+              </p:cTn>
+              <p:prevCondLst>
+                <p:cond evt="onPrev" delay="0">
+                  <p:tgtEl>
+                    <p:sldTgt/>
+                  </p:tgtEl>
+                </p:cond>
+              </p:prevCondLst>
+              <p:nextCondLst>
+                <p:cond evt="onNext" delay="0">
+                  <p:tgtEl>
+                    <p:sldTgt/>
+                  </p:tgtEl>
+                </p:cond>
+              </p:nextCondLst>
+            </p:seq>
+          </p:childTnLst>
+        </p:cTn>
       </p:par>
     </p:tnLst>
+    <p:bldLst>
+      <p:bldP spid="101" grpId="0"/>
+      <p:bldP spid="104" grpId="0"/>
+    </p:bldLst>
   </p:timing>
 </p:sld>
 </file>
@@ -8279,9 +8429,123 @@
   <p:timing>
     <p:tnLst>
       <p:par>
-        <p:cTn id="1" dur="indefinite" restart="never" nodeType="tmRoot"/>
+        <p:cTn id="1" dur="indefinite" restart="never" nodeType="tmRoot">
+          <p:childTnLst>
+            <p:seq concurrent="1" nextAc="seek">
+              <p:cTn id="2" dur="indefinite" nodeType="mainSeq">
+                <p:childTnLst>
+                  <p:par>
+                    <p:cTn id="3" fill="hold">
+                      <p:stCondLst>
+                        <p:cond delay="indefinite"/>
+                      </p:stCondLst>
+                      <p:childTnLst>
+                        <p:par>
+                          <p:cTn id="4" fill="hold">
+                            <p:stCondLst>
+                              <p:cond delay="0"/>
+                            </p:stCondLst>
+                            <p:childTnLst>
+                              <p:par>
+                                <p:cTn id="5" presetID="10" presetClass="entr" presetSubtype="0" fill="hold" grpId="0" nodeType="clickEffect">
+                                  <p:stCondLst>
+                                    <p:cond delay="0"/>
+                                  </p:stCondLst>
+                                  <p:childTnLst>
+                                    <p:set>
+                                      <p:cBhvr>
+                                        <p:cTn id="6" dur="1" fill="hold">
+                                          <p:stCondLst>
+                                            <p:cond delay="0"/>
+                                          </p:stCondLst>
+                                        </p:cTn>
+                                        <p:tgtEl>
+                                          <p:spTgt spid="101"/>
+                                        </p:tgtEl>
+                                        <p:attrNameLst>
+                                          <p:attrName>style.visibility</p:attrName>
+                                        </p:attrNameLst>
+                                      </p:cBhvr>
+                                      <p:to>
+                                        <p:strVal val="visible"/>
+                                      </p:to>
+                                    </p:set>
+                                    <p:animEffect transition="in" filter="fade">
+                                      <p:cBhvr>
+                                        <p:cTn id="7" dur="500"/>
+                                        <p:tgtEl>
+                                          <p:spTgt spid="101"/>
+                                        </p:tgtEl>
+                                      </p:cBhvr>
+                                    </p:animEffect>
+                                  </p:childTnLst>
+                                </p:cTn>
+                              </p:par>
+                              <p:par>
+                                <p:cTn id="8" presetID="10" presetClass="entr" presetSubtype="0" fill="hold" nodeType="withEffect">
+                                  <p:stCondLst>
+                                    <p:cond delay="0"/>
+                                  </p:stCondLst>
+                                  <p:childTnLst>
+                                    <p:set>
+                                      <p:cBhvr>
+                                        <p:cTn id="9" dur="1" fill="hold">
+                                          <p:stCondLst>
+                                            <p:cond delay="0"/>
+                                          </p:stCondLst>
+                                        </p:cTn>
+                                        <p:tgtEl>
+                                          <p:spTgt spid="7"/>
+                                        </p:tgtEl>
+                                        <p:attrNameLst>
+                                          <p:attrName>style.visibility</p:attrName>
+                                        </p:attrNameLst>
+                                      </p:cBhvr>
+                                      <p:to>
+                                        <p:strVal val="visible"/>
+                                      </p:to>
+                                    </p:set>
+                                    <p:animEffect transition="in" filter="fade">
+                                      <p:cBhvr>
+                                        <p:cTn id="10" dur="500"/>
+                                        <p:tgtEl>
+                                          <p:spTgt spid="7"/>
+                                        </p:tgtEl>
+                                      </p:cBhvr>
+                                    </p:animEffect>
+                                  </p:childTnLst>
+                                </p:cTn>
+                              </p:par>
+                            </p:childTnLst>
+                          </p:cTn>
+                        </p:par>
+                      </p:childTnLst>
+                    </p:cTn>
+                  </p:par>
+                </p:childTnLst>
+              </p:cTn>
+              <p:prevCondLst>
+                <p:cond evt="onPrev" delay="0">
+                  <p:tgtEl>
+                    <p:sldTgt/>
+                  </p:tgtEl>
+                </p:cond>
+              </p:prevCondLst>
+              <p:nextCondLst>
+                <p:cond evt="onNext" delay="0">
+                  <p:tgtEl>
+                    <p:sldTgt/>
+                  </p:tgtEl>
+                </p:cond>
+              </p:nextCondLst>
+            </p:seq>
+          </p:childTnLst>
+        </p:cTn>
       </p:par>
     </p:tnLst>
+    <p:bldLst>
+      <p:bldP spid="101" grpId="0"/>
+    </p:bldLst>
   </p:timing>
 </p:sld>
 </file>
@@ -10184,7 +10448,7 @@
           <p:cNvPr id="7" name="Picture 2" descr="PlantUML Diagram">
             <a:extLst>
               <a:ext uri="{FF2B5EF4-FFF2-40B4-BE49-F238E27FC236}">
-                <a16:creationId xmlns:a16="http://schemas.microsoft.com/office/drawing/2014/main" xmlns="" id="{B6AA6EBE-11BE-493A-ADEF-74D5D5AAB76D}"/>
+                <a16:creationId xmlns="" xmlns:a16="http://schemas.microsoft.com/office/drawing/2014/main" id="{B6AA6EBE-11BE-493A-ADEF-74D5D5AAB76D}"/>
               </a:ext>
             </a:extLst>
           </p:cNvPr>
@@ -10239,9 +10503,177 @@
   <p:timing>
     <p:tnLst>
       <p:par>
-        <p:cTn id="1" dur="indefinite" restart="never" nodeType="tmRoot"/>
+        <p:cTn id="1" dur="indefinite" restart="never" nodeType="tmRoot">
+          <p:childTnLst>
+            <p:seq concurrent="1" nextAc="seek">
+              <p:cTn id="2" dur="indefinite" nodeType="mainSeq">
+                <p:childTnLst>
+                  <p:par>
+                    <p:cTn id="3" fill="hold">
+                      <p:stCondLst>
+                        <p:cond delay="indefinite"/>
+                      </p:stCondLst>
+                      <p:childTnLst>
+                        <p:par>
+                          <p:cTn id="4" fill="hold">
+                            <p:stCondLst>
+                              <p:cond delay="0"/>
+                            </p:stCondLst>
+                            <p:childTnLst>
+                              <p:par>
+                                <p:cTn id="5" presetID="10" presetClass="entr" presetSubtype="0" fill="hold" grpId="0" nodeType="clickEffect">
+                                  <p:stCondLst>
+                                    <p:cond delay="0"/>
+                                  </p:stCondLst>
+                                  <p:childTnLst>
+                                    <p:set>
+                                      <p:cBhvr>
+                                        <p:cTn id="6" dur="1" fill="hold">
+                                          <p:stCondLst>
+                                            <p:cond delay="0"/>
+                                          </p:stCondLst>
+                                        </p:cTn>
+                                        <p:tgtEl>
+                                          <p:spTgt spid="101"/>
+                                        </p:tgtEl>
+                                        <p:attrNameLst>
+                                          <p:attrName>style.visibility</p:attrName>
+                                        </p:attrNameLst>
+                                      </p:cBhvr>
+                                      <p:to>
+                                        <p:strVal val="visible"/>
+                                      </p:to>
+                                    </p:set>
+                                    <p:animEffect transition="in" filter="fade">
+                                      <p:cBhvr>
+                                        <p:cTn id="7" dur="500"/>
+                                        <p:tgtEl>
+                                          <p:spTgt spid="101"/>
+                                        </p:tgtEl>
+                                      </p:cBhvr>
+                                    </p:animEffect>
+                                  </p:childTnLst>
+                                </p:cTn>
+                              </p:par>
+                              <p:par>
+                                <p:cTn id="8" presetID="10" presetClass="entr" presetSubtype="0" fill="hold" nodeType="withEffect">
+                                  <p:stCondLst>
+                                    <p:cond delay="0"/>
+                                  </p:stCondLst>
+                                  <p:childTnLst>
+                                    <p:set>
+                                      <p:cBhvr>
+                                        <p:cTn id="9" dur="1" fill="hold">
+                                          <p:stCondLst>
+                                            <p:cond delay="0"/>
+                                          </p:stCondLst>
+                                        </p:cTn>
+                                        <p:tgtEl>
+                                          <p:spTgt spid="7"/>
+                                        </p:tgtEl>
+                                        <p:attrNameLst>
+                                          <p:attrName>style.visibility</p:attrName>
+                                        </p:attrNameLst>
+                                      </p:cBhvr>
+                                      <p:to>
+                                        <p:strVal val="visible"/>
+                                      </p:to>
+                                    </p:set>
+                                    <p:animEffect transition="in" filter="fade">
+                                      <p:cBhvr>
+                                        <p:cTn id="10" dur="500"/>
+                                        <p:tgtEl>
+                                          <p:spTgt spid="7"/>
+                                        </p:tgtEl>
+                                      </p:cBhvr>
+                                    </p:animEffect>
+                                  </p:childTnLst>
+                                </p:cTn>
+                              </p:par>
+                            </p:childTnLst>
+                          </p:cTn>
+                        </p:par>
+                      </p:childTnLst>
+                    </p:cTn>
+                  </p:par>
+                  <p:par>
+                    <p:cTn id="11" fill="hold">
+                      <p:stCondLst>
+                        <p:cond delay="indefinite"/>
+                      </p:stCondLst>
+                      <p:childTnLst>
+                        <p:par>
+                          <p:cTn id="12" fill="hold">
+                            <p:stCondLst>
+                              <p:cond delay="0"/>
+                            </p:stCondLst>
+                            <p:childTnLst>
+                              <p:par>
+                                <p:cTn id="13" presetID="10" presetClass="entr" presetSubtype="0" fill="hold" grpId="0" nodeType="clickEffect">
+                                  <p:stCondLst>
+                                    <p:cond delay="0"/>
+                                  </p:stCondLst>
+                                  <p:childTnLst>
+                                    <p:set>
+                                      <p:cBhvr>
+                                        <p:cTn id="14" dur="1" fill="hold">
+                                          <p:stCondLst>
+                                            <p:cond delay="0"/>
+                                          </p:stCondLst>
+                                        </p:cTn>
+                                        <p:tgtEl>
+                                          <p:spTgt spid="8"/>
+                                        </p:tgtEl>
+                                        <p:attrNameLst>
+                                          <p:attrName>style.visibility</p:attrName>
+                                        </p:attrNameLst>
+                                      </p:cBhvr>
+                                      <p:to>
+                                        <p:strVal val="visible"/>
+                                      </p:to>
+                                    </p:set>
+                                    <p:animEffect transition="in" filter="fade">
+                                      <p:cBhvr>
+                                        <p:cTn id="15" dur="500"/>
+                                        <p:tgtEl>
+                                          <p:spTgt spid="8"/>
+                                        </p:tgtEl>
+                                      </p:cBhvr>
+                                    </p:animEffect>
+                                  </p:childTnLst>
+                                </p:cTn>
+                              </p:par>
+                            </p:childTnLst>
+                          </p:cTn>
+                        </p:par>
+                      </p:childTnLst>
+                    </p:cTn>
+                  </p:par>
+                </p:childTnLst>
+              </p:cTn>
+              <p:prevCondLst>
+                <p:cond evt="onPrev" delay="0">
+                  <p:tgtEl>
+                    <p:sldTgt/>
+                  </p:tgtEl>
+                </p:cond>
+              </p:prevCondLst>
+              <p:nextCondLst>
+                <p:cond evt="onNext" delay="0">
+                  <p:tgtEl>
+                    <p:sldTgt/>
+                  </p:tgtEl>
+                </p:cond>
+              </p:nextCondLst>
+            </p:seq>
+          </p:childTnLst>
+        </p:cTn>
       </p:par>
     </p:tnLst>
+    <p:bldLst>
+      <p:bldP spid="101" grpId="0"/>
+      <p:bldP spid="8" grpId="0" animBg="1"/>
+    </p:bldLst>
   </p:timing>
 </p:sld>
 </file>
@@ -11879,7 +12311,7 @@
           <p:cNvPr id="7" name="Picture 2" descr="PlantUML Diagram">
             <a:extLst>
               <a:ext uri="{FF2B5EF4-FFF2-40B4-BE49-F238E27FC236}">
-                <a16:creationId xmlns:a16="http://schemas.microsoft.com/office/drawing/2014/main" xmlns="" id="{B6AA6EBE-11BE-493A-ADEF-74D5D5AAB76D}"/>
+                <a16:creationId xmlns="" xmlns:a16="http://schemas.microsoft.com/office/drawing/2014/main" id="{B6AA6EBE-11BE-493A-ADEF-74D5D5AAB76D}"/>
               </a:ext>
             </a:extLst>
           </p:cNvPr>
@@ -11934,9 +12366,177 @@
   <p:timing>
     <p:tnLst>
       <p:par>
-        <p:cTn id="1" dur="indefinite" restart="never" nodeType="tmRoot"/>
+        <p:cTn id="1" dur="indefinite" restart="never" nodeType="tmRoot">
+          <p:childTnLst>
+            <p:seq concurrent="1" nextAc="seek">
+              <p:cTn id="2" dur="indefinite" nodeType="mainSeq">
+                <p:childTnLst>
+                  <p:par>
+                    <p:cTn id="3" fill="hold">
+                      <p:stCondLst>
+                        <p:cond delay="indefinite"/>
+                      </p:stCondLst>
+                      <p:childTnLst>
+                        <p:par>
+                          <p:cTn id="4" fill="hold">
+                            <p:stCondLst>
+                              <p:cond delay="0"/>
+                            </p:stCondLst>
+                            <p:childTnLst>
+                              <p:par>
+                                <p:cTn id="5" presetID="10" presetClass="entr" presetSubtype="0" fill="hold" grpId="0" nodeType="clickEffect">
+                                  <p:stCondLst>
+                                    <p:cond delay="0"/>
+                                  </p:stCondLst>
+                                  <p:childTnLst>
+                                    <p:set>
+                                      <p:cBhvr>
+                                        <p:cTn id="6" dur="1" fill="hold">
+                                          <p:stCondLst>
+                                            <p:cond delay="0"/>
+                                          </p:stCondLst>
+                                        </p:cTn>
+                                        <p:tgtEl>
+                                          <p:spTgt spid="101"/>
+                                        </p:tgtEl>
+                                        <p:attrNameLst>
+                                          <p:attrName>style.visibility</p:attrName>
+                                        </p:attrNameLst>
+                                      </p:cBhvr>
+                                      <p:to>
+                                        <p:strVal val="visible"/>
+                                      </p:to>
+                                    </p:set>
+                                    <p:animEffect transition="in" filter="fade">
+                                      <p:cBhvr>
+                                        <p:cTn id="7" dur="500"/>
+                                        <p:tgtEl>
+                                          <p:spTgt spid="101"/>
+                                        </p:tgtEl>
+                                      </p:cBhvr>
+                                    </p:animEffect>
+                                  </p:childTnLst>
+                                </p:cTn>
+                              </p:par>
+                              <p:par>
+                                <p:cTn id="8" presetID="10" presetClass="entr" presetSubtype="0" fill="hold" nodeType="withEffect">
+                                  <p:stCondLst>
+                                    <p:cond delay="0"/>
+                                  </p:stCondLst>
+                                  <p:childTnLst>
+                                    <p:set>
+                                      <p:cBhvr>
+                                        <p:cTn id="9" dur="1" fill="hold">
+                                          <p:stCondLst>
+                                            <p:cond delay="0"/>
+                                          </p:stCondLst>
+                                        </p:cTn>
+                                        <p:tgtEl>
+                                          <p:spTgt spid="7"/>
+                                        </p:tgtEl>
+                                        <p:attrNameLst>
+                                          <p:attrName>style.visibility</p:attrName>
+                                        </p:attrNameLst>
+                                      </p:cBhvr>
+                                      <p:to>
+                                        <p:strVal val="visible"/>
+                                      </p:to>
+                                    </p:set>
+                                    <p:animEffect transition="in" filter="fade">
+                                      <p:cBhvr>
+                                        <p:cTn id="10" dur="500"/>
+                                        <p:tgtEl>
+                                          <p:spTgt spid="7"/>
+                                        </p:tgtEl>
+                                      </p:cBhvr>
+                                    </p:animEffect>
+                                  </p:childTnLst>
+                                </p:cTn>
+                              </p:par>
+                            </p:childTnLst>
+                          </p:cTn>
+                        </p:par>
+                      </p:childTnLst>
+                    </p:cTn>
+                  </p:par>
+                  <p:par>
+                    <p:cTn id="11" fill="hold">
+                      <p:stCondLst>
+                        <p:cond delay="indefinite"/>
+                      </p:stCondLst>
+                      <p:childTnLst>
+                        <p:par>
+                          <p:cTn id="12" fill="hold">
+                            <p:stCondLst>
+                              <p:cond delay="0"/>
+                            </p:stCondLst>
+                            <p:childTnLst>
+                              <p:par>
+                                <p:cTn id="13" presetID="10" presetClass="entr" presetSubtype="0" fill="hold" grpId="0" nodeType="clickEffect">
+                                  <p:stCondLst>
+                                    <p:cond delay="0"/>
+                                  </p:stCondLst>
+                                  <p:childTnLst>
+                                    <p:set>
+                                      <p:cBhvr>
+                                        <p:cTn id="14" dur="1" fill="hold">
+                                          <p:stCondLst>
+                                            <p:cond delay="0"/>
+                                          </p:stCondLst>
+                                        </p:cTn>
+                                        <p:tgtEl>
+                                          <p:spTgt spid="9"/>
+                                        </p:tgtEl>
+                                        <p:attrNameLst>
+                                          <p:attrName>style.visibility</p:attrName>
+                                        </p:attrNameLst>
+                                      </p:cBhvr>
+                                      <p:to>
+                                        <p:strVal val="visible"/>
+                                      </p:to>
+                                    </p:set>
+                                    <p:animEffect transition="in" filter="fade">
+                                      <p:cBhvr>
+                                        <p:cTn id="15" dur="500"/>
+                                        <p:tgtEl>
+                                          <p:spTgt spid="9"/>
+                                        </p:tgtEl>
+                                      </p:cBhvr>
+                                    </p:animEffect>
+                                  </p:childTnLst>
+                                </p:cTn>
+                              </p:par>
+                            </p:childTnLst>
+                          </p:cTn>
+                        </p:par>
+                      </p:childTnLst>
+                    </p:cTn>
+                  </p:par>
+                </p:childTnLst>
+              </p:cTn>
+              <p:prevCondLst>
+                <p:cond evt="onPrev" delay="0">
+                  <p:tgtEl>
+                    <p:sldTgt/>
+                  </p:tgtEl>
+                </p:cond>
+              </p:prevCondLst>
+              <p:nextCondLst>
+                <p:cond evt="onNext" delay="0">
+                  <p:tgtEl>
+                    <p:sldTgt/>
+                  </p:tgtEl>
+                </p:cond>
+              </p:nextCondLst>
+            </p:seq>
+          </p:childTnLst>
+        </p:cTn>
       </p:par>
     </p:tnLst>
+    <p:bldLst>
+      <p:bldP spid="101" grpId="0"/>
+      <p:bldP spid="9" grpId="0" animBg="1"/>
+    </p:bldLst>
   </p:timing>
 </p:sld>
 </file>
@@ -12095,9 +12695,7 @@
             <a:r>
               <a:rPr lang="fr-FR" sz="1800" b="1" dirty="0">
                 <a:solidFill>
-                  <a:schemeClr val="accent5">
-                    <a:lumMod val="75000"/>
-                  </a:schemeClr>
+                  <a:srgbClr val="92D050"/>
                 </a:solidFill>
               </a:rPr>
               <a:t>paramètres</a:t>
@@ -12105,9 +12703,7 @@
             <a:r>
               <a:rPr lang="fr-FR" sz="1800" dirty="0">
                 <a:solidFill>
-                  <a:schemeClr val="accent5">
-                    <a:lumMod val="75000"/>
-                  </a:schemeClr>
+                  <a:srgbClr val="92D050"/>
                 </a:solidFill>
               </a:rPr>
               <a:t> </a:t>
@@ -12119,9 +12715,7 @@
             <a:r>
               <a:rPr lang="fr-FR" sz="1800" b="1" dirty="0">
                 <a:solidFill>
-                  <a:schemeClr val="accent4">
-                    <a:lumMod val="50000"/>
-                  </a:schemeClr>
+                  <a:srgbClr val="92D050"/>
                 </a:solidFill>
               </a:rPr>
               <a:t>compilation</a:t>
@@ -12217,9 +12811,196 @@
   <p:timing>
     <p:tnLst>
       <p:par>
-        <p:cTn id="1" dur="indefinite" restart="never" nodeType="tmRoot"/>
+        <p:cTn id="1" dur="indefinite" restart="never" nodeType="tmRoot">
+          <p:childTnLst>
+            <p:seq concurrent="1" nextAc="seek">
+              <p:cTn id="2" dur="indefinite" nodeType="mainSeq">
+                <p:childTnLst>
+                  <p:par>
+                    <p:cTn id="3" fill="hold">
+                      <p:stCondLst>
+                        <p:cond delay="indefinite"/>
+                      </p:stCondLst>
+                      <p:childTnLst>
+                        <p:par>
+                          <p:cTn id="4" fill="hold">
+                            <p:stCondLst>
+                              <p:cond delay="0"/>
+                            </p:stCondLst>
+                            <p:childTnLst>
+                              <p:par>
+                                <p:cTn id="5" presetID="10" presetClass="entr" presetSubtype="0" fill="hold" grpId="0" nodeType="clickEffect">
+                                  <p:stCondLst>
+                                    <p:cond delay="0"/>
+                                  </p:stCondLst>
+                                  <p:childTnLst>
+                                    <p:set>
+                                      <p:cBhvr>
+                                        <p:cTn id="6" dur="1" fill="hold">
+                                          <p:stCondLst>
+                                            <p:cond delay="0"/>
+                                          </p:stCondLst>
+                                        </p:cTn>
+                                        <p:tgtEl>
+                                          <p:spTgt spid="101"/>
+                                        </p:tgtEl>
+                                        <p:attrNameLst>
+                                          <p:attrName>style.visibility</p:attrName>
+                                        </p:attrNameLst>
+                                      </p:cBhvr>
+                                      <p:to>
+                                        <p:strVal val="visible"/>
+                                      </p:to>
+                                    </p:set>
+                                    <p:animEffect transition="in" filter="fade">
+                                      <p:cBhvr>
+                                        <p:cTn id="7" dur="500"/>
+                                        <p:tgtEl>
+                                          <p:spTgt spid="101"/>
+                                        </p:tgtEl>
+                                      </p:cBhvr>
+                                    </p:animEffect>
+                                  </p:childTnLst>
+                                </p:cTn>
+                              </p:par>
+                            </p:childTnLst>
+                          </p:cTn>
+                        </p:par>
+                      </p:childTnLst>
+                    </p:cTn>
+                  </p:par>
+                  <p:par>
+                    <p:cTn id="8" fill="hold">
+                      <p:stCondLst>
+                        <p:cond delay="indefinite"/>
+                      </p:stCondLst>
+                      <p:childTnLst>
+                        <p:par>
+                          <p:cTn id="9" fill="hold">
+                            <p:stCondLst>
+                              <p:cond delay="0"/>
+                            </p:stCondLst>
+                            <p:childTnLst>
+                              <p:par>
+                                <p:cTn id="10" presetID="10" presetClass="entr" presetSubtype="0" fill="hold" grpId="0" nodeType="clickEffect">
+                                  <p:stCondLst>
+                                    <p:cond delay="0"/>
+                                  </p:stCondLst>
+                                  <p:childTnLst>
+                                    <p:set>
+                                      <p:cBhvr>
+                                        <p:cTn id="11" dur="1" fill="hold">
+                                          <p:stCondLst>
+                                            <p:cond delay="0"/>
+                                          </p:stCondLst>
+                                        </p:cTn>
+                                        <p:tgtEl>
+                                          <p:spTgt spid="3"/>
+                                        </p:tgtEl>
+                                        <p:attrNameLst>
+                                          <p:attrName>style.visibility</p:attrName>
+                                        </p:attrNameLst>
+                                      </p:cBhvr>
+                                      <p:to>
+                                        <p:strVal val="visible"/>
+                                      </p:to>
+                                    </p:set>
+                                    <p:animEffect transition="in" filter="fade">
+                                      <p:cBhvr>
+                                        <p:cTn id="12" dur="500"/>
+                                        <p:tgtEl>
+                                          <p:spTgt spid="3"/>
+                                        </p:tgtEl>
+                                      </p:cBhvr>
+                                    </p:animEffect>
+                                  </p:childTnLst>
+                                </p:cTn>
+                              </p:par>
+                            </p:childTnLst>
+                          </p:cTn>
+                        </p:par>
+                      </p:childTnLst>
+                    </p:cTn>
+                  </p:par>
+                  <p:par>
+                    <p:cTn id="13" fill="hold">
+                      <p:stCondLst>
+                        <p:cond delay="indefinite"/>
+                      </p:stCondLst>
+                      <p:childTnLst>
+                        <p:par>
+                          <p:cTn id="14" fill="hold">
+                            <p:stCondLst>
+                              <p:cond delay="0"/>
+                            </p:stCondLst>
+                            <p:childTnLst>
+                              <p:par>
+                                <p:cTn id="15" presetID="10" presetClass="entr" presetSubtype="0" fill="hold" grpId="0" nodeType="clickEffect">
+                                  <p:stCondLst>
+                                    <p:cond delay="0"/>
+                                  </p:stCondLst>
+                                  <p:childTnLst>
+                                    <p:set>
+                                      <p:cBhvr>
+                                        <p:cTn id="16" dur="1" fill="hold">
+                                          <p:stCondLst>
+                                            <p:cond delay="0"/>
+                                          </p:stCondLst>
+                                        </p:cTn>
+                                        <p:tgtEl>
+                                          <p:spTgt spid="2"/>
+                                        </p:tgtEl>
+                                        <p:attrNameLst>
+                                          <p:attrName>style.visibility</p:attrName>
+                                        </p:attrNameLst>
+                                      </p:cBhvr>
+                                      <p:to>
+                                        <p:strVal val="visible"/>
+                                      </p:to>
+                                    </p:set>
+                                    <p:animEffect transition="in" filter="fade">
+                                      <p:cBhvr>
+                                        <p:cTn id="17" dur="500"/>
+                                        <p:tgtEl>
+                                          <p:spTgt spid="2"/>
+                                        </p:tgtEl>
+                                      </p:cBhvr>
+                                    </p:animEffect>
+                                  </p:childTnLst>
+                                </p:cTn>
+                              </p:par>
+                            </p:childTnLst>
+                          </p:cTn>
+                        </p:par>
+                      </p:childTnLst>
+                    </p:cTn>
+                  </p:par>
+                </p:childTnLst>
+              </p:cTn>
+              <p:prevCondLst>
+                <p:cond evt="onPrev" delay="0">
+                  <p:tgtEl>
+                    <p:sldTgt/>
+                  </p:tgtEl>
+                </p:cond>
+              </p:prevCondLst>
+              <p:nextCondLst>
+                <p:cond evt="onNext" delay="0">
+                  <p:tgtEl>
+                    <p:sldTgt/>
+                  </p:tgtEl>
+                </p:cond>
+              </p:nextCondLst>
+            </p:seq>
+          </p:childTnLst>
+        </p:cTn>
       </p:par>
     </p:tnLst>
+    <p:bldLst>
+      <p:bldP spid="101" grpId="0"/>
+      <p:bldP spid="2" grpId="0"/>
+      <p:bldP spid="3" grpId="0"/>
+    </p:bldLst>
   </p:timing>
 </p:sld>
 </file>
@@ -14559,7 +15340,7 @@
           <p:cNvPr id="9" name="Picture 2" descr="PlantUML Diagram">
             <a:extLst>
               <a:ext uri="{FF2B5EF4-FFF2-40B4-BE49-F238E27FC236}">
-                <a16:creationId xmlns:a16="http://schemas.microsoft.com/office/drawing/2014/main" xmlns="" id="{33990775-F671-43F0-8E32-9318C806DC2D}"/>
+                <a16:creationId xmlns="" xmlns:a16="http://schemas.microsoft.com/office/drawing/2014/main" id="{33990775-F671-43F0-8E32-9318C806DC2D}"/>
               </a:ext>
             </a:extLst>
           </p:cNvPr>
@@ -14614,9 +15395,213 @@
   <p:timing>
     <p:tnLst>
       <p:par>
-        <p:cTn id="1" dur="indefinite" restart="never" nodeType="tmRoot"/>
+        <p:cTn id="1" dur="indefinite" restart="never" nodeType="tmRoot">
+          <p:childTnLst>
+            <p:seq concurrent="1" nextAc="seek">
+              <p:cTn id="2" dur="indefinite" nodeType="mainSeq">
+                <p:childTnLst>
+                  <p:par>
+                    <p:cTn id="3" fill="hold">
+                      <p:stCondLst>
+                        <p:cond delay="indefinite"/>
+                      </p:stCondLst>
+                      <p:childTnLst>
+                        <p:par>
+                          <p:cTn id="4" fill="hold">
+                            <p:stCondLst>
+                              <p:cond delay="0"/>
+                            </p:stCondLst>
+                            <p:childTnLst>
+                              <p:par>
+                                <p:cTn id="5" presetID="10" presetClass="entr" presetSubtype="0" fill="hold" grpId="0" nodeType="clickEffect">
+                                  <p:stCondLst>
+                                    <p:cond delay="0"/>
+                                  </p:stCondLst>
+                                  <p:childTnLst>
+                                    <p:set>
+                                      <p:cBhvr>
+                                        <p:cTn id="6" dur="1" fill="hold">
+                                          <p:stCondLst>
+                                            <p:cond delay="0"/>
+                                          </p:stCondLst>
+                                        </p:cTn>
+                                        <p:tgtEl>
+                                          <p:spTgt spid="101"/>
+                                        </p:tgtEl>
+                                        <p:attrNameLst>
+                                          <p:attrName>style.visibility</p:attrName>
+                                        </p:attrNameLst>
+                                      </p:cBhvr>
+                                      <p:to>
+                                        <p:strVal val="visible"/>
+                                      </p:to>
+                                    </p:set>
+                                    <p:animEffect transition="in" filter="fade">
+                                      <p:cBhvr>
+                                        <p:cTn id="7" dur="500"/>
+                                        <p:tgtEl>
+                                          <p:spTgt spid="101"/>
+                                        </p:tgtEl>
+                                      </p:cBhvr>
+                                    </p:animEffect>
+                                  </p:childTnLst>
+                                </p:cTn>
+                              </p:par>
+                              <p:par>
+                                <p:cTn id="8" presetID="10" presetClass="entr" presetSubtype="0" fill="hold" nodeType="withEffect">
+                                  <p:stCondLst>
+                                    <p:cond delay="0"/>
+                                  </p:stCondLst>
+                                  <p:childTnLst>
+                                    <p:set>
+                                      <p:cBhvr>
+                                        <p:cTn id="9" dur="1" fill="hold">
+                                          <p:stCondLst>
+                                            <p:cond delay="0"/>
+                                          </p:stCondLst>
+                                        </p:cTn>
+                                        <p:tgtEl>
+                                          <p:spTgt spid="9"/>
+                                        </p:tgtEl>
+                                        <p:attrNameLst>
+                                          <p:attrName>style.visibility</p:attrName>
+                                        </p:attrNameLst>
+                                      </p:cBhvr>
+                                      <p:to>
+                                        <p:strVal val="visible"/>
+                                      </p:to>
+                                    </p:set>
+                                    <p:animEffect transition="in" filter="fade">
+                                      <p:cBhvr>
+                                        <p:cTn id="10" dur="500"/>
+                                        <p:tgtEl>
+                                          <p:spTgt spid="9"/>
+                                        </p:tgtEl>
+                                      </p:cBhvr>
+                                    </p:animEffect>
+                                  </p:childTnLst>
+                                </p:cTn>
+                              </p:par>
+                            </p:childTnLst>
+                          </p:cTn>
+                        </p:par>
+                      </p:childTnLst>
+                    </p:cTn>
+                  </p:par>
+                  <p:par>
+                    <p:cTn id="11" fill="hold">
+                      <p:stCondLst>
+                        <p:cond delay="indefinite"/>
+                      </p:stCondLst>
+                      <p:childTnLst>
+                        <p:par>
+                          <p:cTn id="12" fill="hold">
+                            <p:stCondLst>
+                              <p:cond delay="0"/>
+                            </p:stCondLst>
+                            <p:childTnLst>
+                              <p:par>
+                                <p:cTn id="13" presetID="10" presetClass="entr" presetSubtype="0" fill="hold" grpId="0" nodeType="clickEffect">
+                                  <p:stCondLst>
+                                    <p:cond delay="0"/>
+                                  </p:stCondLst>
+                                  <p:childTnLst>
+                                    <p:set>
+                                      <p:cBhvr>
+                                        <p:cTn id="14" dur="1" fill="hold">
+                                          <p:stCondLst>
+                                            <p:cond delay="0"/>
+                                          </p:stCondLst>
+                                        </p:cTn>
+                                        <p:tgtEl>
+                                          <p:spTgt spid="7"/>
+                                        </p:tgtEl>
+                                        <p:attrNameLst>
+                                          <p:attrName>style.visibility</p:attrName>
+                                        </p:attrNameLst>
+                                      </p:cBhvr>
+                                      <p:to>
+                                        <p:strVal val="visible"/>
+                                      </p:to>
+                                    </p:set>
+                                    <p:animEffect transition="in" filter="fade">
+                                      <p:cBhvr>
+                                        <p:cTn id="15" dur="500"/>
+                                        <p:tgtEl>
+                                          <p:spTgt spid="7"/>
+                                        </p:tgtEl>
+                                      </p:cBhvr>
+                                    </p:animEffect>
+                                  </p:childTnLst>
+                                </p:cTn>
+                              </p:par>
+                              <p:par>
+                                <p:cTn id="16" presetID="10" presetClass="entr" presetSubtype="0" fill="hold" grpId="0" nodeType="withEffect">
+                                  <p:stCondLst>
+                                    <p:cond delay="0"/>
+                                  </p:stCondLst>
+                                  <p:childTnLst>
+                                    <p:set>
+                                      <p:cBhvr>
+                                        <p:cTn id="17" dur="1" fill="hold">
+                                          <p:stCondLst>
+                                            <p:cond delay="0"/>
+                                          </p:stCondLst>
+                                        </p:cTn>
+                                        <p:tgtEl>
+                                          <p:spTgt spid="8"/>
+                                        </p:tgtEl>
+                                        <p:attrNameLst>
+                                          <p:attrName>style.visibility</p:attrName>
+                                        </p:attrNameLst>
+                                      </p:cBhvr>
+                                      <p:to>
+                                        <p:strVal val="visible"/>
+                                      </p:to>
+                                    </p:set>
+                                    <p:animEffect transition="in" filter="fade">
+                                      <p:cBhvr>
+                                        <p:cTn id="18" dur="500"/>
+                                        <p:tgtEl>
+                                          <p:spTgt spid="8"/>
+                                        </p:tgtEl>
+                                      </p:cBhvr>
+                                    </p:animEffect>
+                                  </p:childTnLst>
+                                </p:cTn>
+                              </p:par>
+                            </p:childTnLst>
+                          </p:cTn>
+                        </p:par>
+                      </p:childTnLst>
+                    </p:cTn>
+                  </p:par>
+                </p:childTnLst>
+              </p:cTn>
+              <p:prevCondLst>
+                <p:cond evt="onPrev" delay="0">
+                  <p:tgtEl>
+                    <p:sldTgt/>
+                  </p:tgtEl>
+                </p:cond>
+              </p:prevCondLst>
+              <p:nextCondLst>
+                <p:cond evt="onNext" delay="0">
+                  <p:tgtEl>
+                    <p:sldTgt/>
+                  </p:tgtEl>
+                </p:cond>
+              </p:nextCondLst>
+            </p:seq>
+          </p:childTnLst>
+        </p:cTn>
       </p:par>
     </p:tnLst>
+    <p:bldLst>
+      <p:bldP spid="101" grpId="0"/>
+      <p:bldP spid="7" grpId="0" animBg="1"/>
+      <p:bldP spid="8" grpId="0" animBg="1"/>
+    </p:bldLst>
   </p:timing>
 </p:sld>
 </file>
@@ -14748,7 +15733,7 @@
           <p:cNvPr id="9" name="Picture 2" descr="PlantUML Diagram">
             <a:extLst>
               <a:ext uri="{FF2B5EF4-FFF2-40B4-BE49-F238E27FC236}">
-                <a16:creationId xmlns:a16="http://schemas.microsoft.com/office/drawing/2014/main" xmlns="" id="{33990775-F671-43F0-8E32-9318C806DC2D}"/>
+                <a16:creationId xmlns="" xmlns:a16="http://schemas.microsoft.com/office/drawing/2014/main" id="{33990775-F671-43F0-8E32-9318C806DC2D}"/>
               </a:ext>
             </a:extLst>
           </p:cNvPr>
@@ -15125,9 +16110,230 @@
   <p:timing>
     <p:tnLst>
       <p:par>
-        <p:cTn id="1" dur="indefinite" restart="never" nodeType="tmRoot"/>
+        <p:cTn id="1" dur="indefinite" restart="never" nodeType="tmRoot">
+          <p:childTnLst>
+            <p:seq concurrent="1" nextAc="seek">
+              <p:cTn id="2" dur="indefinite" nodeType="mainSeq">
+                <p:childTnLst>
+                  <p:par>
+                    <p:cTn id="3" fill="hold">
+                      <p:stCondLst>
+                        <p:cond delay="indefinite"/>
+                      </p:stCondLst>
+                      <p:childTnLst>
+                        <p:par>
+                          <p:cTn id="4" fill="hold">
+                            <p:stCondLst>
+                              <p:cond delay="0"/>
+                            </p:stCondLst>
+                            <p:childTnLst>
+                              <p:par>
+                                <p:cTn id="5" presetID="10" presetClass="entr" presetSubtype="0" fill="hold" grpId="0" nodeType="clickEffect">
+                                  <p:stCondLst>
+                                    <p:cond delay="0"/>
+                                  </p:stCondLst>
+                                  <p:childTnLst>
+                                    <p:set>
+                                      <p:cBhvr>
+                                        <p:cTn id="6" dur="1" fill="hold">
+                                          <p:stCondLst>
+                                            <p:cond delay="0"/>
+                                          </p:stCondLst>
+                                        </p:cTn>
+                                        <p:tgtEl>
+                                          <p:spTgt spid="101"/>
+                                        </p:tgtEl>
+                                        <p:attrNameLst>
+                                          <p:attrName>style.visibility</p:attrName>
+                                        </p:attrNameLst>
+                                      </p:cBhvr>
+                                      <p:to>
+                                        <p:strVal val="visible"/>
+                                      </p:to>
+                                    </p:set>
+                                    <p:animEffect transition="in" filter="fade">
+                                      <p:cBhvr>
+                                        <p:cTn id="7" dur="500"/>
+                                        <p:tgtEl>
+                                          <p:spTgt spid="101"/>
+                                        </p:tgtEl>
+                                      </p:cBhvr>
+                                    </p:animEffect>
+                                  </p:childTnLst>
+                                </p:cTn>
+                              </p:par>
+                              <p:par>
+                                <p:cTn id="8" presetID="10" presetClass="entr" presetSubtype="0" fill="hold" nodeType="withEffect">
+                                  <p:stCondLst>
+                                    <p:cond delay="0"/>
+                                  </p:stCondLst>
+                                  <p:childTnLst>
+                                    <p:set>
+                                      <p:cBhvr>
+                                        <p:cTn id="9" dur="1" fill="hold">
+                                          <p:stCondLst>
+                                            <p:cond delay="0"/>
+                                          </p:stCondLst>
+                                        </p:cTn>
+                                        <p:tgtEl>
+                                          <p:spTgt spid="9"/>
+                                        </p:tgtEl>
+                                        <p:attrNameLst>
+                                          <p:attrName>style.visibility</p:attrName>
+                                        </p:attrNameLst>
+                                      </p:cBhvr>
+                                      <p:to>
+                                        <p:strVal val="visible"/>
+                                      </p:to>
+                                    </p:set>
+                                    <p:animEffect transition="in" filter="fade">
+                                      <p:cBhvr>
+                                        <p:cTn id="10" dur="500"/>
+                                        <p:tgtEl>
+                                          <p:spTgt spid="9"/>
+                                        </p:tgtEl>
+                                      </p:cBhvr>
+                                    </p:animEffect>
+                                  </p:childTnLst>
+                                </p:cTn>
+                              </p:par>
+                            </p:childTnLst>
+                          </p:cTn>
+                        </p:par>
+                      </p:childTnLst>
+                    </p:cTn>
+                  </p:par>
+                  <p:par>
+                    <p:cTn id="11" fill="hold">
+                      <p:stCondLst>
+                        <p:cond delay="indefinite"/>
+                      </p:stCondLst>
+                      <p:childTnLst>
+                        <p:par>
+                          <p:cTn id="12" fill="hold">
+                            <p:stCondLst>
+                              <p:cond delay="0"/>
+                            </p:stCondLst>
+                            <p:childTnLst>
+                              <p:par>
+                                <p:cTn id="13" presetID="10" presetClass="entr" presetSubtype="0" fill="hold" nodeType="clickEffect">
+                                  <p:stCondLst>
+                                    <p:cond delay="0"/>
+                                  </p:stCondLst>
+                                  <p:childTnLst>
+                                    <p:set>
+                                      <p:cBhvr>
+                                        <p:cTn id="14" dur="1" fill="hold">
+                                          <p:stCondLst>
+                                            <p:cond delay="0"/>
+                                          </p:stCondLst>
+                                        </p:cTn>
+                                        <p:tgtEl>
+                                          <p:spTgt spid="11"/>
+                                        </p:tgtEl>
+                                        <p:attrNameLst>
+                                          <p:attrName>style.visibility</p:attrName>
+                                        </p:attrNameLst>
+                                      </p:cBhvr>
+                                      <p:to>
+                                        <p:strVal val="visible"/>
+                                      </p:to>
+                                    </p:set>
+                                    <p:animEffect transition="in" filter="fade">
+                                      <p:cBhvr>
+                                        <p:cTn id="15" dur="500"/>
+                                        <p:tgtEl>
+                                          <p:spTgt spid="11"/>
+                                        </p:tgtEl>
+                                      </p:cBhvr>
+                                    </p:animEffect>
+                                  </p:childTnLst>
+                                </p:cTn>
+                              </p:par>
+                            </p:childTnLst>
+                          </p:cTn>
+                        </p:par>
+                      </p:childTnLst>
+                    </p:cTn>
+                  </p:par>
+                  <p:par>
+                    <p:cTn id="16" fill="hold">
+                      <p:stCondLst>
+                        <p:cond delay="indefinite"/>
+                      </p:stCondLst>
+                      <p:childTnLst>
+                        <p:par>
+                          <p:cTn id="17" fill="hold">
+                            <p:stCondLst>
+                              <p:cond delay="0"/>
+                            </p:stCondLst>
+                            <p:childTnLst>
+                              <p:par>
+                                <p:cTn id="18" presetID="10" presetClass="entr" presetSubtype="0" fill="hold" grpId="0" nodeType="clickEffect">
+                                  <p:stCondLst>
+                                    <p:cond delay="0"/>
+                                  </p:stCondLst>
+                                  <p:childTnLst>
+                                    <p:set>
+                                      <p:cBhvr>
+                                        <p:cTn id="19" dur="1" fill="hold">
+                                          <p:stCondLst>
+                                            <p:cond delay="0"/>
+                                          </p:stCondLst>
+                                        </p:cTn>
+                                        <p:tgtEl>
+                                          <p:spTgt spid="10"/>
+                                        </p:tgtEl>
+                                        <p:attrNameLst>
+                                          <p:attrName>style.visibility</p:attrName>
+                                        </p:attrNameLst>
+                                      </p:cBhvr>
+                                      <p:to>
+                                        <p:strVal val="visible"/>
+                                      </p:to>
+                                    </p:set>
+                                    <p:animEffect transition="in" filter="fade">
+                                      <p:cBhvr>
+                                        <p:cTn id="20" dur="500"/>
+                                        <p:tgtEl>
+                                          <p:spTgt spid="10"/>
+                                        </p:tgtEl>
+                                      </p:cBhvr>
+                                    </p:animEffect>
+                                  </p:childTnLst>
+                                </p:cTn>
+                              </p:par>
+                            </p:childTnLst>
+                          </p:cTn>
+                        </p:par>
+                      </p:childTnLst>
+                    </p:cTn>
+                  </p:par>
+                </p:childTnLst>
+              </p:cTn>
+              <p:prevCondLst>
+                <p:cond evt="onPrev" delay="0">
+                  <p:tgtEl>
+                    <p:sldTgt/>
+                  </p:tgtEl>
+                </p:cond>
+              </p:prevCondLst>
+              <p:nextCondLst>
+                <p:cond evt="onNext" delay="0">
+                  <p:tgtEl>
+                    <p:sldTgt/>
+                  </p:tgtEl>
+                </p:cond>
+              </p:nextCondLst>
+            </p:seq>
+          </p:childTnLst>
+        </p:cTn>
       </p:par>
     </p:tnLst>
+    <p:bldLst>
+      <p:bldP spid="101" grpId="0"/>
+      <p:bldP spid="10" grpId="0"/>
+    </p:bldLst>
   </p:timing>
 </p:sld>
 </file>
@@ -15253,7 +16459,7 @@
           <p:cNvPr id="17" name="Picture 2" descr="PlantUML Diagram">
             <a:extLst>
               <a:ext uri="{FF2B5EF4-FFF2-40B4-BE49-F238E27FC236}">
-                <a16:creationId xmlns:a16="http://schemas.microsoft.com/office/drawing/2014/main" xmlns="" id="{6091BF8A-DB6C-41EB-A023-F079D46A0221}"/>
+                <a16:creationId xmlns="" xmlns:a16="http://schemas.microsoft.com/office/drawing/2014/main" id="{6091BF8A-DB6C-41EB-A023-F079D46A0221}"/>
               </a:ext>
             </a:extLst>
           </p:cNvPr>
@@ -15300,7 +16506,7 @@
           <p:cNvPr id="18" name="Picture 2" descr="PlantUML Diagram">
             <a:extLst>
               <a:ext uri="{FF2B5EF4-FFF2-40B4-BE49-F238E27FC236}">
-                <a16:creationId xmlns:a16="http://schemas.microsoft.com/office/drawing/2014/main" xmlns="" id="{8BB2D1BB-5A30-4AD9-B0C2-C2AED90890FF}"/>
+                <a16:creationId xmlns="" xmlns:a16="http://schemas.microsoft.com/office/drawing/2014/main" id="{8BB2D1BB-5A30-4AD9-B0C2-C2AED90890FF}"/>
               </a:ext>
             </a:extLst>
           </p:cNvPr>
@@ -15456,9 +16662,266 @@
   <p:timing>
     <p:tnLst>
       <p:par>
-        <p:cTn id="1" dur="indefinite" restart="never" nodeType="tmRoot"/>
+        <p:cTn id="1" dur="indefinite" restart="never" nodeType="tmRoot">
+          <p:childTnLst>
+            <p:seq concurrent="1" nextAc="seek">
+              <p:cTn id="2" dur="indefinite" nodeType="mainSeq">
+                <p:childTnLst>
+                  <p:par>
+                    <p:cTn id="3" fill="hold">
+                      <p:stCondLst>
+                        <p:cond delay="indefinite"/>
+                      </p:stCondLst>
+                      <p:childTnLst>
+                        <p:par>
+                          <p:cTn id="4" fill="hold">
+                            <p:stCondLst>
+                              <p:cond delay="0"/>
+                            </p:stCondLst>
+                            <p:childTnLst>
+                              <p:par>
+                                <p:cTn id="5" presetID="10" presetClass="entr" presetSubtype="0" fill="hold" grpId="0" nodeType="clickEffect">
+                                  <p:stCondLst>
+                                    <p:cond delay="0"/>
+                                  </p:stCondLst>
+                                  <p:childTnLst>
+                                    <p:set>
+                                      <p:cBhvr>
+                                        <p:cTn id="6" dur="1" fill="hold">
+                                          <p:stCondLst>
+                                            <p:cond delay="0"/>
+                                          </p:stCondLst>
+                                        </p:cTn>
+                                        <p:tgtEl>
+                                          <p:spTgt spid="101"/>
+                                        </p:tgtEl>
+                                        <p:attrNameLst>
+                                          <p:attrName>style.visibility</p:attrName>
+                                        </p:attrNameLst>
+                                      </p:cBhvr>
+                                      <p:to>
+                                        <p:strVal val="visible"/>
+                                      </p:to>
+                                    </p:set>
+                                    <p:animEffect transition="in" filter="fade">
+                                      <p:cBhvr>
+                                        <p:cTn id="7" dur="500"/>
+                                        <p:tgtEl>
+                                          <p:spTgt spid="101"/>
+                                        </p:tgtEl>
+                                      </p:cBhvr>
+                                    </p:animEffect>
+                                  </p:childTnLst>
+                                </p:cTn>
+                              </p:par>
+                              <p:par>
+                                <p:cTn id="8" presetID="10" presetClass="entr" presetSubtype="0" fill="hold" nodeType="withEffect">
+                                  <p:stCondLst>
+                                    <p:cond delay="0"/>
+                                  </p:stCondLst>
+                                  <p:childTnLst>
+                                    <p:set>
+                                      <p:cBhvr>
+                                        <p:cTn id="9" dur="1" fill="hold">
+                                          <p:stCondLst>
+                                            <p:cond delay="0"/>
+                                          </p:stCondLst>
+                                        </p:cTn>
+                                        <p:tgtEl>
+                                          <p:spTgt spid="18"/>
+                                        </p:tgtEl>
+                                        <p:attrNameLst>
+                                          <p:attrName>style.visibility</p:attrName>
+                                        </p:attrNameLst>
+                                      </p:cBhvr>
+                                      <p:to>
+                                        <p:strVal val="visible"/>
+                                      </p:to>
+                                    </p:set>
+                                    <p:animEffect transition="in" filter="fade">
+                                      <p:cBhvr>
+                                        <p:cTn id="10" dur="500"/>
+                                        <p:tgtEl>
+                                          <p:spTgt spid="18"/>
+                                        </p:tgtEl>
+                                      </p:cBhvr>
+                                    </p:animEffect>
+                                  </p:childTnLst>
+                                </p:cTn>
+                              </p:par>
+                            </p:childTnLst>
+                          </p:cTn>
+                        </p:par>
+                      </p:childTnLst>
+                    </p:cTn>
+                  </p:par>
+                  <p:par>
+                    <p:cTn id="11" fill="hold">
+                      <p:stCondLst>
+                        <p:cond delay="indefinite"/>
+                      </p:stCondLst>
+                      <p:childTnLst>
+                        <p:par>
+                          <p:cTn id="12" fill="hold">
+                            <p:stCondLst>
+                              <p:cond delay="0"/>
+                            </p:stCondLst>
+                            <p:childTnLst>
+                              <p:par>
+                                <p:cTn id="13" presetID="10" presetClass="entr" presetSubtype="0" fill="hold" grpId="0" nodeType="clickEffect">
+                                  <p:stCondLst>
+                                    <p:cond delay="0"/>
+                                  </p:stCondLst>
+                                  <p:childTnLst>
+                                    <p:set>
+                                      <p:cBhvr>
+                                        <p:cTn id="14" dur="1" fill="hold">
+                                          <p:stCondLst>
+                                            <p:cond delay="0"/>
+                                          </p:stCondLst>
+                                        </p:cTn>
+                                        <p:tgtEl>
+                                          <p:spTgt spid="19"/>
+                                        </p:tgtEl>
+                                        <p:attrNameLst>
+                                          <p:attrName>style.visibility</p:attrName>
+                                        </p:attrNameLst>
+                                      </p:cBhvr>
+                                      <p:to>
+                                        <p:strVal val="visible"/>
+                                      </p:to>
+                                    </p:set>
+                                    <p:animEffect transition="in" filter="fade">
+                                      <p:cBhvr>
+                                        <p:cTn id="15" dur="500"/>
+                                        <p:tgtEl>
+                                          <p:spTgt spid="19"/>
+                                        </p:tgtEl>
+                                      </p:cBhvr>
+                                    </p:animEffect>
+                                  </p:childTnLst>
+                                </p:cTn>
+                              </p:par>
+                              <p:par>
+                                <p:cTn id="16" presetID="10" presetClass="entr" presetSubtype="0" fill="hold" nodeType="withEffect">
+                                  <p:stCondLst>
+                                    <p:cond delay="0"/>
+                                  </p:stCondLst>
+                                  <p:childTnLst>
+                                    <p:set>
+                                      <p:cBhvr>
+                                        <p:cTn id="17" dur="1" fill="hold">
+                                          <p:stCondLst>
+                                            <p:cond delay="0"/>
+                                          </p:stCondLst>
+                                        </p:cTn>
+                                        <p:tgtEl>
+                                          <p:spTgt spid="17"/>
+                                        </p:tgtEl>
+                                        <p:attrNameLst>
+                                          <p:attrName>style.visibility</p:attrName>
+                                        </p:attrNameLst>
+                                      </p:cBhvr>
+                                      <p:to>
+                                        <p:strVal val="visible"/>
+                                      </p:to>
+                                    </p:set>
+                                    <p:animEffect transition="in" filter="fade">
+                                      <p:cBhvr>
+                                        <p:cTn id="18" dur="500"/>
+                                        <p:tgtEl>
+                                          <p:spTgt spid="17"/>
+                                        </p:tgtEl>
+                                      </p:cBhvr>
+                                    </p:animEffect>
+                                  </p:childTnLst>
+                                </p:cTn>
+                              </p:par>
+                            </p:childTnLst>
+                          </p:cTn>
+                        </p:par>
+                      </p:childTnLst>
+                    </p:cTn>
+                  </p:par>
+                  <p:par>
+                    <p:cTn id="19" fill="hold">
+                      <p:stCondLst>
+                        <p:cond delay="indefinite"/>
+                      </p:stCondLst>
+                      <p:childTnLst>
+                        <p:par>
+                          <p:cTn id="20" fill="hold">
+                            <p:stCondLst>
+                              <p:cond delay="0"/>
+                            </p:stCondLst>
+                            <p:childTnLst>
+                              <p:par>
+                                <p:cTn id="21" presetID="10" presetClass="entr" presetSubtype="0" fill="hold" grpId="0" nodeType="clickEffect">
+                                  <p:stCondLst>
+                                    <p:cond delay="0"/>
+                                  </p:stCondLst>
+                                  <p:childTnLst>
+                                    <p:set>
+                                      <p:cBhvr>
+                                        <p:cTn id="22" dur="1" fill="hold">
+                                          <p:stCondLst>
+                                            <p:cond delay="0"/>
+                                          </p:stCondLst>
+                                        </p:cTn>
+                                        <p:tgtEl>
+                                          <p:spTgt spid="20"/>
+                                        </p:tgtEl>
+                                        <p:attrNameLst>
+                                          <p:attrName>style.visibility</p:attrName>
+                                        </p:attrNameLst>
+                                      </p:cBhvr>
+                                      <p:to>
+                                        <p:strVal val="visible"/>
+                                      </p:to>
+                                    </p:set>
+                                    <p:animEffect transition="in" filter="fade">
+                                      <p:cBhvr>
+                                        <p:cTn id="23" dur="500"/>
+                                        <p:tgtEl>
+                                          <p:spTgt spid="20"/>
+                                        </p:tgtEl>
+                                      </p:cBhvr>
+                                    </p:animEffect>
+                                  </p:childTnLst>
+                                </p:cTn>
+                              </p:par>
+                            </p:childTnLst>
+                          </p:cTn>
+                        </p:par>
+                      </p:childTnLst>
+                    </p:cTn>
+                  </p:par>
+                </p:childTnLst>
+              </p:cTn>
+              <p:prevCondLst>
+                <p:cond evt="onPrev" delay="0">
+                  <p:tgtEl>
+                    <p:sldTgt/>
+                  </p:tgtEl>
+                </p:cond>
+              </p:prevCondLst>
+              <p:nextCondLst>
+                <p:cond evt="onNext" delay="0">
+                  <p:tgtEl>
+                    <p:sldTgt/>
+                  </p:tgtEl>
+                </p:cond>
+              </p:nextCondLst>
+            </p:seq>
+          </p:childTnLst>
+        </p:cTn>
       </p:par>
     </p:tnLst>
+    <p:bldLst>
+      <p:bldP spid="101" grpId="0"/>
+      <p:bldP spid="19" grpId="0" animBg="1"/>
+      <p:bldP spid="20" grpId="0"/>
+    </p:bldLst>
   </p:timing>
 </p:sld>
 </file>
@@ -15678,9 +17141,142 @@
   <p:timing>
     <p:tnLst>
       <p:par>
-        <p:cTn id="1" dur="indefinite" restart="never" nodeType="tmRoot"/>
+        <p:cTn id="1" dur="indefinite" restart="never" nodeType="tmRoot">
+          <p:childTnLst>
+            <p:seq concurrent="1" nextAc="seek">
+              <p:cTn id="2" dur="indefinite" nodeType="mainSeq">
+                <p:childTnLst>
+                  <p:par>
+                    <p:cTn id="3" fill="hold">
+                      <p:stCondLst>
+                        <p:cond delay="indefinite"/>
+                      </p:stCondLst>
+                      <p:childTnLst>
+                        <p:par>
+                          <p:cTn id="4" fill="hold">
+                            <p:stCondLst>
+                              <p:cond delay="0"/>
+                            </p:stCondLst>
+                            <p:childTnLst>
+                              <p:par>
+                                <p:cTn id="5" presetID="10" presetClass="entr" presetSubtype="0" fill="hold" grpId="0" nodeType="clickEffect">
+                                  <p:stCondLst>
+                                    <p:cond delay="0"/>
+                                  </p:stCondLst>
+                                  <p:childTnLst>
+                                    <p:set>
+                                      <p:cBhvr>
+                                        <p:cTn id="6" dur="1" fill="hold">
+                                          <p:stCondLst>
+                                            <p:cond delay="0"/>
+                                          </p:stCondLst>
+                                        </p:cTn>
+                                        <p:tgtEl>
+                                          <p:spTgt spid="101"/>
+                                        </p:tgtEl>
+                                        <p:attrNameLst>
+                                          <p:attrName>style.visibility</p:attrName>
+                                        </p:attrNameLst>
+                                      </p:cBhvr>
+                                      <p:to>
+                                        <p:strVal val="visible"/>
+                                      </p:to>
+                                    </p:set>
+                                    <p:animEffect transition="in" filter="fade">
+                                      <p:cBhvr>
+                                        <p:cTn id="7" dur="500"/>
+                                        <p:tgtEl>
+                                          <p:spTgt spid="101"/>
+                                        </p:tgtEl>
+                                      </p:cBhvr>
+                                    </p:animEffect>
+                                  </p:childTnLst>
+                                </p:cTn>
+                              </p:par>
+                            </p:childTnLst>
+                          </p:cTn>
+                        </p:par>
+                      </p:childTnLst>
+                    </p:cTn>
+                  </p:par>
+                  <p:par>
+                    <p:cTn id="8" fill="hold">
+                      <p:stCondLst>
+                        <p:cond delay="indefinite"/>
+                      </p:stCondLst>
+                      <p:childTnLst>
+                        <p:par>
+                          <p:cTn id="9" fill="hold">
+                            <p:stCondLst>
+                              <p:cond delay="0"/>
+                            </p:stCondLst>
+                            <p:childTnLst>
+                              <p:par>
+                                <p:cTn id="10" presetID="10" presetClass="entr" presetSubtype="0" fill="hold" grpId="0" nodeType="clickEffect">
+                                  <p:stCondLst>
+                                    <p:cond delay="0"/>
+                                  </p:stCondLst>
+                                  <p:childTnLst>
+                                    <p:set>
+                                      <p:cBhvr>
+                                        <p:cTn id="11" dur="1" fill="hold">
+                                          <p:stCondLst>
+                                            <p:cond delay="0"/>
+                                          </p:stCondLst>
+                                        </p:cTn>
+                                        <p:tgtEl>
+                                          <p:spTgt spid="104"/>
+                                        </p:tgtEl>
+                                        <p:attrNameLst>
+                                          <p:attrName>style.visibility</p:attrName>
+                                        </p:attrNameLst>
+                                      </p:cBhvr>
+                                      <p:to>
+                                        <p:strVal val="visible"/>
+                                      </p:to>
+                                    </p:set>
+                                    <p:animEffect transition="in" filter="fade">
+                                      <p:cBhvr>
+                                        <p:cTn id="12" dur="500"/>
+                                        <p:tgtEl>
+                                          <p:spTgt spid="104"/>
+                                        </p:tgtEl>
+                                      </p:cBhvr>
+                                    </p:animEffect>
+                                  </p:childTnLst>
+                                </p:cTn>
+                              </p:par>
+                            </p:childTnLst>
+                          </p:cTn>
+                        </p:par>
+                      </p:childTnLst>
+                    </p:cTn>
+                  </p:par>
+                </p:childTnLst>
+              </p:cTn>
+              <p:prevCondLst>
+                <p:cond evt="onPrev" delay="0">
+                  <p:tgtEl>
+                    <p:sldTgt/>
+                  </p:tgtEl>
+                </p:cond>
+              </p:prevCondLst>
+              <p:nextCondLst>
+                <p:cond evt="onNext" delay="0">
+                  <p:tgtEl>
+                    <p:sldTgt/>
+                  </p:tgtEl>
+                </p:cond>
+              </p:nextCondLst>
+            </p:seq>
+          </p:childTnLst>
+        </p:cTn>
       </p:par>
     </p:tnLst>
+    <p:bldLst>
+      <p:bldP spid="101" grpId="0"/>
+      <p:bldP spid="104" grpId="0"/>
+    </p:bldLst>
   </p:timing>
 </p:sld>
 </file>
@@ -15886,9 +17482,142 @@
   <p:timing>
     <p:tnLst>
       <p:par>
-        <p:cTn id="1" dur="indefinite" restart="never" nodeType="tmRoot"/>
+        <p:cTn id="1" dur="indefinite" restart="never" nodeType="tmRoot">
+          <p:childTnLst>
+            <p:seq concurrent="1" nextAc="seek">
+              <p:cTn id="2" dur="indefinite" nodeType="mainSeq">
+                <p:childTnLst>
+                  <p:par>
+                    <p:cTn id="3" fill="hold">
+                      <p:stCondLst>
+                        <p:cond delay="indefinite"/>
+                      </p:stCondLst>
+                      <p:childTnLst>
+                        <p:par>
+                          <p:cTn id="4" fill="hold">
+                            <p:stCondLst>
+                              <p:cond delay="0"/>
+                            </p:stCondLst>
+                            <p:childTnLst>
+                              <p:par>
+                                <p:cTn id="5" presetID="10" presetClass="entr" presetSubtype="0" fill="hold" grpId="0" nodeType="clickEffect">
+                                  <p:stCondLst>
+                                    <p:cond delay="0"/>
+                                  </p:stCondLst>
+                                  <p:childTnLst>
+                                    <p:set>
+                                      <p:cBhvr>
+                                        <p:cTn id="6" dur="1" fill="hold">
+                                          <p:stCondLst>
+                                            <p:cond delay="0"/>
+                                          </p:stCondLst>
+                                        </p:cTn>
+                                        <p:tgtEl>
+                                          <p:spTgt spid="101"/>
+                                        </p:tgtEl>
+                                        <p:attrNameLst>
+                                          <p:attrName>style.visibility</p:attrName>
+                                        </p:attrNameLst>
+                                      </p:cBhvr>
+                                      <p:to>
+                                        <p:strVal val="visible"/>
+                                      </p:to>
+                                    </p:set>
+                                    <p:animEffect transition="in" filter="fade">
+                                      <p:cBhvr>
+                                        <p:cTn id="7" dur="500"/>
+                                        <p:tgtEl>
+                                          <p:spTgt spid="101"/>
+                                        </p:tgtEl>
+                                      </p:cBhvr>
+                                    </p:animEffect>
+                                  </p:childTnLst>
+                                </p:cTn>
+                              </p:par>
+                            </p:childTnLst>
+                          </p:cTn>
+                        </p:par>
+                      </p:childTnLst>
+                    </p:cTn>
+                  </p:par>
+                  <p:par>
+                    <p:cTn id="8" fill="hold">
+                      <p:stCondLst>
+                        <p:cond delay="indefinite"/>
+                      </p:stCondLst>
+                      <p:childTnLst>
+                        <p:par>
+                          <p:cTn id="9" fill="hold">
+                            <p:stCondLst>
+                              <p:cond delay="0"/>
+                            </p:stCondLst>
+                            <p:childTnLst>
+                              <p:par>
+                                <p:cTn id="10" presetID="10" presetClass="entr" presetSubtype="0" fill="hold" grpId="0" nodeType="clickEffect">
+                                  <p:stCondLst>
+                                    <p:cond delay="0"/>
+                                  </p:stCondLst>
+                                  <p:childTnLst>
+                                    <p:set>
+                                      <p:cBhvr>
+                                        <p:cTn id="11" dur="1" fill="hold">
+                                          <p:stCondLst>
+                                            <p:cond delay="0"/>
+                                          </p:stCondLst>
+                                        </p:cTn>
+                                        <p:tgtEl>
+                                          <p:spTgt spid="104"/>
+                                        </p:tgtEl>
+                                        <p:attrNameLst>
+                                          <p:attrName>style.visibility</p:attrName>
+                                        </p:attrNameLst>
+                                      </p:cBhvr>
+                                      <p:to>
+                                        <p:strVal val="visible"/>
+                                      </p:to>
+                                    </p:set>
+                                    <p:animEffect transition="in" filter="fade">
+                                      <p:cBhvr>
+                                        <p:cTn id="12" dur="500"/>
+                                        <p:tgtEl>
+                                          <p:spTgt spid="104"/>
+                                        </p:tgtEl>
+                                      </p:cBhvr>
+                                    </p:animEffect>
+                                  </p:childTnLst>
+                                </p:cTn>
+                              </p:par>
+                            </p:childTnLst>
+                          </p:cTn>
+                        </p:par>
+                      </p:childTnLst>
+                    </p:cTn>
+                  </p:par>
+                </p:childTnLst>
+              </p:cTn>
+              <p:prevCondLst>
+                <p:cond evt="onPrev" delay="0">
+                  <p:tgtEl>
+                    <p:sldTgt/>
+                  </p:tgtEl>
+                </p:cond>
+              </p:prevCondLst>
+              <p:nextCondLst>
+                <p:cond evt="onNext" delay="0">
+                  <p:tgtEl>
+                    <p:sldTgt/>
+                  </p:tgtEl>
+                </p:cond>
+              </p:nextCondLst>
+            </p:seq>
+          </p:childTnLst>
+        </p:cTn>
       </p:par>
     </p:tnLst>
+    <p:bldLst>
+      <p:bldP spid="101" grpId="0"/>
+      <p:bldP spid="104" grpId="0"/>
+    </p:bldLst>
   </p:timing>
 </p:sld>
 </file>
@@ -16089,9 +17818,123 @@
   <p:timing>
     <p:tnLst>
       <p:par>
-        <p:cTn id="1" dur="indefinite" restart="never" nodeType="tmRoot"/>
+        <p:cTn id="1" dur="indefinite" restart="never" nodeType="tmRoot">
+          <p:childTnLst>
+            <p:seq concurrent="1" nextAc="seek">
+              <p:cTn id="2" dur="indefinite" nodeType="mainSeq">
+                <p:childTnLst>
+                  <p:par>
+                    <p:cTn id="3" fill="hold">
+                      <p:stCondLst>
+                        <p:cond delay="indefinite"/>
+                      </p:stCondLst>
+                      <p:childTnLst>
+                        <p:par>
+                          <p:cTn id="4" fill="hold">
+                            <p:stCondLst>
+                              <p:cond delay="0"/>
+                            </p:stCondLst>
+                            <p:childTnLst>
+                              <p:par>
+                                <p:cTn id="5" presetID="10" presetClass="entr" presetSubtype="0" fill="hold" grpId="0" nodeType="clickEffect">
+                                  <p:stCondLst>
+                                    <p:cond delay="0"/>
+                                  </p:stCondLst>
+                                  <p:childTnLst>
+                                    <p:set>
+                                      <p:cBhvr>
+                                        <p:cTn id="6" dur="1" fill="hold">
+                                          <p:stCondLst>
+                                            <p:cond delay="0"/>
+                                          </p:stCondLst>
+                                        </p:cTn>
+                                        <p:tgtEl>
+                                          <p:spTgt spid="101"/>
+                                        </p:tgtEl>
+                                        <p:attrNameLst>
+                                          <p:attrName>style.visibility</p:attrName>
+                                        </p:attrNameLst>
+                                      </p:cBhvr>
+                                      <p:to>
+                                        <p:strVal val="visible"/>
+                                      </p:to>
+                                    </p:set>
+                                    <p:animEffect transition="in" filter="fade">
+                                      <p:cBhvr>
+                                        <p:cTn id="7" dur="500"/>
+                                        <p:tgtEl>
+                                          <p:spTgt spid="101"/>
+                                        </p:tgtEl>
+                                      </p:cBhvr>
+                                    </p:animEffect>
+                                  </p:childTnLst>
+                                </p:cTn>
+                              </p:par>
+                              <p:par>
+                                <p:cTn id="8" presetID="10" presetClass="entr" presetSubtype="0" fill="hold" nodeType="withEffect">
+                                  <p:stCondLst>
+                                    <p:cond delay="0"/>
+                                  </p:stCondLst>
+                                  <p:childTnLst>
+                                    <p:set>
+                                      <p:cBhvr>
+                                        <p:cTn id="9" dur="1" fill="hold">
+                                          <p:stCondLst>
+                                            <p:cond delay="0"/>
+                                          </p:stCondLst>
+                                        </p:cTn>
+                                        <p:tgtEl>
+                                          <p:spTgt spid="2"/>
+                                        </p:tgtEl>
+                                        <p:attrNameLst>
+                                          <p:attrName>style.visibility</p:attrName>
+                                        </p:attrNameLst>
+                                      </p:cBhvr>
+                                      <p:to>
+                                        <p:strVal val="visible"/>
+                                      </p:to>
+                                    </p:set>
+                                    <p:animEffect transition="in" filter="fade">
+                                      <p:cBhvr>
+                                        <p:cTn id="10" dur="500"/>
+                                        <p:tgtEl>
+                                          <p:spTgt spid="2"/>
+                                        </p:tgtEl>
+                                      </p:cBhvr>
+                                    </p:animEffect>
+                                  </p:childTnLst>
+                                </p:cTn>
+                              </p:par>
+                            </p:childTnLst>
+                          </p:cTn>
+                        </p:par>
+                      </p:childTnLst>
+                    </p:cTn>
+                  </p:par>
+                </p:childTnLst>
+              </p:cTn>
+              <p:prevCondLst>
+                <p:cond evt="onPrev" delay="0">
+                  <p:tgtEl>
+                    <p:sldTgt/>
+                  </p:tgtEl>
+                </p:cond>
+              </p:prevCondLst>
+              <p:nextCondLst>
+                <p:cond evt="onNext" delay="0">
+                  <p:tgtEl>
+                    <p:sldTgt/>
+                  </p:tgtEl>
+                </p:cond>
+              </p:nextCondLst>
+            </p:seq>
+          </p:childTnLst>
+        </p:cTn>
       </p:par>
     </p:tnLst>
+    <p:bldLst>
+      <p:bldP spid="101" grpId="0"/>
+    </p:bldLst>
   </p:timing>
 </p:sld>
 </file>
@@ -16490,9 +18333,159 @@
   <p:timing>
     <p:tnLst>
       <p:par>
-        <p:cTn id="1" dur="indefinite" restart="never" nodeType="tmRoot"/>
+        <p:cTn id="1" dur="indefinite" restart="never" nodeType="tmRoot">
+          <p:childTnLst>
+            <p:seq concurrent="1" nextAc="seek">
+              <p:cTn id="2" dur="indefinite" nodeType="mainSeq">
+                <p:childTnLst>
+                  <p:par>
+                    <p:cTn id="3" fill="hold">
+                      <p:stCondLst>
+                        <p:cond delay="indefinite"/>
+                      </p:stCondLst>
+                      <p:childTnLst>
+                        <p:par>
+                          <p:cTn id="4" fill="hold">
+                            <p:stCondLst>
+                              <p:cond delay="0"/>
+                            </p:stCondLst>
+                            <p:childTnLst>
+                              <p:par>
+                                <p:cTn id="5" presetID="10" presetClass="entr" presetSubtype="0" fill="hold" grpId="0" nodeType="clickEffect">
+                                  <p:stCondLst>
+                                    <p:cond delay="0"/>
+                                  </p:stCondLst>
+                                  <p:childTnLst>
+                                    <p:set>
+                                      <p:cBhvr>
+                                        <p:cTn id="6" dur="1" fill="hold">
+                                          <p:stCondLst>
+                                            <p:cond delay="0"/>
+                                          </p:stCondLst>
+                                        </p:cTn>
+                                        <p:tgtEl>
+                                          <p:spTgt spid="101"/>
+                                        </p:tgtEl>
+                                        <p:attrNameLst>
+                                          <p:attrName>style.visibility</p:attrName>
+                                        </p:attrNameLst>
+                                      </p:cBhvr>
+                                      <p:to>
+                                        <p:strVal val="visible"/>
+                                      </p:to>
+                                    </p:set>
+                                    <p:animEffect transition="in" filter="fade">
+                                      <p:cBhvr>
+                                        <p:cTn id="7" dur="500"/>
+                                        <p:tgtEl>
+                                          <p:spTgt spid="101"/>
+                                        </p:tgtEl>
+                                      </p:cBhvr>
+                                    </p:animEffect>
+                                  </p:childTnLst>
+                                </p:cTn>
+                              </p:par>
+                              <p:par>
+                                <p:cTn id="8" presetID="10" presetClass="entr" presetSubtype="0" fill="hold" grpId="0" nodeType="withEffect">
+                                  <p:stCondLst>
+                                    <p:cond delay="0"/>
+                                  </p:stCondLst>
+                                  <p:childTnLst>
+                                    <p:set>
+                                      <p:cBhvr>
+                                        <p:cTn id="9" dur="1" fill="hold">
+                                          <p:stCondLst>
+                                            <p:cond delay="0"/>
+                                          </p:stCondLst>
+                                        </p:cTn>
+                                        <p:tgtEl>
+                                          <p:spTgt spid="104"/>
+                                        </p:tgtEl>
+                                        <p:attrNameLst>
+                                          <p:attrName>style.visibility</p:attrName>
+                                        </p:attrNameLst>
+                                      </p:cBhvr>
+                                      <p:to>
+                                        <p:strVal val="visible"/>
+                                      </p:to>
+                                    </p:set>
+                                    <p:animEffect transition="in" filter="fade">
+                                      <p:cBhvr>
+                                        <p:cTn id="10" dur="500"/>
+                                        <p:tgtEl>
+                                          <p:spTgt spid="104"/>
+                                        </p:tgtEl>
+                                      </p:cBhvr>
+                                    </p:animEffect>
+                                  </p:childTnLst>
+                                </p:cTn>
+                              </p:par>
+                              <p:par>
+                                <p:cTn id="11" presetID="10" presetClass="entr" presetSubtype="0" fill="hold" nodeType="withEffect">
+                                  <p:stCondLst>
+                                    <p:cond delay="0"/>
+                                  </p:stCondLst>
+                                  <p:childTnLst>
+                                    <p:set>
+                                      <p:cBhvr>
+                                        <p:cTn id="12" dur="1" fill="hold">
+                                          <p:stCondLst>
+                                            <p:cond delay="0"/>
+                                          </p:stCondLst>
+                                        </p:cTn>
+                                        <p:tgtEl>
+                                          <p:spTgt spid="6"/>
+                                        </p:tgtEl>
+                                        <p:attrNameLst>
+                                          <p:attrName>style.visibility</p:attrName>
+                                        </p:attrNameLst>
+                                      </p:cBhvr>
+                                      <p:to>
+                                        <p:strVal val="visible"/>
+                                      </p:to>
+                                    </p:set>
+                                    <p:animEffect transition="in" filter="fade">
+                                      <p:cBhvr>
+                                        <p:cTn id="13" dur="500"/>
+                                        <p:tgtEl>
+                                          <p:spTgt spid="6"/>
+                                        </p:tgtEl>
+                                      </p:cBhvr>
+                                    </p:animEffect>
+                                  </p:childTnLst>
+                                </p:cTn>
+                              </p:par>
+                            </p:childTnLst>
+                          </p:cTn>
+                        </p:par>
+                      </p:childTnLst>
+                    </p:cTn>
+                  </p:par>
+                </p:childTnLst>
+              </p:cTn>
+              <p:prevCondLst>
+                <p:cond evt="onPrev" delay="0">
+                  <p:tgtEl>
+                    <p:sldTgt/>
+                  </p:tgtEl>
+                </p:cond>
+              </p:prevCondLst>
+              <p:nextCondLst>
+                <p:cond evt="onNext" delay="0">
+                  <p:tgtEl>
+                    <p:sldTgt/>
+                  </p:tgtEl>
+                </p:cond>
+              </p:nextCondLst>
+            </p:seq>
+          </p:childTnLst>
+        </p:cTn>
       </p:par>
     </p:tnLst>
+    <p:bldLst>
+      <p:bldP spid="101" grpId="0"/>
+      <p:bldP spid="104" grpId="0"/>
+    </p:bldLst>
   </p:timing>
 </p:sld>
 </file>
@@ -16742,7 +18735,7 @@
           <p:cNvPr id="6" name="Picture 4" descr="PlantUML Diagram">
             <a:extLst>
               <a:ext uri="{FF2B5EF4-FFF2-40B4-BE49-F238E27FC236}">
-                <a16:creationId xmlns="" xmlns:a16="http://schemas.microsoft.com/office/drawing/2014/main" id="{40B58331-CE09-4A3D-83B4-567D1A06E2B2}"/>
+                <a16:creationId xmlns:a16="http://schemas.microsoft.com/office/drawing/2014/main" xmlns="" id="{40B58331-CE09-4A3D-83B4-567D1A06E2B2}"/>
               </a:ext>
             </a:extLst>
           </p:cNvPr>
@@ -16797,9 +18790,367 @@
   <p:timing>
     <p:tnLst>
       <p:par>
-        <p:cTn id="1" dur="indefinite" restart="never" nodeType="tmRoot"/>
+        <p:cTn id="1" dur="indefinite" restart="never" nodeType="tmRoot">
+          <p:childTnLst>
+            <p:seq concurrent="1" nextAc="seek">
+              <p:cTn id="2" dur="indefinite" nodeType="mainSeq">
+                <p:childTnLst>
+                  <p:par>
+                    <p:cTn id="3" fill="hold">
+                      <p:stCondLst>
+                        <p:cond delay="indefinite"/>
+                      </p:stCondLst>
+                      <p:childTnLst>
+                        <p:par>
+                          <p:cTn id="4" fill="hold">
+                            <p:stCondLst>
+                              <p:cond delay="0"/>
+                            </p:stCondLst>
+                            <p:childTnLst>
+                              <p:par>
+                                <p:cTn id="5" presetID="10" presetClass="entr" presetSubtype="0" fill="hold" grpId="0" nodeType="clickEffect">
+                                  <p:stCondLst>
+                                    <p:cond delay="0"/>
+                                  </p:stCondLst>
+                                  <p:childTnLst>
+                                    <p:set>
+                                      <p:cBhvr>
+                                        <p:cTn id="6" dur="1" fill="hold">
+                                          <p:stCondLst>
+                                            <p:cond delay="0"/>
+                                          </p:stCondLst>
+                                        </p:cTn>
+                                        <p:tgtEl>
+                                          <p:spTgt spid="101"/>
+                                        </p:tgtEl>
+                                        <p:attrNameLst>
+                                          <p:attrName>style.visibility</p:attrName>
+                                        </p:attrNameLst>
+                                      </p:cBhvr>
+                                      <p:to>
+                                        <p:strVal val="visible"/>
+                                      </p:to>
+                                    </p:set>
+                                    <p:animEffect transition="in" filter="fade">
+                                      <p:cBhvr>
+                                        <p:cTn id="7" dur="500"/>
+                                        <p:tgtEl>
+                                          <p:spTgt spid="101"/>
+                                        </p:tgtEl>
+                                      </p:cBhvr>
+                                    </p:animEffect>
+                                  </p:childTnLst>
+                                </p:cTn>
+                              </p:par>
+                              <p:par>
+                                <p:cTn id="8" presetID="10" presetClass="entr" presetSubtype="0" fill="hold" nodeType="withEffect">
+                                  <p:stCondLst>
+                                    <p:cond delay="0"/>
+                                  </p:stCondLst>
+                                  <p:childTnLst>
+                                    <p:set>
+                                      <p:cBhvr>
+                                        <p:cTn id="9" dur="1" fill="hold">
+                                          <p:stCondLst>
+                                            <p:cond delay="0"/>
+                                          </p:stCondLst>
+                                        </p:cTn>
+                                        <p:tgtEl>
+                                          <p:spTgt spid="6"/>
+                                        </p:tgtEl>
+                                        <p:attrNameLst>
+                                          <p:attrName>style.visibility</p:attrName>
+                                        </p:attrNameLst>
+                                      </p:cBhvr>
+                                      <p:to>
+                                        <p:strVal val="visible"/>
+                                      </p:to>
+                                    </p:set>
+                                    <p:animEffect transition="in" filter="fade">
+                                      <p:cBhvr>
+                                        <p:cTn id="10" dur="500"/>
+                                        <p:tgtEl>
+                                          <p:spTgt spid="6"/>
+                                        </p:tgtEl>
+                                      </p:cBhvr>
+                                    </p:animEffect>
+                                  </p:childTnLst>
+                                </p:cTn>
+                              </p:par>
+                            </p:childTnLst>
+                          </p:cTn>
+                        </p:par>
+                      </p:childTnLst>
+                    </p:cTn>
+                  </p:par>
+                  <p:par>
+                    <p:cTn id="11" fill="hold">
+                      <p:stCondLst>
+                        <p:cond delay="indefinite"/>
+                      </p:stCondLst>
+                      <p:childTnLst>
+                        <p:par>
+                          <p:cTn id="12" fill="hold">
+                            <p:stCondLst>
+                              <p:cond delay="0"/>
+                            </p:stCondLst>
+                            <p:childTnLst>
+                              <p:par>
+                                <p:cTn id="13" presetID="10" presetClass="entr" presetSubtype="0" fill="hold" nodeType="clickEffect">
+                                  <p:stCondLst>
+                                    <p:cond delay="0"/>
+                                  </p:stCondLst>
+                                  <p:childTnLst>
+                                    <p:set>
+                                      <p:cBhvr>
+                                        <p:cTn id="14" dur="1" fill="hold">
+                                          <p:stCondLst>
+                                            <p:cond delay="0"/>
+                                          </p:stCondLst>
+                                        </p:cTn>
+                                        <p:tgtEl>
+                                          <p:spTgt spid="104">
+                                            <p:txEl>
+                                              <p:pRg st="6" end="6"/>
+                                            </p:txEl>
+                                          </p:spTgt>
+                                        </p:tgtEl>
+                                        <p:attrNameLst>
+                                          <p:attrName>style.visibility</p:attrName>
+                                        </p:attrNameLst>
+                                      </p:cBhvr>
+                                      <p:to>
+                                        <p:strVal val="visible"/>
+                                      </p:to>
+                                    </p:set>
+                                    <p:animEffect transition="in" filter="fade">
+                                      <p:cBhvr>
+                                        <p:cTn id="15" dur="500"/>
+                                        <p:tgtEl>
+                                          <p:spTgt spid="104">
+                                            <p:txEl>
+                                              <p:pRg st="6" end="6"/>
+                                            </p:txEl>
+                                          </p:spTgt>
+                                        </p:tgtEl>
+                                      </p:cBhvr>
+                                    </p:animEffect>
+                                  </p:childTnLst>
+                                </p:cTn>
+                              </p:par>
+                            </p:childTnLst>
+                          </p:cTn>
+                        </p:par>
+                      </p:childTnLst>
+                    </p:cTn>
+                  </p:par>
+                  <p:par>
+                    <p:cTn id="16" fill="hold">
+                      <p:stCondLst>
+                        <p:cond delay="indefinite"/>
+                      </p:stCondLst>
+                      <p:childTnLst>
+                        <p:par>
+                          <p:cTn id="17" fill="hold">
+                            <p:stCondLst>
+                              <p:cond delay="0"/>
+                            </p:stCondLst>
+                            <p:childTnLst>
+                              <p:par>
+                                <p:cTn id="18" presetID="10" presetClass="entr" presetSubtype="0" fill="hold" nodeType="clickEffect">
+                                  <p:stCondLst>
+                                    <p:cond delay="0"/>
+                                  </p:stCondLst>
+                                  <p:childTnLst>
+                                    <p:set>
+                                      <p:cBhvr>
+                                        <p:cTn id="19" dur="1" fill="hold">
+                                          <p:stCondLst>
+                                            <p:cond delay="0"/>
+                                          </p:stCondLst>
+                                        </p:cTn>
+                                        <p:tgtEl>
+                                          <p:spTgt spid="104">
+                                            <p:txEl>
+                                              <p:pRg st="7" end="7"/>
+                                            </p:txEl>
+                                          </p:spTgt>
+                                        </p:tgtEl>
+                                        <p:attrNameLst>
+                                          <p:attrName>style.visibility</p:attrName>
+                                        </p:attrNameLst>
+                                      </p:cBhvr>
+                                      <p:to>
+                                        <p:strVal val="visible"/>
+                                      </p:to>
+                                    </p:set>
+                                    <p:animEffect transition="in" filter="fade">
+                                      <p:cBhvr>
+                                        <p:cTn id="20" dur="500"/>
+                                        <p:tgtEl>
+                                          <p:spTgt spid="104">
+                                            <p:txEl>
+                                              <p:pRg st="7" end="7"/>
+                                            </p:txEl>
+                                          </p:spTgt>
+                                        </p:tgtEl>
+                                      </p:cBhvr>
+                                    </p:animEffect>
+                                  </p:childTnLst>
+                                </p:cTn>
+                              </p:par>
+                            </p:childTnLst>
+                          </p:cTn>
+                        </p:par>
+                      </p:childTnLst>
+                    </p:cTn>
+                  </p:par>
+                  <p:par>
+                    <p:cTn id="21" fill="hold">
+                      <p:stCondLst>
+                        <p:cond delay="indefinite"/>
+                      </p:stCondLst>
+                      <p:childTnLst>
+                        <p:par>
+                          <p:cTn id="22" fill="hold">
+                            <p:stCondLst>
+                              <p:cond delay="0"/>
+                            </p:stCondLst>
+                            <p:childTnLst>
+                              <p:par>
+                                <p:cTn id="23" presetID="10" presetClass="entr" presetSubtype="0" fill="hold" nodeType="clickEffect">
+                                  <p:stCondLst>
+                                    <p:cond delay="0"/>
+                                  </p:stCondLst>
+                                  <p:childTnLst>
+                                    <p:set>
+                                      <p:cBhvr>
+                                        <p:cTn id="24" dur="1" fill="hold">
+                                          <p:stCondLst>
+                                            <p:cond delay="0"/>
+                                          </p:stCondLst>
+                                        </p:cTn>
+                                        <p:tgtEl>
+                                          <p:spTgt spid="104">
+                                            <p:txEl>
+                                              <p:pRg st="8" end="8"/>
+                                            </p:txEl>
+                                          </p:spTgt>
+                                        </p:tgtEl>
+                                        <p:attrNameLst>
+                                          <p:attrName>style.visibility</p:attrName>
+                                        </p:attrNameLst>
+                                      </p:cBhvr>
+                                      <p:to>
+                                        <p:strVal val="visible"/>
+                                      </p:to>
+                                    </p:set>
+                                    <p:animEffect transition="in" filter="fade">
+                                      <p:cBhvr>
+                                        <p:cTn id="25" dur="500"/>
+                                        <p:tgtEl>
+                                          <p:spTgt spid="104">
+                                            <p:txEl>
+                                              <p:pRg st="8" end="8"/>
+                                            </p:txEl>
+                                          </p:spTgt>
+                                        </p:tgtEl>
+                                      </p:cBhvr>
+                                    </p:animEffect>
+                                  </p:childTnLst>
+                                </p:cTn>
+                              </p:par>
+                            </p:childTnLst>
+                          </p:cTn>
+                        </p:par>
+                      </p:childTnLst>
+                    </p:cTn>
+                  </p:par>
+                  <p:par>
+                    <p:cTn id="26" fill="hold">
+                      <p:stCondLst>
+                        <p:cond delay="indefinite"/>
+                      </p:stCondLst>
+                      <p:childTnLst>
+                        <p:par>
+                          <p:cTn id="27" fill="hold">
+                            <p:stCondLst>
+                              <p:cond delay="0"/>
+                            </p:stCondLst>
+                            <p:childTnLst>
+                              <p:par>
+                                <p:cTn id="28" presetID="10" presetClass="entr" presetSubtype="0" fill="hold" nodeType="clickEffect">
+                                  <p:stCondLst>
+                                    <p:cond delay="0"/>
+                                  </p:stCondLst>
+                                  <p:childTnLst>
+                                    <p:set>
+                                      <p:cBhvr>
+                                        <p:cTn id="29" dur="1" fill="hold">
+                                          <p:stCondLst>
+                                            <p:cond delay="0"/>
+                                          </p:stCondLst>
+                                        </p:cTn>
+                                        <p:tgtEl>
+                                          <p:spTgt spid="104">
+                                            <p:txEl>
+                                              <p:pRg st="10" end="10"/>
+                                            </p:txEl>
+                                          </p:spTgt>
+                                        </p:tgtEl>
+                                        <p:attrNameLst>
+                                          <p:attrName>style.visibility</p:attrName>
+                                        </p:attrNameLst>
+                                      </p:cBhvr>
+                                      <p:to>
+                                        <p:strVal val="visible"/>
+                                      </p:to>
+                                    </p:set>
+                                    <p:animEffect transition="in" filter="fade">
+                                      <p:cBhvr>
+                                        <p:cTn id="30" dur="500"/>
+                                        <p:tgtEl>
+                                          <p:spTgt spid="104">
+                                            <p:txEl>
+                                              <p:pRg st="10" end="10"/>
+                                            </p:txEl>
+                                          </p:spTgt>
+                                        </p:tgtEl>
+                                      </p:cBhvr>
+                                    </p:animEffect>
+                                  </p:childTnLst>
+                                </p:cTn>
+                              </p:par>
+                            </p:childTnLst>
+                          </p:cTn>
+                        </p:par>
+                      </p:childTnLst>
+                    </p:cTn>
+                  </p:par>
+                </p:childTnLst>
+              </p:cTn>
+              <p:prevCondLst>
+                <p:cond evt="onPrev" delay="0">
+                  <p:tgtEl>
+                    <p:sldTgt/>
+                  </p:tgtEl>
+                </p:cond>
+              </p:prevCondLst>
+              <p:nextCondLst>
+                <p:cond evt="onNext" delay="0">
+                  <p:tgtEl>
+                    <p:sldTgt/>
+                  </p:tgtEl>
+                </p:cond>
+              </p:nextCondLst>
+            </p:seq>
+          </p:childTnLst>
+        </p:cTn>
       </p:par>
     </p:tnLst>
+    <p:bldLst>
+      <p:bldP spid="101" grpId="0"/>
+    </p:bldLst>
   </p:timing>
 </p:sld>
 </file>
@@ -16826,7 +19177,7 @@
           <p:cNvPr id="7" name="Picture 2" descr="PlantUML Diagram">
             <a:extLst>
               <a:ext uri="{FF2B5EF4-FFF2-40B4-BE49-F238E27FC236}">
-                <a16:creationId xmlns="" xmlns:a16="http://schemas.microsoft.com/office/drawing/2014/main" id="{BB6A48FC-5EBB-40E4-965F-72498E12EF49}"/>
+                <a16:creationId xmlns:a16="http://schemas.microsoft.com/office/drawing/2014/main" xmlns="" id="{BB6A48FC-5EBB-40E4-965F-72498E12EF49}"/>
               </a:ext>
             </a:extLst>
           </p:cNvPr>
@@ -17123,9 +19474,410 @@
   <p:timing>
     <p:tnLst>
       <p:par>
-        <p:cTn id="1" dur="indefinite" restart="never" nodeType="tmRoot"/>
+        <p:cTn id="1" dur="indefinite" restart="never" nodeType="tmRoot">
+          <p:childTnLst>
+            <p:seq concurrent="1" nextAc="seek">
+              <p:cTn id="2" dur="indefinite" nodeType="mainSeq">
+                <p:childTnLst>
+                  <p:par>
+                    <p:cTn id="3" fill="hold">
+                      <p:stCondLst>
+                        <p:cond delay="indefinite"/>
+                      </p:stCondLst>
+                      <p:childTnLst>
+                        <p:par>
+                          <p:cTn id="4" fill="hold">
+                            <p:stCondLst>
+                              <p:cond delay="0"/>
+                            </p:stCondLst>
+                            <p:childTnLst>
+                              <p:par>
+                                <p:cTn id="5" presetID="10" presetClass="entr" presetSubtype="0" fill="hold" grpId="0" nodeType="clickEffect">
+                                  <p:stCondLst>
+                                    <p:cond delay="0"/>
+                                  </p:stCondLst>
+                                  <p:childTnLst>
+                                    <p:set>
+                                      <p:cBhvr>
+                                        <p:cTn id="6" dur="1" fill="hold">
+                                          <p:stCondLst>
+                                            <p:cond delay="0"/>
+                                          </p:stCondLst>
+                                        </p:cTn>
+                                        <p:tgtEl>
+                                          <p:spTgt spid="101"/>
+                                        </p:tgtEl>
+                                        <p:attrNameLst>
+                                          <p:attrName>style.visibility</p:attrName>
+                                        </p:attrNameLst>
+                                      </p:cBhvr>
+                                      <p:to>
+                                        <p:strVal val="visible"/>
+                                      </p:to>
+                                    </p:set>
+                                    <p:animEffect transition="in" filter="fade">
+                                      <p:cBhvr>
+                                        <p:cTn id="7" dur="500"/>
+                                        <p:tgtEl>
+                                          <p:spTgt spid="101"/>
+                                        </p:tgtEl>
+                                      </p:cBhvr>
+                                    </p:animEffect>
+                                  </p:childTnLst>
+                                </p:cTn>
+                              </p:par>
+                              <p:par>
+                                <p:cTn id="8" presetID="10" presetClass="entr" presetSubtype="0" fill="hold" nodeType="withEffect">
+                                  <p:stCondLst>
+                                    <p:cond delay="0"/>
+                                  </p:stCondLst>
+                                  <p:childTnLst>
+                                    <p:set>
+                                      <p:cBhvr>
+                                        <p:cTn id="9" dur="1" fill="hold">
+                                          <p:stCondLst>
+                                            <p:cond delay="0"/>
+                                          </p:stCondLst>
+                                        </p:cTn>
+                                        <p:tgtEl>
+                                          <p:spTgt spid="7"/>
+                                        </p:tgtEl>
+                                        <p:attrNameLst>
+                                          <p:attrName>style.visibility</p:attrName>
+                                        </p:attrNameLst>
+                                      </p:cBhvr>
+                                      <p:to>
+                                        <p:strVal val="visible"/>
+                                      </p:to>
+                                    </p:set>
+                                    <p:animEffect transition="in" filter="fade">
+                                      <p:cBhvr>
+                                        <p:cTn id="10" dur="500"/>
+                                        <p:tgtEl>
+                                          <p:spTgt spid="7"/>
+                                        </p:tgtEl>
+                                      </p:cBhvr>
+                                    </p:animEffect>
+                                  </p:childTnLst>
+                                </p:cTn>
+                              </p:par>
+                            </p:childTnLst>
+                          </p:cTn>
+                        </p:par>
+                      </p:childTnLst>
+                    </p:cTn>
+                  </p:par>
+                  <p:par>
+                    <p:cTn id="11" fill="hold">
+                      <p:stCondLst>
+                        <p:cond delay="indefinite"/>
+                      </p:stCondLst>
+                      <p:childTnLst>
+                        <p:par>
+                          <p:cTn id="12" fill="hold">
+                            <p:stCondLst>
+                              <p:cond delay="0"/>
+                            </p:stCondLst>
+                            <p:childTnLst>
+                              <p:par>
+                                <p:cTn id="13" presetID="10" presetClass="entr" presetSubtype="0" fill="hold" nodeType="clickEffect">
+                                  <p:stCondLst>
+                                    <p:cond delay="0"/>
+                                  </p:stCondLst>
+                                  <p:childTnLst>
+                                    <p:set>
+                                      <p:cBhvr>
+                                        <p:cTn id="14" dur="1" fill="hold">
+                                          <p:stCondLst>
+                                            <p:cond delay="0"/>
+                                          </p:stCondLst>
+                                        </p:cTn>
+                                        <p:tgtEl>
+                                          <p:spTgt spid="104">
+                                            <p:txEl>
+                                              <p:pRg st="2" end="2"/>
+                                            </p:txEl>
+                                          </p:spTgt>
+                                        </p:tgtEl>
+                                        <p:attrNameLst>
+                                          <p:attrName>style.visibility</p:attrName>
+                                        </p:attrNameLst>
+                                      </p:cBhvr>
+                                      <p:to>
+                                        <p:strVal val="visible"/>
+                                      </p:to>
+                                    </p:set>
+                                    <p:animEffect transition="in" filter="fade">
+                                      <p:cBhvr>
+                                        <p:cTn id="15" dur="500"/>
+                                        <p:tgtEl>
+                                          <p:spTgt spid="104">
+                                            <p:txEl>
+                                              <p:pRg st="2" end="2"/>
+                                            </p:txEl>
+                                          </p:spTgt>
+                                        </p:tgtEl>
+                                      </p:cBhvr>
+                                    </p:animEffect>
+                                  </p:childTnLst>
+                                </p:cTn>
+                              </p:par>
+                              <p:par>
+                                <p:cTn id="16" presetID="10" presetClass="entr" presetSubtype="0" fill="hold" nodeType="withEffect">
+                                  <p:stCondLst>
+                                    <p:cond delay="0"/>
+                                  </p:stCondLst>
+                                  <p:childTnLst>
+                                    <p:set>
+                                      <p:cBhvr>
+                                        <p:cTn id="17" dur="1" fill="hold">
+                                          <p:stCondLst>
+                                            <p:cond delay="0"/>
+                                          </p:stCondLst>
+                                        </p:cTn>
+                                        <p:tgtEl>
+                                          <p:spTgt spid="104">
+                                            <p:txEl>
+                                              <p:pRg st="3" end="3"/>
+                                            </p:txEl>
+                                          </p:spTgt>
+                                        </p:tgtEl>
+                                        <p:attrNameLst>
+                                          <p:attrName>style.visibility</p:attrName>
+                                        </p:attrNameLst>
+                                      </p:cBhvr>
+                                      <p:to>
+                                        <p:strVal val="visible"/>
+                                      </p:to>
+                                    </p:set>
+                                    <p:animEffect transition="in" filter="fade">
+                                      <p:cBhvr>
+                                        <p:cTn id="18" dur="500"/>
+                                        <p:tgtEl>
+                                          <p:spTgt spid="104">
+                                            <p:txEl>
+                                              <p:pRg st="3" end="3"/>
+                                            </p:txEl>
+                                          </p:spTgt>
+                                        </p:tgtEl>
+                                      </p:cBhvr>
+                                    </p:animEffect>
+                                  </p:childTnLst>
+                                </p:cTn>
+                              </p:par>
+                            </p:childTnLst>
+                          </p:cTn>
+                        </p:par>
+                      </p:childTnLst>
+                    </p:cTn>
+                  </p:par>
+                  <p:par>
+                    <p:cTn id="19" fill="hold">
+                      <p:stCondLst>
+                        <p:cond delay="indefinite"/>
+                      </p:stCondLst>
+                      <p:childTnLst>
+                        <p:par>
+                          <p:cTn id="20" fill="hold">
+                            <p:stCondLst>
+                              <p:cond delay="0"/>
+                            </p:stCondLst>
+                            <p:childTnLst>
+                              <p:par>
+                                <p:cTn id="21" presetID="10" presetClass="entr" presetSubtype="0" fill="hold" nodeType="clickEffect">
+                                  <p:stCondLst>
+                                    <p:cond delay="0"/>
+                                  </p:stCondLst>
+                                  <p:childTnLst>
+                                    <p:set>
+                                      <p:cBhvr>
+                                        <p:cTn id="22" dur="1" fill="hold">
+                                          <p:stCondLst>
+                                            <p:cond delay="0"/>
+                                          </p:stCondLst>
+                                        </p:cTn>
+                                        <p:tgtEl>
+                                          <p:spTgt spid="104">
+                                            <p:txEl>
+                                              <p:pRg st="4" end="4"/>
+                                            </p:txEl>
+                                          </p:spTgt>
+                                        </p:tgtEl>
+                                        <p:attrNameLst>
+                                          <p:attrName>style.visibility</p:attrName>
+                                        </p:attrNameLst>
+                                      </p:cBhvr>
+                                      <p:to>
+                                        <p:strVal val="visible"/>
+                                      </p:to>
+                                    </p:set>
+                                    <p:animEffect transition="in" filter="fade">
+                                      <p:cBhvr>
+                                        <p:cTn id="23" dur="500"/>
+                                        <p:tgtEl>
+                                          <p:spTgt spid="104">
+                                            <p:txEl>
+                                              <p:pRg st="4" end="4"/>
+                                            </p:txEl>
+                                          </p:spTgt>
+                                        </p:tgtEl>
+                                      </p:cBhvr>
+                                    </p:animEffect>
+                                  </p:childTnLst>
+                                </p:cTn>
+                              </p:par>
+                            </p:childTnLst>
+                          </p:cTn>
+                        </p:par>
+                      </p:childTnLst>
+                    </p:cTn>
+                  </p:par>
+                  <p:par>
+                    <p:cTn id="24" fill="hold">
+                      <p:stCondLst>
+                        <p:cond delay="indefinite"/>
+                      </p:stCondLst>
+                      <p:childTnLst>
+                        <p:par>
+                          <p:cTn id="25" fill="hold">
+                            <p:stCondLst>
+                              <p:cond delay="0"/>
+                            </p:stCondLst>
+                            <p:childTnLst>
+                              <p:par>
+                                <p:cTn id="26" presetID="10" presetClass="entr" presetSubtype="0" fill="hold" nodeType="clickEffect">
+                                  <p:stCondLst>
+                                    <p:cond delay="0"/>
+                                  </p:stCondLst>
+                                  <p:childTnLst>
+                                    <p:set>
+                                      <p:cBhvr>
+                                        <p:cTn id="27" dur="1" fill="hold">
+                                          <p:stCondLst>
+                                            <p:cond delay="0"/>
+                                          </p:stCondLst>
+                                        </p:cTn>
+                                        <p:tgtEl>
+                                          <p:spTgt spid="104">
+                                            <p:txEl>
+                                              <p:pRg st="5" end="5"/>
+                                            </p:txEl>
+                                          </p:spTgt>
+                                        </p:tgtEl>
+                                        <p:attrNameLst>
+                                          <p:attrName>style.visibility</p:attrName>
+                                        </p:attrNameLst>
+                                      </p:cBhvr>
+                                      <p:to>
+                                        <p:strVal val="visible"/>
+                                      </p:to>
+                                    </p:set>
+                                    <p:animEffect transition="in" filter="fade">
+                                      <p:cBhvr>
+                                        <p:cTn id="28" dur="500"/>
+                                        <p:tgtEl>
+                                          <p:spTgt spid="104">
+                                            <p:txEl>
+                                              <p:pRg st="5" end="5"/>
+                                            </p:txEl>
+                                          </p:spTgt>
+                                        </p:tgtEl>
+                                      </p:cBhvr>
+                                    </p:animEffect>
+                                  </p:childTnLst>
+                                </p:cTn>
+                              </p:par>
+                            </p:childTnLst>
+                          </p:cTn>
+                        </p:par>
+                      </p:childTnLst>
+                    </p:cTn>
+                  </p:par>
+                  <p:par>
+                    <p:cTn id="29" fill="hold">
+                      <p:stCondLst>
+                        <p:cond delay="indefinite"/>
+                      </p:stCondLst>
+                      <p:childTnLst>
+                        <p:par>
+                          <p:cTn id="30" fill="hold">
+                            <p:stCondLst>
+                              <p:cond delay="0"/>
+                            </p:stCondLst>
+                            <p:childTnLst>
+                              <p:par>
+                                <p:cTn id="31" presetID="10" presetClass="entr" presetSubtype="0" fill="hold" nodeType="clickEffect">
+                                  <p:stCondLst>
+                                    <p:cond delay="0"/>
+                                  </p:stCondLst>
+                                  <p:childTnLst>
+                                    <p:set>
+                                      <p:cBhvr>
+                                        <p:cTn id="32" dur="1" fill="hold">
+                                          <p:stCondLst>
+                                            <p:cond delay="0"/>
+                                          </p:stCondLst>
+                                        </p:cTn>
+                                        <p:tgtEl>
+                                          <p:spTgt spid="104">
+                                            <p:txEl>
+                                              <p:pRg st="6" end="6"/>
+                                            </p:txEl>
+                                          </p:spTgt>
+                                        </p:tgtEl>
+                                        <p:attrNameLst>
+                                          <p:attrName>style.visibility</p:attrName>
+                                        </p:attrNameLst>
+                                      </p:cBhvr>
+                                      <p:to>
+                                        <p:strVal val="visible"/>
+                                      </p:to>
+                                    </p:set>
+                                    <p:animEffect transition="in" filter="fade">
+                                      <p:cBhvr>
+                                        <p:cTn id="33" dur="500"/>
+                                        <p:tgtEl>
+                                          <p:spTgt spid="104">
+                                            <p:txEl>
+                                              <p:pRg st="6" end="6"/>
+                                            </p:txEl>
+                                          </p:spTgt>
+                                        </p:tgtEl>
+                                      </p:cBhvr>
+                                    </p:animEffect>
+                                  </p:childTnLst>
+                                </p:cTn>
+                              </p:par>
+                            </p:childTnLst>
+                          </p:cTn>
+                        </p:par>
+                      </p:childTnLst>
+                    </p:cTn>
+                  </p:par>
+                </p:childTnLst>
+              </p:cTn>
+              <p:prevCondLst>
+                <p:cond evt="onPrev" delay="0">
+                  <p:tgtEl>
+                    <p:sldTgt/>
+                  </p:tgtEl>
+                </p:cond>
+              </p:prevCondLst>
+              <p:nextCondLst>
+                <p:cond evt="onNext" delay="0">
+                  <p:tgtEl>
+                    <p:sldTgt/>
+                  </p:tgtEl>
+                </p:cond>
+              </p:nextCondLst>
+            </p:seq>
+          </p:childTnLst>
+        </p:cTn>
       </p:par>
     </p:tnLst>
+    <p:bldLst>
+      <p:bldP spid="101" grpId="0"/>
+    </p:bldLst>
   </p:timing>
 </p:sld>
 </file>
@@ -18580,7 +21332,7 @@
           <p:cNvPr id="9" name="Picture 2" descr="PlantUML Diagram">
             <a:extLst>
               <a:ext uri="{FF2B5EF4-FFF2-40B4-BE49-F238E27FC236}">
-                <a16:creationId xmlns="" xmlns:a16="http://schemas.microsoft.com/office/drawing/2014/main" id="{B2CC0E40-22EE-4B73-963D-76771D32546F}"/>
+                <a16:creationId xmlns:a16="http://schemas.microsoft.com/office/drawing/2014/main" xmlns="" id="{B2CC0E40-22EE-4B73-963D-76771D32546F}"/>
               </a:ext>
             </a:extLst>
           </p:cNvPr>
@@ -18635,9 +21387,177 @@
   <p:timing>
     <p:tnLst>
       <p:par>
-        <p:cTn id="1" dur="indefinite" restart="never" nodeType="tmRoot"/>
+        <p:cTn id="1" dur="indefinite" restart="never" nodeType="tmRoot">
+          <p:childTnLst>
+            <p:seq concurrent="1" nextAc="seek">
+              <p:cTn id="2" dur="indefinite" nodeType="mainSeq">
+                <p:childTnLst>
+                  <p:par>
+                    <p:cTn id="3" fill="hold">
+                      <p:stCondLst>
+                        <p:cond delay="indefinite"/>
+                      </p:stCondLst>
+                      <p:childTnLst>
+                        <p:par>
+                          <p:cTn id="4" fill="hold">
+                            <p:stCondLst>
+                              <p:cond delay="0"/>
+                            </p:stCondLst>
+                            <p:childTnLst>
+                              <p:par>
+                                <p:cTn id="5" presetID="10" presetClass="entr" presetSubtype="0" fill="hold" grpId="0" nodeType="clickEffect">
+                                  <p:stCondLst>
+                                    <p:cond delay="0"/>
+                                  </p:stCondLst>
+                                  <p:childTnLst>
+                                    <p:set>
+                                      <p:cBhvr>
+                                        <p:cTn id="6" dur="1" fill="hold">
+                                          <p:stCondLst>
+                                            <p:cond delay="0"/>
+                                          </p:stCondLst>
+                                        </p:cTn>
+                                        <p:tgtEl>
+                                          <p:spTgt spid="101"/>
+                                        </p:tgtEl>
+                                        <p:attrNameLst>
+                                          <p:attrName>style.visibility</p:attrName>
+                                        </p:attrNameLst>
+                                      </p:cBhvr>
+                                      <p:to>
+                                        <p:strVal val="visible"/>
+                                      </p:to>
+                                    </p:set>
+                                    <p:animEffect transition="in" filter="fade">
+                                      <p:cBhvr>
+                                        <p:cTn id="7" dur="500"/>
+                                        <p:tgtEl>
+                                          <p:spTgt spid="101"/>
+                                        </p:tgtEl>
+                                      </p:cBhvr>
+                                    </p:animEffect>
+                                  </p:childTnLst>
+                                </p:cTn>
+                              </p:par>
+                              <p:par>
+                                <p:cTn id="8" presetID="10" presetClass="entr" presetSubtype="0" fill="hold" nodeType="withEffect">
+                                  <p:stCondLst>
+                                    <p:cond delay="0"/>
+                                  </p:stCondLst>
+                                  <p:childTnLst>
+                                    <p:set>
+                                      <p:cBhvr>
+                                        <p:cTn id="9" dur="1" fill="hold">
+                                          <p:stCondLst>
+                                            <p:cond delay="0"/>
+                                          </p:stCondLst>
+                                        </p:cTn>
+                                        <p:tgtEl>
+                                          <p:spTgt spid="9"/>
+                                        </p:tgtEl>
+                                        <p:attrNameLst>
+                                          <p:attrName>style.visibility</p:attrName>
+                                        </p:attrNameLst>
+                                      </p:cBhvr>
+                                      <p:to>
+                                        <p:strVal val="visible"/>
+                                      </p:to>
+                                    </p:set>
+                                    <p:animEffect transition="in" filter="fade">
+                                      <p:cBhvr>
+                                        <p:cTn id="10" dur="500"/>
+                                        <p:tgtEl>
+                                          <p:spTgt spid="9"/>
+                                        </p:tgtEl>
+                                      </p:cBhvr>
+                                    </p:animEffect>
+                                  </p:childTnLst>
+                                </p:cTn>
+                              </p:par>
+                            </p:childTnLst>
+                          </p:cTn>
+                        </p:par>
+                      </p:childTnLst>
+                    </p:cTn>
+                  </p:par>
+                  <p:par>
+                    <p:cTn id="11" fill="hold">
+                      <p:stCondLst>
+                        <p:cond delay="indefinite"/>
+                      </p:stCondLst>
+                      <p:childTnLst>
+                        <p:par>
+                          <p:cTn id="12" fill="hold">
+                            <p:stCondLst>
+                              <p:cond delay="0"/>
+                            </p:stCondLst>
+                            <p:childTnLst>
+                              <p:par>
+                                <p:cTn id="13" presetID="10" presetClass="entr" presetSubtype="0" fill="hold" grpId="0" nodeType="clickEffect">
+                                  <p:stCondLst>
+                                    <p:cond delay="0"/>
+                                  </p:stCondLst>
+                                  <p:childTnLst>
+                                    <p:set>
+                                      <p:cBhvr>
+                                        <p:cTn id="14" dur="1" fill="hold">
+                                          <p:stCondLst>
+                                            <p:cond delay="0"/>
+                                          </p:stCondLst>
+                                        </p:cTn>
+                                        <p:tgtEl>
+                                          <p:spTgt spid="10"/>
+                                        </p:tgtEl>
+                                        <p:attrNameLst>
+                                          <p:attrName>style.visibility</p:attrName>
+                                        </p:attrNameLst>
+                                      </p:cBhvr>
+                                      <p:to>
+                                        <p:strVal val="visible"/>
+                                      </p:to>
+                                    </p:set>
+                                    <p:animEffect transition="in" filter="fade">
+                                      <p:cBhvr>
+                                        <p:cTn id="15" dur="500"/>
+                                        <p:tgtEl>
+                                          <p:spTgt spid="10"/>
+                                        </p:tgtEl>
+                                      </p:cBhvr>
+                                    </p:animEffect>
+                                  </p:childTnLst>
+                                </p:cTn>
+                              </p:par>
+                            </p:childTnLst>
+                          </p:cTn>
+                        </p:par>
+                      </p:childTnLst>
+                    </p:cTn>
+                  </p:par>
+                </p:childTnLst>
+              </p:cTn>
+              <p:prevCondLst>
+                <p:cond evt="onPrev" delay="0">
+                  <p:tgtEl>
+                    <p:sldTgt/>
+                  </p:tgtEl>
+                </p:cond>
+              </p:prevCondLst>
+              <p:nextCondLst>
+                <p:cond evt="onNext" delay="0">
+                  <p:tgtEl>
+                    <p:sldTgt/>
+                  </p:tgtEl>
+                </p:cond>
+              </p:nextCondLst>
+            </p:seq>
+          </p:childTnLst>
+        </p:cTn>
       </p:par>
     </p:tnLst>
+    <p:bldLst>
+      <p:bldP spid="101" grpId="0"/>
+      <p:bldP spid="10" grpId="0" animBg="1"/>
+    </p:bldLst>
   </p:timing>
 </p:sld>
 </file>
@@ -18689,16 +21609,16 @@
               <a:buAutoNum type="arabicPeriod" startAt="3"/>
             </a:pPr>
             <a:r>
-              <a:rPr lang="fr-FR" sz="4800" dirty="0" err="1" smtClean="0">
-                <a:latin typeface="Helvetica Neue"/>
-              </a:rPr>
-              <a:t>Troisème</a:t>
-            </a:r>
-            <a:r>
               <a:rPr lang="fr-FR" sz="4800" dirty="0" smtClean="0">
                 <a:latin typeface="Helvetica Neue"/>
               </a:rPr>
-              <a:t> implémentation</a:t>
+              <a:t>Troisième </a:t>
+            </a:r>
+            <a:r>
+              <a:rPr lang="fr-FR" sz="4800" dirty="0" smtClean="0">
+                <a:latin typeface="Helvetica Neue"/>
+              </a:rPr>
+              <a:t>implémentation</a:t>
             </a:r>
             <a:endParaRPr sz="8000" dirty="0">
               <a:latin typeface="Helvetica Neue"/>
@@ -18769,7 +21689,7 @@
           <p:cNvPr id="9" name="Picture 2" descr="PlantUML Diagram">
             <a:extLst>
               <a:ext uri="{FF2B5EF4-FFF2-40B4-BE49-F238E27FC236}">
-                <a16:creationId xmlns="" xmlns:a16="http://schemas.microsoft.com/office/drawing/2014/main" id="{B2CC0E40-22EE-4B73-963D-76771D32546F}"/>
+                <a16:creationId xmlns:a16="http://schemas.microsoft.com/office/drawing/2014/main" xmlns="" id="{B2CC0E40-22EE-4B73-963D-76771D32546F}"/>
               </a:ext>
             </a:extLst>
           </p:cNvPr>
@@ -18985,11 +21905,18 @@
             </a:r>
             <a:r>
               <a:rPr lang="fr-FR" sz="1800" b="1" dirty="0">
+                <a:solidFill>
+                  <a:srgbClr val="92D050"/>
+                </a:solidFill>
                 <a:sym typeface="Wingdings" panose="05000000000000000000" pitchFamily="2" charset="2"/>
               </a:rPr>
               <a:t>Pattern Bridge</a:t>
             </a:r>
-            <a:endParaRPr lang="fr-FR" sz="1800" b="1" dirty="0"/>
+            <a:endParaRPr lang="fr-FR" sz="1800" b="1" dirty="0">
+              <a:solidFill>
+                <a:srgbClr val="92D050"/>
+              </a:solidFill>
+            </a:endParaRPr>
           </a:p>
           <a:p>
             <a:pPr marL="285750" indent="-285750">
@@ -19030,9 +21957,428 @@
   <p:timing>
     <p:tnLst>
       <p:par>
-        <p:cTn id="1" dur="indefinite" restart="never" nodeType="tmRoot"/>
+        <p:cTn id="1" dur="indefinite" restart="never" nodeType="tmRoot">
+          <p:childTnLst>
+            <p:seq concurrent="1" nextAc="seek">
+              <p:cTn id="2" dur="indefinite" nodeType="mainSeq">
+                <p:childTnLst>
+                  <p:par>
+                    <p:cTn id="3" fill="hold">
+                      <p:stCondLst>
+                        <p:cond delay="indefinite"/>
+                      </p:stCondLst>
+                      <p:childTnLst>
+                        <p:par>
+                          <p:cTn id="4" fill="hold">
+                            <p:stCondLst>
+                              <p:cond delay="0"/>
+                            </p:stCondLst>
+                            <p:childTnLst>
+                              <p:par>
+                                <p:cTn id="5" presetID="10" presetClass="entr" presetSubtype="0" fill="hold" grpId="0" nodeType="clickEffect">
+                                  <p:stCondLst>
+                                    <p:cond delay="0"/>
+                                  </p:stCondLst>
+                                  <p:childTnLst>
+                                    <p:set>
+                                      <p:cBhvr>
+                                        <p:cTn id="6" dur="1" fill="hold">
+                                          <p:stCondLst>
+                                            <p:cond delay="0"/>
+                                          </p:stCondLst>
+                                        </p:cTn>
+                                        <p:tgtEl>
+                                          <p:spTgt spid="101"/>
+                                        </p:tgtEl>
+                                        <p:attrNameLst>
+                                          <p:attrName>style.visibility</p:attrName>
+                                        </p:attrNameLst>
+                                      </p:cBhvr>
+                                      <p:to>
+                                        <p:strVal val="visible"/>
+                                      </p:to>
+                                    </p:set>
+                                    <p:animEffect transition="in" filter="fade">
+                                      <p:cBhvr>
+                                        <p:cTn id="7" dur="500"/>
+                                        <p:tgtEl>
+                                          <p:spTgt spid="101"/>
+                                        </p:tgtEl>
+                                      </p:cBhvr>
+                                    </p:animEffect>
+                                  </p:childTnLst>
+                                </p:cTn>
+                              </p:par>
+                              <p:par>
+                                <p:cTn id="8" presetID="10" presetClass="entr" presetSubtype="0" fill="hold" nodeType="withEffect">
+                                  <p:stCondLst>
+                                    <p:cond delay="0"/>
+                                  </p:stCondLst>
+                                  <p:childTnLst>
+                                    <p:set>
+                                      <p:cBhvr>
+                                        <p:cTn id="9" dur="1" fill="hold">
+                                          <p:stCondLst>
+                                            <p:cond delay="0"/>
+                                          </p:stCondLst>
+                                        </p:cTn>
+                                        <p:tgtEl>
+                                          <p:spTgt spid="9"/>
+                                        </p:tgtEl>
+                                        <p:attrNameLst>
+                                          <p:attrName>style.visibility</p:attrName>
+                                        </p:attrNameLst>
+                                      </p:cBhvr>
+                                      <p:to>
+                                        <p:strVal val="visible"/>
+                                      </p:to>
+                                    </p:set>
+                                    <p:animEffect transition="in" filter="fade">
+                                      <p:cBhvr>
+                                        <p:cTn id="10" dur="500"/>
+                                        <p:tgtEl>
+                                          <p:spTgt spid="9"/>
+                                        </p:tgtEl>
+                                      </p:cBhvr>
+                                    </p:animEffect>
+                                  </p:childTnLst>
+                                </p:cTn>
+                              </p:par>
+                            </p:childTnLst>
+                          </p:cTn>
+                        </p:par>
+                      </p:childTnLst>
+                    </p:cTn>
+                  </p:par>
+                  <p:par>
+                    <p:cTn id="11" fill="hold">
+                      <p:stCondLst>
+                        <p:cond delay="indefinite"/>
+                      </p:stCondLst>
+                      <p:childTnLst>
+                        <p:par>
+                          <p:cTn id="12" fill="hold">
+                            <p:stCondLst>
+                              <p:cond delay="0"/>
+                            </p:stCondLst>
+                            <p:childTnLst>
+                              <p:par>
+                                <p:cTn id="13" presetID="10" presetClass="entr" presetSubtype="0" fill="hold" nodeType="clickEffect">
+                                  <p:stCondLst>
+                                    <p:cond delay="0"/>
+                                  </p:stCondLst>
+                                  <p:childTnLst>
+                                    <p:set>
+                                      <p:cBhvr>
+                                        <p:cTn id="14" dur="1" fill="hold">
+                                          <p:stCondLst>
+                                            <p:cond delay="0"/>
+                                          </p:stCondLst>
+                                        </p:cTn>
+                                        <p:tgtEl>
+                                          <p:spTgt spid="104">
+                                            <p:txEl>
+                                              <p:pRg st="2" end="2"/>
+                                            </p:txEl>
+                                          </p:spTgt>
+                                        </p:tgtEl>
+                                        <p:attrNameLst>
+                                          <p:attrName>style.visibility</p:attrName>
+                                        </p:attrNameLst>
+                                      </p:cBhvr>
+                                      <p:to>
+                                        <p:strVal val="visible"/>
+                                      </p:to>
+                                    </p:set>
+                                    <p:animEffect transition="in" filter="fade">
+                                      <p:cBhvr>
+                                        <p:cTn id="15" dur="500"/>
+                                        <p:tgtEl>
+                                          <p:spTgt spid="104">
+                                            <p:txEl>
+                                              <p:pRg st="2" end="2"/>
+                                            </p:txEl>
+                                          </p:spTgt>
+                                        </p:tgtEl>
+                                      </p:cBhvr>
+                                    </p:animEffect>
+                                  </p:childTnLst>
+                                </p:cTn>
+                              </p:par>
+                            </p:childTnLst>
+                          </p:cTn>
+                        </p:par>
+                      </p:childTnLst>
+                    </p:cTn>
+                  </p:par>
+                  <p:par>
+                    <p:cTn id="16" fill="hold">
+                      <p:stCondLst>
+                        <p:cond delay="indefinite"/>
+                      </p:stCondLst>
+                      <p:childTnLst>
+                        <p:par>
+                          <p:cTn id="17" fill="hold">
+                            <p:stCondLst>
+                              <p:cond delay="0"/>
+                            </p:stCondLst>
+                            <p:childTnLst>
+                              <p:par>
+                                <p:cTn id="18" presetID="10" presetClass="entr" presetSubtype="0" fill="hold" nodeType="clickEffect">
+                                  <p:stCondLst>
+                                    <p:cond delay="0"/>
+                                  </p:stCondLst>
+                                  <p:childTnLst>
+                                    <p:set>
+                                      <p:cBhvr>
+                                        <p:cTn id="19" dur="1" fill="hold">
+                                          <p:stCondLst>
+                                            <p:cond delay="0"/>
+                                          </p:stCondLst>
+                                        </p:cTn>
+                                        <p:tgtEl>
+                                          <p:spTgt spid="104">
+                                            <p:txEl>
+                                              <p:pRg st="3" end="3"/>
+                                            </p:txEl>
+                                          </p:spTgt>
+                                        </p:tgtEl>
+                                        <p:attrNameLst>
+                                          <p:attrName>style.visibility</p:attrName>
+                                        </p:attrNameLst>
+                                      </p:cBhvr>
+                                      <p:to>
+                                        <p:strVal val="visible"/>
+                                      </p:to>
+                                    </p:set>
+                                    <p:animEffect transition="in" filter="fade">
+                                      <p:cBhvr>
+                                        <p:cTn id="20" dur="500"/>
+                                        <p:tgtEl>
+                                          <p:spTgt spid="104">
+                                            <p:txEl>
+                                              <p:pRg st="3" end="3"/>
+                                            </p:txEl>
+                                          </p:spTgt>
+                                        </p:tgtEl>
+                                      </p:cBhvr>
+                                    </p:animEffect>
+                                  </p:childTnLst>
+                                </p:cTn>
+                              </p:par>
+                            </p:childTnLst>
+                          </p:cTn>
+                        </p:par>
+                      </p:childTnLst>
+                    </p:cTn>
+                  </p:par>
+                  <p:par>
+                    <p:cTn id="21" fill="hold">
+                      <p:stCondLst>
+                        <p:cond delay="indefinite"/>
+                      </p:stCondLst>
+                      <p:childTnLst>
+                        <p:par>
+                          <p:cTn id="22" fill="hold">
+                            <p:stCondLst>
+                              <p:cond delay="0"/>
+                            </p:stCondLst>
+                            <p:childTnLst>
+                              <p:par>
+                                <p:cTn id="23" presetID="10" presetClass="entr" presetSubtype="0" fill="hold" nodeType="clickEffect">
+                                  <p:stCondLst>
+                                    <p:cond delay="0"/>
+                                  </p:stCondLst>
+                                  <p:childTnLst>
+                                    <p:set>
+                                      <p:cBhvr>
+                                        <p:cTn id="24" dur="1" fill="hold">
+                                          <p:stCondLst>
+                                            <p:cond delay="0"/>
+                                          </p:stCondLst>
+                                        </p:cTn>
+                                        <p:tgtEl>
+                                          <p:spTgt spid="104">
+                                            <p:txEl>
+                                              <p:pRg st="4" end="4"/>
+                                            </p:txEl>
+                                          </p:spTgt>
+                                        </p:tgtEl>
+                                        <p:attrNameLst>
+                                          <p:attrName>style.visibility</p:attrName>
+                                        </p:attrNameLst>
+                                      </p:cBhvr>
+                                      <p:to>
+                                        <p:strVal val="visible"/>
+                                      </p:to>
+                                    </p:set>
+                                    <p:animEffect transition="in" filter="fade">
+                                      <p:cBhvr>
+                                        <p:cTn id="25" dur="500"/>
+                                        <p:tgtEl>
+                                          <p:spTgt spid="104">
+                                            <p:txEl>
+                                              <p:pRg st="4" end="4"/>
+                                            </p:txEl>
+                                          </p:spTgt>
+                                        </p:tgtEl>
+                                      </p:cBhvr>
+                                    </p:animEffect>
+                                  </p:childTnLst>
+                                </p:cTn>
+                              </p:par>
+                            </p:childTnLst>
+                          </p:cTn>
+                        </p:par>
+                      </p:childTnLst>
+                    </p:cTn>
+                  </p:par>
+                  <p:par>
+                    <p:cTn id="26" fill="hold">
+                      <p:stCondLst>
+                        <p:cond delay="indefinite"/>
+                      </p:stCondLst>
+                      <p:childTnLst>
+                        <p:par>
+                          <p:cTn id="27" fill="hold">
+                            <p:stCondLst>
+                              <p:cond delay="0"/>
+                            </p:stCondLst>
+                            <p:childTnLst>
+                              <p:par>
+                                <p:cTn id="28" presetID="10" presetClass="entr" presetSubtype="0" fill="hold" nodeType="clickEffect">
+                                  <p:stCondLst>
+                                    <p:cond delay="0"/>
+                                  </p:stCondLst>
+                                  <p:childTnLst>
+                                    <p:set>
+                                      <p:cBhvr>
+                                        <p:cTn id="29" dur="1" fill="hold">
+                                          <p:stCondLst>
+                                            <p:cond delay="0"/>
+                                          </p:stCondLst>
+                                        </p:cTn>
+                                        <p:tgtEl>
+                                          <p:spTgt spid="104">
+                                            <p:txEl>
+                                              <p:pRg st="5" end="5"/>
+                                            </p:txEl>
+                                          </p:spTgt>
+                                        </p:tgtEl>
+                                        <p:attrNameLst>
+                                          <p:attrName>style.visibility</p:attrName>
+                                        </p:attrNameLst>
+                                      </p:cBhvr>
+                                      <p:to>
+                                        <p:strVal val="visible"/>
+                                      </p:to>
+                                    </p:set>
+                                    <p:animEffect transition="in" filter="fade">
+                                      <p:cBhvr>
+                                        <p:cTn id="30" dur="500"/>
+                                        <p:tgtEl>
+                                          <p:spTgt spid="104">
+                                            <p:txEl>
+                                              <p:pRg st="5" end="5"/>
+                                            </p:txEl>
+                                          </p:spTgt>
+                                        </p:tgtEl>
+                                      </p:cBhvr>
+                                    </p:animEffect>
+                                  </p:childTnLst>
+                                </p:cTn>
+                              </p:par>
+                            </p:childTnLst>
+                          </p:cTn>
+                        </p:par>
+                      </p:childTnLst>
+                    </p:cTn>
+                  </p:par>
+                  <p:par>
+                    <p:cTn id="31" fill="hold">
+                      <p:stCondLst>
+                        <p:cond delay="indefinite"/>
+                      </p:stCondLst>
+                      <p:childTnLst>
+                        <p:par>
+                          <p:cTn id="32" fill="hold">
+                            <p:stCondLst>
+                              <p:cond delay="0"/>
+                            </p:stCondLst>
+                            <p:childTnLst>
+                              <p:par>
+                                <p:cTn id="33" presetID="10" presetClass="entr" presetSubtype="0" fill="hold" nodeType="clickEffect">
+                                  <p:stCondLst>
+                                    <p:cond delay="0"/>
+                                  </p:stCondLst>
+                                  <p:childTnLst>
+                                    <p:set>
+                                      <p:cBhvr>
+                                        <p:cTn id="34" dur="1" fill="hold">
+                                          <p:stCondLst>
+                                            <p:cond delay="0"/>
+                                          </p:stCondLst>
+                                        </p:cTn>
+                                        <p:tgtEl>
+                                          <p:spTgt spid="104">
+                                            <p:txEl>
+                                              <p:pRg st="11" end="11"/>
+                                            </p:txEl>
+                                          </p:spTgt>
+                                        </p:tgtEl>
+                                        <p:attrNameLst>
+                                          <p:attrName>style.visibility</p:attrName>
+                                        </p:attrNameLst>
+                                      </p:cBhvr>
+                                      <p:to>
+                                        <p:strVal val="visible"/>
+                                      </p:to>
+                                    </p:set>
+                                    <p:animEffect transition="in" filter="fade">
+                                      <p:cBhvr>
+                                        <p:cTn id="35" dur="500"/>
+                                        <p:tgtEl>
+                                          <p:spTgt spid="104">
+                                            <p:txEl>
+                                              <p:pRg st="11" end="11"/>
+                                            </p:txEl>
+                                          </p:spTgt>
+                                        </p:tgtEl>
+                                      </p:cBhvr>
+                                    </p:animEffect>
+                                  </p:childTnLst>
+                                </p:cTn>
+                              </p:par>
+                            </p:childTnLst>
+                          </p:cTn>
+                        </p:par>
+                      </p:childTnLst>
+                    </p:cTn>
+                  </p:par>
+                </p:childTnLst>
+              </p:cTn>
+              <p:prevCondLst>
+                <p:cond evt="onPrev" delay="0">
+                  <p:tgtEl>
+                    <p:sldTgt/>
+                  </p:tgtEl>
+                </p:cond>
+              </p:prevCondLst>
+              <p:nextCondLst>
+                <p:cond evt="onNext" delay="0">
+                  <p:tgtEl>
+                    <p:sldTgt/>
+                  </p:tgtEl>
+                </p:cond>
+              </p:nextCondLst>
+            </p:seq>
+          </p:childTnLst>
+        </p:cTn>
       </p:par>
     </p:tnLst>
+    <p:bldLst>
+      <p:bldP spid="101" grpId="0"/>
+    </p:bldLst>
   </p:timing>
 </p:sld>
 </file>

--- a/doc/PatternsWesquad.pptx
+++ b/doc/PatternsWesquad.pptx
@@ -2945,7 +2945,7 @@
             </a:pPr>
             <a:fld id="{00000000-1234-1234-1234-123412341234}" type="slidenum">
               <a:rPr lang="en-GB"/>
-              <a:t>‹N°›</a:t>
+              <a:t>‹#›</a:t>
             </a:fld>
             <a:endParaRPr/>
           </a:p>
@@ -3483,7 +3483,7 @@
             </a:pPr>
             <a:fld id="{00000000-1234-1234-1234-123412341234}" type="slidenum">
               <a:rPr lang="en-GB"/>
-              <a:t>‹N°›</a:t>
+              <a:t>‹#›</a:t>
             </a:fld>
             <a:endParaRPr/>
           </a:p>
@@ -3587,7 +3587,7 @@
             </a:pPr>
             <a:fld id="{00000000-1234-1234-1234-123412341234}" type="slidenum">
               <a:rPr lang="en-GB"/>
-              <a:t>‹N°›</a:t>
+              <a:t>‹#›</a:t>
             </a:fld>
             <a:endParaRPr/>
           </a:p>
@@ -3829,7 +3829,7 @@
             </a:pPr>
             <a:fld id="{00000000-1234-1234-1234-123412341234}" type="slidenum">
               <a:rPr lang="en-GB"/>
-              <a:t>‹N°›</a:t>
+              <a:t>‹#›</a:t>
             </a:fld>
             <a:endParaRPr/>
           </a:p>
@@ -4187,7 +4187,7 @@
             </a:pPr>
             <a:fld id="{00000000-1234-1234-1234-123412341234}" type="slidenum">
               <a:rPr lang="en-GB"/>
-              <a:t>‹N°›</a:t>
+              <a:t>‹#›</a:t>
             </a:fld>
             <a:endParaRPr/>
           </a:p>
@@ -4672,7 +4672,7 @@
             </a:pPr>
             <a:fld id="{00000000-1234-1234-1234-123412341234}" type="slidenum">
               <a:rPr lang="en-GB"/>
-              <a:t>‹N°›</a:t>
+              <a:t>‹#›</a:t>
             </a:fld>
             <a:endParaRPr/>
           </a:p>
@@ -4903,7 +4903,7 @@
             </a:pPr>
             <a:fld id="{00000000-1234-1234-1234-123412341234}" type="slidenum">
               <a:rPr lang="en-GB"/>
-              <a:t>‹N°›</a:t>
+              <a:t>‹#›</a:t>
             </a:fld>
             <a:endParaRPr/>
           </a:p>
@@ -5297,7 +5297,7 @@
             </a:pPr>
             <a:fld id="{00000000-1234-1234-1234-123412341234}" type="slidenum">
               <a:rPr lang="en-GB"/>
-              <a:t>‹N°›</a:t>
+              <a:t>‹#›</a:t>
             </a:fld>
             <a:endParaRPr/>
           </a:p>
@@ -5635,7 +5635,7 @@
             </a:pPr>
             <a:fld id="{00000000-1234-1234-1234-123412341234}" type="slidenum">
               <a:rPr lang="en-GB"/>
-              <a:t>‹N°›</a:t>
+              <a:t>‹#›</a:t>
             </a:fld>
             <a:endParaRPr/>
           </a:p>
@@ -6303,7 +6303,7 @@
             </a:pPr>
             <a:fld id="{00000000-1234-1234-1234-123412341234}" type="slidenum">
               <a:rPr lang="en-GB"/>
-              <a:t>‹N°›</a:t>
+              <a:t>‹#›</a:t>
             </a:fld>
             <a:endParaRPr/>
           </a:p>
@@ -6461,7 +6461,7 @@
             </a:pPr>
             <a:fld id="{00000000-1234-1234-1234-123412341234}" type="slidenum">
               <a:rPr lang="en-GB"/>
-              <a:t>‹N°›</a:t>
+              <a:t>‹#›</a:t>
             </a:fld>
             <a:endParaRPr/>
           </a:p>
@@ -7154,7 +7154,7 @@
             </a:pPr>
             <a:fld id="{00000000-1234-1234-1234-123412341234}" type="slidenum">
               <a:rPr lang="en-GB"/>
-              <a:t>‹N°›</a:t>
+              <a:t>‹#›</a:t>
             </a:fld>
             <a:endParaRPr/>
           </a:p>
@@ -10448,7 +10448,7 @@
           <p:cNvPr id="7" name="Picture 2" descr="PlantUML Diagram">
             <a:extLst>
               <a:ext uri="{FF2B5EF4-FFF2-40B4-BE49-F238E27FC236}">
-                <a16:creationId xmlns="" xmlns:a16="http://schemas.microsoft.com/office/drawing/2014/main" id="{B6AA6EBE-11BE-493A-ADEF-74D5D5AAB76D}"/>
+                <a16:creationId xmlns:a16="http://schemas.microsoft.com/office/drawing/2014/main" xmlns="" id="{B6AA6EBE-11BE-493A-ADEF-74D5D5AAB76D}"/>
               </a:ext>
             </a:extLst>
           </p:cNvPr>
@@ -12311,7 +12311,7 @@
           <p:cNvPr id="7" name="Picture 2" descr="PlantUML Diagram">
             <a:extLst>
               <a:ext uri="{FF2B5EF4-FFF2-40B4-BE49-F238E27FC236}">
-                <a16:creationId xmlns="" xmlns:a16="http://schemas.microsoft.com/office/drawing/2014/main" id="{B6AA6EBE-11BE-493A-ADEF-74D5D5AAB76D}"/>
+                <a16:creationId xmlns:a16="http://schemas.microsoft.com/office/drawing/2014/main" xmlns="" id="{B6AA6EBE-11BE-493A-ADEF-74D5D5AAB76D}"/>
               </a:ext>
             </a:extLst>
           </p:cNvPr>
@@ -15340,7 +15340,7 @@
           <p:cNvPr id="9" name="Picture 2" descr="PlantUML Diagram">
             <a:extLst>
               <a:ext uri="{FF2B5EF4-FFF2-40B4-BE49-F238E27FC236}">
-                <a16:creationId xmlns="" xmlns:a16="http://schemas.microsoft.com/office/drawing/2014/main" id="{33990775-F671-43F0-8E32-9318C806DC2D}"/>
+                <a16:creationId xmlns:a16="http://schemas.microsoft.com/office/drawing/2014/main" xmlns="" id="{33990775-F671-43F0-8E32-9318C806DC2D}"/>
               </a:ext>
             </a:extLst>
           </p:cNvPr>
@@ -15733,7 +15733,7 @@
           <p:cNvPr id="9" name="Picture 2" descr="PlantUML Diagram">
             <a:extLst>
               <a:ext uri="{FF2B5EF4-FFF2-40B4-BE49-F238E27FC236}">
-                <a16:creationId xmlns="" xmlns:a16="http://schemas.microsoft.com/office/drawing/2014/main" id="{33990775-F671-43F0-8E32-9318C806DC2D}"/>
+                <a16:creationId xmlns:a16="http://schemas.microsoft.com/office/drawing/2014/main" xmlns="" id="{33990775-F671-43F0-8E32-9318C806DC2D}"/>
               </a:ext>
             </a:extLst>
           </p:cNvPr>
@@ -16459,7 +16459,7 @@
           <p:cNvPr id="17" name="Picture 2" descr="PlantUML Diagram">
             <a:extLst>
               <a:ext uri="{FF2B5EF4-FFF2-40B4-BE49-F238E27FC236}">
-                <a16:creationId xmlns="" xmlns:a16="http://schemas.microsoft.com/office/drawing/2014/main" id="{6091BF8A-DB6C-41EB-A023-F079D46A0221}"/>
+                <a16:creationId xmlns:a16="http://schemas.microsoft.com/office/drawing/2014/main" xmlns="" id="{6091BF8A-DB6C-41EB-A023-F079D46A0221}"/>
               </a:ext>
             </a:extLst>
           </p:cNvPr>
@@ -16506,7 +16506,7 @@
           <p:cNvPr id="18" name="Picture 2" descr="PlantUML Diagram">
             <a:extLst>
               <a:ext uri="{FF2B5EF4-FFF2-40B4-BE49-F238E27FC236}">
-                <a16:creationId xmlns="" xmlns:a16="http://schemas.microsoft.com/office/drawing/2014/main" id="{8BB2D1BB-5A30-4AD9-B0C2-C2AED90890FF}"/>
+                <a16:creationId xmlns:a16="http://schemas.microsoft.com/office/drawing/2014/main" xmlns="" id="{8BB2D1BB-5A30-4AD9-B0C2-C2AED90890FF}"/>
               </a:ext>
             </a:extLst>
           </p:cNvPr>
@@ -17118,13 +17118,64 @@
               <a:buChar char="•"/>
             </a:pPr>
             <a:r>
+              <a:rPr lang="fr-FR" sz="1800" dirty="0" err="1" smtClean="0">
+                <a:solidFill>
+                  <a:srgbClr val="0C0C0C"/>
+                </a:solidFill>
+              </a:rPr>
+              <a:t>omebarki@wemanity.com</a:t>
+            </a:r>
+            <a:endParaRPr lang="fr-FR" sz="1800" dirty="0" smtClean="0">
+              <a:solidFill>
+                <a:srgbClr val="0C0C0C"/>
+              </a:solidFill>
+            </a:endParaRPr>
+          </a:p>
+          <a:p>
+            <a:pPr marL="285750" lvl="0" indent="-285750">
+              <a:buFont typeface="Arial" panose="020B0604020202020204" pitchFamily="34" charset="0"/>
+              <a:buChar char="•"/>
+            </a:pPr>
+            <a:r>
               <a:rPr lang="fr-FR" sz="1800" dirty="0">
                 <a:solidFill>
                   <a:srgbClr val="0C0C0C"/>
                 </a:solidFill>
               </a:rPr>
-              <a:t>omebarki@wemanity.com</a:t>
-            </a:r>
+              <a:t>https</a:t>
+            </a:r>
+            <a:r>
+              <a:rPr lang="fr-FR" sz="1800">
+                <a:solidFill>
+                  <a:srgbClr val="0C0C0C"/>
+                </a:solidFill>
+              </a:rPr>
+              <a:t>://</a:t>
+            </a:r>
+            <a:r>
+              <a:rPr lang="fr-FR" sz="1800" smtClean="0">
+                <a:solidFill>
+                  <a:srgbClr val="0C0C0C"/>
+                </a:solidFill>
+              </a:rPr>
+              <a:t>github.com/omebarki/meetuppatterns</a:t>
+            </a:r>
+            <a:endParaRPr lang="fr-FR" sz="1800" dirty="0" smtClean="0">
+              <a:solidFill>
+                <a:srgbClr val="0C0C0C"/>
+              </a:solidFill>
+            </a:endParaRPr>
+          </a:p>
+          <a:p>
+            <a:pPr marL="285750" lvl="0" indent="-285750">
+              <a:buFont typeface="Arial" panose="020B0604020202020204" pitchFamily="34" charset="0"/>
+              <a:buChar char="•"/>
+            </a:pPr>
+            <a:endParaRPr lang="fr-FR" sz="1800" dirty="0">
+              <a:solidFill>
+                <a:srgbClr val="0C0C0C"/>
+              </a:solidFill>
+            </a:endParaRPr>
           </a:p>
         </p:txBody>
       </p:sp>
@@ -18183,7 +18234,7 @@
           <p:spPr>
             <a:xfrm>
               <a:off x="7246460" y="3285990"/>
-              <a:ext cx="1119217" cy="461665"/>
+              <a:ext cx="972761" cy="338725"/>
             </a:xfrm>
             <a:prstGeom prst="rect">
               <a:avLst/>
@@ -18197,16 +18248,18 @@
             <a:lstStyle/>
             <a:p>
               <a:r>
-                <a:rPr lang="fr-FR" dirty="0">
+                <a:rPr lang="fr-FR" dirty="0" smtClean="0">
                   <a:solidFill>
-                    <a:schemeClr val="tx1">
-                      <a:lumMod val="95000"/>
-                      <a:lumOff val="5000"/>
-                    </a:schemeClr>
+                    <a:srgbClr val="FF0000"/>
                   </a:solidFill>
                 </a:rPr>
-                <a:t>Clients</a:t>
+                <a:t>Produits</a:t>
               </a:r>
+              <a:endParaRPr lang="fr-FR" dirty="0">
+                <a:solidFill>
+                  <a:srgbClr val="FF0000"/>
+                </a:solidFill>
+              </a:endParaRPr>
             </a:p>
           </p:txBody>
         </p:sp>
@@ -18735,7 +18788,7 @@
           <p:cNvPr id="6" name="Picture 4" descr="PlantUML Diagram">
             <a:extLst>
               <a:ext uri="{FF2B5EF4-FFF2-40B4-BE49-F238E27FC236}">
-                <a16:creationId xmlns:a16="http://schemas.microsoft.com/office/drawing/2014/main" xmlns="" id="{40B58331-CE09-4A3D-83B4-567D1A06E2B2}"/>
+                <a16:creationId xmlns="" xmlns:a16="http://schemas.microsoft.com/office/drawing/2014/main" id="{40B58331-CE09-4A3D-83B4-567D1A06E2B2}"/>
               </a:ext>
             </a:extLst>
           </p:cNvPr>
@@ -19177,7 +19230,7 @@
           <p:cNvPr id="7" name="Picture 2" descr="PlantUML Diagram">
             <a:extLst>
               <a:ext uri="{FF2B5EF4-FFF2-40B4-BE49-F238E27FC236}">
-                <a16:creationId xmlns:a16="http://schemas.microsoft.com/office/drawing/2014/main" xmlns="" id="{BB6A48FC-5EBB-40E4-965F-72498E12EF49}"/>
+                <a16:creationId xmlns="" xmlns:a16="http://schemas.microsoft.com/office/drawing/2014/main" id="{BB6A48FC-5EBB-40E4-965F-72498E12EF49}"/>
               </a:ext>
             </a:extLst>
           </p:cNvPr>
@@ -21332,7 +21385,7 @@
           <p:cNvPr id="9" name="Picture 2" descr="PlantUML Diagram">
             <a:extLst>
               <a:ext uri="{FF2B5EF4-FFF2-40B4-BE49-F238E27FC236}">
-                <a16:creationId xmlns:a16="http://schemas.microsoft.com/office/drawing/2014/main" xmlns="" id="{B2CC0E40-22EE-4B73-963D-76771D32546F}"/>
+                <a16:creationId xmlns="" xmlns:a16="http://schemas.microsoft.com/office/drawing/2014/main" id="{B2CC0E40-22EE-4B73-963D-76771D32546F}"/>
               </a:ext>
             </a:extLst>
           </p:cNvPr>
@@ -21612,13 +21665,7 @@
               <a:rPr lang="fr-FR" sz="4800" dirty="0" smtClean="0">
                 <a:latin typeface="Helvetica Neue"/>
               </a:rPr>
-              <a:t>Troisième </a:t>
-            </a:r>
-            <a:r>
-              <a:rPr lang="fr-FR" sz="4800" dirty="0" smtClean="0">
-                <a:latin typeface="Helvetica Neue"/>
-              </a:rPr>
-              <a:t>implémentation</a:t>
+              <a:t>Troisième implémentation</a:t>
             </a:r>
             <a:endParaRPr sz="8000" dirty="0">
               <a:latin typeface="Helvetica Neue"/>
@@ -21689,7 +21736,7 @@
           <p:cNvPr id="9" name="Picture 2" descr="PlantUML Diagram">
             <a:extLst>
               <a:ext uri="{FF2B5EF4-FFF2-40B4-BE49-F238E27FC236}">
-                <a16:creationId xmlns:a16="http://schemas.microsoft.com/office/drawing/2014/main" xmlns="" id="{B2CC0E40-22EE-4B73-963D-76771D32546F}"/>
+                <a16:creationId xmlns="" xmlns:a16="http://schemas.microsoft.com/office/drawing/2014/main" id="{B2CC0E40-22EE-4B73-963D-76771D32546F}"/>
               </a:ext>
             </a:extLst>
           </p:cNvPr>

--- a/doc/PatternsWesquad.pptx
+++ b/doc/PatternsWesquad.pptx
@@ -5,7 +5,7 @@
     <p:sldMasterId id="2147483671" r:id="rId1"/>
   </p:sldMasterIdLst>
   <p:notesMasterIdLst>
-    <p:notesMasterId r:id="rId18"/>
+    <p:notesMasterId r:id="rId19"/>
   </p:notesMasterIdLst>
   <p:sldIdLst>
     <p:sldId id="256" r:id="rId2"/>
@@ -24,6 +24,7 @@
     <p:sldId id="270" r:id="rId15"/>
     <p:sldId id="271" r:id="rId16"/>
     <p:sldId id="272" r:id="rId17"/>
+    <p:sldId id="273" r:id="rId18"/>
   </p:sldIdLst>
   <p:sldSz cx="9144000" cy="5143500" type="screen16x9"/>
   <p:notesSz cx="6858000" cy="9144000"/>
@@ -1591,6 +1592,115 @@
 </p:notes>
 </file>
 
+<file path=ppt/notesSlides/notesSlide17.xml><?xml version="1.0" encoding="utf-8"?>
+<p:notes xmlns:a="http://schemas.openxmlformats.org/drawingml/2006/main" xmlns:r="http://schemas.openxmlformats.org/officeDocument/2006/relationships" xmlns:p="http://schemas.openxmlformats.org/presentationml/2006/main" showMasterSp="0" showMasterPhAnim="0">
+  <p:cSld>
+    <p:spTree>
+      <p:nvGrpSpPr>
+        <p:cNvPr id="1" name="Shape 97"/>
+        <p:cNvGrpSpPr/>
+        <p:nvPr/>
+      </p:nvGrpSpPr>
+      <p:grpSpPr>
+        <a:xfrm>
+          <a:off x="0" y="0"/>
+          <a:ext cx="0" cy="0"/>
+          <a:chOff x="0" y="0"/>
+          <a:chExt cx="0" cy="0"/>
+        </a:xfrm>
+      </p:grpSpPr>
+      <p:sp>
+        <p:nvSpPr>
+          <p:cNvPr id="98" name="Shape 98"/>
+          <p:cNvSpPr>
+            <a:spLocks noGrp="1" noRot="1" noChangeAspect="1"/>
+          </p:cNvSpPr>
+          <p:nvPr>
+            <p:ph type="sldImg" idx="2"/>
+          </p:nvPr>
+        </p:nvSpPr>
+        <p:spPr>
+          <a:xfrm>
+            <a:off x="381000" y="685800"/>
+            <a:ext cx="6096000" cy="3429000"/>
+          </a:xfrm>
+          <a:custGeom>
+            <a:avLst/>
+            <a:gdLst/>
+            <a:ahLst/>
+            <a:cxnLst/>
+            <a:rect l="0" t="0" r="0" b="0"/>
+            <a:pathLst>
+              <a:path w="120000" h="120000" extrusionOk="0">
+                <a:moveTo>
+                  <a:pt x="0" y="0"/>
+                </a:moveTo>
+                <a:lnTo>
+                  <a:pt x="120000" y="0"/>
+                </a:lnTo>
+                <a:lnTo>
+                  <a:pt x="120000" y="120000"/>
+                </a:lnTo>
+                <a:lnTo>
+                  <a:pt x="0" y="120000"/>
+                </a:lnTo>
+                <a:close/>
+              </a:path>
+            </a:pathLst>
+          </a:custGeom>
+        </p:spPr>
+      </p:sp>
+      <p:sp>
+        <p:nvSpPr>
+          <p:cNvPr id="99" name="Shape 99"/>
+          <p:cNvSpPr txBox="1">
+            <a:spLocks noGrp="1"/>
+          </p:cNvSpPr>
+          <p:nvPr>
+            <p:ph type="body" idx="1"/>
+          </p:nvPr>
+        </p:nvSpPr>
+        <p:spPr>
+          <a:xfrm>
+            <a:off x="685800" y="4343400"/>
+            <a:ext cx="5486400" cy="4114800"/>
+          </a:xfrm>
+          <a:prstGeom prst="rect">
+            <a:avLst/>
+          </a:prstGeom>
+        </p:spPr>
+        <p:txBody>
+          <a:bodyPr spcFirstLastPara="1" wrap="square" lIns="91425" tIns="91425" rIns="91425" bIns="91425" anchor="t" anchorCtr="0">
+            <a:noAutofit/>
+          </a:bodyPr>
+          <a:lstStyle/>
+          <a:p>
+            <a:pPr marL="0" lvl="0" indent="0" rtl="0">
+              <a:spcBef>
+                <a:spcPts val="0"/>
+              </a:spcBef>
+              <a:spcAft>
+                <a:spcPts val="0"/>
+              </a:spcAft>
+              <a:buNone/>
+            </a:pPr>
+            <a:endParaRPr/>
+          </a:p>
+        </p:txBody>
+      </p:sp>
+    </p:spTree>
+    <p:extLst>
+      <p:ext uri="{BB962C8B-B14F-4D97-AF65-F5344CB8AC3E}">
+        <p14:creationId xmlns:p14="http://schemas.microsoft.com/office/powerpoint/2010/main" val="1858493899"/>
+      </p:ext>
+    </p:extLst>
+  </p:cSld>
+  <p:clrMapOvr>
+    <a:masterClrMapping/>
+  </p:clrMapOvr>
+</p:notes>
+</file>
+
 <file path=ppt/notesSlides/notesSlide2.xml><?xml version="1.0" encoding="utf-8"?>
 <p:notes xmlns:a="http://schemas.openxmlformats.org/drawingml/2006/main" xmlns:r="http://schemas.openxmlformats.org/officeDocument/2006/relationships" xmlns:p="http://schemas.openxmlformats.org/presentationml/2006/main" showMasterSp="0" showMasterPhAnim="0">
   <p:cSld>
@@ -2945,7 +3055,7 @@
             </a:pPr>
             <a:fld id="{00000000-1234-1234-1234-123412341234}" type="slidenum">
               <a:rPr lang="en-GB"/>
-              <a:t>‹#›</a:t>
+              <a:t>‹N°›</a:t>
             </a:fld>
             <a:endParaRPr/>
           </a:p>
@@ -3483,7 +3593,7 @@
             </a:pPr>
             <a:fld id="{00000000-1234-1234-1234-123412341234}" type="slidenum">
               <a:rPr lang="en-GB"/>
-              <a:t>‹#›</a:t>
+              <a:t>‹N°›</a:t>
             </a:fld>
             <a:endParaRPr/>
           </a:p>
@@ -3587,7 +3697,7 @@
             </a:pPr>
             <a:fld id="{00000000-1234-1234-1234-123412341234}" type="slidenum">
               <a:rPr lang="en-GB"/>
-              <a:t>‹#›</a:t>
+              <a:t>‹N°›</a:t>
             </a:fld>
             <a:endParaRPr/>
           </a:p>
@@ -3829,7 +3939,7 @@
             </a:pPr>
             <a:fld id="{00000000-1234-1234-1234-123412341234}" type="slidenum">
               <a:rPr lang="en-GB"/>
-              <a:t>‹#›</a:t>
+              <a:t>‹N°›</a:t>
             </a:fld>
             <a:endParaRPr/>
           </a:p>
@@ -4187,7 +4297,7 @@
             </a:pPr>
             <a:fld id="{00000000-1234-1234-1234-123412341234}" type="slidenum">
               <a:rPr lang="en-GB"/>
-              <a:t>‹#›</a:t>
+              <a:t>‹N°›</a:t>
             </a:fld>
             <a:endParaRPr/>
           </a:p>
@@ -4672,7 +4782,7 @@
             </a:pPr>
             <a:fld id="{00000000-1234-1234-1234-123412341234}" type="slidenum">
               <a:rPr lang="en-GB"/>
-              <a:t>‹#›</a:t>
+              <a:t>‹N°›</a:t>
             </a:fld>
             <a:endParaRPr/>
           </a:p>
@@ -4903,7 +5013,7 @@
             </a:pPr>
             <a:fld id="{00000000-1234-1234-1234-123412341234}" type="slidenum">
               <a:rPr lang="en-GB"/>
-              <a:t>‹#›</a:t>
+              <a:t>‹N°›</a:t>
             </a:fld>
             <a:endParaRPr/>
           </a:p>
@@ -4914,6 +5024,13 @@
   <p:clrMapOvr>
     <a:masterClrMapping/>
   </p:clrMapOvr>
+  <p:timing>
+    <p:tnLst>
+      <p:par>
+        <p:cTn id="1" dur="indefinite" restart="never" nodeType="tmRoot"/>
+      </p:par>
+    </p:tnLst>
+  </p:timing>
 </p:sldLayout>
 </file>
 
@@ -5297,7 +5414,7 @@
             </a:pPr>
             <a:fld id="{00000000-1234-1234-1234-123412341234}" type="slidenum">
               <a:rPr lang="en-GB"/>
-              <a:t>‹#›</a:t>
+              <a:t>‹N°›</a:t>
             </a:fld>
             <a:endParaRPr/>
           </a:p>
@@ -5635,7 +5752,7 @@
             </a:pPr>
             <a:fld id="{00000000-1234-1234-1234-123412341234}" type="slidenum">
               <a:rPr lang="en-GB"/>
-              <a:t>‹#›</a:t>
+              <a:t>‹N°›</a:t>
             </a:fld>
             <a:endParaRPr/>
           </a:p>
@@ -6303,7 +6420,7 @@
             </a:pPr>
             <a:fld id="{00000000-1234-1234-1234-123412341234}" type="slidenum">
               <a:rPr lang="en-GB"/>
-              <a:t>‹#›</a:t>
+              <a:t>‹N°›</a:t>
             </a:fld>
             <a:endParaRPr/>
           </a:p>
@@ -6461,7 +6578,7 @@
             </a:pPr>
             <a:fld id="{00000000-1234-1234-1234-123412341234}" type="slidenum">
               <a:rPr lang="en-GB"/>
-              <a:t>‹#›</a:t>
+              <a:t>‹N°›</a:t>
             </a:fld>
             <a:endParaRPr/>
           </a:p>
@@ -7154,7 +7271,7 @@
             </a:pPr>
             <a:fld id="{00000000-1234-1234-1234-123412341234}" type="slidenum">
               <a:rPr lang="en-GB"/>
-              <a:t>‹#›</a:t>
+              <a:t>‹N°›</a:t>
             </a:fld>
             <a:endParaRPr/>
           </a:p>
@@ -10448,7 +10565,7 @@
           <p:cNvPr id="7" name="Picture 2" descr="PlantUML Diagram">
             <a:extLst>
               <a:ext uri="{FF2B5EF4-FFF2-40B4-BE49-F238E27FC236}">
-                <a16:creationId xmlns:a16="http://schemas.microsoft.com/office/drawing/2014/main" xmlns="" id="{B6AA6EBE-11BE-493A-ADEF-74D5D5AAB76D}"/>
+                <a16:creationId xmlns="" xmlns:a16="http://schemas.microsoft.com/office/drawing/2014/main" id="{B6AA6EBE-11BE-493A-ADEF-74D5D5AAB76D}"/>
               </a:ext>
             </a:extLst>
           </p:cNvPr>
@@ -12311,7 +12428,7 @@
           <p:cNvPr id="7" name="Picture 2" descr="PlantUML Diagram">
             <a:extLst>
               <a:ext uri="{FF2B5EF4-FFF2-40B4-BE49-F238E27FC236}">
-                <a16:creationId xmlns:a16="http://schemas.microsoft.com/office/drawing/2014/main" xmlns="" id="{B6AA6EBE-11BE-493A-ADEF-74D5D5AAB76D}"/>
+                <a16:creationId xmlns="" xmlns:a16="http://schemas.microsoft.com/office/drawing/2014/main" id="{B6AA6EBE-11BE-493A-ADEF-74D5D5AAB76D}"/>
               </a:ext>
             </a:extLst>
           </p:cNvPr>
@@ -13137,8 +13254,8 @@
         </p:nvSpPr>
         <p:spPr bwMode="auto">
           <a:xfrm>
-            <a:off x="361500" y="952184"/>
-            <a:ext cx="3975081" cy="2308324"/>
+            <a:off x="361500" y="1013739"/>
+            <a:ext cx="3975081" cy="2185214"/>
           </a:xfrm>
           <a:prstGeom prst="rect">
             <a:avLst/>
@@ -13650,12 +13767,12 @@
             <a:r>
               <a:rPr lang="fr-FR" altLang="fr-FR" sz="800" dirty="0" smtClean="0">
                 <a:solidFill>
-                  <a:srgbClr val="CC7832"/>
-                </a:solidFill>
-                <a:latin typeface="Courier New" panose="02070309020205020404" pitchFamily="49" charset="0"/>
-                <a:cs typeface="Courier New" panose="02070309020205020404" pitchFamily="49" charset="0"/>
-              </a:rPr>
-              <a:t>, </a:t>
+                  <a:srgbClr val="A9B7C6"/>
+                </a:solidFill>
+                <a:latin typeface="Courier New" panose="02070309020205020404" pitchFamily="49" charset="0"/>
+                <a:cs typeface="Courier New" panose="02070309020205020404" pitchFamily="49" charset="0"/>
+              </a:rPr>
+              <a:t>) </a:t>
             </a:r>
             <a:r>
               <a:rPr lang="fr-FR" altLang="fr-FR" sz="800" dirty="0" smtClean="0">
@@ -13665,27 +13782,7 @@
                 <a:latin typeface="Courier New" panose="02070309020205020404" pitchFamily="49" charset="0"/>
                 <a:cs typeface="Courier New" panose="02070309020205020404" pitchFamily="49" charset="0"/>
               </a:rPr>
-              <a:t>Printer </a:t>
-            </a:r>
-            <a:r>
-              <a:rPr lang="fr-FR" altLang="fr-FR" sz="800" dirty="0" err="1" smtClean="0">
-                <a:solidFill>
-                  <a:srgbClr val="A9B7C6"/>
-                </a:solidFill>
-                <a:latin typeface="Courier New" panose="02070309020205020404" pitchFamily="49" charset="0"/>
-                <a:cs typeface="Courier New" panose="02070309020205020404" pitchFamily="49" charset="0"/>
-              </a:rPr>
-              <a:t>printer</a:t>
-            </a:r>
-            <a:r>
-              <a:rPr lang="fr-FR" altLang="fr-FR" sz="800" dirty="0" smtClean="0">
-                <a:solidFill>
-                  <a:srgbClr val="A9B7C6"/>
-                </a:solidFill>
-                <a:latin typeface="Courier New" panose="02070309020205020404" pitchFamily="49" charset="0"/>
-                <a:cs typeface="Courier New" panose="02070309020205020404" pitchFamily="49" charset="0"/>
-              </a:rPr>
-              <a:t>) {</a:t>
+              <a:t>{</a:t>
             </a:r>
             <a:br>
               <a:rPr lang="fr-FR" altLang="fr-FR" sz="800" dirty="0" smtClean="0">
@@ -13739,32 +13836,32 @@
             <a:r>
               <a:rPr lang="fr-FR" altLang="fr-FR" sz="800" dirty="0" smtClean="0">
                 <a:solidFill>
+                  <a:srgbClr val="A9B7C6"/>
+                </a:solidFill>
+                <a:latin typeface="Courier New" panose="02070309020205020404" pitchFamily="49" charset="0"/>
+                <a:cs typeface="Courier New" panose="02070309020205020404" pitchFamily="49" charset="0"/>
+              </a:rPr>
+              <a:t>)</a:t>
+            </a:r>
+            <a:r>
+              <a:rPr lang="fr-FR" altLang="fr-FR" sz="800" dirty="0" smtClean="0">
+                <a:solidFill>
                   <a:srgbClr val="CC7832"/>
                 </a:solidFill>
                 <a:latin typeface="Courier New" panose="02070309020205020404" pitchFamily="49" charset="0"/>
                 <a:cs typeface="Courier New" panose="02070309020205020404" pitchFamily="49" charset="0"/>
               </a:rPr>
-              <a:t>, </a:t>
+              <a:t>;</a:t>
             </a:r>
             <a:r>
               <a:rPr lang="fr-FR" altLang="fr-FR" sz="800" dirty="0" smtClean="0">
                 <a:solidFill>
-                  <a:srgbClr val="A9B7C6"/>
-                </a:solidFill>
-                <a:latin typeface="Courier New" panose="02070309020205020404" pitchFamily="49" charset="0"/>
-                <a:cs typeface="Courier New" panose="02070309020205020404" pitchFamily="49" charset="0"/>
-              </a:rPr>
-              <a:t>printer)</a:t>
-            </a:r>
-            <a:r>
-              <a:rPr lang="fr-FR" altLang="fr-FR" sz="800" dirty="0" smtClean="0">
-                <a:solidFill>
                   <a:srgbClr val="CC7832"/>
                 </a:solidFill>
                 <a:latin typeface="Courier New" panose="02070309020205020404" pitchFamily="49" charset="0"/>
                 <a:cs typeface="Courier New" panose="02070309020205020404" pitchFamily="49" charset="0"/>
               </a:rPr>
-              <a:t>;</a:t>
+              <a:t/>
             </a:r>
             <a:br>
               <a:rPr lang="fr-FR" altLang="fr-FR" sz="800" dirty="0" smtClean="0">
@@ -14175,7 +14272,37 @@
                 <a:latin typeface="Courier New" panose="02070309020205020404" pitchFamily="49" charset="0"/>
                 <a:cs typeface="Courier New" panose="02070309020205020404" pitchFamily="49" charset="0"/>
               </a:rPr>
-              <a:t>() {</a:t>
+              <a:t>(Printer </a:t>
+            </a:r>
+            <a:r>
+              <a:rPr lang="fr-FR" altLang="fr-FR" sz="800" dirty="0" err="1" smtClean="0">
+                <a:solidFill>
+                  <a:srgbClr val="A9B7C6"/>
+                </a:solidFill>
+                <a:latin typeface="Courier New" panose="02070309020205020404" pitchFamily="49" charset="0"/>
+                <a:cs typeface="Courier New" panose="02070309020205020404" pitchFamily="49" charset="0"/>
+              </a:rPr>
+              <a:t>printer</a:t>
+            </a:r>
+            <a:r>
+              <a:rPr lang="fr-FR" altLang="fr-FR" sz="800" dirty="0" smtClean="0">
+                <a:solidFill>
+                  <a:srgbClr val="A9B7C6"/>
+                </a:solidFill>
+                <a:latin typeface="Courier New" panose="02070309020205020404" pitchFamily="49" charset="0"/>
+                <a:cs typeface="Courier New" panose="02070309020205020404" pitchFamily="49" charset="0"/>
+              </a:rPr>
+              <a:t>) </a:t>
+            </a:r>
+            <a:r>
+              <a:rPr lang="fr-FR" altLang="fr-FR" sz="800" dirty="0" smtClean="0">
+                <a:solidFill>
+                  <a:srgbClr val="A9B7C6"/>
+                </a:solidFill>
+                <a:latin typeface="Courier New" panose="02070309020205020404" pitchFamily="49" charset="0"/>
+                <a:cs typeface="Courier New" panose="02070309020205020404" pitchFamily="49" charset="0"/>
+              </a:rPr>
+              <a:t>{</a:t>
             </a:r>
             <a:br>
               <a:rPr lang="fr-FR" altLang="fr-FR" sz="800" dirty="0" smtClean="0">
@@ -14323,8 +14450,8 @@
         </p:nvSpPr>
         <p:spPr bwMode="auto">
           <a:xfrm>
-            <a:off x="1348127" y="3081397"/>
-            <a:ext cx="3601736" cy="2062103"/>
+            <a:off x="1221475" y="3204507"/>
+            <a:ext cx="3728388" cy="1815882"/>
           </a:xfrm>
           <a:prstGeom prst="rect">
             <a:avLst/>
@@ -14367,10 +14494,7 @@
           </a:bodyPr>
           <a:lstStyle/>
           <a:p>
-            <a:pPr marL="0" marR="0" lvl="0" indent="0" algn="l" defTabSz="914400" rtl="0" eaLnBrk="0" fontAlgn="base" latinLnBrk="0" hangingPunct="0">
-              <a:lnSpc>
-                <a:spcPct val="100000"/>
-              </a:lnSpc>
+            <a:pPr lvl="0" eaLnBrk="0" fontAlgn="base" hangingPunct="0">
               <a:spcBef>
                 <a:spcPct val="0"/>
               </a:spcBef>
@@ -14378,13 +14502,9 @@
                 <a:spcPct val="0"/>
               </a:spcAft>
               <a:buClrTx/>
-              <a:buSzTx/>
-              <a:buFontTx/>
-              <a:buNone/>
-              <a:tabLst/>
             </a:pPr>
             <a:r>
-              <a:rPr kumimoji="0" lang="fr-FR" altLang="fr-FR" sz="800" b="0" i="0" u="none" strike="noStrike" cap="none" normalizeH="0" baseline="0">
+              <a:rPr kumimoji="0" lang="fr-FR" altLang="fr-FR" sz="800" b="0" i="0" u="none" strike="noStrike" cap="none" normalizeH="0" baseline="0" dirty="0">
                 <a:ln>
                   <a:noFill/>
                 </a:ln>
@@ -14398,7 +14518,7 @@
               <a:t>public class </a:t>
             </a:r>
             <a:r>
-              <a:rPr kumimoji="0" lang="fr-FR" altLang="fr-FR" sz="800" b="0" i="0" u="none" strike="noStrike" cap="none" normalizeH="0" baseline="0">
+              <a:rPr kumimoji="0" lang="fr-FR" altLang="fr-FR" sz="800" b="0" i="0" u="none" strike="noStrike" cap="none" normalizeH="0" baseline="0" dirty="0">
                 <a:ln>
                   <a:noFill/>
                 </a:ln>
@@ -14412,7 +14532,7 @@
               <a:t>MainPrinter2 {</a:t>
             </a:r>
             <a:br>
-              <a:rPr kumimoji="0" lang="fr-FR" altLang="fr-FR" sz="800" b="0" i="0" u="none" strike="noStrike" cap="none" normalizeH="0" baseline="0">
+              <a:rPr kumimoji="0" lang="fr-FR" altLang="fr-FR" sz="800" b="0" i="0" u="none" strike="noStrike" cap="none" normalizeH="0" baseline="0" dirty="0">
                 <a:ln>
                   <a:noFill/>
                 </a:ln>
@@ -14425,7 +14545,7 @@
               </a:rPr>
             </a:br>
             <a:r>
-              <a:rPr kumimoji="0" lang="fr-FR" altLang="fr-FR" sz="800" b="0" i="0" u="none" strike="noStrike" cap="none" normalizeH="0" baseline="0">
+              <a:rPr kumimoji="0" lang="fr-FR" altLang="fr-FR" sz="800" b="0" i="0" u="none" strike="noStrike" cap="none" normalizeH="0" baseline="0" dirty="0">
                 <a:ln>
                   <a:noFill/>
                 </a:ln>
@@ -14439,7 +14559,7 @@
               <a:t>    </a:t>
             </a:r>
             <a:r>
-              <a:rPr kumimoji="0" lang="fr-FR" altLang="fr-FR" sz="800" b="0" i="0" u="none" strike="noStrike" cap="none" normalizeH="0" baseline="0">
+              <a:rPr kumimoji="0" lang="fr-FR" altLang="fr-FR" sz="800" b="0" i="0" u="none" strike="noStrike" cap="none" normalizeH="0" baseline="0" dirty="0">
                 <a:ln>
                   <a:noFill/>
                 </a:ln>
@@ -14450,10 +14570,66 @@
                 <a:latin typeface="Courier New" panose="02070309020205020404" pitchFamily="49" charset="0"/>
                 <a:cs typeface="Courier New" panose="02070309020205020404" pitchFamily="49" charset="0"/>
               </a:rPr>
-              <a:t>public static void </a:t>
-            </a:r>
-            <a:r>
-              <a:rPr kumimoji="0" lang="fr-FR" altLang="fr-FR" sz="800" b="0" i="0" u="none" strike="noStrike" cap="none" normalizeH="0" baseline="0">
+              <a:t>public </a:t>
+            </a:r>
+            <a:r>
+              <a:rPr kumimoji="0" lang="fr-FR" altLang="fr-FR" sz="800" b="0" i="0" u="none" strike="noStrike" cap="none" normalizeH="0" baseline="0" dirty="0" err="1">
+                <a:ln>
+                  <a:noFill/>
+                </a:ln>
+                <a:solidFill>
+                  <a:srgbClr val="CC7832"/>
+                </a:solidFill>
+                <a:effectLst/>
+                <a:latin typeface="Courier New" panose="02070309020205020404" pitchFamily="49" charset="0"/>
+                <a:cs typeface="Courier New" panose="02070309020205020404" pitchFamily="49" charset="0"/>
+              </a:rPr>
+              <a:t>static</a:t>
+            </a:r>
+            <a:r>
+              <a:rPr kumimoji="0" lang="fr-FR" altLang="fr-FR" sz="800" b="0" i="0" u="none" strike="noStrike" cap="none" normalizeH="0" baseline="0" dirty="0">
+                <a:ln>
+                  <a:noFill/>
+                </a:ln>
+                <a:solidFill>
+                  <a:srgbClr val="CC7832"/>
+                </a:solidFill>
+                <a:effectLst/>
+                <a:latin typeface="Courier New" panose="02070309020205020404" pitchFamily="49" charset="0"/>
+                <a:cs typeface="Courier New" panose="02070309020205020404" pitchFamily="49" charset="0"/>
+              </a:rPr>
+              <a:t> </a:t>
+            </a:r>
+            <a:r>
+              <a:rPr kumimoji="0" lang="fr-FR" altLang="fr-FR" sz="800" b="0" i="0" u="none" strike="noStrike" cap="none" normalizeH="0" baseline="0" dirty="0" err="1">
+                <a:ln>
+                  <a:noFill/>
+                </a:ln>
+                <a:solidFill>
+                  <a:srgbClr val="CC7832"/>
+                </a:solidFill>
+                <a:effectLst/>
+                <a:latin typeface="Courier New" panose="02070309020205020404" pitchFamily="49" charset="0"/>
+                <a:cs typeface="Courier New" panose="02070309020205020404" pitchFamily="49" charset="0"/>
+              </a:rPr>
+              <a:t>void</a:t>
+            </a:r>
+            <a:r>
+              <a:rPr kumimoji="0" lang="fr-FR" altLang="fr-FR" sz="800" b="0" i="0" u="none" strike="noStrike" cap="none" normalizeH="0" baseline="0" dirty="0">
+                <a:ln>
+                  <a:noFill/>
+                </a:ln>
+                <a:solidFill>
+                  <a:srgbClr val="CC7832"/>
+                </a:solidFill>
+                <a:effectLst/>
+                <a:latin typeface="Courier New" panose="02070309020205020404" pitchFamily="49" charset="0"/>
+                <a:cs typeface="Courier New" panose="02070309020205020404" pitchFamily="49" charset="0"/>
+              </a:rPr>
+              <a:t> </a:t>
+            </a:r>
+            <a:r>
+              <a:rPr kumimoji="0" lang="fr-FR" altLang="fr-FR" sz="800" b="0" i="0" u="none" strike="noStrike" cap="none" normalizeH="0" baseline="0" dirty="0">
                 <a:ln>
                   <a:noFill/>
                 </a:ln>
@@ -14467,7 +14643,7 @@
               <a:t>main</a:t>
             </a:r>
             <a:r>
-              <a:rPr kumimoji="0" lang="fr-FR" altLang="fr-FR" sz="800" b="0" i="0" u="none" strike="noStrike" cap="none" normalizeH="0" baseline="0">
+              <a:rPr kumimoji="0" lang="fr-FR" altLang="fr-FR" sz="800" b="0" i="0" u="none" strike="noStrike" cap="none" normalizeH="0" baseline="0" dirty="0">
                 <a:ln>
                   <a:noFill/>
                 </a:ln>
@@ -14478,10 +14654,38 @@
                 <a:latin typeface="Courier New" panose="02070309020205020404" pitchFamily="49" charset="0"/>
                 <a:cs typeface="Courier New" panose="02070309020205020404" pitchFamily="49" charset="0"/>
               </a:rPr>
-              <a:t>(String[] args) {</a:t>
+              <a:t>(String[] </a:t>
+            </a:r>
+            <a:r>
+              <a:rPr kumimoji="0" lang="fr-FR" altLang="fr-FR" sz="800" b="0" i="0" u="none" strike="noStrike" cap="none" normalizeH="0" baseline="0" dirty="0" err="1">
+                <a:ln>
+                  <a:noFill/>
+                </a:ln>
+                <a:solidFill>
+                  <a:srgbClr val="A9B7C6"/>
+                </a:solidFill>
+                <a:effectLst/>
+                <a:latin typeface="Courier New" panose="02070309020205020404" pitchFamily="49" charset="0"/>
+                <a:cs typeface="Courier New" panose="02070309020205020404" pitchFamily="49" charset="0"/>
+              </a:rPr>
+              <a:t>args</a:t>
+            </a:r>
+            <a:r>
+              <a:rPr kumimoji="0" lang="fr-FR" altLang="fr-FR" sz="800" b="0" i="0" u="none" strike="noStrike" cap="none" normalizeH="0" baseline="0" dirty="0">
+                <a:ln>
+                  <a:noFill/>
+                </a:ln>
+                <a:solidFill>
+                  <a:srgbClr val="A9B7C6"/>
+                </a:solidFill>
+                <a:effectLst/>
+                <a:latin typeface="Courier New" panose="02070309020205020404" pitchFamily="49" charset="0"/>
+                <a:cs typeface="Courier New" panose="02070309020205020404" pitchFamily="49" charset="0"/>
+              </a:rPr>
+              <a:t>) {</a:t>
             </a:r>
             <a:br>
-              <a:rPr kumimoji="0" lang="fr-FR" altLang="fr-FR" sz="800" b="0" i="0" u="none" strike="noStrike" cap="none" normalizeH="0" baseline="0">
+              <a:rPr kumimoji="0" lang="fr-FR" altLang="fr-FR" sz="800" b="0" i="0" u="none" strike="noStrike" cap="none" normalizeH="0" baseline="0" dirty="0">
                 <a:ln>
                   <a:noFill/>
                 </a:ln>
@@ -14494,7 +14698,7 @@
               </a:rPr>
             </a:br>
             <a:r>
-              <a:rPr kumimoji="0" lang="fr-FR" altLang="fr-FR" sz="800" b="0" i="0" u="none" strike="noStrike" cap="none" normalizeH="0" baseline="0">
+              <a:rPr kumimoji="0" lang="fr-FR" altLang="fr-FR" sz="800" b="0" i="0" u="none" strike="noStrike" cap="none" normalizeH="0" baseline="0" dirty="0">
                 <a:ln>
                   <a:noFill/>
                 </a:ln>
@@ -14505,10 +14709,38 @@
                 <a:latin typeface="Courier New" panose="02070309020205020404" pitchFamily="49" charset="0"/>
                 <a:cs typeface="Courier New" panose="02070309020205020404" pitchFamily="49" charset="0"/>
               </a:rPr>
-              <a:t>        Printer printer = </a:t>
-            </a:r>
-            <a:r>
-              <a:rPr kumimoji="0" lang="fr-FR" altLang="fr-FR" sz="800" b="0" i="0" u="none" strike="noStrike" cap="none" normalizeH="0" baseline="0">
+              <a:t>        Printer </a:t>
+            </a:r>
+            <a:r>
+              <a:rPr kumimoji="0" lang="fr-FR" altLang="fr-FR" sz="800" b="0" i="0" u="none" strike="noStrike" cap="none" normalizeH="0" baseline="0" dirty="0" err="1">
+                <a:ln>
+                  <a:noFill/>
+                </a:ln>
+                <a:solidFill>
+                  <a:srgbClr val="A9B7C6"/>
+                </a:solidFill>
+                <a:effectLst/>
+                <a:latin typeface="Courier New" panose="02070309020205020404" pitchFamily="49" charset="0"/>
+                <a:cs typeface="Courier New" panose="02070309020205020404" pitchFamily="49" charset="0"/>
+              </a:rPr>
+              <a:t>printer</a:t>
+            </a:r>
+            <a:r>
+              <a:rPr kumimoji="0" lang="fr-FR" altLang="fr-FR" sz="800" b="0" i="0" u="none" strike="noStrike" cap="none" normalizeH="0" baseline="0" dirty="0">
+                <a:ln>
+                  <a:noFill/>
+                </a:ln>
+                <a:solidFill>
+                  <a:srgbClr val="A9B7C6"/>
+                </a:solidFill>
+                <a:effectLst/>
+                <a:latin typeface="Courier New" panose="02070309020205020404" pitchFamily="49" charset="0"/>
+                <a:cs typeface="Courier New" panose="02070309020205020404" pitchFamily="49" charset="0"/>
+              </a:rPr>
+              <a:t> = </a:t>
+            </a:r>
+            <a:r>
+              <a:rPr kumimoji="0" lang="fr-FR" altLang="fr-FR" sz="800" b="0" i="0" u="none" strike="noStrike" cap="none" normalizeH="0" baseline="0" dirty="0">
                 <a:ln>
                   <a:noFill/>
                 </a:ln>
@@ -14522,7 +14754,7 @@
               <a:t>new </a:t>
             </a:r>
             <a:r>
-              <a:rPr kumimoji="0" lang="fr-FR" altLang="fr-FR" sz="800" b="0" i="0" u="none" strike="noStrike" cap="none" normalizeH="0" baseline="0">
+              <a:rPr kumimoji="0" lang="fr-FR" altLang="fr-FR" sz="800" b="0" i="0" u="none" strike="noStrike" cap="none" normalizeH="0" baseline="0" dirty="0">
                 <a:ln>
                   <a:noFill/>
                 </a:ln>
@@ -14536,7 +14768,7 @@
               <a:t>Printer()</a:t>
             </a:r>
             <a:r>
-              <a:rPr kumimoji="0" lang="fr-FR" altLang="fr-FR" sz="800" b="0" i="0" u="none" strike="noStrike" cap="none" normalizeH="0" baseline="0">
+              <a:rPr kumimoji="0" lang="fr-FR" altLang="fr-FR" sz="800" b="0" i="0" u="none" strike="noStrike" cap="none" normalizeH="0" baseline="0" dirty="0">
                 <a:ln>
                   <a:noFill/>
                 </a:ln>
@@ -14550,7 +14782,7 @@
               <a:t>;</a:t>
             </a:r>
             <a:br>
-              <a:rPr kumimoji="0" lang="fr-FR" altLang="fr-FR" sz="800" b="0" i="0" u="none" strike="noStrike" cap="none" normalizeH="0" baseline="0">
+              <a:rPr kumimoji="0" lang="fr-FR" altLang="fr-FR" sz="800" b="0" i="0" u="none" strike="noStrike" cap="none" normalizeH="0" baseline="0" dirty="0">
                 <a:ln>
                   <a:noFill/>
                 </a:ln>
@@ -14563,7 +14795,7 @@
               </a:rPr>
             </a:br>
             <a:r>
-              <a:rPr kumimoji="0" lang="fr-FR" altLang="fr-FR" sz="800" b="0" i="0" u="none" strike="noStrike" cap="none" normalizeH="0" baseline="0">
+              <a:rPr kumimoji="0" lang="fr-FR" altLang="fr-FR" sz="800" b="0" i="0" u="none" strike="noStrike" cap="none" normalizeH="0" baseline="0" dirty="0">
                 <a:ln>
                   <a:noFill/>
                 </a:ln>
@@ -14577,7 +14809,7 @@
               <a:t/>
             </a:r>
             <a:br>
-              <a:rPr kumimoji="0" lang="fr-FR" altLang="fr-FR" sz="800" b="0" i="0" u="none" strike="noStrike" cap="none" normalizeH="0" baseline="0">
+              <a:rPr kumimoji="0" lang="fr-FR" altLang="fr-FR" sz="800" b="0" i="0" u="none" strike="noStrike" cap="none" normalizeH="0" baseline="0" dirty="0">
                 <a:ln>
                   <a:noFill/>
                 </a:ln>
@@ -14590,7 +14822,7 @@
               </a:rPr>
             </a:br>
             <a:r>
-              <a:rPr kumimoji="0" lang="fr-FR" altLang="fr-FR" sz="800" b="0" i="0" u="none" strike="noStrike" cap="none" normalizeH="0" baseline="0">
+              <a:rPr kumimoji="0" lang="fr-FR" altLang="fr-FR" sz="800" b="0" i="0" u="none" strike="noStrike" cap="none" normalizeH="0" baseline="0" dirty="0">
                 <a:ln>
                   <a:noFill/>
                 </a:ln>
@@ -14604,7 +14836,7 @@
               <a:t>        </a:t>
             </a:r>
             <a:r>
-              <a:rPr kumimoji="0" lang="fr-FR" altLang="fr-FR" sz="800" b="0" i="0" u="none" strike="noStrike" cap="none" normalizeH="0" baseline="0">
+              <a:rPr kumimoji="0" lang="fr-FR" altLang="fr-FR" sz="800" b="0" i="0" u="none" strike="noStrike" cap="none" normalizeH="0" baseline="0" dirty="0">
                 <a:ln>
                   <a:noFill/>
                 </a:ln>
@@ -14615,10 +14847,38 @@
                 <a:latin typeface="Courier New" panose="02070309020205020404" pitchFamily="49" charset="0"/>
                 <a:cs typeface="Courier New" panose="02070309020205020404" pitchFamily="49" charset="0"/>
               </a:rPr>
-              <a:t>File file = </a:t>
-            </a:r>
-            <a:r>
-              <a:rPr kumimoji="0" lang="fr-FR" altLang="fr-FR" sz="800" b="0" i="0" u="none" strike="noStrike" cap="none" normalizeH="0" baseline="0">
+              <a:t>File </a:t>
+            </a:r>
+            <a:r>
+              <a:rPr kumimoji="0" lang="fr-FR" altLang="fr-FR" sz="800" b="0" i="0" u="none" strike="noStrike" cap="none" normalizeH="0" baseline="0" dirty="0" err="1">
+                <a:ln>
+                  <a:noFill/>
+                </a:ln>
+                <a:solidFill>
+                  <a:srgbClr val="A9B7C6"/>
+                </a:solidFill>
+                <a:effectLst/>
+                <a:latin typeface="Courier New" panose="02070309020205020404" pitchFamily="49" charset="0"/>
+                <a:cs typeface="Courier New" panose="02070309020205020404" pitchFamily="49" charset="0"/>
+              </a:rPr>
+              <a:t>file</a:t>
+            </a:r>
+            <a:r>
+              <a:rPr kumimoji="0" lang="fr-FR" altLang="fr-FR" sz="800" b="0" i="0" u="none" strike="noStrike" cap="none" normalizeH="0" baseline="0" dirty="0">
+                <a:ln>
+                  <a:noFill/>
+                </a:ln>
+                <a:solidFill>
+                  <a:srgbClr val="A9B7C6"/>
+                </a:solidFill>
+                <a:effectLst/>
+                <a:latin typeface="Courier New" panose="02070309020205020404" pitchFamily="49" charset="0"/>
+                <a:cs typeface="Courier New" panose="02070309020205020404" pitchFamily="49" charset="0"/>
+              </a:rPr>
+              <a:t> = </a:t>
+            </a:r>
+            <a:r>
+              <a:rPr kumimoji="0" lang="fr-FR" altLang="fr-FR" sz="800" b="0" i="0" u="none" strike="noStrike" cap="none" normalizeH="0" baseline="0" dirty="0">
                 <a:ln>
                   <a:noFill/>
                 </a:ln>
@@ -14632,7 +14892,7 @@
               <a:t>new </a:t>
             </a:r>
             <a:r>
-              <a:rPr kumimoji="0" lang="fr-FR" altLang="fr-FR" sz="800" b="0" i="0" u="none" strike="noStrike" cap="none" normalizeH="0" baseline="0">
+              <a:rPr kumimoji="0" lang="fr-FR" altLang="fr-FR" sz="800" b="0" i="0" u="none" strike="noStrike" cap="none" normalizeH="0" baseline="0" dirty="0">
                 <a:ln>
                   <a:noFill/>
                 </a:ln>
@@ -14646,7 +14906,7 @@
               <a:t>File(</a:t>
             </a:r>
             <a:r>
-              <a:rPr kumimoji="0" lang="fr-FR" altLang="fr-FR" sz="800" b="0" i="0" u="none" strike="noStrike" cap="none" normalizeH="0" baseline="0">
+              <a:rPr kumimoji="0" lang="fr-FR" altLang="fr-FR" sz="800" b="0" i="0" u="none" strike="noStrike" cap="none" normalizeH="0" baseline="0" dirty="0">
                 <a:ln>
                   <a:noFill/>
                 </a:ln>
@@ -14657,10 +14917,38 @@
                 <a:latin typeface="Courier New" panose="02070309020205020404" pitchFamily="49" charset="0"/>
                 <a:cs typeface="Courier New" panose="02070309020205020404" pitchFamily="49" charset="0"/>
               </a:rPr>
-              <a:t>"F1"</a:t>
-            </a:r>
-            <a:r>
-              <a:rPr kumimoji="0" lang="fr-FR" altLang="fr-FR" sz="800" b="0" i="0" u="none" strike="noStrike" cap="none" normalizeH="0" baseline="0">
+              <a:t>"F1</a:t>
+            </a:r>
+            <a:r>
+              <a:rPr kumimoji="0" lang="fr-FR" altLang="fr-FR" sz="800" b="0" i="0" u="none" strike="noStrike" cap="none" normalizeH="0" baseline="0" dirty="0" smtClean="0">
+                <a:ln>
+                  <a:noFill/>
+                </a:ln>
+                <a:solidFill>
+                  <a:srgbClr val="6A8759"/>
+                </a:solidFill>
+                <a:effectLst/>
+                <a:latin typeface="Courier New" panose="02070309020205020404" pitchFamily="49" charset="0"/>
+                <a:cs typeface="Courier New" panose="02070309020205020404" pitchFamily="49" charset="0"/>
+              </a:rPr>
+              <a:t>"</a:t>
+            </a:r>
+            <a:r>
+              <a:rPr kumimoji="0" lang="fr-FR" altLang="fr-FR" sz="800" b="0" i="0" u="none" strike="noStrike" cap="none" normalizeH="0" baseline="0" dirty="0" smtClean="0">
+                <a:ln>
+                  <a:noFill/>
+                </a:ln>
+                <a:solidFill>
+                  <a:srgbClr val="A9B7C6"/>
+                </a:solidFill>
+                <a:effectLst/>
+                <a:latin typeface="Courier New" panose="02070309020205020404" pitchFamily="49" charset="0"/>
+                <a:cs typeface="Courier New" panose="02070309020205020404" pitchFamily="49" charset="0"/>
+              </a:rPr>
+              <a:t>)</a:t>
+            </a:r>
+            <a:r>
+              <a:rPr kumimoji="0" lang="fr-FR" altLang="fr-FR" sz="800" b="0" i="0" u="none" strike="noStrike" cap="none" normalizeH="0" baseline="0" dirty="0" smtClean="0">
                 <a:ln>
                   <a:noFill/>
                 </a:ln>
@@ -14671,10 +14959,191 @@
                 <a:latin typeface="Courier New" panose="02070309020205020404" pitchFamily="49" charset="0"/>
                 <a:cs typeface="Courier New" panose="02070309020205020404" pitchFamily="49" charset="0"/>
               </a:rPr>
+              <a:t>;</a:t>
+            </a:r>
+            <a:r>
+              <a:rPr kumimoji="0" lang="fr-FR" altLang="fr-FR" sz="800" b="0" i="0" u="none" strike="noStrike" cap="none" normalizeH="0" baseline="0" dirty="0">
+                <a:ln>
+                  <a:noFill/>
+                </a:ln>
+                <a:solidFill>
+                  <a:srgbClr val="CC7832"/>
+                </a:solidFill>
+                <a:effectLst/>
+                <a:latin typeface="Courier New" panose="02070309020205020404" pitchFamily="49" charset="0"/>
+                <a:cs typeface="Courier New" panose="02070309020205020404" pitchFamily="49" charset="0"/>
+              </a:rPr>
+              <a:t/>
+            </a:r>
+            <a:br>
+              <a:rPr kumimoji="0" lang="fr-FR" altLang="fr-FR" sz="800" b="0" i="0" u="none" strike="noStrike" cap="none" normalizeH="0" baseline="0" dirty="0">
+                <a:ln>
+                  <a:noFill/>
+                </a:ln>
+                <a:solidFill>
+                  <a:srgbClr val="CC7832"/>
+                </a:solidFill>
+                <a:effectLst/>
+                <a:latin typeface="Courier New" panose="02070309020205020404" pitchFamily="49" charset="0"/>
+                <a:cs typeface="Courier New" panose="02070309020205020404" pitchFamily="49" charset="0"/>
+              </a:rPr>
+            </a:br>
+            <a:r>
+              <a:rPr kumimoji="0" lang="fr-FR" altLang="fr-FR" sz="800" b="0" i="0" u="none" strike="noStrike" cap="none" normalizeH="0" baseline="0" dirty="0">
+                <a:ln>
+                  <a:noFill/>
+                </a:ln>
+                <a:solidFill>
+                  <a:srgbClr val="CC7832"/>
+                </a:solidFill>
+                <a:effectLst/>
+                <a:latin typeface="Courier New" panose="02070309020205020404" pitchFamily="49" charset="0"/>
+                <a:cs typeface="Courier New" panose="02070309020205020404" pitchFamily="49" charset="0"/>
+              </a:rPr>
+              <a:t>        </a:t>
+            </a:r>
+            <a:r>
+              <a:rPr kumimoji="0" lang="fr-FR" altLang="fr-FR" sz="800" b="0" i="0" u="none" strike="noStrike" cap="none" normalizeH="0" baseline="0" dirty="0">
+                <a:ln>
+                  <a:noFill/>
+                </a:ln>
+                <a:solidFill>
+                  <a:srgbClr val="A9B7C6"/>
+                </a:solidFill>
+                <a:effectLst/>
+                <a:latin typeface="Courier New" panose="02070309020205020404" pitchFamily="49" charset="0"/>
+                <a:cs typeface="Courier New" panose="02070309020205020404" pitchFamily="49" charset="0"/>
+              </a:rPr>
+              <a:t>File </a:t>
+            </a:r>
+            <a:r>
+              <a:rPr kumimoji="0" lang="fr-FR" altLang="fr-FR" sz="800" b="0" i="0" u="none" strike="noStrike" cap="none" normalizeH="0" baseline="0" dirty="0" err="1">
+                <a:ln>
+                  <a:noFill/>
+                </a:ln>
+                <a:solidFill>
+                  <a:srgbClr val="A9B7C6"/>
+                </a:solidFill>
+                <a:effectLst/>
+                <a:latin typeface="Courier New" panose="02070309020205020404" pitchFamily="49" charset="0"/>
+                <a:cs typeface="Courier New" panose="02070309020205020404" pitchFamily="49" charset="0"/>
+              </a:rPr>
+              <a:t>symLink</a:t>
+            </a:r>
+            <a:r>
+              <a:rPr kumimoji="0" lang="fr-FR" altLang="fr-FR" sz="800" b="0" i="0" u="none" strike="noStrike" cap="none" normalizeH="0" baseline="0" dirty="0">
+                <a:ln>
+                  <a:noFill/>
+                </a:ln>
+                <a:solidFill>
+                  <a:srgbClr val="A9B7C6"/>
+                </a:solidFill>
+                <a:effectLst/>
+                <a:latin typeface="Courier New" panose="02070309020205020404" pitchFamily="49" charset="0"/>
+                <a:cs typeface="Courier New" panose="02070309020205020404" pitchFamily="49" charset="0"/>
+              </a:rPr>
+              <a:t> = </a:t>
+            </a:r>
+            <a:r>
+              <a:rPr kumimoji="0" lang="fr-FR" altLang="fr-FR" sz="800" b="0" i="0" u="none" strike="noStrike" cap="none" normalizeH="0" baseline="0" dirty="0">
+                <a:ln>
+                  <a:noFill/>
+                </a:ln>
+                <a:solidFill>
+                  <a:srgbClr val="CC7832"/>
+                </a:solidFill>
+                <a:effectLst/>
+                <a:latin typeface="Courier New" panose="02070309020205020404" pitchFamily="49" charset="0"/>
+                <a:cs typeface="Courier New" panose="02070309020205020404" pitchFamily="49" charset="0"/>
+              </a:rPr>
+              <a:t>new </a:t>
+            </a:r>
+            <a:r>
+              <a:rPr kumimoji="0" lang="fr-FR" altLang="fr-FR" sz="800" b="0" i="0" u="none" strike="noStrike" cap="none" normalizeH="0" baseline="0" dirty="0" err="1">
+                <a:ln>
+                  <a:noFill/>
+                </a:ln>
+                <a:solidFill>
+                  <a:srgbClr val="A9B7C6"/>
+                </a:solidFill>
+                <a:effectLst/>
+                <a:latin typeface="Courier New" panose="02070309020205020404" pitchFamily="49" charset="0"/>
+                <a:cs typeface="Courier New" panose="02070309020205020404" pitchFamily="49" charset="0"/>
+              </a:rPr>
+              <a:t>SymLink</a:t>
+            </a:r>
+            <a:r>
+              <a:rPr kumimoji="0" lang="fr-FR" altLang="fr-FR" sz="800" b="0" i="0" u="none" strike="noStrike" cap="none" normalizeH="0" baseline="0" dirty="0">
+                <a:ln>
+                  <a:noFill/>
+                </a:ln>
+                <a:solidFill>
+                  <a:srgbClr val="A9B7C6"/>
+                </a:solidFill>
+                <a:effectLst/>
+                <a:latin typeface="Courier New" panose="02070309020205020404" pitchFamily="49" charset="0"/>
+                <a:cs typeface="Courier New" panose="02070309020205020404" pitchFamily="49" charset="0"/>
+              </a:rPr>
+              <a:t>(</a:t>
+            </a:r>
+            <a:r>
+              <a:rPr kumimoji="0" lang="fr-FR" altLang="fr-FR" sz="800" b="0" i="0" u="none" strike="noStrike" cap="none" normalizeH="0" baseline="0" dirty="0">
+                <a:ln>
+                  <a:noFill/>
+                </a:ln>
+                <a:solidFill>
+                  <a:srgbClr val="6A8759"/>
+                </a:solidFill>
+                <a:effectLst/>
+                <a:latin typeface="Courier New" panose="02070309020205020404" pitchFamily="49" charset="0"/>
+                <a:cs typeface="Courier New" panose="02070309020205020404" pitchFamily="49" charset="0"/>
+              </a:rPr>
+              <a:t>"S1"</a:t>
+            </a:r>
+            <a:r>
+              <a:rPr kumimoji="0" lang="fr-FR" altLang="fr-FR" sz="800" b="0" i="0" u="none" strike="noStrike" cap="none" normalizeH="0" baseline="0" dirty="0">
+                <a:ln>
+                  <a:noFill/>
+                </a:ln>
+                <a:solidFill>
+                  <a:srgbClr val="CC7832"/>
+                </a:solidFill>
+                <a:effectLst/>
+                <a:latin typeface="Courier New" panose="02070309020205020404" pitchFamily="49" charset="0"/>
+                <a:cs typeface="Courier New" panose="02070309020205020404" pitchFamily="49" charset="0"/>
+              </a:rPr>
               <a:t>, </a:t>
             </a:r>
             <a:r>
-              <a:rPr kumimoji="0" lang="fr-FR" altLang="fr-FR" sz="800" b="0" i="0" u="none" strike="noStrike" cap="none" normalizeH="0" baseline="0">
+              <a:rPr kumimoji="0" lang="fr-FR" altLang="fr-FR" sz="800" b="0" i="0" u="none" strike="noStrike" cap="none" normalizeH="0" baseline="0" dirty="0">
+                <a:ln>
+                  <a:noFill/>
+                </a:ln>
+                <a:solidFill>
+                  <a:srgbClr val="6A8759"/>
+                </a:solidFill>
+                <a:effectLst/>
+                <a:latin typeface="Courier New" panose="02070309020205020404" pitchFamily="49" charset="0"/>
+                <a:cs typeface="Courier New" panose="02070309020205020404" pitchFamily="49" charset="0"/>
+              </a:rPr>
+              <a:t>"/</a:t>
+            </a:r>
+            <a:r>
+              <a:rPr kumimoji="0" lang="fr-FR" altLang="fr-FR" sz="800" b="0" i="0" u="none" strike="noStrike" cap="none" normalizeH="0" baseline="0" dirty="0" smtClean="0">
+                <a:ln>
+                  <a:noFill/>
+                </a:ln>
+                <a:solidFill>
+                  <a:srgbClr val="6A8759"/>
+                </a:solidFill>
+                <a:effectLst/>
+                <a:latin typeface="Courier New" panose="02070309020205020404" pitchFamily="49" charset="0"/>
+                <a:cs typeface="Courier New" panose="02070309020205020404" pitchFamily="49" charset="0"/>
+              </a:rPr>
+              <a:t>home/F1</a:t>
+            </a:r>
+            <a:r>
+              <a:rPr kumimoji="0" lang="fr-FR" altLang="fr-FR" sz="800" b="0" i="0" u="none" strike="noStrike" cap="none" normalizeH="0" baseline="0" dirty="0" smtClean="0">
                 <a:ln>
                   <a:noFill/>
                 </a:ln>
@@ -14685,10 +15154,10 @@
                 <a:latin typeface="Courier New" panose="02070309020205020404" pitchFamily="49" charset="0"/>
                 <a:cs typeface="Courier New" panose="02070309020205020404" pitchFamily="49" charset="0"/>
               </a:rPr>
-              <a:t>printer)</a:t>
-            </a:r>
-            <a:r>
-              <a:rPr kumimoji="0" lang="fr-FR" altLang="fr-FR" sz="800" b="0" i="0" u="none" strike="noStrike" cap="none" normalizeH="0" baseline="0">
+              <a:t>)</a:t>
+            </a:r>
+            <a:r>
+              <a:rPr kumimoji="0" lang="fr-FR" altLang="fr-FR" sz="800" b="0" i="0" u="none" strike="noStrike" cap="none" normalizeH="0" baseline="0" dirty="0" smtClean="0">
                 <a:ln>
                   <a:noFill/>
                 </a:ln>
@@ -14701,8 +15170,22 @@
               </a:rPr>
               <a:t>;</a:t>
             </a:r>
+            <a:r>
+              <a:rPr kumimoji="0" lang="fr-FR" altLang="fr-FR" sz="800" b="0" i="0" u="none" strike="noStrike" cap="none" normalizeH="0" baseline="0" dirty="0">
+                <a:ln>
+                  <a:noFill/>
+                </a:ln>
+                <a:solidFill>
+                  <a:srgbClr val="CC7832"/>
+                </a:solidFill>
+                <a:effectLst/>
+                <a:latin typeface="Courier New" panose="02070309020205020404" pitchFamily="49" charset="0"/>
+                <a:cs typeface="Courier New" panose="02070309020205020404" pitchFamily="49" charset="0"/>
+              </a:rPr>
+              <a:t/>
+            </a:r>
             <a:br>
-              <a:rPr kumimoji="0" lang="fr-FR" altLang="fr-FR" sz="800" b="0" i="0" u="none" strike="noStrike" cap="none" normalizeH="0" baseline="0">
+              <a:rPr kumimoji="0" lang="fr-FR" altLang="fr-FR" sz="800" b="0" i="0" u="none" strike="noStrike" cap="none" normalizeH="0" baseline="0" dirty="0">
                 <a:ln>
                   <a:noFill/>
                 </a:ln>
@@ -14715,7 +15198,7 @@
               </a:rPr>
             </a:br>
             <a:r>
-              <a:rPr kumimoji="0" lang="fr-FR" altLang="fr-FR" sz="800" b="0" i="0" u="none" strike="noStrike" cap="none" normalizeH="0" baseline="0">
+              <a:rPr kumimoji="0" lang="fr-FR" altLang="fr-FR" sz="800" b="0" i="0" u="none" strike="noStrike" cap="none" normalizeH="0" baseline="0" dirty="0">
                 <a:ln>
                   <a:noFill/>
                 </a:ln>
@@ -14729,7 +15212,7 @@
               <a:t>        </a:t>
             </a:r>
             <a:r>
-              <a:rPr kumimoji="0" lang="fr-FR" altLang="fr-FR" sz="800" b="0" i="0" u="none" strike="noStrike" cap="none" normalizeH="0" baseline="0">
+              <a:rPr kumimoji="0" lang="fr-FR" altLang="fr-FR" sz="800" b="0" i="0" u="none" strike="noStrike" cap="none" normalizeH="0" baseline="0" dirty="0">
                 <a:ln>
                   <a:noFill/>
                 </a:ln>
@@ -14740,10 +15223,38 @@
                 <a:latin typeface="Courier New" panose="02070309020205020404" pitchFamily="49" charset="0"/>
                 <a:cs typeface="Courier New" panose="02070309020205020404" pitchFamily="49" charset="0"/>
               </a:rPr>
-              <a:t>File symLink = </a:t>
-            </a:r>
-            <a:r>
-              <a:rPr kumimoji="0" lang="fr-FR" altLang="fr-FR" sz="800" b="0" i="0" u="none" strike="noStrike" cap="none" normalizeH="0" baseline="0">
+              <a:t>File </a:t>
+            </a:r>
+            <a:r>
+              <a:rPr kumimoji="0" lang="fr-FR" altLang="fr-FR" sz="800" b="0" i="0" u="none" strike="noStrike" cap="none" normalizeH="0" baseline="0" dirty="0" err="1">
+                <a:ln>
+                  <a:noFill/>
+                </a:ln>
+                <a:solidFill>
+                  <a:srgbClr val="A9B7C6"/>
+                </a:solidFill>
+                <a:effectLst/>
+                <a:latin typeface="Courier New" panose="02070309020205020404" pitchFamily="49" charset="0"/>
+                <a:cs typeface="Courier New" panose="02070309020205020404" pitchFamily="49" charset="0"/>
+              </a:rPr>
+              <a:t>hardLink</a:t>
+            </a:r>
+            <a:r>
+              <a:rPr kumimoji="0" lang="fr-FR" altLang="fr-FR" sz="800" b="0" i="0" u="none" strike="noStrike" cap="none" normalizeH="0" baseline="0" dirty="0">
+                <a:ln>
+                  <a:noFill/>
+                </a:ln>
+                <a:solidFill>
+                  <a:srgbClr val="A9B7C6"/>
+                </a:solidFill>
+                <a:effectLst/>
+                <a:latin typeface="Courier New" panose="02070309020205020404" pitchFamily="49" charset="0"/>
+                <a:cs typeface="Courier New" panose="02070309020205020404" pitchFamily="49" charset="0"/>
+              </a:rPr>
+              <a:t> = </a:t>
+            </a:r>
+            <a:r>
+              <a:rPr kumimoji="0" lang="fr-FR" altLang="fr-FR" sz="800" b="0" i="0" u="none" strike="noStrike" cap="none" normalizeH="0" baseline="0" dirty="0">
                 <a:ln>
                   <a:noFill/>
                 </a:ln>
@@ -14757,7 +15268,7 @@
               <a:t>new </a:t>
             </a:r>
             <a:r>
-              <a:rPr kumimoji="0" lang="fr-FR" altLang="fr-FR" sz="800" b="0" i="0" u="none" strike="noStrike" cap="none" normalizeH="0" baseline="0">
+              <a:rPr kumimoji="0" lang="fr-FR" altLang="fr-FR" sz="800" b="0" i="0" u="none" strike="noStrike" cap="none" normalizeH="0" baseline="0" dirty="0" err="1">
                 <a:ln>
                   <a:noFill/>
                 </a:ln>
@@ -14768,10 +15279,24 @@
                 <a:latin typeface="Courier New" panose="02070309020205020404" pitchFamily="49" charset="0"/>
                 <a:cs typeface="Courier New" panose="02070309020205020404" pitchFamily="49" charset="0"/>
               </a:rPr>
-              <a:t>SymLink(</a:t>
-            </a:r>
-            <a:r>
-              <a:rPr kumimoji="0" lang="fr-FR" altLang="fr-FR" sz="800" b="0" i="0" u="none" strike="noStrike" cap="none" normalizeH="0" baseline="0">
+              <a:t>HardLink</a:t>
+            </a:r>
+            <a:r>
+              <a:rPr kumimoji="0" lang="fr-FR" altLang="fr-FR" sz="800" b="0" i="0" u="none" strike="noStrike" cap="none" normalizeH="0" baseline="0" dirty="0">
+                <a:ln>
+                  <a:noFill/>
+                </a:ln>
+                <a:solidFill>
+                  <a:srgbClr val="A9B7C6"/>
+                </a:solidFill>
+                <a:effectLst/>
+                <a:latin typeface="Courier New" panose="02070309020205020404" pitchFamily="49" charset="0"/>
+                <a:cs typeface="Courier New" panose="02070309020205020404" pitchFamily="49" charset="0"/>
+              </a:rPr>
+              <a:t>(</a:t>
+            </a:r>
+            <a:r>
+              <a:rPr kumimoji="0" lang="fr-FR" altLang="fr-FR" sz="800" b="0" i="0" u="none" strike="noStrike" cap="none" normalizeH="0" baseline="0" dirty="0">
                 <a:ln>
                   <a:noFill/>
                 </a:ln>
@@ -14782,10 +15307,10 @@
                 <a:latin typeface="Courier New" panose="02070309020205020404" pitchFamily="49" charset="0"/>
                 <a:cs typeface="Courier New" panose="02070309020205020404" pitchFamily="49" charset="0"/>
               </a:rPr>
-              <a:t>"S1"</a:t>
-            </a:r>
-            <a:r>
-              <a:rPr kumimoji="0" lang="fr-FR" altLang="fr-FR" sz="800" b="0" i="0" u="none" strike="noStrike" cap="none" normalizeH="0" baseline="0">
+              <a:t>"H1"</a:t>
+            </a:r>
+            <a:r>
+              <a:rPr kumimoji="0" lang="fr-FR" altLang="fr-FR" sz="800" b="0" i="0" u="none" strike="noStrike" cap="none" normalizeH="0" baseline="0" dirty="0">
                 <a:ln>
                   <a:noFill/>
                 </a:ln>
@@ -14799,7 +15324,7 @@
               <a:t>, </a:t>
             </a:r>
             <a:r>
-              <a:rPr kumimoji="0" lang="fr-FR" altLang="fr-FR" sz="800" b="0" i="0" u="none" strike="noStrike" cap="none" normalizeH="0" baseline="0">
+              <a:rPr kumimoji="0" lang="fr-FR" altLang="fr-FR" sz="800" b="0" i="0" u="none" strike="noStrike" cap="none" normalizeH="0" baseline="0" dirty="0">
                 <a:ln>
                   <a:noFill/>
                 </a:ln>
@@ -14810,10 +15335,24 @@
                 <a:latin typeface="Courier New" panose="02070309020205020404" pitchFamily="49" charset="0"/>
                 <a:cs typeface="Courier New" panose="02070309020205020404" pitchFamily="49" charset="0"/>
               </a:rPr>
-              <a:t>"/home/F1"</a:t>
-            </a:r>
-            <a:r>
-              <a:rPr kumimoji="0" lang="fr-FR" altLang="fr-FR" sz="800" b="0" i="0" u="none" strike="noStrike" cap="none" normalizeH="0" baseline="0">
+              <a:t>"/home/S1</a:t>
+            </a:r>
+            <a:r>
+              <a:rPr kumimoji="0" lang="fr-FR" altLang="fr-FR" sz="800" b="0" i="0" u="none" strike="noStrike" cap="none" normalizeH="0" baseline="0" dirty="0" smtClean="0">
+                <a:ln>
+                  <a:noFill/>
+                </a:ln>
+                <a:solidFill>
+                  <a:srgbClr val="6A8759"/>
+                </a:solidFill>
+                <a:effectLst/>
+                <a:latin typeface="Courier New" panose="02070309020205020404" pitchFamily="49" charset="0"/>
+                <a:cs typeface="Courier New" panose="02070309020205020404" pitchFamily="49" charset="0"/>
+              </a:rPr>
+              <a:t>"</a:t>
+            </a:r>
+            <a:r>
+              <a:rPr kumimoji="0" lang="fr-FR" altLang="fr-FR" sz="800" b="0" i="0" u="none" strike="noStrike" cap="none" normalizeH="0" baseline="0" dirty="0" smtClean="0">
                 <a:ln>
                   <a:noFill/>
                 </a:ln>
@@ -14827,7 +15366,21 @@
               <a:t>, </a:t>
             </a:r>
             <a:r>
-              <a:rPr kumimoji="0" lang="fr-FR" altLang="fr-FR" sz="800" b="0" i="0" u="none" strike="noStrike" cap="none" normalizeH="0" baseline="0">
+              <a:rPr kumimoji="0" lang="fr-FR" altLang="fr-FR" sz="800" b="0" i="0" u="none" strike="noStrike" cap="none" normalizeH="0" baseline="0" dirty="0" smtClean="0">
+                <a:ln>
+                  <a:noFill/>
+                </a:ln>
+                <a:solidFill>
+                  <a:srgbClr val="6897BB"/>
+                </a:solidFill>
+                <a:effectLst/>
+                <a:latin typeface="Courier New" panose="02070309020205020404" pitchFamily="49" charset="0"/>
+                <a:cs typeface="Courier New" panose="02070309020205020404" pitchFamily="49" charset="0"/>
+              </a:rPr>
+              <a:t>1</a:t>
+            </a:r>
+            <a:r>
+              <a:rPr kumimoji="0" lang="fr-FR" altLang="fr-FR" sz="800" b="0" i="0" u="none" strike="noStrike" cap="none" normalizeH="0" baseline="0" dirty="0" smtClean="0">
                 <a:ln>
                   <a:noFill/>
                 </a:ln>
@@ -14838,10 +15391,10 @@
                 <a:latin typeface="Courier New" panose="02070309020205020404" pitchFamily="49" charset="0"/>
                 <a:cs typeface="Courier New" panose="02070309020205020404" pitchFamily="49" charset="0"/>
               </a:rPr>
-              <a:t>printer)</a:t>
-            </a:r>
-            <a:r>
-              <a:rPr kumimoji="0" lang="fr-FR" altLang="fr-FR" sz="800" b="0" i="0" u="none" strike="noStrike" cap="none" normalizeH="0" baseline="0">
+              <a:t>)</a:t>
+            </a:r>
+            <a:r>
+              <a:rPr kumimoji="0" lang="fr-FR" altLang="fr-FR" sz="800" b="0" i="0" u="none" strike="noStrike" cap="none" normalizeH="0" baseline="0" dirty="0" smtClean="0">
                 <a:ln>
                   <a:noFill/>
                 </a:ln>
@@ -14854,8 +15407,22 @@
               </a:rPr>
               <a:t>;</a:t>
             </a:r>
+            <a:r>
+              <a:rPr kumimoji="0" lang="fr-FR" altLang="fr-FR" sz="800" b="0" i="0" u="none" strike="noStrike" cap="none" normalizeH="0" baseline="0" dirty="0">
+                <a:ln>
+                  <a:noFill/>
+                </a:ln>
+                <a:solidFill>
+                  <a:srgbClr val="CC7832"/>
+                </a:solidFill>
+                <a:effectLst/>
+                <a:latin typeface="Courier New" panose="02070309020205020404" pitchFamily="49" charset="0"/>
+                <a:cs typeface="Courier New" panose="02070309020205020404" pitchFamily="49" charset="0"/>
+              </a:rPr>
+              <a:t/>
+            </a:r>
             <a:br>
-              <a:rPr kumimoji="0" lang="fr-FR" altLang="fr-FR" sz="800" b="0" i="0" u="none" strike="noStrike" cap="none" normalizeH="0" baseline="0">
+              <a:rPr kumimoji="0" lang="fr-FR" altLang="fr-FR" sz="800" b="0" i="0" u="none" strike="noStrike" cap="none" normalizeH="0" baseline="0" dirty="0">
                 <a:ln>
                   <a:noFill/>
                 </a:ln>
@@ -14868,7 +15435,7 @@
               </a:rPr>
             </a:br>
             <a:r>
-              <a:rPr kumimoji="0" lang="fr-FR" altLang="fr-FR" sz="800" b="0" i="0" u="none" strike="noStrike" cap="none" normalizeH="0" baseline="0">
+              <a:rPr kumimoji="0" lang="fr-FR" altLang="fr-FR" sz="800" b="0" i="0" u="none" strike="noStrike" cap="none" normalizeH="0" baseline="0" dirty="0">
                 <a:ln>
                   <a:noFill/>
                 </a:ln>
@@ -14879,24 +15446,84 @@
                 <a:latin typeface="Courier New" panose="02070309020205020404" pitchFamily="49" charset="0"/>
                 <a:cs typeface="Courier New" panose="02070309020205020404" pitchFamily="49" charset="0"/>
               </a:rPr>
-              <a:t>        </a:t>
-            </a:r>
-            <a:r>
-              <a:rPr kumimoji="0" lang="fr-FR" altLang="fr-FR" sz="800" b="0" i="0" u="none" strike="noStrike" cap="none" normalizeH="0" baseline="0">
-                <a:ln>
-                  <a:noFill/>
-                </a:ln>
+              <a:t/>
+            </a:r>
+            <a:br>
+              <a:rPr kumimoji="0" lang="fr-FR" altLang="fr-FR" sz="800" b="0" i="0" u="none" strike="noStrike" cap="none" normalizeH="0" baseline="0" dirty="0">
+                <a:ln>
+                  <a:noFill/>
+                </a:ln>
+                <a:solidFill>
+                  <a:srgbClr val="CC7832"/>
+                </a:solidFill>
+                <a:effectLst/>
+                <a:latin typeface="Courier New" panose="02070309020205020404" pitchFamily="49" charset="0"/>
+                <a:cs typeface="Courier New" panose="02070309020205020404" pitchFamily="49" charset="0"/>
+              </a:rPr>
+            </a:br>
+            <a:r>
+              <a:rPr kumimoji="0" lang="fr-FR" altLang="fr-FR" sz="800" b="0" i="0" u="none" strike="noStrike" cap="none" normalizeH="0" baseline="0" dirty="0">
+                <a:ln>
+                  <a:noFill/>
+                </a:ln>
+                <a:solidFill>
+                  <a:srgbClr val="CC7832"/>
+                </a:solidFill>
+                <a:effectLst/>
+                <a:latin typeface="Courier New" panose="02070309020205020404" pitchFamily="49" charset="0"/>
+                <a:cs typeface="Courier New" panose="02070309020205020404" pitchFamily="49" charset="0"/>
+              </a:rPr>
+              <a:t/>
+            </a:r>
+            <a:br>
+              <a:rPr kumimoji="0" lang="fr-FR" altLang="fr-FR" sz="800" b="0" i="0" u="none" strike="noStrike" cap="none" normalizeH="0" baseline="0" dirty="0">
+                <a:ln>
+                  <a:noFill/>
+                </a:ln>
+                <a:solidFill>
+                  <a:srgbClr val="CC7832"/>
+                </a:solidFill>
+                <a:effectLst/>
+                <a:latin typeface="Courier New" panose="02070309020205020404" pitchFamily="49" charset="0"/>
+                <a:cs typeface="Courier New" panose="02070309020205020404" pitchFamily="49" charset="0"/>
+              </a:rPr>
+            </a:br>
+            <a:r>
+              <a:rPr kumimoji="0" lang="fr-FR" altLang="fr-FR" sz="800" b="0" i="0" u="none" strike="noStrike" cap="none" normalizeH="0" baseline="0" dirty="0">
+                <a:ln>
+                  <a:noFill/>
+                </a:ln>
+                <a:solidFill>
+                  <a:srgbClr val="CC7832"/>
+                </a:solidFill>
+                <a:effectLst/>
+                <a:latin typeface="Courier New" panose="02070309020205020404" pitchFamily="49" charset="0"/>
+                <a:cs typeface="Courier New" panose="02070309020205020404" pitchFamily="49" charset="0"/>
+              </a:rPr>
+              <a:t>       </a:t>
+            </a:r>
+            <a:r>
+              <a:rPr lang="fr-FR" altLang="fr-FR" sz="800" dirty="0" err="1">
                 <a:solidFill>
                   <a:srgbClr val="A9B7C6"/>
                 </a:solidFill>
-                <a:effectLst/>
-                <a:latin typeface="Courier New" panose="02070309020205020404" pitchFamily="49" charset="0"/>
-                <a:cs typeface="Courier New" panose="02070309020205020404" pitchFamily="49" charset="0"/>
-              </a:rPr>
-              <a:t>File hardLink = </a:t>
-            </a:r>
-            <a:r>
-              <a:rPr kumimoji="0" lang="fr-FR" altLang="fr-FR" sz="800" b="0" i="0" u="none" strike="noStrike" cap="none" normalizeH="0" baseline="0">
+                <a:latin typeface="Courier New" panose="02070309020205020404" pitchFamily="49" charset="0"/>
+                <a:cs typeface="Courier New" panose="02070309020205020404" pitchFamily="49" charset="0"/>
+              </a:rPr>
+              <a:t>file.print</a:t>
+            </a:r>
+            <a:r>
+              <a:rPr lang="fr-FR" altLang="fr-FR" sz="800" dirty="0">
+                <a:solidFill>
+                  <a:srgbClr val="A9B7C6"/>
+                </a:solidFill>
+                <a:latin typeface="Courier New" panose="02070309020205020404" pitchFamily="49" charset="0"/>
+                <a:cs typeface="Courier New" panose="02070309020205020404" pitchFamily="49" charset="0"/>
+              </a:rPr>
+              <a:t>(printer)</a:t>
+            </a:r>
+            <a:r>
+              <a:rPr kumimoji="0" lang="fr-FR" altLang="fr-FR" sz="800" b="0" i="0" u="none" strike="noStrike" cap="none" normalizeH="0" baseline="0" dirty="0" smtClean="0">
                 <a:ln>
                   <a:noFill/>
                 </a:ln>
@@ -14907,38 +15534,71 @@
                 <a:latin typeface="Courier New" panose="02070309020205020404" pitchFamily="49" charset="0"/>
                 <a:cs typeface="Courier New" panose="02070309020205020404" pitchFamily="49" charset="0"/>
               </a:rPr>
-              <a:t>new </a:t>
-            </a:r>
-            <a:r>
-              <a:rPr kumimoji="0" lang="fr-FR" altLang="fr-FR" sz="800" b="0" i="0" u="none" strike="noStrike" cap="none" normalizeH="0" baseline="0">
-                <a:ln>
-                  <a:noFill/>
-                </a:ln>
+              <a:t>;</a:t>
+            </a:r>
+            <a:r>
+              <a:rPr kumimoji="0" lang="fr-FR" altLang="fr-FR" sz="800" b="0" i="0" u="none" strike="noStrike" cap="none" normalizeH="0" baseline="0" dirty="0">
+                <a:ln>
+                  <a:noFill/>
+                </a:ln>
+                <a:solidFill>
+                  <a:srgbClr val="CC7832"/>
+                </a:solidFill>
+                <a:effectLst/>
+                <a:latin typeface="Courier New" panose="02070309020205020404" pitchFamily="49" charset="0"/>
+                <a:cs typeface="Courier New" panose="02070309020205020404" pitchFamily="49" charset="0"/>
+              </a:rPr>
+              <a:t/>
+            </a:r>
+            <a:br>
+              <a:rPr kumimoji="0" lang="fr-FR" altLang="fr-FR" sz="800" b="0" i="0" u="none" strike="noStrike" cap="none" normalizeH="0" baseline="0" dirty="0">
+                <a:ln>
+                  <a:noFill/>
+                </a:ln>
+                <a:solidFill>
+                  <a:srgbClr val="CC7832"/>
+                </a:solidFill>
+                <a:effectLst/>
+                <a:latin typeface="Courier New" panose="02070309020205020404" pitchFamily="49" charset="0"/>
+                <a:cs typeface="Courier New" panose="02070309020205020404" pitchFamily="49" charset="0"/>
+              </a:rPr>
+            </a:br>
+            <a:r>
+              <a:rPr kumimoji="0" lang="fr-FR" altLang="fr-FR" sz="800" b="0" i="0" u="none" strike="noStrike" cap="none" normalizeH="0" baseline="0" dirty="0">
+                <a:ln>
+                  <a:noFill/>
+                </a:ln>
+                <a:solidFill>
+                  <a:srgbClr val="CC7832"/>
+                </a:solidFill>
+                <a:effectLst/>
+                <a:latin typeface="Courier New" panose="02070309020205020404" pitchFamily="49" charset="0"/>
+                <a:cs typeface="Courier New" panose="02070309020205020404" pitchFamily="49" charset="0"/>
+              </a:rPr>
+              <a:t>       </a:t>
+            </a:r>
+            <a:r>
+              <a:rPr lang="fr-FR" altLang="fr-FR" sz="800" dirty="0" err="1">
                 <a:solidFill>
                   <a:srgbClr val="A9B7C6"/>
                 </a:solidFill>
-                <a:effectLst/>
-                <a:latin typeface="Courier New" panose="02070309020205020404" pitchFamily="49" charset="0"/>
-                <a:cs typeface="Courier New" panose="02070309020205020404" pitchFamily="49" charset="0"/>
-              </a:rPr>
-              <a:t>HardLink(</a:t>
-            </a:r>
-            <a:r>
-              <a:rPr kumimoji="0" lang="fr-FR" altLang="fr-FR" sz="800" b="0" i="0" u="none" strike="noStrike" cap="none" normalizeH="0" baseline="0">
-                <a:ln>
-                  <a:noFill/>
-                </a:ln>
-                <a:solidFill>
-                  <a:srgbClr val="6A8759"/>
-                </a:solidFill>
-                <a:effectLst/>
-                <a:latin typeface="Courier New" panose="02070309020205020404" pitchFamily="49" charset="0"/>
-                <a:cs typeface="Courier New" panose="02070309020205020404" pitchFamily="49" charset="0"/>
-              </a:rPr>
-              <a:t>"H1"</a:t>
-            </a:r>
-            <a:r>
-              <a:rPr kumimoji="0" lang="fr-FR" altLang="fr-FR" sz="800" b="0" i="0" u="none" strike="noStrike" cap="none" normalizeH="0" baseline="0">
+                <a:latin typeface="Courier New" panose="02070309020205020404" pitchFamily="49" charset="0"/>
+                <a:cs typeface="Courier New" panose="02070309020205020404" pitchFamily="49" charset="0"/>
+              </a:rPr>
+              <a:t>symLink.print</a:t>
+            </a:r>
+            <a:r>
+              <a:rPr lang="fr-FR" altLang="fr-FR" sz="800" dirty="0">
+                <a:solidFill>
+                  <a:srgbClr val="A9B7C6"/>
+                </a:solidFill>
+                <a:latin typeface="Courier New" panose="02070309020205020404" pitchFamily="49" charset="0"/>
+                <a:cs typeface="Courier New" panose="02070309020205020404" pitchFamily="49" charset="0"/>
+              </a:rPr>
+              <a:t>(printer)</a:t>
+            </a:r>
+            <a:r>
+              <a:rPr kumimoji="0" lang="fr-FR" altLang="fr-FR" sz="800" b="0" i="0" u="none" strike="noStrike" cap="none" normalizeH="0" baseline="0" dirty="0" smtClean="0">
                 <a:ln>
                   <a:noFill/>
                 </a:ln>
@@ -14949,24 +15609,10 @@
                 <a:latin typeface="Courier New" panose="02070309020205020404" pitchFamily="49" charset="0"/>
                 <a:cs typeface="Courier New" panose="02070309020205020404" pitchFamily="49" charset="0"/>
               </a:rPr>
-              <a:t>, </a:t>
-            </a:r>
-            <a:r>
-              <a:rPr kumimoji="0" lang="fr-FR" altLang="fr-FR" sz="800" b="0" i="0" u="none" strike="noStrike" cap="none" normalizeH="0" baseline="0">
-                <a:ln>
-                  <a:noFill/>
-                </a:ln>
-                <a:solidFill>
-                  <a:srgbClr val="6A8759"/>
-                </a:solidFill>
-                <a:effectLst/>
-                <a:latin typeface="Courier New" panose="02070309020205020404" pitchFamily="49" charset="0"/>
-                <a:cs typeface="Courier New" panose="02070309020205020404" pitchFamily="49" charset="0"/>
-              </a:rPr>
-              <a:t>"/home/S1"</a:t>
-            </a:r>
-            <a:r>
-              <a:rPr kumimoji="0" lang="fr-FR" altLang="fr-FR" sz="800" b="0" i="0" u="none" strike="noStrike" cap="none" normalizeH="0" baseline="0">
+              <a:t>;</a:t>
+            </a:r>
+            <a:r>
+              <a:rPr kumimoji="0" lang="fr-FR" altLang="fr-FR" sz="800" b="0" i="0" u="none" strike="noStrike" cap="none" normalizeH="0" baseline="0" dirty="0">
                 <a:ln>
                   <a:noFill/>
                 </a:ln>
@@ -14977,24 +15623,10 @@
                 <a:latin typeface="Courier New" panose="02070309020205020404" pitchFamily="49" charset="0"/>
                 <a:cs typeface="Courier New" panose="02070309020205020404" pitchFamily="49" charset="0"/>
               </a:rPr>
-              <a:t>, </a:t>
-            </a:r>
-            <a:r>
-              <a:rPr kumimoji="0" lang="fr-FR" altLang="fr-FR" sz="800" b="0" i="0" u="none" strike="noStrike" cap="none" normalizeH="0" baseline="0">
-                <a:ln>
-                  <a:noFill/>
-                </a:ln>
-                <a:solidFill>
-                  <a:srgbClr val="6897BB"/>
-                </a:solidFill>
-                <a:effectLst/>
-                <a:latin typeface="Courier New" panose="02070309020205020404" pitchFamily="49" charset="0"/>
-                <a:cs typeface="Courier New" panose="02070309020205020404" pitchFamily="49" charset="0"/>
-              </a:rPr>
-              <a:t>1</a:t>
-            </a:r>
-            <a:r>
-              <a:rPr kumimoji="0" lang="fr-FR" altLang="fr-FR" sz="800" b="0" i="0" u="none" strike="noStrike" cap="none" normalizeH="0" baseline="0">
+              <a:t/>
+            </a:r>
+            <a:br>
+              <a:rPr kumimoji="0" lang="fr-FR" altLang="fr-FR" sz="800" b="0" i="0" u="none" strike="noStrike" cap="none" normalizeH="0" baseline="0" dirty="0">
                 <a:ln>
                   <a:noFill/>
                 </a:ln>
@@ -15005,24 +15637,43 @@
                 <a:latin typeface="Courier New" panose="02070309020205020404" pitchFamily="49" charset="0"/>
                 <a:cs typeface="Courier New" panose="02070309020205020404" pitchFamily="49" charset="0"/>
               </a:rPr>
-              <a:t>, </a:t>
-            </a:r>
-            <a:r>
-              <a:rPr kumimoji="0" lang="fr-FR" altLang="fr-FR" sz="800" b="0" i="0" u="none" strike="noStrike" cap="none" normalizeH="0" baseline="0">
-                <a:ln>
-                  <a:noFill/>
-                </a:ln>
+            </a:br>
+            <a:r>
+              <a:rPr kumimoji="0" lang="fr-FR" altLang="fr-FR" sz="800" b="0" i="0" u="none" strike="noStrike" cap="none" normalizeH="0" baseline="0" dirty="0">
+                <a:ln>
+                  <a:noFill/>
+                </a:ln>
+                <a:solidFill>
+                  <a:srgbClr val="CC7832"/>
+                </a:solidFill>
+                <a:effectLst/>
+                <a:latin typeface="Courier New" panose="02070309020205020404" pitchFamily="49" charset="0"/>
+                <a:cs typeface="Courier New" panose="02070309020205020404" pitchFamily="49" charset="0"/>
+              </a:rPr>
+              <a:t>       </a:t>
+            </a:r>
+            <a:r>
+              <a:rPr lang="fr-FR" altLang="fr-FR" sz="800" dirty="0" err="1">
                 <a:solidFill>
                   <a:srgbClr val="A9B7C6"/>
                 </a:solidFill>
-                <a:effectLst/>
-                <a:latin typeface="Courier New" panose="02070309020205020404" pitchFamily="49" charset="0"/>
-                <a:cs typeface="Courier New" panose="02070309020205020404" pitchFamily="49" charset="0"/>
-              </a:rPr>
-              <a:t>printer)</a:t>
-            </a:r>
-            <a:r>
-              <a:rPr kumimoji="0" lang="fr-FR" altLang="fr-FR" sz="800" b="0" i="0" u="none" strike="noStrike" cap="none" normalizeH="0" baseline="0">
+                <a:latin typeface="Courier New" panose="02070309020205020404" pitchFamily="49" charset="0"/>
+                <a:cs typeface="Courier New" panose="02070309020205020404" pitchFamily="49" charset="0"/>
+              </a:rPr>
+              <a:t>hardLink.print</a:t>
+            </a:r>
+            <a:r>
+              <a:rPr lang="fr-FR" altLang="fr-FR" sz="800" dirty="0">
+                <a:solidFill>
+                  <a:srgbClr val="A9B7C6"/>
+                </a:solidFill>
+                <a:latin typeface="Courier New" panose="02070309020205020404" pitchFamily="49" charset="0"/>
+                <a:cs typeface="Courier New" panose="02070309020205020404" pitchFamily="49" charset="0"/>
+              </a:rPr>
+              <a:t>(printer)</a:t>
+            </a:r>
+            <a:r>
+              <a:rPr kumimoji="0" lang="fr-FR" altLang="fr-FR" sz="800" b="0" i="0" u="none" strike="noStrike" cap="none" normalizeH="0" baseline="0" dirty="0" smtClean="0">
                 <a:ln>
                   <a:noFill/>
                 </a:ln>
@@ -15035,8 +15686,22 @@
               </a:rPr>
               <a:t>;</a:t>
             </a:r>
+            <a:r>
+              <a:rPr kumimoji="0" lang="fr-FR" altLang="fr-FR" sz="800" b="0" i="0" u="none" strike="noStrike" cap="none" normalizeH="0" baseline="0" dirty="0">
+                <a:ln>
+                  <a:noFill/>
+                </a:ln>
+                <a:solidFill>
+                  <a:srgbClr val="CC7832"/>
+                </a:solidFill>
+                <a:effectLst/>
+                <a:latin typeface="Courier New" panose="02070309020205020404" pitchFamily="49" charset="0"/>
+                <a:cs typeface="Courier New" panose="02070309020205020404" pitchFamily="49" charset="0"/>
+              </a:rPr>
+              <a:t/>
+            </a:r>
             <a:br>
-              <a:rPr kumimoji="0" lang="fr-FR" altLang="fr-FR" sz="800" b="0" i="0" u="none" strike="noStrike" cap="none" normalizeH="0" baseline="0">
+              <a:rPr kumimoji="0" lang="fr-FR" altLang="fr-FR" sz="800" b="0" i="0" u="none" strike="noStrike" cap="none" normalizeH="0" baseline="0" dirty="0">
                 <a:ln>
                   <a:noFill/>
                 </a:ln>
@@ -15049,7 +15714,7 @@
               </a:rPr>
             </a:br>
             <a:r>
-              <a:rPr kumimoji="0" lang="fr-FR" altLang="fr-FR" sz="800" b="0" i="0" u="none" strike="noStrike" cap="none" normalizeH="0" baseline="0">
+              <a:rPr kumimoji="0" lang="fr-FR" altLang="fr-FR" sz="800" b="0" i="0" u="none" strike="noStrike" cap="none" normalizeH="0" baseline="0" dirty="0">
                 <a:ln>
                   <a:noFill/>
                 </a:ln>
@@ -15060,15 +15725,29 @@
                 <a:latin typeface="Courier New" panose="02070309020205020404" pitchFamily="49" charset="0"/>
                 <a:cs typeface="Courier New" panose="02070309020205020404" pitchFamily="49" charset="0"/>
               </a:rPr>
-              <a:t/>
+              <a:t>    </a:t>
+            </a:r>
+            <a:r>
+              <a:rPr kumimoji="0" lang="fr-FR" altLang="fr-FR" sz="800" b="0" i="0" u="none" strike="noStrike" cap="none" normalizeH="0" baseline="0" dirty="0">
+                <a:ln>
+                  <a:noFill/>
+                </a:ln>
+                <a:solidFill>
+                  <a:srgbClr val="A9B7C6"/>
+                </a:solidFill>
+                <a:effectLst/>
+                <a:latin typeface="Courier New" panose="02070309020205020404" pitchFamily="49" charset="0"/>
+                <a:cs typeface="Courier New" panose="02070309020205020404" pitchFamily="49" charset="0"/>
+              </a:rPr>
+              <a:t>}</a:t>
             </a:r>
             <a:br>
-              <a:rPr kumimoji="0" lang="fr-FR" altLang="fr-FR" sz="800" b="0" i="0" u="none" strike="noStrike" cap="none" normalizeH="0" baseline="0">
-                <a:ln>
-                  <a:noFill/>
-                </a:ln>
-                <a:solidFill>
-                  <a:srgbClr val="CC7832"/>
+              <a:rPr kumimoji="0" lang="fr-FR" altLang="fr-FR" sz="800" b="0" i="0" u="none" strike="noStrike" cap="none" normalizeH="0" baseline="0" dirty="0">
+                <a:ln>
+                  <a:noFill/>
+                </a:ln>
+                <a:solidFill>
+                  <a:srgbClr val="A9B7C6"/>
                 </a:solidFill>
                 <a:effectLst/>
                 <a:latin typeface="Courier New" panose="02070309020205020404" pitchFamily="49" charset="0"/>
@@ -15076,48 +15755,7 @@
               </a:rPr>
             </a:br>
             <a:r>
-              <a:rPr kumimoji="0" lang="fr-FR" altLang="fr-FR" sz="800" b="0" i="0" u="none" strike="noStrike" cap="none" normalizeH="0" baseline="0">
-                <a:ln>
-                  <a:noFill/>
-                </a:ln>
-                <a:solidFill>
-                  <a:srgbClr val="CC7832"/>
-                </a:solidFill>
-                <a:effectLst/>
-                <a:latin typeface="Courier New" panose="02070309020205020404" pitchFamily="49" charset="0"/>
-                <a:cs typeface="Courier New" panose="02070309020205020404" pitchFamily="49" charset="0"/>
-              </a:rPr>
-              <a:t/>
-            </a:r>
-            <a:br>
-              <a:rPr kumimoji="0" lang="fr-FR" altLang="fr-FR" sz="800" b="0" i="0" u="none" strike="noStrike" cap="none" normalizeH="0" baseline="0">
-                <a:ln>
-                  <a:noFill/>
-                </a:ln>
-                <a:solidFill>
-                  <a:srgbClr val="CC7832"/>
-                </a:solidFill>
-                <a:effectLst/>
-                <a:latin typeface="Courier New" panose="02070309020205020404" pitchFamily="49" charset="0"/>
-                <a:cs typeface="Courier New" panose="02070309020205020404" pitchFamily="49" charset="0"/>
-              </a:rPr>
-            </a:br>
-            <a:r>
-              <a:rPr kumimoji="0" lang="fr-FR" altLang="fr-FR" sz="800" b="0" i="0" u="none" strike="noStrike" cap="none" normalizeH="0" baseline="0">
-                <a:ln>
-                  <a:noFill/>
-                </a:ln>
-                <a:solidFill>
-                  <a:srgbClr val="CC7832"/>
-                </a:solidFill>
-                <a:effectLst/>
-                <a:latin typeface="Courier New" panose="02070309020205020404" pitchFamily="49" charset="0"/>
-                <a:cs typeface="Courier New" panose="02070309020205020404" pitchFamily="49" charset="0"/>
-              </a:rPr>
-              <a:t>       </a:t>
-            </a:r>
-            <a:r>
-              <a:rPr kumimoji="0" lang="fr-FR" altLang="fr-FR" sz="800" b="0" i="0" u="none" strike="noStrike" cap="none" normalizeH="0" baseline="0">
+              <a:rPr kumimoji="0" lang="fr-FR" altLang="fr-FR" sz="800" b="0" i="0" u="none" strike="noStrike" cap="none" normalizeH="0" baseline="0" dirty="0">
                 <a:ln>
                   <a:noFill/>
                 </a:ln>
@@ -15128,201 +15766,9 @@
                 <a:latin typeface="Courier New" panose="02070309020205020404" pitchFamily="49" charset="0"/>
                 <a:cs typeface="Courier New" panose="02070309020205020404" pitchFamily="49" charset="0"/>
               </a:rPr>
-              <a:t>file.print()</a:t>
-            </a:r>
-            <a:r>
-              <a:rPr kumimoji="0" lang="fr-FR" altLang="fr-FR" sz="800" b="0" i="0" u="none" strike="noStrike" cap="none" normalizeH="0" baseline="0">
-                <a:ln>
-                  <a:noFill/>
-                </a:ln>
-                <a:solidFill>
-                  <a:srgbClr val="CC7832"/>
-                </a:solidFill>
-                <a:effectLst/>
-                <a:latin typeface="Courier New" panose="02070309020205020404" pitchFamily="49" charset="0"/>
-                <a:cs typeface="Courier New" panose="02070309020205020404" pitchFamily="49" charset="0"/>
-              </a:rPr>
-              <a:t>;</a:t>
-            </a:r>
-            <a:br>
-              <a:rPr kumimoji="0" lang="fr-FR" altLang="fr-FR" sz="800" b="0" i="0" u="none" strike="noStrike" cap="none" normalizeH="0" baseline="0">
-                <a:ln>
-                  <a:noFill/>
-                </a:ln>
-                <a:solidFill>
-                  <a:srgbClr val="CC7832"/>
-                </a:solidFill>
-                <a:effectLst/>
-                <a:latin typeface="Courier New" panose="02070309020205020404" pitchFamily="49" charset="0"/>
-                <a:cs typeface="Courier New" panose="02070309020205020404" pitchFamily="49" charset="0"/>
-              </a:rPr>
-            </a:br>
-            <a:r>
-              <a:rPr kumimoji="0" lang="fr-FR" altLang="fr-FR" sz="800" b="0" i="0" u="none" strike="noStrike" cap="none" normalizeH="0" baseline="0">
-                <a:ln>
-                  <a:noFill/>
-                </a:ln>
-                <a:solidFill>
-                  <a:srgbClr val="CC7832"/>
-                </a:solidFill>
-                <a:effectLst/>
-                <a:latin typeface="Courier New" panose="02070309020205020404" pitchFamily="49" charset="0"/>
-                <a:cs typeface="Courier New" panose="02070309020205020404" pitchFamily="49" charset="0"/>
-              </a:rPr>
-              <a:t>       </a:t>
-            </a:r>
-            <a:r>
-              <a:rPr kumimoji="0" lang="fr-FR" altLang="fr-FR" sz="800" b="0" i="0" u="none" strike="noStrike" cap="none" normalizeH="0" baseline="0">
-                <a:ln>
-                  <a:noFill/>
-                </a:ln>
-                <a:solidFill>
-                  <a:srgbClr val="A9B7C6"/>
-                </a:solidFill>
-                <a:effectLst/>
-                <a:latin typeface="Courier New" panose="02070309020205020404" pitchFamily="49" charset="0"/>
-                <a:cs typeface="Courier New" panose="02070309020205020404" pitchFamily="49" charset="0"/>
-              </a:rPr>
-              <a:t>symLink.print()</a:t>
-            </a:r>
-            <a:r>
-              <a:rPr kumimoji="0" lang="fr-FR" altLang="fr-FR" sz="800" b="0" i="0" u="none" strike="noStrike" cap="none" normalizeH="0" baseline="0">
-                <a:ln>
-                  <a:noFill/>
-                </a:ln>
-                <a:solidFill>
-                  <a:srgbClr val="CC7832"/>
-                </a:solidFill>
-                <a:effectLst/>
-                <a:latin typeface="Courier New" panose="02070309020205020404" pitchFamily="49" charset="0"/>
-                <a:cs typeface="Courier New" panose="02070309020205020404" pitchFamily="49" charset="0"/>
-              </a:rPr>
-              <a:t>;</a:t>
-            </a:r>
-            <a:br>
-              <a:rPr kumimoji="0" lang="fr-FR" altLang="fr-FR" sz="800" b="0" i="0" u="none" strike="noStrike" cap="none" normalizeH="0" baseline="0">
-                <a:ln>
-                  <a:noFill/>
-                </a:ln>
-                <a:solidFill>
-                  <a:srgbClr val="CC7832"/>
-                </a:solidFill>
-                <a:effectLst/>
-                <a:latin typeface="Courier New" panose="02070309020205020404" pitchFamily="49" charset="0"/>
-                <a:cs typeface="Courier New" panose="02070309020205020404" pitchFamily="49" charset="0"/>
-              </a:rPr>
-            </a:br>
-            <a:r>
-              <a:rPr kumimoji="0" lang="fr-FR" altLang="fr-FR" sz="800" b="0" i="0" u="none" strike="noStrike" cap="none" normalizeH="0" baseline="0">
-                <a:ln>
-                  <a:noFill/>
-                </a:ln>
-                <a:solidFill>
-                  <a:srgbClr val="CC7832"/>
-                </a:solidFill>
-                <a:effectLst/>
-                <a:latin typeface="Courier New" panose="02070309020205020404" pitchFamily="49" charset="0"/>
-                <a:cs typeface="Courier New" panose="02070309020205020404" pitchFamily="49" charset="0"/>
-              </a:rPr>
-              <a:t>       </a:t>
-            </a:r>
-            <a:r>
-              <a:rPr kumimoji="0" lang="fr-FR" altLang="fr-FR" sz="800" b="0" i="0" u="none" strike="noStrike" cap="none" normalizeH="0" baseline="0">
-                <a:ln>
-                  <a:noFill/>
-                </a:ln>
-                <a:solidFill>
-                  <a:srgbClr val="A9B7C6"/>
-                </a:solidFill>
-                <a:effectLst/>
-                <a:latin typeface="Courier New" panose="02070309020205020404" pitchFamily="49" charset="0"/>
-                <a:cs typeface="Courier New" panose="02070309020205020404" pitchFamily="49" charset="0"/>
-              </a:rPr>
-              <a:t>hardLink.print()</a:t>
-            </a:r>
-            <a:r>
-              <a:rPr kumimoji="0" lang="fr-FR" altLang="fr-FR" sz="800" b="0" i="0" u="none" strike="noStrike" cap="none" normalizeH="0" baseline="0">
-                <a:ln>
-                  <a:noFill/>
-                </a:ln>
-                <a:solidFill>
-                  <a:srgbClr val="CC7832"/>
-                </a:solidFill>
-                <a:effectLst/>
-                <a:latin typeface="Courier New" panose="02070309020205020404" pitchFamily="49" charset="0"/>
-                <a:cs typeface="Courier New" panose="02070309020205020404" pitchFamily="49" charset="0"/>
-              </a:rPr>
-              <a:t>;</a:t>
-            </a:r>
-            <a:br>
-              <a:rPr kumimoji="0" lang="fr-FR" altLang="fr-FR" sz="800" b="0" i="0" u="none" strike="noStrike" cap="none" normalizeH="0" baseline="0">
-                <a:ln>
-                  <a:noFill/>
-                </a:ln>
-                <a:solidFill>
-                  <a:srgbClr val="CC7832"/>
-                </a:solidFill>
-                <a:effectLst/>
-                <a:latin typeface="Courier New" panose="02070309020205020404" pitchFamily="49" charset="0"/>
-                <a:cs typeface="Courier New" panose="02070309020205020404" pitchFamily="49" charset="0"/>
-              </a:rPr>
-            </a:br>
-            <a:r>
-              <a:rPr kumimoji="0" lang="fr-FR" altLang="fr-FR" sz="800" b="0" i="0" u="none" strike="noStrike" cap="none" normalizeH="0" baseline="0">
-                <a:ln>
-                  <a:noFill/>
-                </a:ln>
-                <a:solidFill>
-                  <a:srgbClr val="CC7832"/>
-                </a:solidFill>
-                <a:effectLst/>
-                <a:latin typeface="Courier New" panose="02070309020205020404" pitchFamily="49" charset="0"/>
-                <a:cs typeface="Courier New" panose="02070309020205020404" pitchFamily="49" charset="0"/>
-              </a:rPr>
-              <a:t>    </a:t>
-            </a:r>
-            <a:r>
-              <a:rPr kumimoji="0" lang="fr-FR" altLang="fr-FR" sz="800" b="0" i="0" u="none" strike="noStrike" cap="none" normalizeH="0" baseline="0">
-                <a:ln>
-                  <a:noFill/>
-                </a:ln>
-                <a:solidFill>
-                  <a:srgbClr val="A9B7C6"/>
-                </a:solidFill>
-                <a:effectLst/>
-                <a:latin typeface="Courier New" panose="02070309020205020404" pitchFamily="49" charset="0"/>
-                <a:cs typeface="Courier New" panose="02070309020205020404" pitchFamily="49" charset="0"/>
-              </a:rPr>
               <a:t>}</a:t>
             </a:r>
-            <a:br>
-              <a:rPr kumimoji="0" lang="fr-FR" altLang="fr-FR" sz="800" b="0" i="0" u="none" strike="noStrike" cap="none" normalizeH="0" baseline="0">
-                <a:ln>
-                  <a:noFill/>
-                </a:ln>
-                <a:solidFill>
-                  <a:srgbClr val="A9B7C6"/>
-                </a:solidFill>
-                <a:effectLst/>
-                <a:latin typeface="Courier New" panose="02070309020205020404" pitchFamily="49" charset="0"/>
-                <a:cs typeface="Courier New" panose="02070309020205020404" pitchFamily="49" charset="0"/>
-              </a:rPr>
-            </a:br>
-            <a:r>
-              <a:rPr kumimoji="0" lang="fr-FR" altLang="fr-FR" sz="800" b="0" i="0" u="none" strike="noStrike" cap="none" normalizeH="0" baseline="0">
-                <a:ln>
-                  <a:noFill/>
-                </a:ln>
-                <a:solidFill>
-                  <a:srgbClr val="A9B7C6"/>
-                </a:solidFill>
-                <a:effectLst/>
-                <a:latin typeface="Courier New" panose="02070309020205020404" pitchFamily="49" charset="0"/>
-                <a:cs typeface="Courier New" panose="02070309020205020404" pitchFamily="49" charset="0"/>
-              </a:rPr>
-              <a:t>}</a:t>
-            </a:r>
-            <a:endParaRPr kumimoji="0" lang="fr-FR" altLang="fr-FR" sz="800" b="0" i="0" u="none" strike="noStrike" cap="none" normalizeH="0" baseline="0">
+            <a:endParaRPr kumimoji="0" lang="fr-FR" altLang="fr-FR" sz="800" b="0" i="0" u="none" strike="noStrike" cap="none" normalizeH="0" baseline="0" dirty="0">
               <a:ln>
                 <a:noFill/>
               </a:ln>
@@ -15337,13 +15783,7 @@
       </p:sp>
       <p:pic>
         <p:nvPicPr>
-          <p:cNvPr id="9" name="Picture 2" descr="PlantUML Diagram">
-            <a:extLst>
-              <a:ext uri="{FF2B5EF4-FFF2-40B4-BE49-F238E27FC236}">
-                <a16:creationId xmlns:a16="http://schemas.microsoft.com/office/drawing/2014/main" xmlns="" id="{33990775-F671-43F0-8E32-9318C806DC2D}"/>
-              </a:ext>
-            </a:extLst>
-          </p:cNvPr>
+          <p:cNvPr id="1028" name="Picture 4" descr="PlantUML Diagram"/>
           <p:cNvPicPr>
             <a:picLocks noChangeAspect="1" noChangeArrowheads="1"/>
           </p:cNvPicPr>
@@ -15364,8 +15804,8 @@
         </p:blipFill>
         <p:spPr bwMode="auto">
           <a:xfrm>
-            <a:off x="4961370" y="1220156"/>
-            <a:ext cx="4171372" cy="2975244"/>
+            <a:off x="4949863" y="958683"/>
+            <a:ext cx="4171950" cy="2819401"/>
           </a:xfrm>
           <a:prstGeom prst="rect">
             <a:avLst/>
@@ -15461,7 +15901,7 @@
                                           </p:stCondLst>
                                         </p:cTn>
                                         <p:tgtEl>
-                                          <p:spTgt spid="9"/>
+                                          <p:spTgt spid="1028"/>
                                         </p:tgtEl>
                                         <p:attrNameLst>
                                           <p:attrName>style.visibility</p:attrName>
@@ -15475,7 +15915,7 @@
                                       <p:cBhvr>
                                         <p:cTn id="10" dur="500"/>
                                         <p:tgtEl>
-                                          <p:spTgt spid="9"/>
+                                          <p:spTgt spid="1028"/>
                                         </p:tgtEl>
                                       </p:cBhvr>
                                     </p:animEffect>
@@ -15535,15 +15975,33 @@
                                   </p:childTnLst>
                                 </p:cTn>
                               </p:par>
+                            </p:childTnLst>
+                          </p:cTn>
+                        </p:par>
+                      </p:childTnLst>
+                    </p:cTn>
+                  </p:par>
+                  <p:par>
+                    <p:cTn id="16" fill="hold">
+                      <p:stCondLst>
+                        <p:cond delay="indefinite"/>
+                      </p:stCondLst>
+                      <p:childTnLst>
+                        <p:par>
+                          <p:cTn id="17" fill="hold">
+                            <p:stCondLst>
+                              <p:cond delay="0"/>
+                            </p:stCondLst>
+                            <p:childTnLst>
                               <p:par>
-                                <p:cTn id="16" presetID="10" presetClass="entr" presetSubtype="0" fill="hold" grpId="0" nodeType="withEffect">
+                                <p:cTn id="18" presetID="10" presetClass="entr" presetSubtype="0" fill="hold" grpId="0" nodeType="clickEffect">
                                   <p:stCondLst>
                                     <p:cond delay="0"/>
                                   </p:stCondLst>
                                   <p:childTnLst>
                                     <p:set>
                                       <p:cBhvr>
-                                        <p:cTn id="17" dur="1" fill="hold">
+                                        <p:cTn id="19" dur="1" fill="hold">
                                           <p:stCondLst>
                                             <p:cond delay="0"/>
                                           </p:stCondLst>
@@ -15561,7 +16019,7 @@
                                     </p:set>
                                     <p:animEffect transition="in" filter="fade">
                                       <p:cBhvr>
-                                        <p:cTn id="18" dur="500"/>
+                                        <p:cTn id="20" dur="500"/>
                                         <p:tgtEl>
                                           <p:spTgt spid="8"/>
                                         </p:tgtEl>
@@ -15728,53 +16186,6 @@
           </a:ln>
         </p:spPr>
       </p:pic>
-      <p:pic>
-        <p:nvPicPr>
-          <p:cNvPr id="9" name="Picture 2" descr="PlantUML Diagram">
-            <a:extLst>
-              <a:ext uri="{FF2B5EF4-FFF2-40B4-BE49-F238E27FC236}">
-                <a16:creationId xmlns:a16="http://schemas.microsoft.com/office/drawing/2014/main" xmlns="" id="{33990775-F671-43F0-8E32-9318C806DC2D}"/>
-              </a:ext>
-            </a:extLst>
-          </p:cNvPr>
-          <p:cNvPicPr>
-            <a:picLocks noChangeAspect="1" noChangeArrowheads="1"/>
-          </p:cNvPicPr>
-          <p:nvPr/>
-        </p:nvPicPr>
-        <p:blipFill>
-          <a:blip r:embed="rId5">
-            <a:extLst>
-              <a:ext uri="{28A0092B-C50C-407E-A947-70E740481C1C}">
-                <a14:useLocalDpi xmlns:a14="http://schemas.microsoft.com/office/drawing/2010/main" val="0"/>
-              </a:ext>
-            </a:extLst>
-          </a:blip>
-          <a:srcRect/>
-          <a:stretch>
-            <a:fillRect/>
-          </a:stretch>
-        </p:blipFill>
-        <p:spPr bwMode="auto">
-          <a:xfrm>
-            <a:off x="4961370" y="1220156"/>
-            <a:ext cx="4171372" cy="2975244"/>
-          </a:xfrm>
-          <a:prstGeom prst="rect">
-            <a:avLst/>
-          </a:prstGeom>
-          <a:noFill/>
-          <a:extLst>
-            <a:ext uri="{909E8E84-426E-40DD-AFC4-6F175D3DCCD1}">
-              <a14:hiddenFill xmlns:a14="http://schemas.microsoft.com/office/drawing/2010/main">
-                <a:solidFill>
-                  <a:srgbClr val="FFFFFF"/>
-                </a:solidFill>
-              </a14:hiddenFill>
-            </a:ext>
-          </a:extLst>
-        </p:spPr>
-      </p:pic>
       <p:sp>
         <p:nvSpPr>
           <p:cNvPr id="10" name="Espace réservé du contenu 5"/>
@@ -16069,9 +16480,50 @@
       </p:sp>
       <p:pic>
         <p:nvPicPr>
-          <p:cNvPr id="11" name="Image 10"/>
+          <p:cNvPr id="8" name="Picture 4" descr="PlantUML Diagram"/>
           <p:cNvPicPr>
-            <a:picLocks noChangeAspect="1"/>
+            <a:picLocks noChangeAspect="1" noChangeArrowheads="1"/>
+          </p:cNvPicPr>
+          <p:nvPr/>
+        </p:nvPicPr>
+        <p:blipFill>
+          <a:blip r:embed="rId5">
+            <a:extLst>
+              <a:ext uri="{28A0092B-C50C-407E-A947-70E740481C1C}">
+                <a14:useLocalDpi xmlns:a14="http://schemas.microsoft.com/office/drawing/2010/main" val="0"/>
+              </a:ext>
+            </a:extLst>
+          </a:blip>
+          <a:srcRect/>
+          <a:stretch>
+            <a:fillRect/>
+          </a:stretch>
+        </p:blipFill>
+        <p:spPr bwMode="auto">
+          <a:xfrm>
+            <a:off x="4949863" y="958683"/>
+            <a:ext cx="4171950" cy="2819401"/>
+          </a:xfrm>
+          <a:prstGeom prst="rect">
+            <a:avLst/>
+          </a:prstGeom>
+          <a:noFill/>
+          <a:extLst>
+            <a:ext uri="{909E8E84-426E-40DD-AFC4-6F175D3DCCD1}">
+              <a14:hiddenFill xmlns:a14="http://schemas.microsoft.com/office/drawing/2010/main">
+                <a:solidFill>
+                  <a:srgbClr val="FFFFFF"/>
+                </a:solidFill>
+              </a14:hiddenFill>
+            </a:ext>
+          </a:extLst>
+        </p:spPr>
+      </p:pic>
+      <p:pic>
+        <p:nvPicPr>
+          <p:cNvPr id="2050" name="Picture 2" descr="PlantUML Diagram"/>
+          <p:cNvPicPr>
+            <a:picLocks noChangeAspect="1" noChangeArrowheads="1"/>
           </p:cNvPicPr>
           <p:nvPr/>
         </p:nvPicPr>
@@ -16083,18 +16535,29 @@
               </a:ext>
             </a:extLst>
           </a:blip>
+          <a:srcRect/>
           <a:stretch>
             <a:fillRect/>
           </a:stretch>
         </p:blipFill>
-        <p:spPr>
+        <p:spPr bwMode="auto">
           <a:xfrm>
-            <a:off x="749566" y="1302081"/>
-            <a:ext cx="3795129" cy="2085975"/>
+            <a:off x="992603" y="1151473"/>
+            <a:ext cx="3397321" cy="2194104"/>
           </a:xfrm>
           <a:prstGeom prst="rect">
             <a:avLst/>
           </a:prstGeom>
+          <a:noFill/>
+          <a:extLst>
+            <a:ext uri="{909E8E84-426E-40DD-AFC4-6F175D3DCCD1}">
+              <a14:hiddenFill xmlns:a14="http://schemas.microsoft.com/office/drawing/2010/main">
+                <a:solidFill>
+                  <a:srgbClr val="FFFFFF"/>
+                </a:solidFill>
+              </a14:hiddenFill>
+            </a:ext>
+          </a:extLst>
         </p:spPr>
       </p:pic>
     </p:spTree>
@@ -16176,7 +16639,7 @@
                                           </p:stCondLst>
                                         </p:cTn>
                                         <p:tgtEl>
-                                          <p:spTgt spid="9"/>
+                                          <p:spTgt spid="8"/>
                                         </p:tgtEl>
                                         <p:attrNameLst>
                                           <p:attrName>style.visibility</p:attrName>
@@ -16190,7 +16653,7 @@
                                       <p:cBhvr>
                                         <p:cTn id="10" dur="500"/>
                                         <p:tgtEl>
-                                          <p:spTgt spid="9"/>
+                                          <p:spTgt spid="8"/>
                                         </p:tgtEl>
                                       </p:cBhvr>
                                     </p:animEffect>
@@ -16229,7 +16692,7 @@
                                           </p:stCondLst>
                                         </p:cTn>
                                         <p:tgtEl>
-                                          <p:spTgt spid="11"/>
+                                          <p:spTgt spid="2050"/>
                                         </p:tgtEl>
                                         <p:attrNameLst>
                                           <p:attrName>style.visibility</p:attrName>
@@ -16243,7 +16706,7 @@
                                       <p:cBhvr>
                                         <p:cTn id="15" dur="500"/>
                                         <p:tgtEl>
-                                          <p:spTgt spid="11"/>
+                                          <p:spTgt spid="2050"/>
                                         </p:tgtEl>
                                       </p:cBhvr>
                                     </p:animEffect>
@@ -16459,7 +16922,7 @@
           <p:cNvPr id="17" name="Picture 2" descr="PlantUML Diagram">
             <a:extLst>
               <a:ext uri="{FF2B5EF4-FFF2-40B4-BE49-F238E27FC236}">
-                <a16:creationId xmlns:a16="http://schemas.microsoft.com/office/drawing/2014/main" xmlns="" id="{6091BF8A-DB6C-41EB-A023-F079D46A0221}"/>
+                <a16:creationId xmlns="" xmlns:a16="http://schemas.microsoft.com/office/drawing/2014/main" id="{6091BF8A-DB6C-41EB-A023-F079D46A0221}"/>
               </a:ext>
             </a:extLst>
           </p:cNvPr>
@@ -16483,7 +16946,7 @@
         </p:blipFill>
         <p:spPr bwMode="auto">
           <a:xfrm>
-            <a:off x="3824060" y="1048344"/>
+            <a:off x="284440" y="1091538"/>
             <a:ext cx="5319940" cy="2559213"/>
           </a:xfrm>
           <a:prstGeom prst="rect">
@@ -16501,15 +16964,62 @@
           </a:extLst>
         </p:spPr>
       </p:pic>
+      <p:sp>
+        <p:nvSpPr>
+          <p:cNvPr id="20" name="TextBox 9"/>
+          <p:cNvSpPr txBox="1"/>
+          <p:nvPr/>
+        </p:nvSpPr>
+        <p:spPr>
+          <a:xfrm>
+            <a:off x="3341299" y="4330287"/>
+            <a:ext cx="2569934" cy="369332"/>
+          </a:xfrm>
+          <a:prstGeom prst="rect">
+            <a:avLst/>
+          </a:prstGeom>
+          <a:noFill/>
+        </p:spPr>
+        <p:txBody>
+          <a:bodyPr wrap="none" rtlCol="0">
+            <a:spAutoFit/>
+          </a:bodyPr>
+          <a:lstStyle/>
+          <a:p>
+            <a:r>
+              <a:rPr lang="en-US" sz="1800" dirty="0" err="1"/>
+              <a:t>C’est</a:t>
+            </a:r>
+            <a:r>
+              <a:rPr lang="en-US" sz="1800" dirty="0"/>
+              <a:t> le pattern </a:t>
+            </a:r>
+            <a:r>
+              <a:rPr lang="en-US" sz="1800" dirty="0">
+                <a:solidFill>
+                  <a:srgbClr val="92D050"/>
+                </a:solidFill>
+              </a:rPr>
+              <a:t>Visitor</a:t>
+            </a:r>
+            <a:r>
+              <a:rPr lang="en-US" sz="1800" dirty="0">
+                <a:solidFill>
+                  <a:schemeClr val="accent6"/>
+                </a:solidFill>
+              </a:rPr>
+              <a:t> </a:t>
+            </a:r>
+            <a:r>
+              <a:rPr lang="en-US" sz="1800" dirty="0"/>
+              <a:t>!</a:t>
+            </a:r>
+          </a:p>
+        </p:txBody>
+      </p:sp>
       <p:pic>
         <p:nvPicPr>
-          <p:cNvPr id="18" name="Picture 2" descr="PlantUML Diagram">
-            <a:extLst>
-              <a:ext uri="{FF2B5EF4-FFF2-40B4-BE49-F238E27FC236}">
-                <a16:creationId xmlns:a16="http://schemas.microsoft.com/office/drawing/2014/main" xmlns="" id="{8BB2D1BB-5A30-4AD9-B0C2-C2AED90890FF}"/>
-              </a:ext>
-            </a:extLst>
-          </p:cNvPr>
+          <p:cNvPr id="10" name="Picture 4" descr="PlantUML Diagram"/>
           <p:cNvPicPr>
             <a:picLocks noChangeAspect="1" noChangeArrowheads="1"/>
           </p:cNvPicPr>
@@ -16530,8 +17040,8 @@
         </p:blipFill>
         <p:spPr bwMode="auto">
           <a:xfrm>
-            <a:off x="189627" y="1542197"/>
-            <a:ext cx="3253214" cy="2488955"/>
+            <a:off x="5685126" y="1444389"/>
+            <a:ext cx="3441762" cy="2325940"/>
           </a:xfrm>
           <a:prstGeom prst="rect">
             <a:avLst/>
@@ -16555,8 +17065,8 @@
           <p:nvPr/>
         </p:nvSpPr>
         <p:spPr>
-          <a:xfrm>
-            <a:off x="3210259" y="2571750"/>
+          <a:xfrm rot="10800000">
+            <a:off x="4856789" y="1760849"/>
             <a:ext cx="747591" cy="399466"/>
           </a:xfrm>
           <a:prstGeom prst="rightArrow">
@@ -16593,59 +17103,6 @@
           <a:p>
             <a:pPr algn="ctr"/>
             <a:endParaRPr lang="en-US"/>
-          </a:p>
-        </p:txBody>
-      </p:sp>
-      <p:sp>
-        <p:nvSpPr>
-          <p:cNvPr id="20" name="TextBox 9"/>
-          <p:cNvSpPr txBox="1"/>
-          <p:nvPr/>
-        </p:nvSpPr>
-        <p:spPr>
-          <a:xfrm>
-            <a:off x="3341299" y="4330287"/>
-            <a:ext cx="2569934" cy="369332"/>
-          </a:xfrm>
-          <a:prstGeom prst="rect">
-            <a:avLst/>
-          </a:prstGeom>
-          <a:noFill/>
-        </p:spPr>
-        <p:txBody>
-          <a:bodyPr wrap="none" rtlCol="0">
-            <a:spAutoFit/>
-          </a:bodyPr>
-          <a:lstStyle/>
-          <a:p>
-            <a:r>
-              <a:rPr lang="en-US" sz="1800" dirty="0" err="1"/>
-              <a:t>C’est</a:t>
-            </a:r>
-            <a:r>
-              <a:rPr lang="en-US" sz="1800" dirty="0"/>
-              <a:t> le pattern </a:t>
-            </a:r>
-            <a:r>
-              <a:rPr lang="en-US" sz="1800" dirty="0">
-                <a:solidFill>
-                  <a:srgbClr val="92D050"/>
-                </a:solidFill>
-              </a:rPr>
-              <a:t>Visitor</a:t>
-            </a:r>
-            <a:r>
-              <a:rPr lang="en-US" sz="1800" dirty="0">
-                <a:solidFill>
-                  <a:schemeClr val="accent6"/>
-                </a:solidFill>
-              </a:rPr>
-              <a:t> </a:t>
-            </a:r>
-            <a:r>
-              <a:rPr lang="en-US" sz="1800" dirty="0"/>
-              <a:t>!</a:t>
-            </a:r>
           </a:p>
         </p:txBody>
       </p:sp>
@@ -16728,7 +17185,7 @@
                                           </p:stCondLst>
                                         </p:cTn>
                                         <p:tgtEl>
-                                          <p:spTgt spid="18"/>
+                                          <p:spTgt spid="10"/>
                                         </p:tgtEl>
                                         <p:attrNameLst>
                                           <p:attrName>style.visibility</p:attrName>
@@ -16742,7 +17199,7 @@
                                       <p:cBhvr>
                                         <p:cTn id="10" dur="500"/>
                                         <p:tgtEl>
-                                          <p:spTgt spid="18"/>
+                                          <p:spTgt spid="10"/>
                                         </p:tgtEl>
                                       </p:cBhvr>
                                     </p:animEffect>
@@ -16919,8 +17376,223 @@
     </p:tnLst>
     <p:bldLst>
       <p:bldP spid="101" grpId="0"/>
+      <p:bldP spid="20" grpId="0"/>
       <p:bldP spid="19" grpId="0" animBg="1"/>
-      <p:bldP spid="20" grpId="0"/>
+    </p:bldLst>
+  </p:timing>
+</p:sld>
+</file>
+
+<file path=ppt/slides/slide17.xml><?xml version="1.0" encoding="utf-8"?>
+<p:sld xmlns:a="http://schemas.openxmlformats.org/drawingml/2006/main" xmlns:r="http://schemas.openxmlformats.org/officeDocument/2006/relationships" xmlns:p="http://schemas.openxmlformats.org/presentationml/2006/main">
+  <p:cSld>
+    <p:spTree>
+      <p:nvGrpSpPr>
+        <p:cNvPr id="1" name="Shape 100"/>
+        <p:cNvGrpSpPr/>
+        <p:nvPr/>
+      </p:nvGrpSpPr>
+      <p:grpSpPr>
+        <a:xfrm>
+          <a:off x="0" y="0"/>
+          <a:ext cx="0" cy="0"/>
+          <a:chOff x="0" y="0"/>
+          <a:chExt cx="0" cy="0"/>
+        </a:xfrm>
+      </p:grpSpPr>
+      <p:sp>
+        <p:nvSpPr>
+          <p:cNvPr id="101" name="Shape 101"/>
+          <p:cNvSpPr txBox="1"/>
+          <p:nvPr/>
+        </p:nvSpPr>
+        <p:spPr>
+          <a:xfrm>
+            <a:off x="361500" y="309350"/>
+            <a:ext cx="8421000" cy="855000"/>
+          </a:xfrm>
+          <a:prstGeom prst="rect">
+            <a:avLst/>
+          </a:prstGeom>
+          <a:noFill/>
+          <a:ln>
+            <a:noFill/>
+          </a:ln>
+        </p:spPr>
+        <p:txBody>
+          <a:bodyPr spcFirstLastPara="1" wrap="square" lIns="91425" tIns="91425" rIns="91425" bIns="91425" anchor="b" anchorCtr="0">
+            <a:noAutofit/>
+          </a:bodyPr>
+          <a:lstStyle/>
+          <a:p>
+            <a:pPr lvl="0" algn="ctr"/>
+            <a:r>
+              <a:rPr lang="en-GB" sz="4800" b="1" dirty="0" smtClean="0">
+                <a:latin typeface="Helvetica Neue"/>
+                <a:ea typeface="Helvetica Neue"/>
+                <a:cs typeface="Helvetica Neue"/>
+                <a:sym typeface="Helvetica Neue"/>
+              </a:rPr>
+              <a:t>Questions?</a:t>
+            </a:r>
+            <a:endParaRPr sz="8000" dirty="0">
+              <a:latin typeface="Helvetica Neue"/>
+              <a:ea typeface="Helvetica Neue"/>
+              <a:cs typeface="Helvetica Neue"/>
+              <a:sym typeface="Helvetica Neue"/>
+            </a:endParaRPr>
+          </a:p>
+        </p:txBody>
+      </p:sp>
+      <p:pic>
+        <p:nvPicPr>
+          <p:cNvPr id="102" name="Shape 102"/>
+          <p:cNvPicPr preferRelativeResize="0"/>
+          <p:nvPr/>
+        </p:nvPicPr>
+        <p:blipFill>
+          <a:blip r:embed="rId3">
+            <a:alphaModFix/>
+          </a:blip>
+          <a:stretch>
+            <a:fillRect/>
+          </a:stretch>
+        </p:blipFill>
+        <p:spPr>
+          <a:xfrm>
+            <a:off x="0" y="0"/>
+            <a:ext cx="189627" cy="5143503"/>
+          </a:xfrm>
+          <a:prstGeom prst="rect">
+            <a:avLst/>
+          </a:prstGeom>
+          <a:noFill/>
+          <a:ln>
+            <a:noFill/>
+          </a:ln>
+        </p:spPr>
+      </p:pic>
+      <p:pic>
+        <p:nvPicPr>
+          <p:cNvPr id="103" name="Shape 103"/>
+          <p:cNvPicPr preferRelativeResize="0"/>
+          <p:nvPr/>
+        </p:nvPicPr>
+        <p:blipFill rotWithShape="1">
+          <a:blip r:embed="rId4">
+            <a:alphaModFix/>
+          </a:blip>
+          <a:srcRect l="17665" r="14204" b="33849"/>
+          <a:stretch/>
+        </p:blipFill>
+        <p:spPr>
+          <a:xfrm>
+            <a:off x="8201125" y="4195400"/>
+            <a:ext cx="817750" cy="794025"/>
+          </a:xfrm>
+          <a:prstGeom prst="rect">
+            <a:avLst/>
+          </a:prstGeom>
+          <a:noFill/>
+          <a:ln>
+            <a:noFill/>
+          </a:ln>
+        </p:spPr>
+      </p:pic>
+    </p:spTree>
+    <p:extLst>
+      <p:ext uri="{BB962C8B-B14F-4D97-AF65-F5344CB8AC3E}">
+        <p14:creationId xmlns:p14="http://schemas.microsoft.com/office/powerpoint/2010/main" val="554929194"/>
+      </p:ext>
+    </p:extLst>
+  </p:cSld>
+  <p:clrMapOvr>
+    <a:masterClrMapping/>
+  </p:clrMapOvr>
+  <p:timing>
+    <p:tnLst>
+      <p:par>
+        <p:cTn id="1" dur="indefinite" restart="never" nodeType="tmRoot">
+          <p:childTnLst>
+            <p:seq concurrent="1" nextAc="seek">
+              <p:cTn id="2" dur="indefinite" nodeType="mainSeq">
+                <p:childTnLst>
+                  <p:par>
+                    <p:cTn id="3" fill="hold">
+                      <p:stCondLst>
+                        <p:cond delay="indefinite"/>
+                      </p:stCondLst>
+                      <p:childTnLst>
+                        <p:par>
+                          <p:cTn id="4" fill="hold">
+                            <p:stCondLst>
+                              <p:cond delay="0"/>
+                            </p:stCondLst>
+                            <p:childTnLst>
+                              <p:par>
+                                <p:cTn id="5" presetID="10" presetClass="entr" presetSubtype="0" fill="hold" grpId="0" nodeType="clickEffect">
+                                  <p:stCondLst>
+                                    <p:cond delay="0"/>
+                                  </p:stCondLst>
+                                  <p:childTnLst>
+                                    <p:set>
+                                      <p:cBhvr>
+                                        <p:cTn id="6" dur="1" fill="hold">
+                                          <p:stCondLst>
+                                            <p:cond delay="0"/>
+                                          </p:stCondLst>
+                                        </p:cTn>
+                                        <p:tgtEl>
+                                          <p:spTgt spid="101"/>
+                                        </p:tgtEl>
+                                        <p:attrNameLst>
+                                          <p:attrName>style.visibility</p:attrName>
+                                        </p:attrNameLst>
+                                      </p:cBhvr>
+                                      <p:to>
+                                        <p:strVal val="visible"/>
+                                      </p:to>
+                                    </p:set>
+                                    <p:animEffect transition="in" filter="fade">
+                                      <p:cBhvr>
+                                        <p:cTn id="7" dur="500"/>
+                                        <p:tgtEl>
+                                          <p:spTgt spid="101"/>
+                                        </p:tgtEl>
+                                      </p:cBhvr>
+                                    </p:animEffect>
+                                  </p:childTnLst>
+                                </p:cTn>
+                              </p:par>
+                            </p:childTnLst>
+                          </p:cTn>
+                        </p:par>
+                      </p:childTnLst>
+                    </p:cTn>
+                  </p:par>
+                </p:childTnLst>
+              </p:cTn>
+              <p:prevCondLst>
+                <p:cond evt="onPrev" delay="0">
+                  <p:tgtEl>
+                    <p:sldTgt/>
+                  </p:tgtEl>
+                </p:cond>
+              </p:prevCondLst>
+              <p:nextCondLst>
+                <p:cond evt="onNext" delay="0">
+                  <p:tgtEl>
+                    <p:sldTgt/>
+                  </p:tgtEl>
+                </p:cond>
+              </p:nextCondLst>
+            </p:seq>
+          </p:childTnLst>
+        </p:cTn>
+      </p:par>
+    </p:tnLst>
+    <p:bldLst>
+      <p:bldP spid="101" grpId="0"/>
     </p:bldLst>
   </p:timing>
 </p:sld>
@@ -18788,7 +19460,7 @@
           <p:cNvPr id="6" name="Picture 4" descr="PlantUML Diagram">
             <a:extLst>
               <a:ext uri="{FF2B5EF4-FFF2-40B4-BE49-F238E27FC236}">
-                <a16:creationId xmlns="" xmlns:a16="http://schemas.microsoft.com/office/drawing/2014/main" id="{40B58331-CE09-4A3D-83B4-567D1A06E2B2}"/>
+                <a16:creationId xmlns:a16="http://schemas.microsoft.com/office/drawing/2014/main" xmlns="" id="{40B58331-CE09-4A3D-83B4-567D1A06E2B2}"/>
               </a:ext>
             </a:extLst>
           </p:cNvPr>
@@ -19230,7 +19902,7 @@
           <p:cNvPr id="7" name="Picture 2" descr="PlantUML Diagram">
             <a:extLst>
               <a:ext uri="{FF2B5EF4-FFF2-40B4-BE49-F238E27FC236}">
-                <a16:creationId xmlns="" xmlns:a16="http://schemas.microsoft.com/office/drawing/2014/main" id="{BB6A48FC-5EBB-40E4-965F-72498E12EF49}"/>
+                <a16:creationId xmlns:a16="http://schemas.microsoft.com/office/drawing/2014/main" xmlns="" id="{BB6A48FC-5EBB-40E4-965F-72498E12EF49}"/>
               </a:ext>
             </a:extLst>
           </p:cNvPr>
@@ -21385,7 +22057,7 @@
           <p:cNvPr id="9" name="Picture 2" descr="PlantUML Diagram">
             <a:extLst>
               <a:ext uri="{FF2B5EF4-FFF2-40B4-BE49-F238E27FC236}">
-                <a16:creationId xmlns="" xmlns:a16="http://schemas.microsoft.com/office/drawing/2014/main" id="{B2CC0E40-22EE-4B73-963D-76771D32546F}"/>
+                <a16:creationId xmlns:a16="http://schemas.microsoft.com/office/drawing/2014/main" xmlns="" id="{B2CC0E40-22EE-4B73-963D-76771D32546F}"/>
               </a:ext>
             </a:extLst>
           </p:cNvPr>
@@ -21736,7 +22408,7 @@
           <p:cNvPr id="9" name="Picture 2" descr="PlantUML Diagram">
             <a:extLst>
               <a:ext uri="{FF2B5EF4-FFF2-40B4-BE49-F238E27FC236}">
-                <a16:creationId xmlns="" xmlns:a16="http://schemas.microsoft.com/office/drawing/2014/main" id="{B2CC0E40-22EE-4B73-963D-76771D32546F}"/>
+                <a16:creationId xmlns:a16="http://schemas.microsoft.com/office/drawing/2014/main" xmlns="" id="{B2CC0E40-22EE-4B73-963D-76771D32546F}"/>
               </a:ext>
             </a:extLst>
           </p:cNvPr>
